--- a/18-Descrição dos Processos de Negócio.pptx
+++ b/18-Descrição dos Processos de Negócio.pptx
@@ -265,7 +265,7 @@
   </p:defaultTextStyle>
   <p:extLst>
     <p:ext uri="http://customooxmlschemas.google.com/">
-      <go:slidesCustomData xmlns:go="http://customooxmlschemas.google.com/" r:id="rId28" roundtripDataSignature="AMtx7mgm+iJ/lGiAL6tu+T5m1C+/JTYgQw=="/>
+      <go:slidesCustomData xmlns:go="http://customooxmlschemas.google.com/" r:id="rId28" roundtripDataSignature="AMtx7miCd9ya1zh2KDVNxJA/14IboOUARg=="/>
     </p:ext>
   </p:extLst>
 </p:presentation>
@@ -18644,8 +18644,8 @@
         </p:blipFill>
         <p:spPr>
           <a:xfrm>
-            <a:off x="304800" y="1690825"/>
-            <a:ext cx="7041851" cy="2958580"/>
+            <a:off x="303050" y="1690825"/>
+            <a:ext cx="7043600" cy="2949150"/>
           </a:xfrm>
           <a:prstGeom prst="rect">
             <a:avLst/>
@@ -19013,8 +19013,8 @@
         </p:blipFill>
         <p:spPr>
           <a:xfrm>
-            <a:off x="304800" y="1690825"/>
-            <a:ext cx="7041851" cy="2958580"/>
+            <a:off x="303050" y="1690825"/>
+            <a:ext cx="7043600" cy="2949150"/>
           </a:xfrm>
           <a:prstGeom prst="rect">
             <a:avLst/>
@@ -26915,7 +26915,7 @@
                   <a:schemeClr val="lt1"/>
                 </a:highlight>
               </a:rPr>
-              <a:t>: Cliente faz solicitação de suporte e informa o número do chamado.</a:t>
+              <a:t>: Cliente faz solicitação de suporte.</a:t>
             </a:r>
             <a:endParaRPr sz="2000">
               <a:highlight>
@@ -27087,8 +27087,8 @@
         </p:blipFill>
         <p:spPr>
           <a:xfrm>
-            <a:off x="304800" y="1690825"/>
-            <a:ext cx="7041851" cy="2958580"/>
+            <a:off x="303050" y="1690825"/>
+            <a:ext cx="7043600" cy="2949150"/>
           </a:xfrm>
           <a:prstGeom prst="rect">
             <a:avLst/>
@@ -27512,8 +27512,8 @@
         </p:blipFill>
         <p:spPr>
           <a:xfrm>
-            <a:off x="304800" y="1690825"/>
-            <a:ext cx="7041851" cy="2958580"/>
+            <a:off x="303050" y="1690825"/>
+            <a:ext cx="7043600" cy="2949150"/>
           </a:xfrm>
           <a:prstGeom prst="rect">
             <a:avLst/>
@@ -27891,8 +27891,8 @@
         </p:blipFill>
         <p:spPr>
           <a:xfrm>
-            <a:off x="304800" y="1690825"/>
-            <a:ext cx="7041851" cy="2958580"/>
+            <a:off x="303050" y="1690825"/>
+            <a:ext cx="7043600" cy="2949150"/>
           </a:xfrm>
           <a:prstGeom prst="rect">
             <a:avLst/>

--- a/18-Descrição dos Processos de Negócio.pptx
+++ b/18-Descrição dos Processos de Negócio.pptx
@@ -265,7 +265,7 @@
   </p:defaultTextStyle>
   <p:extLst>
     <p:ext uri="http://customooxmlschemas.google.com/">
-      <go:slidesCustomData xmlns:go="http://customooxmlschemas.google.com/" r:id="rId28" roundtripDataSignature="AMtx7miCd9ya1zh2KDVNxJA/14IboOUARg=="/>
+      <go:slidesCustomData xmlns:go="http://customooxmlschemas.google.com/" r:id="rId28" roundtripDataSignature="AMtx7mj8AWnc4w/8qTkvzmrttpFhBtH4eg=="/>
     </p:ext>
   </p:extLst>
 </p:presentation>
@@ -19655,7 +19655,7 @@
         <p:spPr>
           <a:xfrm>
             <a:off x="8039100" y="1690825"/>
-            <a:ext cx="3485100" cy="3889200"/>
+            <a:ext cx="3485100" cy="4135500"/>
           </a:xfrm>
           <a:prstGeom prst="rect">
             <a:avLst/>
@@ -19767,7 +19767,7 @@
                 <a:cs typeface="Calibri"/>
                 <a:sym typeface="Calibri"/>
               </a:rPr>
-              <a:t>: </a:t>
+              <a:t>: Atendente</a:t>
             </a:r>
             <a:r>
               <a:rPr lang="pt-BR" sz="2000">
@@ -19782,7 +19782,7 @@
                 <a:cs typeface="Calibri"/>
                 <a:sym typeface="Calibri"/>
               </a:rPr>
-              <a:t>Cliente faz solicitação de status de chamado</a:t>
+              <a:t> envia status do chamado e recibo para devolução</a:t>
             </a:r>
             <a:endParaRPr sz="2000">
               <a:solidFill>

--- a/18-Descrição dos Processos de Negócio.pptx
+++ b/18-Descrição dos Processos de Negócio.pptx
@@ -265,7 +265,7 @@
   </p:defaultTextStyle>
   <p:extLst>
     <p:ext uri="http://customooxmlschemas.google.com/">
-      <go:slidesCustomData xmlns:go="http://customooxmlschemas.google.com/" r:id="rId28" roundtripDataSignature="AMtx7mj8AWnc4w/8qTkvzmrttpFhBtH4eg=="/>
+      <go:slidesCustomData xmlns:go="http://customooxmlschemas.google.com/" r:id="rId28" roundtripDataSignature="AMtx7mhWVCtoZ3ZvAihFUGQ3wVEzaUcPGQ=="/>
     </p:ext>
   </p:extLst>
 </p:presentation>
@@ -2100,6 +2100,16 @@
               </a:path>
             </a:pathLst>
           </a:custGeom>
+          <a:noFill/>
+          <a:ln cap="flat" cmpd="sng" w="12700">
+            <a:solidFill>
+              <a:srgbClr val="000000"/>
+            </a:solidFill>
+            <a:prstDash val="solid"/>
+            <a:round/>
+            <a:headEnd len="sm" w="sm" type="none"/>
+            <a:tailEnd len="sm" w="sm" type="none"/>
+          </a:ln>
         </p:spPr>
       </p:sp>
       <p:sp>
@@ -2118,6 +2128,10 @@
           <a:prstGeom prst="rect">
             <a:avLst/>
           </a:prstGeom>
+          <a:noFill/>
+          <a:ln>
+            <a:noFill/>
+          </a:ln>
         </p:spPr>
         <p:txBody>
           <a:bodyPr anchorCtr="0" anchor="t" bIns="45700" lIns="91425" spcFirstLastPara="1" rIns="91425" wrap="square" tIns="45700">
@@ -2126,12 +2140,16 @@
           <a:lstStyle/>
           <a:p>
             <a:pPr indent="0" lvl="0" marL="0" rtl="0" algn="l">
-              <a:spcBef>
-                <a:spcPts val="0"/>
-              </a:spcBef>
-              <a:spcAft>
-                <a:spcPts val="0"/>
-              </a:spcAft>
+              <a:lnSpc>
+                <a:spcPct val="100000"/>
+              </a:lnSpc>
+              <a:spcBef>
+                <a:spcPts val="0"/>
+              </a:spcBef>
+              <a:spcAft>
+                <a:spcPts val="0"/>
+              </a:spcAft>
+              <a:buSzPts val="1400"/>
               <a:buNone/>
             </a:pPr>
             <a:r>
@@ -2157,6 +2175,10 @@
           <a:prstGeom prst="rect">
             <a:avLst/>
           </a:prstGeom>
+          <a:noFill/>
+          <a:ln>
+            <a:noFill/>
+          </a:ln>
         </p:spPr>
         <p:txBody>
           <a:bodyPr anchorCtr="0" anchor="b" bIns="45700" lIns="91425" spcFirstLastPara="1" rIns="91425" wrap="square" tIns="45700">
@@ -2165,6 +2187,9 @@
           <a:lstStyle/>
           <a:p>
             <a:pPr indent="0" lvl="0" marL="0" rtl="0" algn="r">
+              <a:lnSpc>
+                <a:spcPct val="100000"/>
+              </a:lnSpc>
               <a:spcBef>
                 <a:spcPts val="0"/>
               </a:spcBef>
@@ -2244,6 +2269,16 @@
               </a:path>
             </a:pathLst>
           </a:custGeom>
+          <a:noFill/>
+          <a:ln cap="flat" cmpd="sng" w="12700">
+            <a:solidFill>
+              <a:srgbClr val="000000"/>
+            </a:solidFill>
+            <a:prstDash val="solid"/>
+            <a:round/>
+            <a:headEnd len="sm" w="sm" type="none"/>
+            <a:tailEnd len="sm" w="sm" type="none"/>
+          </a:ln>
         </p:spPr>
       </p:sp>
       <p:sp>
@@ -2262,6 +2297,10 @@
           <a:prstGeom prst="rect">
             <a:avLst/>
           </a:prstGeom>
+          <a:noFill/>
+          <a:ln>
+            <a:noFill/>
+          </a:ln>
         </p:spPr>
         <p:txBody>
           <a:bodyPr anchorCtr="0" anchor="t" bIns="45700" lIns="91425" spcFirstLastPara="1" rIns="91425" wrap="square" tIns="45700">
@@ -2270,12 +2309,16 @@
           <a:lstStyle/>
           <a:p>
             <a:pPr indent="0" lvl="0" marL="0" rtl="0" algn="l">
-              <a:spcBef>
-                <a:spcPts val="0"/>
-              </a:spcBef>
-              <a:spcAft>
-                <a:spcPts val="0"/>
-              </a:spcAft>
+              <a:lnSpc>
+                <a:spcPct val="100000"/>
+              </a:lnSpc>
+              <a:spcBef>
+                <a:spcPts val="0"/>
+              </a:spcBef>
+              <a:spcAft>
+                <a:spcPts val="0"/>
+              </a:spcAft>
+              <a:buSzPts val="1400"/>
               <a:buNone/>
             </a:pPr>
             <a:r>
@@ -2301,6 +2344,10 @@
           <a:prstGeom prst="rect">
             <a:avLst/>
           </a:prstGeom>
+          <a:noFill/>
+          <a:ln>
+            <a:noFill/>
+          </a:ln>
         </p:spPr>
         <p:txBody>
           <a:bodyPr anchorCtr="0" anchor="b" bIns="45700" lIns="91425" spcFirstLastPara="1" rIns="91425" wrap="square" tIns="45700">
@@ -2309,6 +2356,9 @@
           <a:lstStyle/>
           <a:p>
             <a:pPr indent="0" lvl="0" marL="0" rtl="0" algn="r">
+              <a:lnSpc>
+                <a:spcPct val="100000"/>
+              </a:lnSpc>
               <a:spcBef>
                 <a:spcPts val="0"/>
               </a:spcBef>
@@ -2388,6 +2438,16 @@
               </a:path>
             </a:pathLst>
           </a:custGeom>
+          <a:noFill/>
+          <a:ln cap="flat" cmpd="sng" w="12700">
+            <a:solidFill>
+              <a:srgbClr val="000000"/>
+            </a:solidFill>
+            <a:prstDash val="solid"/>
+            <a:round/>
+            <a:headEnd len="sm" w="sm" type="none"/>
+            <a:tailEnd len="sm" w="sm" type="none"/>
+          </a:ln>
         </p:spPr>
       </p:sp>
       <p:sp>
@@ -2406,6 +2466,10 @@
           <a:prstGeom prst="rect">
             <a:avLst/>
           </a:prstGeom>
+          <a:noFill/>
+          <a:ln>
+            <a:noFill/>
+          </a:ln>
         </p:spPr>
         <p:txBody>
           <a:bodyPr anchorCtr="0" anchor="t" bIns="45700" lIns="91425" spcFirstLastPara="1" rIns="91425" wrap="square" tIns="45700">
@@ -2414,12 +2478,16 @@
           <a:lstStyle/>
           <a:p>
             <a:pPr indent="0" lvl="0" marL="0" rtl="0" algn="l">
-              <a:spcBef>
-                <a:spcPts val="0"/>
-              </a:spcBef>
-              <a:spcAft>
-                <a:spcPts val="0"/>
-              </a:spcAft>
+              <a:lnSpc>
+                <a:spcPct val="100000"/>
+              </a:lnSpc>
+              <a:spcBef>
+                <a:spcPts val="0"/>
+              </a:spcBef>
+              <a:spcAft>
+                <a:spcPts val="0"/>
+              </a:spcAft>
+              <a:buSzPts val="1400"/>
               <a:buNone/>
             </a:pPr>
             <a:r>
@@ -2445,6 +2513,10 @@
           <a:prstGeom prst="rect">
             <a:avLst/>
           </a:prstGeom>
+          <a:noFill/>
+          <a:ln>
+            <a:noFill/>
+          </a:ln>
         </p:spPr>
         <p:txBody>
           <a:bodyPr anchorCtr="0" anchor="b" bIns="45700" lIns="91425" spcFirstLastPara="1" rIns="91425" wrap="square" tIns="45700">
@@ -2453,6 +2525,9 @@
           <a:lstStyle/>
           <a:p>
             <a:pPr indent="0" lvl="0" marL="0" rtl="0" algn="r">
+              <a:lnSpc>
+                <a:spcPct val="100000"/>
+              </a:lnSpc>
               <a:spcBef>
                 <a:spcPts val="0"/>
               </a:spcBef>
@@ -3000,6 +3075,16 @@
               </a:path>
             </a:pathLst>
           </a:custGeom>
+          <a:noFill/>
+          <a:ln cap="flat" cmpd="sng" w="12700">
+            <a:solidFill>
+              <a:srgbClr val="000000"/>
+            </a:solidFill>
+            <a:prstDash val="solid"/>
+            <a:round/>
+            <a:headEnd len="sm" w="sm" type="none"/>
+            <a:tailEnd len="sm" w="sm" type="none"/>
+          </a:ln>
         </p:spPr>
       </p:sp>
       <p:sp>
@@ -3018,6 +3103,10 @@
           <a:prstGeom prst="rect">
             <a:avLst/>
           </a:prstGeom>
+          <a:noFill/>
+          <a:ln>
+            <a:noFill/>
+          </a:ln>
         </p:spPr>
         <p:txBody>
           <a:bodyPr anchorCtr="0" anchor="t" bIns="45700" lIns="91425" spcFirstLastPara="1" rIns="91425" wrap="square" tIns="45700">
@@ -3026,12 +3115,16 @@
           <a:lstStyle/>
           <a:p>
             <a:pPr indent="0" lvl="0" marL="0" rtl="0" algn="l">
-              <a:spcBef>
-                <a:spcPts val="0"/>
-              </a:spcBef>
-              <a:spcAft>
-                <a:spcPts val="0"/>
-              </a:spcAft>
+              <a:lnSpc>
+                <a:spcPct val="100000"/>
+              </a:lnSpc>
+              <a:spcBef>
+                <a:spcPts val="0"/>
+              </a:spcBef>
+              <a:spcAft>
+                <a:spcPts val="0"/>
+              </a:spcAft>
+              <a:buSzPts val="1400"/>
               <a:buNone/>
             </a:pPr>
             <a:r>
@@ -3057,6 +3150,10 @@
           <a:prstGeom prst="rect">
             <a:avLst/>
           </a:prstGeom>
+          <a:noFill/>
+          <a:ln>
+            <a:noFill/>
+          </a:ln>
         </p:spPr>
         <p:txBody>
           <a:bodyPr anchorCtr="0" anchor="b" bIns="45700" lIns="91425" spcFirstLastPara="1" rIns="91425" wrap="square" tIns="45700">
@@ -3065,12 +3162,16 @@
           <a:lstStyle/>
           <a:p>
             <a:pPr indent="0" lvl="0" marL="0" rtl="0" algn="r">
-              <a:spcBef>
-                <a:spcPts val="0"/>
-              </a:spcBef>
-              <a:spcAft>
-                <a:spcPts val="0"/>
-              </a:spcAft>
+              <a:lnSpc>
+                <a:spcPct val="100000"/>
+              </a:lnSpc>
+              <a:spcBef>
+                <a:spcPts val="0"/>
+              </a:spcBef>
+              <a:spcAft>
+                <a:spcPts val="0"/>
+              </a:spcAft>
+              <a:buSzPts val="1400"/>
               <a:buNone/>
             </a:pPr>
             <a:fld id="{00000000-1234-1234-1234-123412341234}" type="slidenum">
@@ -3490,6 +3591,16 @@
               </a:path>
             </a:pathLst>
           </a:custGeom>
+          <a:noFill/>
+          <a:ln cap="flat" cmpd="sng" w="12700">
+            <a:solidFill>
+              <a:srgbClr val="000000"/>
+            </a:solidFill>
+            <a:prstDash val="solid"/>
+            <a:round/>
+            <a:headEnd len="sm" w="sm" type="none"/>
+            <a:tailEnd len="sm" w="sm" type="none"/>
+          </a:ln>
         </p:spPr>
       </p:sp>
       <p:sp>
@@ -3508,6 +3619,10 @@
           <a:prstGeom prst="rect">
             <a:avLst/>
           </a:prstGeom>
+          <a:noFill/>
+          <a:ln>
+            <a:noFill/>
+          </a:ln>
         </p:spPr>
         <p:txBody>
           <a:bodyPr anchorCtr="0" anchor="t" bIns="45700" lIns="91425" spcFirstLastPara="1" rIns="91425" wrap="square" tIns="45700">
@@ -3516,12 +3631,16 @@
           <a:lstStyle/>
           <a:p>
             <a:pPr indent="0" lvl="0" marL="0" rtl="0" algn="l">
-              <a:spcBef>
-                <a:spcPts val="0"/>
-              </a:spcBef>
-              <a:spcAft>
-                <a:spcPts val="0"/>
-              </a:spcAft>
+              <a:lnSpc>
+                <a:spcPct val="100000"/>
+              </a:lnSpc>
+              <a:spcBef>
+                <a:spcPts val="0"/>
+              </a:spcBef>
+              <a:spcAft>
+                <a:spcPts val="0"/>
+              </a:spcAft>
+              <a:buSzPts val="1400"/>
               <a:buNone/>
             </a:pPr>
             <a:r>
@@ -3547,6 +3666,10 @@
           <a:prstGeom prst="rect">
             <a:avLst/>
           </a:prstGeom>
+          <a:noFill/>
+          <a:ln>
+            <a:noFill/>
+          </a:ln>
         </p:spPr>
         <p:txBody>
           <a:bodyPr anchorCtr="0" anchor="b" bIns="45700" lIns="91425" spcFirstLastPara="1" rIns="91425" wrap="square" tIns="45700">
@@ -3555,12 +3678,16 @@
           <a:lstStyle/>
           <a:p>
             <a:pPr indent="0" lvl="0" marL="0" rtl="0" algn="r">
-              <a:spcBef>
-                <a:spcPts val="0"/>
-              </a:spcBef>
-              <a:spcAft>
-                <a:spcPts val="0"/>
-              </a:spcAft>
+              <a:lnSpc>
+                <a:spcPct val="100000"/>
+              </a:lnSpc>
+              <a:spcBef>
+                <a:spcPts val="0"/>
+              </a:spcBef>
+              <a:spcAft>
+                <a:spcPts val="0"/>
+              </a:spcAft>
+              <a:buSzPts val="1400"/>
               <a:buNone/>
             </a:pPr>
             <a:fld id="{00000000-1234-1234-1234-123412341234}" type="slidenum">
@@ -3629,6 +3756,16 @@
               </a:path>
             </a:pathLst>
           </a:custGeom>
+          <a:noFill/>
+          <a:ln cap="flat" cmpd="sng" w="12700">
+            <a:solidFill>
+              <a:srgbClr val="000000"/>
+            </a:solidFill>
+            <a:prstDash val="solid"/>
+            <a:round/>
+            <a:headEnd len="sm" w="sm" type="none"/>
+            <a:tailEnd len="sm" w="sm" type="none"/>
+          </a:ln>
         </p:spPr>
       </p:sp>
       <p:sp>
@@ -3647,6 +3784,10 @@
           <a:prstGeom prst="rect">
             <a:avLst/>
           </a:prstGeom>
+          <a:noFill/>
+          <a:ln>
+            <a:noFill/>
+          </a:ln>
         </p:spPr>
         <p:txBody>
           <a:bodyPr anchorCtr="0" anchor="t" bIns="45700" lIns="91425" spcFirstLastPara="1" rIns="91425" wrap="square" tIns="45700">
@@ -3655,12 +3796,16 @@
           <a:lstStyle/>
           <a:p>
             <a:pPr indent="0" lvl="0" marL="0" rtl="0" algn="l">
-              <a:spcBef>
-                <a:spcPts val="0"/>
-              </a:spcBef>
-              <a:spcAft>
-                <a:spcPts val="0"/>
-              </a:spcAft>
+              <a:lnSpc>
+                <a:spcPct val="100000"/>
+              </a:lnSpc>
+              <a:spcBef>
+                <a:spcPts val="0"/>
+              </a:spcBef>
+              <a:spcAft>
+                <a:spcPts val="0"/>
+              </a:spcAft>
+              <a:buSzPts val="1400"/>
               <a:buNone/>
             </a:pPr>
             <a:r>
@@ -3686,6 +3831,10 @@
           <a:prstGeom prst="rect">
             <a:avLst/>
           </a:prstGeom>
+          <a:noFill/>
+          <a:ln>
+            <a:noFill/>
+          </a:ln>
         </p:spPr>
         <p:txBody>
           <a:bodyPr anchorCtr="0" anchor="b" bIns="45700" lIns="91425" spcFirstLastPara="1" rIns="91425" wrap="square" tIns="45700">
@@ -3694,12 +3843,16 @@
           <a:lstStyle/>
           <a:p>
             <a:pPr indent="0" lvl="0" marL="0" rtl="0" algn="r">
-              <a:spcBef>
-                <a:spcPts val="0"/>
-              </a:spcBef>
-              <a:spcAft>
-                <a:spcPts val="0"/>
-              </a:spcAft>
+              <a:lnSpc>
+                <a:spcPct val="100000"/>
+              </a:lnSpc>
+              <a:spcBef>
+                <a:spcPts val="0"/>
+              </a:spcBef>
+              <a:spcAft>
+                <a:spcPts val="0"/>
+              </a:spcAft>
+              <a:buSzPts val="1400"/>
               <a:buNone/>
             </a:pPr>
             <a:fld id="{00000000-1234-1234-1234-123412341234}" type="slidenum">
@@ -18116,11 +18269,7 @@
             </a:pPr>
             <a:r>
               <a:rPr lang="pt-BR" sz="2000"/>
-              <a:t>Verifica</a:t>
-            </a:r>
-            <a:r>
-              <a:rPr lang="pt-BR" sz="2000"/>
-              <a:t> se o produto está disponível.</a:t>
+              <a:t>Verifica se o produto de venda está disponível.</a:t>
             </a:r>
             <a:endParaRPr sz="2000"/>
           </a:p>
@@ -18287,6 +18436,9 @@
           <a:lstStyle/>
           <a:p>
             <a:pPr indent="0" lvl="0" marL="0" rtl="0" algn="l">
+              <a:lnSpc>
+                <a:spcPct val="90000"/>
+              </a:lnSpc>
               <a:spcBef>
                 <a:spcPts val="0"/>
               </a:spcBef>
@@ -18301,12 +18453,28 @@
               <a:buNone/>
             </a:pPr>
             <a:r>
-              <a:rPr lang="pt-BR"/>
+              <a:rPr lang="pt-BR">
+                <a:highlight>
+                  <a:schemeClr val="lt1"/>
+                </a:highlight>
+              </a:rPr>
               <a:t>Capacidade: </a:t>
             </a:r>
             <a:r>
-              <a:rPr b="1" lang="pt-BR"/>
-              <a:t>Atender Solicitação de Suporte </a:t>
+              <a:rPr b="1" lang="pt-BR">
+                <a:highlight>
+                  <a:schemeClr val="lt1"/>
+                </a:highlight>
+              </a:rPr>
+              <a:t>Realizar Manutenção</a:t>
+            </a:r>
+            <a:r>
+              <a:rPr b="1" lang="pt-BR">
+                <a:highlight>
+                  <a:schemeClr val="lt1"/>
+                </a:highlight>
+              </a:rPr>
+              <a:t> </a:t>
             </a:r>
             <a:endParaRPr>
               <a:highlight>
@@ -18327,7 +18495,7 @@
         <p:spPr>
           <a:xfrm>
             <a:off x="7346650" y="1686300"/>
-            <a:ext cx="4334100" cy="3540000"/>
+            <a:ext cx="4334100" cy="4428900"/>
           </a:xfrm>
           <a:prstGeom prst="rect">
             <a:avLst/>
@@ -18373,7 +18541,7 @@
                   <a:schemeClr val="lt1"/>
                 </a:highlight>
               </a:rPr>
-              <a:t>: Atualizar status do chamado</a:t>
+              <a:t>: Informar status do chamado</a:t>
             </a:r>
             <a:endParaRPr sz="2000">
               <a:highlight>
@@ -18412,15 +18580,7 @@
                   <a:schemeClr val="lt1"/>
                 </a:highlight>
               </a:rPr>
-              <a:t>: </a:t>
-            </a:r>
-            <a:r>
-              <a:rPr lang="pt-BR" sz="2000">
-                <a:highlight>
-                  <a:schemeClr val="lt1"/>
-                </a:highlight>
-              </a:rPr>
-              <a:t>Cliente faz solicitação do status do chamado</a:t>
+              <a:t>: Atendente informa status do chamado.</a:t>
             </a:r>
             <a:endParaRPr sz="2000">
               <a:highlight>
@@ -18459,7 +18619,7 @@
                   <a:schemeClr val="lt1"/>
                 </a:highlight>
               </a:rPr>
-              <a:t>Informar o cliente sobre o status do chamado</a:t>
+              <a:t>Informar ao cliente o status do chamado.</a:t>
             </a:r>
             <a:endParaRPr sz="2000">
               <a:highlight>
@@ -18507,29 +18667,24 @@
             </a:endParaRPr>
           </a:p>
           <a:p>
-            <a:pPr indent="-231140" lvl="0" marL="228600" rtl="0" algn="l">
+            <a:pPr indent="0" lvl="0" marL="0" rtl="0" algn="l">
               <a:lnSpc>
                 <a:spcPct val="80000"/>
               </a:lnSpc>
               <a:spcBef>
-                <a:spcPts val="1000"/>
-              </a:spcBef>
-              <a:spcAft>
-                <a:spcPts val="0"/>
-              </a:spcAft>
-              <a:buClr>
-                <a:schemeClr val="dk1"/>
-              </a:buClr>
-              <a:buSzPts val="2000"/>
-              <a:buChar char="•"/>
+                <a:spcPts val="0"/>
+              </a:spcBef>
+              <a:spcAft>
+                <a:spcPts val="0"/>
+              </a:spcAft>
+              <a:buClr>
+                <a:schemeClr val="dk1"/>
+              </a:buClr>
+              <a:buSzPts val="2800"/>
+              <a:buNone/>
             </a:pPr>
             <a:r>
-              <a:rPr lang="pt-BR" sz="2000">
-                <a:highlight>
-                  <a:schemeClr val="lt1"/>
-                </a:highlight>
-              </a:rPr>
-              <a:t>Verifica o andamento da manutenção.</a:t>
+              <a:t/>
             </a:r>
             <a:endParaRPr sz="2000">
               <a:highlight>
@@ -18538,7 +18693,7 @@
             </a:endParaRPr>
           </a:p>
           <a:p>
-            <a:pPr indent="-231140" lvl="0" marL="228600" rtl="0" algn="l">
+            <a:pPr indent="-228600" lvl="0" marL="228600" rtl="0" algn="l">
               <a:lnSpc>
                 <a:spcPct val="80000"/>
               </a:lnSpc>
@@ -18548,9 +18703,6 @@
               <a:spcAft>
                 <a:spcPts val="0"/>
               </a:spcAft>
-              <a:buClr>
-                <a:schemeClr val="dk1"/>
-              </a:buClr>
               <a:buSzPts val="2000"/>
               <a:buChar char="•"/>
             </a:pPr>
@@ -18560,43 +18712,7 @@
                   <a:schemeClr val="lt1"/>
                 </a:highlight>
               </a:rPr>
-              <a:t>A</a:t>
-            </a:r>
-            <a:r>
-              <a:rPr lang="pt-BR" sz="2000">
-                <a:highlight>
-                  <a:schemeClr val="lt1"/>
-                </a:highlight>
-              </a:rPr>
-              <a:t>tualiza o status do chamado.</a:t>
-            </a:r>
-            <a:endParaRPr sz="2000">
-              <a:highlight>
-                <a:schemeClr val="lt1"/>
-              </a:highlight>
-            </a:endParaRPr>
-          </a:p>
-          <a:p>
-            <a:pPr indent="-231140" lvl="0" marL="228600" rtl="0" algn="l">
-              <a:lnSpc>
-                <a:spcPct val="80000"/>
-              </a:lnSpc>
-              <a:spcBef>
-                <a:spcPts val="1000"/>
-              </a:spcBef>
-              <a:spcAft>
-                <a:spcPts val="0"/>
-              </a:spcAft>
-              <a:buSzPts val="2000"/>
-              <a:buChar char="•"/>
-            </a:pPr>
-            <a:r>
-              <a:rPr lang="pt-BR" sz="2000">
-                <a:highlight>
-                  <a:schemeClr val="lt1"/>
-                </a:highlight>
-              </a:rPr>
-              <a:t>Informa o status de chamado ao cliente.</a:t>
+              <a:t>Ao receber a solicitação de status do cliente, verifica o chamado e informa o status ao cliente.</a:t>
             </a:r>
             <a:endParaRPr sz="2000">
               <a:highlight>
@@ -18615,6 +18731,7 @@
               <a:spcAft>
                 <a:spcPts val="0"/>
               </a:spcAft>
+              <a:buSzPts val="1800"/>
               <a:buNone/>
             </a:pPr>
             <a:r>
@@ -18644,8 +18761,8 @@
         </p:blipFill>
         <p:spPr>
           <a:xfrm>
-            <a:off x="303050" y="1690825"/>
-            <a:ext cx="7043600" cy="2949150"/>
+            <a:off x="721775" y="1690825"/>
+            <a:ext cx="6267450" cy="3924300"/>
           </a:xfrm>
           <a:prstGeom prst="rect">
             <a:avLst/>
@@ -18726,12 +18843,28 @@
               <a:buNone/>
             </a:pPr>
             <a:r>
-              <a:rPr lang="pt-BR"/>
+              <a:rPr lang="pt-BR">
+                <a:highlight>
+                  <a:schemeClr val="lt1"/>
+                </a:highlight>
+              </a:rPr>
               <a:t>Capacidade: </a:t>
             </a:r>
             <a:r>
-              <a:rPr b="1" lang="pt-BR"/>
-              <a:t>Atender Solicitação de Suporte </a:t>
+              <a:rPr b="1" lang="pt-BR">
+                <a:highlight>
+                  <a:schemeClr val="lt1"/>
+                </a:highlight>
+              </a:rPr>
+              <a:t>Realizar Manutenção</a:t>
+            </a:r>
+            <a:r>
+              <a:rPr b="1" lang="pt-BR">
+                <a:highlight>
+                  <a:schemeClr val="lt1"/>
+                </a:highlight>
+              </a:rPr>
+              <a:t> </a:t>
             </a:r>
             <a:endParaRPr>
               <a:highlight>
@@ -18752,7 +18885,7 @@
         <p:spPr>
           <a:xfrm>
             <a:off x="7346650" y="1686300"/>
-            <a:ext cx="4334100" cy="2749500"/>
+            <a:ext cx="4334100" cy="3786600"/>
           </a:xfrm>
           <a:prstGeom prst="rect">
             <a:avLst/>
@@ -18798,15 +18931,7 @@
                   <a:schemeClr val="lt1"/>
                 </a:highlight>
               </a:rPr>
-              <a:t>: </a:t>
-            </a:r>
-            <a:r>
-              <a:rPr lang="pt-BR" sz="2000">
-                <a:highlight>
-                  <a:schemeClr val="lt1"/>
-                </a:highlight>
-              </a:rPr>
-              <a:t>Devolver o produto</a:t>
+              <a:t>: Devolver o produto</a:t>
             </a:r>
             <a:endParaRPr sz="2000">
               <a:highlight>
@@ -18845,15 +18970,7 @@
                   <a:schemeClr val="lt1"/>
                 </a:highlight>
               </a:rPr>
-              <a:t>: </a:t>
-            </a:r>
-            <a:r>
-              <a:rPr lang="pt-BR" sz="2000">
-                <a:highlight>
-                  <a:schemeClr val="lt1"/>
-                </a:highlight>
-              </a:rPr>
-              <a:t>Atendente devolve o produto consertado</a:t>
+              <a:t>: Atendente devolve o produto consertado</a:t>
             </a:r>
             <a:endParaRPr sz="2000">
               <a:highlight>
@@ -18892,7 +19009,7 @@
                   <a:schemeClr val="lt1"/>
                 </a:highlight>
               </a:rPr>
-              <a:t>  Devolução do produto consertado ao cliente</a:t>
+              <a:t>  Devolver o produto consertado ao cliente.</a:t>
             </a:r>
             <a:endParaRPr sz="2000">
               <a:highlight>
@@ -18959,7 +19076,35 @@
                   <a:schemeClr val="lt1"/>
                 </a:highlight>
               </a:rPr>
-              <a:t>Atualiza o status do chamado para “encerrado”.</a:t>
+              <a:t>Verifica se a manutenção foi finalizada.</a:t>
+            </a:r>
+            <a:endParaRPr sz="2000">
+              <a:highlight>
+                <a:schemeClr val="lt1"/>
+              </a:highlight>
+            </a:endParaRPr>
+          </a:p>
+          <a:p>
+            <a:pPr indent="-355600" lvl="1" marL="914400" rtl="0" algn="just">
+              <a:lnSpc>
+                <a:spcPct val="80000"/>
+              </a:lnSpc>
+              <a:spcBef>
+                <a:spcPts val="0"/>
+              </a:spcBef>
+              <a:spcAft>
+                <a:spcPts val="0"/>
+              </a:spcAft>
+              <a:buSzPts val="2000"/>
+              <a:buChar char="○"/>
+            </a:pPr>
+            <a:r>
+              <a:rPr lang="pt-BR" sz="2000">
+                <a:highlight>
+                  <a:schemeClr val="lt1"/>
+                </a:highlight>
+              </a:rPr>
+              <a:t>Se a manutenção não foi “encerrada”, o produto não é devolvido. </a:t>
             </a:r>
             <a:endParaRPr sz="2000">
               <a:highlight>
@@ -18987,7 +19132,43 @@
                   <a:schemeClr val="lt1"/>
                 </a:highlight>
               </a:rPr>
-              <a:t>Devolve o produto consertado ao cliente.</a:t>
+              <a:t>Retira</a:t>
+            </a:r>
+            <a:r>
+              <a:rPr lang="pt-BR" sz="2000">
+                <a:highlight>
+                  <a:schemeClr val="lt1"/>
+                </a:highlight>
+              </a:rPr>
+              <a:t> o produto em produto manutenção e devolve ao cliente.</a:t>
+            </a:r>
+            <a:endParaRPr sz="2000">
+              <a:highlight>
+                <a:schemeClr val="lt1"/>
+              </a:highlight>
+            </a:endParaRPr>
+          </a:p>
+          <a:p>
+            <a:pPr indent="-355600" lvl="0" marL="457200" rtl="0" algn="just">
+              <a:lnSpc>
+                <a:spcPct val="80000"/>
+              </a:lnSpc>
+              <a:spcBef>
+                <a:spcPts val="0"/>
+              </a:spcBef>
+              <a:spcAft>
+                <a:spcPts val="0"/>
+              </a:spcAft>
+              <a:buSzPts val="2000"/>
+              <a:buChar char="•"/>
+            </a:pPr>
+            <a:r>
+              <a:rPr lang="pt-BR" sz="2000">
+                <a:highlight>
+                  <a:schemeClr val="lt1"/>
+                </a:highlight>
+              </a:rPr>
+              <a:t>Atualiza o status do chamado para “encerrado”.</a:t>
             </a:r>
             <a:endParaRPr sz="1400">
               <a:highlight>
@@ -19013,8 +19194,8 @@
         </p:blipFill>
         <p:spPr>
           <a:xfrm>
-            <a:off x="303050" y="1690825"/>
-            <a:ext cx="7043600" cy="2949150"/>
+            <a:off x="721775" y="1690825"/>
+            <a:ext cx="6267450" cy="3924300"/>
           </a:xfrm>
           <a:prstGeom prst="rect">
             <a:avLst/>
@@ -19066,6 +19247,10 @@
           <a:prstGeom prst="rect">
             <a:avLst/>
           </a:prstGeom>
+          <a:noFill/>
+          <a:ln>
+            <a:noFill/>
+          </a:ln>
         </p:spPr>
         <p:txBody>
           <a:bodyPr anchorCtr="0" anchor="ctr" bIns="45700" lIns="91425" spcFirstLastPara="1" rIns="91425" wrap="square" tIns="45700">
@@ -19074,21 +19259,21 @@
           <a:lstStyle/>
           <a:p>
             <a:pPr indent="0" lvl="0" marL="0" rtl="0" algn="l">
-              <a:spcBef>
-                <a:spcPts val="0"/>
-              </a:spcBef>
-              <a:spcAft>
-                <a:spcPts val="0"/>
-              </a:spcAft>
+              <a:lnSpc>
+                <a:spcPct val="90000"/>
+              </a:lnSpc>
+              <a:spcBef>
+                <a:spcPts val="0"/>
+              </a:spcBef>
+              <a:spcAft>
+                <a:spcPts val="0"/>
+              </a:spcAft>
+              <a:buSzPts val="1800"/>
               <a:buNone/>
             </a:pPr>
             <a:r>
               <a:rPr lang="pt-BR"/>
-              <a:t>Capacidade:</a:t>
-            </a:r>
-            <a:r>
-              <a:rPr lang="pt-BR"/>
-              <a:t> </a:t>
+              <a:t>Capacidade: </a:t>
             </a:r>
             <a:r>
               <a:rPr b="1" lang="pt-BR"/>
@@ -19110,8 +19295,8 @@
         </p:nvSpPr>
         <p:spPr>
           <a:xfrm>
-            <a:off x="8039100" y="1690825"/>
-            <a:ext cx="3771300" cy="4499700"/>
+            <a:off x="8039100" y="1373100"/>
+            <a:ext cx="3771300" cy="5484900"/>
           </a:xfrm>
           <a:prstGeom prst="rect">
             <a:avLst/>
@@ -19127,7 +19312,7 @@
           </a:bodyPr>
           <a:lstStyle/>
           <a:p>
-            <a:pPr indent="0" lvl="0" marL="0" rtl="0" algn="l">
+            <a:pPr indent="0" lvl="0" marL="0" marR="0" rtl="0" algn="l">
               <a:lnSpc>
                 <a:spcPct val="80000"/>
               </a:lnSpc>
@@ -19137,10 +19322,15 @@
               <a:spcAft>
                 <a:spcPts val="0"/>
               </a:spcAft>
+              <a:buClr>
+                <a:srgbClr val="000000"/>
+              </a:buClr>
+              <a:buSzPts val="2000"/>
+              <a:buFont typeface="Arial"/>
               <a:buNone/>
             </a:pPr>
             <a:r>
-              <a:rPr b="1" lang="pt-BR" sz="2000">
+              <a:rPr b="1" i="0" lang="pt-BR" sz="2000" u="none" cap="none" strike="noStrike">
                 <a:solidFill>
                   <a:schemeClr val="dk1"/>
                 </a:solidFill>
@@ -19155,7 +19345,7 @@
               <a:t>Processo</a:t>
             </a:r>
             <a:r>
-              <a:rPr lang="pt-BR" sz="2000">
+              <a:rPr b="0" i="0" lang="pt-BR" sz="2000" u="none" cap="none" strike="noStrike">
                 <a:solidFill>
                   <a:schemeClr val="dk1"/>
                 </a:solidFill>
@@ -19169,7 +19359,7 @@
               </a:rPr>
               <a:t>: Receber solicitação de devolução</a:t>
             </a:r>
-            <a:endParaRPr sz="2000">
+            <a:endParaRPr b="0" i="0" sz="2000" u="none" cap="none" strike="noStrike">
               <a:solidFill>
                 <a:schemeClr val="dk1"/>
               </a:solidFill>
@@ -19183,7 +19373,7 @@
             </a:endParaRPr>
           </a:p>
           <a:p>
-            <a:pPr indent="0" lvl="0" marL="0" rtl="0" algn="l">
+            <a:pPr indent="0" lvl="0" marL="0" marR="0" rtl="0" algn="l">
               <a:lnSpc>
                 <a:spcPct val="80000"/>
               </a:lnSpc>
@@ -19193,10 +19383,15 @@
               <a:spcAft>
                 <a:spcPts val="0"/>
               </a:spcAft>
+              <a:buClr>
+                <a:srgbClr val="000000"/>
+              </a:buClr>
+              <a:buSzPts val="2000"/>
+              <a:buFont typeface="Arial"/>
               <a:buNone/>
             </a:pPr>
             <a:r>
-              <a:rPr b="1" lang="pt-BR" sz="2000">
+              <a:rPr b="1" i="0" lang="pt-BR" sz="2000" u="none" cap="none" strike="noStrike">
                 <a:solidFill>
                   <a:schemeClr val="dk1"/>
                 </a:solidFill>
@@ -19211,7 +19406,7 @@
               <a:t>Evento</a:t>
             </a:r>
             <a:r>
-              <a:rPr lang="pt-BR" sz="2000">
+              <a:rPr b="0" i="0" lang="pt-BR" sz="2000" u="none" cap="none" strike="noStrike">
                 <a:solidFill>
                   <a:schemeClr val="dk1"/>
                 </a:solidFill>
@@ -19223,24 +19418,9 @@
                 <a:cs typeface="Calibri"/>
                 <a:sym typeface="Calibri"/>
               </a:rPr>
-              <a:t>: </a:t>
-            </a:r>
-            <a:r>
-              <a:rPr lang="pt-BR" sz="2000">
-                <a:solidFill>
-                  <a:schemeClr val="dk1"/>
-                </a:solidFill>
-                <a:highlight>
-                  <a:schemeClr val="lt1"/>
-                </a:highlight>
-                <a:latin typeface="Calibri"/>
-                <a:ea typeface="Calibri"/>
-                <a:cs typeface="Calibri"/>
-                <a:sym typeface="Calibri"/>
-              </a:rPr>
-              <a:t>Cliente faz solicitação de devolução e devolve produto</a:t>
-            </a:r>
-            <a:endParaRPr sz="2000">
+              <a:t>: Cliente faz solicitação de devolução e devolve produto</a:t>
+            </a:r>
+            <a:endParaRPr b="0" i="0" sz="2000" u="none" cap="none" strike="noStrike">
               <a:solidFill>
                 <a:schemeClr val="dk1"/>
               </a:solidFill>
@@ -19254,7 +19434,7 @@
             </a:endParaRPr>
           </a:p>
           <a:p>
-            <a:pPr indent="0" lvl="0" marL="0" rtl="0" algn="l">
+            <a:pPr indent="0" lvl="0" marL="0" marR="0" rtl="0" algn="l">
               <a:lnSpc>
                 <a:spcPct val="80000"/>
               </a:lnSpc>
@@ -19264,10 +19444,15 @@
               <a:spcAft>
                 <a:spcPts val="0"/>
               </a:spcAft>
+              <a:buClr>
+                <a:srgbClr val="000000"/>
+              </a:buClr>
+              <a:buSzPts val="2000"/>
+              <a:buFont typeface="Arial"/>
               <a:buNone/>
             </a:pPr>
             <a:r>
-              <a:rPr b="1" lang="pt-BR" sz="2000">
+              <a:rPr b="1" i="0" lang="pt-BR" sz="2000" u="none" cap="none" strike="noStrike">
                 <a:solidFill>
                   <a:schemeClr val="dk1"/>
                 </a:solidFill>
@@ -19282,7 +19467,7 @@
               <a:t>Objetivo: </a:t>
             </a:r>
             <a:r>
-              <a:rPr lang="pt-BR" sz="2000">
+              <a:rPr b="0" i="0" lang="pt-BR" sz="2000" u="none" cap="none" strike="noStrike">
                 <a:solidFill>
                   <a:schemeClr val="dk1"/>
                 </a:solidFill>
@@ -19296,7 +19481,7 @@
               </a:rPr>
               <a:t>Analisar a solicitação de devolução recebida</a:t>
             </a:r>
-            <a:endParaRPr sz="2000">
+            <a:endParaRPr b="0" i="0" sz="2000" u="none" cap="none" strike="noStrike">
               <a:solidFill>
                 <a:schemeClr val="dk1"/>
               </a:solidFill>
@@ -19310,7 +19495,7 @@
             </a:endParaRPr>
           </a:p>
           <a:p>
-            <a:pPr indent="0" lvl="0" marL="0" rtl="0" algn="l">
+            <a:pPr indent="0" lvl="0" marL="0" marR="0" rtl="0" algn="l">
               <a:lnSpc>
                 <a:spcPct val="80000"/>
               </a:lnSpc>
@@ -19320,10 +19505,15 @@
               <a:spcAft>
                 <a:spcPts val="0"/>
               </a:spcAft>
+              <a:buClr>
+                <a:srgbClr val="000000"/>
+              </a:buClr>
+              <a:buSzPts val="2000"/>
+              <a:buFont typeface="Arial"/>
               <a:buNone/>
             </a:pPr>
             <a:r>
-              <a:rPr b="1" lang="pt-BR" sz="2000">
+              <a:rPr b="1" i="0" lang="pt-BR" sz="2000" u="none" cap="none" strike="noStrike">
                 <a:solidFill>
                   <a:schemeClr val="dk1"/>
                 </a:solidFill>
@@ -19338,7 +19528,7 @@
               <a:t>Trabalhador Envolvido</a:t>
             </a:r>
             <a:r>
-              <a:rPr lang="pt-BR" sz="2000">
+              <a:rPr b="0" i="0" lang="pt-BR" sz="2000" u="none" cap="none" strike="noStrike">
                 <a:solidFill>
                   <a:schemeClr val="dk1"/>
                 </a:solidFill>
@@ -19352,7 +19542,7 @@
               </a:rPr>
               <a:t>:</a:t>
             </a:r>
-            <a:endParaRPr sz="2000">
+            <a:endParaRPr b="0" i="0" sz="2000" u="none" cap="none" strike="noStrike">
               <a:solidFill>
                 <a:schemeClr val="dk1"/>
               </a:solidFill>
@@ -19366,7 +19556,7 @@
             </a:endParaRPr>
           </a:p>
           <a:p>
-            <a:pPr indent="0" lvl="0" marL="0" rtl="0" algn="l">
+            <a:pPr indent="0" lvl="0" marL="0" marR="0" rtl="0" algn="l">
               <a:lnSpc>
                 <a:spcPct val="80000"/>
               </a:lnSpc>
@@ -19376,10 +19566,15 @@
               <a:spcAft>
                 <a:spcPts val="0"/>
               </a:spcAft>
+              <a:buClr>
+                <a:srgbClr val="000000"/>
+              </a:buClr>
+              <a:buSzPts val="2000"/>
+              <a:buFont typeface="Arial"/>
               <a:buNone/>
             </a:pPr>
             <a:r>
-              <a:rPr lang="pt-BR" sz="2000">
+              <a:rPr b="0" i="0" lang="pt-BR" sz="2000" u="none" cap="none" strike="noStrike">
                 <a:solidFill>
                   <a:schemeClr val="dk1"/>
                 </a:solidFill>
@@ -19393,7 +19588,7 @@
               </a:rPr>
               <a:t>Atendente</a:t>
             </a:r>
-            <a:endParaRPr sz="2000">
+            <a:endParaRPr b="0" i="0" sz="2000" u="none" cap="none" strike="noStrike">
               <a:solidFill>
                 <a:schemeClr val="dk1"/>
               </a:solidFill>
@@ -19407,7 +19602,7 @@
             </a:endParaRPr>
           </a:p>
           <a:p>
-            <a:pPr indent="-355600" lvl="0" marL="457200" rtl="0" algn="just">
+            <a:pPr indent="-355600" lvl="0" marL="457200" marR="0" rtl="0" algn="just">
               <a:lnSpc>
                 <a:spcPct val="80000"/>
               </a:lnSpc>
@@ -19421,10 +19616,11 @@
                 <a:schemeClr val="dk1"/>
               </a:buClr>
               <a:buSzPts val="2000"/>
+              <a:buFont typeface="Arial"/>
               <a:buChar char="●"/>
             </a:pPr>
             <a:r>
-              <a:rPr lang="pt-BR" sz="2000">
+              <a:rPr b="0" i="0" lang="pt-BR" sz="2000" u="none" cap="none" strike="noStrike">
                 <a:solidFill>
                   <a:schemeClr val="dk1"/>
                 </a:solidFill>
@@ -19436,9 +19632,39 @@
                 <a:cs typeface="Calibri"/>
                 <a:sym typeface="Calibri"/>
               </a:rPr>
-              <a:t>Verifica o produto enviado e o pedido do cliente.</a:t>
-            </a:r>
-            <a:endParaRPr sz="2000">
+              <a:t>Verifica o pedido do client</a:t>
+            </a:r>
+            <a:r>
+              <a:rPr lang="pt-BR" sz="2000">
+                <a:solidFill>
+                  <a:schemeClr val="dk1"/>
+                </a:solidFill>
+                <a:highlight>
+                  <a:schemeClr val="lt1"/>
+                </a:highlight>
+                <a:latin typeface="Calibri"/>
+                <a:ea typeface="Calibri"/>
+                <a:cs typeface="Calibri"/>
+                <a:sym typeface="Calibri"/>
+              </a:rPr>
+              <a:t>e e guarda o produto em produto de devolução e guarda a solicitação em chamado de devolução</a:t>
+            </a:r>
+            <a:r>
+              <a:rPr b="0" i="0" lang="pt-BR" sz="2000" u="none" cap="none" strike="noStrike">
+                <a:solidFill>
+                  <a:schemeClr val="dk1"/>
+                </a:solidFill>
+                <a:highlight>
+                  <a:schemeClr val="lt1"/>
+                </a:highlight>
+                <a:latin typeface="Calibri"/>
+                <a:ea typeface="Calibri"/>
+                <a:cs typeface="Calibri"/>
+                <a:sym typeface="Calibri"/>
+              </a:rPr>
+              <a:t>.</a:t>
+            </a:r>
+            <a:endParaRPr b="0" i="0" sz="2000" u="none" cap="none" strike="noStrike">
               <a:solidFill>
                 <a:schemeClr val="dk1"/>
               </a:solidFill>
@@ -19452,7 +19678,7 @@
             </a:endParaRPr>
           </a:p>
           <a:p>
-            <a:pPr indent="-355600" lvl="1" marL="914400" rtl="0" algn="just">
+            <a:pPr indent="-355600" lvl="1" marL="914400" marR="0" rtl="0" algn="just">
               <a:lnSpc>
                 <a:spcPct val="80000"/>
               </a:lnSpc>
@@ -19466,10 +19692,11 @@
                 <a:schemeClr val="dk1"/>
               </a:buClr>
               <a:buSzPts val="2000"/>
+              <a:buFont typeface="Arial"/>
               <a:buChar char="○"/>
             </a:pPr>
             <a:r>
-              <a:rPr lang="pt-BR" sz="2000">
+              <a:rPr b="0" i="0" lang="pt-BR" sz="2000" u="none" cap="none" strike="noStrike">
                 <a:solidFill>
                   <a:schemeClr val="dk1"/>
                 </a:solidFill>
@@ -19481,9 +19708,39 @@
                 <a:cs typeface="Calibri"/>
                 <a:sym typeface="Calibri"/>
               </a:rPr>
-              <a:t>Se o produto possuir mais de sete dias de uso, o atendente informa ao cliente que a solicitação foi recusada.</a:t>
-            </a:r>
-            <a:endParaRPr sz="2000">
+              <a:t>Se pedido não existir ou</a:t>
+            </a:r>
+            <a:r>
+              <a:rPr lang="pt-BR" sz="2000">
+                <a:solidFill>
+                  <a:schemeClr val="dk1"/>
+                </a:solidFill>
+                <a:highlight>
+                  <a:schemeClr val="lt1"/>
+                </a:highlight>
+                <a:latin typeface="Calibri"/>
+                <a:ea typeface="Calibri"/>
+                <a:cs typeface="Calibri"/>
+                <a:sym typeface="Calibri"/>
+              </a:rPr>
+              <a:t> o</a:t>
+            </a:r>
+            <a:r>
+              <a:rPr b="0" i="0" lang="pt-BR" sz="2000" u="none" cap="none" strike="noStrike">
+                <a:solidFill>
+                  <a:schemeClr val="dk1"/>
+                </a:solidFill>
+                <a:highlight>
+                  <a:schemeClr val="lt1"/>
+                </a:highlight>
+                <a:latin typeface="Calibri"/>
+                <a:ea typeface="Calibri"/>
+                <a:cs typeface="Calibri"/>
+                <a:sym typeface="Calibri"/>
+              </a:rPr>
+              <a:t> produto possuir mais de sete dias de uso, o atendente informa ao cliente que a solicitação foi recusada.</a:t>
+            </a:r>
+            <a:endParaRPr b="0" i="0" sz="2000" u="none" cap="none" strike="noStrike">
               <a:solidFill>
                 <a:schemeClr val="dk1"/>
               </a:solidFill>
@@ -19497,7 +19754,7 @@
             </a:endParaRPr>
           </a:p>
           <a:p>
-            <a:pPr indent="-355600" lvl="0" marL="457200" rtl="0" algn="just">
+            <a:pPr indent="-355600" lvl="0" marL="457200" marR="0" rtl="0" algn="just">
               <a:lnSpc>
                 <a:spcPct val="80000"/>
               </a:lnSpc>
@@ -19511,10 +19768,11 @@
                 <a:schemeClr val="dk1"/>
               </a:buClr>
               <a:buSzPts val="2000"/>
+              <a:buFont typeface="Arial"/>
               <a:buChar char="●"/>
             </a:pPr>
             <a:r>
-              <a:rPr lang="pt-BR" sz="2000">
+              <a:rPr b="0" i="0" lang="pt-BR" sz="2000" u="none" cap="none" strike="noStrike">
                 <a:solidFill>
                   <a:schemeClr val="dk1"/>
                 </a:solidFill>
@@ -19528,10 +19786,17 @@
               </a:rPr>
               <a:t>Informa o número do chamado ao cliente.</a:t>
             </a:r>
-            <a:endParaRPr sz="2000">
+            <a:endParaRPr b="0" i="0" sz="2000" u="none" cap="none" strike="noStrike">
+              <a:solidFill>
+                <a:srgbClr val="000000"/>
+              </a:solidFill>
               <a:highlight>
                 <a:schemeClr val="lt1"/>
               </a:highlight>
+              <a:latin typeface="Arial"/>
+              <a:ea typeface="Arial"/>
+              <a:cs typeface="Arial"/>
+              <a:sym typeface="Arial"/>
             </a:endParaRPr>
           </a:p>
         </p:txBody>
@@ -19605,6 +19870,7 @@
           <a:prstGeom prst="rect">
             <a:avLst/>
           </a:prstGeom>
+          <a:noFill/>
           <a:ln cap="flat" cmpd="sng" w="9525">
             <a:solidFill>
               <a:schemeClr val="lt1"/>
@@ -19622,12 +19888,16 @@
           <a:lstStyle/>
           <a:p>
             <a:pPr indent="0" lvl="0" marL="0" rtl="0" algn="l">
-              <a:spcBef>
-                <a:spcPts val="0"/>
-              </a:spcBef>
-              <a:spcAft>
-                <a:spcPts val="0"/>
-              </a:spcAft>
+              <a:lnSpc>
+                <a:spcPct val="90000"/>
+              </a:lnSpc>
+              <a:spcBef>
+                <a:spcPts val="0"/>
+              </a:spcBef>
+              <a:spcAft>
+                <a:spcPts val="0"/>
+              </a:spcAft>
+              <a:buSzPts val="1800"/>
               <a:buNone/>
             </a:pPr>
             <a:r>
@@ -19655,7 +19925,7 @@
         <p:spPr>
           <a:xfrm>
             <a:off x="8039100" y="1690825"/>
-            <a:ext cx="3485100" cy="4135500"/>
+            <a:ext cx="3485100" cy="3760800"/>
           </a:xfrm>
           <a:prstGeom prst="rect">
             <a:avLst/>
@@ -19671,7 +19941,7 @@
           </a:bodyPr>
           <a:lstStyle/>
           <a:p>
-            <a:pPr indent="0" lvl="0" marL="0" rtl="0" algn="l">
+            <a:pPr indent="0" lvl="0" marL="0" marR="0" rtl="0" algn="l">
               <a:lnSpc>
                 <a:spcPct val="80000"/>
               </a:lnSpc>
@@ -19681,10 +19951,15 @@
               <a:spcAft>
                 <a:spcPts val="0"/>
               </a:spcAft>
+              <a:buClr>
+                <a:srgbClr val="000000"/>
+              </a:buClr>
+              <a:buSzPts val="2000"/>
+              <a:buFont typeface="Arial"/>
               <a:buNone/>
             </a:pPr>
             <a:r>
-              <a:rPr b="1" lang="pt-BR" sz="2000">
+              <a:rPr b="1" i="0" lang="pt-BR" sz="2000" u="none" cap="none" strike="noStrike">
                 <a:solidFill>
                   <a:schemeClr val="dk1"/>
                 </a:solidFill>
@@ -19699,7 +19974,7 @@
               <a:t>Processo</a:t>
             </a:r>
             <a:r>
-              <a:rPr lang="pt-BR" sz="2000">
+              <a:rPr b="0" i="0" lang="pt-BR" sz="2000" u="none" cap="none" strike="noStrike">
                 <a:solidFill>
                   <a:schemeClr val="dk1"/>
                 </a:solidFill>
@@ -19713,7 +19988,7 @@
               </a:rPr>
               <a:t>: Devolver valor do produto</a:t>
             </a:r>
-            <a:endParaRPr sz="2000">
+            <a:endParaRPr b="0" i="0" sz="2000" u="none" cap="none" strike="noStrike">
               <a:solidFill>
                 <a:schemeClr val="dk1"/>
               </a:solidFill>
@@ -19727,7 +20002,7 @@
             </a:endParaRPr>
           </a:p>
           <a:p>
-            <a:pPr indent="0" lvl="0" marL="0" rtl="0" algn="l">
+            <a:pPr indent="0" lvl="0" marL="0" marR="0" rtl="0" algn="l">
               <a:lnSpc>
                 <a:spcPct val="80000"/>
               </a:lnSpc>
@@ -19737,10 +20012,15 @@
               <a:spcAft>
                 <a:spcPts val="0"/>
               </a:spcAft>
+              <a:buClr>
+                <a:srgbClr val="000000"/>
+              </a:buClr>
+              <a:buSzPts val="2000"/>
+              <a:buFont typeface="Arial"/>
               <a:buNone/>
             </a:pPr>
             <a:r>
-              <a:rPr b="1" lang="pt-BR" sz="2000">
+              <a:rPr b="1" i="0" lang="pt-BR" sz="2000" u="none" cap="none" strike="noStrike">
                 <a:solidFill>
                   <a:schemeClr val="dk1"/>
                 </a:solidFill>
@@ -19755,7 +20035,7 @@
               <a:t>Evento</a:t>
             </a:r>
             <a:r>
-              <a:rPr lang="pt-BR" sz="2000">
+              <a:rPr b="0" i="0" lang="pt-BR" sz="2000" u="none" cap="none" strike="noStrike">
                 <a:solidFill>
                   <a:schemeClr val="dk1"/>
                 </a:solidFill>
@@ -19767,24 +20047,9 @@
                 <a:cs typeface="Calibri"/>
                 <a:sym typeface="Calibri"/>
               </a:rPr>
-              <a:t>: Atendente</a:t>
-            </a:r>
-            <a:r>
-              <a:rPr lang="pt-BR" sz="2000">
-                <a:solidFill>
-                  <a:schemeClr val="dk1"/>
-                </a:solidFill>
-                <a:highlight>
-                  <a:schemeClr val="lt1"/>
-                </a:highlight>
-                <a:latin typeface="Calibri"/>
-                <a:ea typeface="Calibri"/>
-                <a:cs typeface="Calibri"/>
-                <a:sym typeface="Calibri"/>
-              </a:rPr>
-              <a:t> envia status do chamado e recibo para devolução</a:t>
-            </a:r>
-            <a:endParaRPr sz="2000">
+              <a:t>: Atendente envia status do chamado e recibo para devolução</a:t>
+            </a:r>
+            <a:endParaRPr b="0" i="0" sz="2000" u="none" cap="none" strike="noStrike">
               <a:solidFill>
                 <a:schemeClr val="dk1"/>
               </a:solidFill>
@@ -19798,7 +20063,7 @@
             </a:endParaRPr>
           </a:p>
           <a:p>
-            <a:pPr indent="0" lvl="0" marL="0" rtl="0" algn="l">
+            <a:pPr indent="0" lvl="0" marL="0" marR="0" rtl="0" algn="l">
               <a:lnSpc>
                 <a:spcPct val="80000"/>
               </a:lnSpc>
@@ -19808,10 +20073,15 @@
               <a:spcAft>
                 <a:spcPts val="0"/>
               </a:spcAft>
+              <a:buClr>
+                <a:srgbClr val="000000"/>
+              </a:buClr>
+              <a:buSzPts val="2000"/>
+              <a:buFont typeface="Arial"/>
               <a:buNone/>
             </a:pPr>
             <a:r>
-              <a:rPr b="1" lang="pt-BR" sz="2000">
+              <a:rPr b="1" i="0" lang="pt-BR" sz="2000" u="none" cap="none" strike="noStrike">
                 <a:solidFill>
                   <a:schemeClr val="dk1"/>
                 </a:solidFill>
@@ -19826,7 +20096,7 @@
               <a:t>Objetivo: </a:t>
             </a:r>
             <a:r>
-              <a:rPr lang="pt-BR" sz="2000">
+              <a:rPr b="0" i="0" lang="pt-BR" sz="2000" u="none" cap="none" strike="noStrike">
                 <a:solidFill>
                   <a:schemeClr val="dk1"/>
                 </a:solidFill>
@@ -19840,7 +20110,7 @@
               </a:rPr>
               <a:t>Enviar status do chamado e recibo de devolução ao cliente</a:t>
             </a:r>
-            <a:endParaRPr sz="2000">
+            <a:endParaRPr b="0" i="0" sz="2000" u="none" cap="none" strike="noStrike">
               <a:solidFill>
                 <a:schemeClr val="dk1"/>
               </a:solidFill>
@@ -19854,7 +20124,7 @@
             </a:endParaRPr>
           </a:p>
           <a:p>
-            <a:pPr indent="0" lvl="0" marL="0" rtl="0" algn="l">
+            <a:pPr indent="0" lvl="0" marL="0" marR="0" rtl="0" algn="l">
               <a:lnSpc>
                 <a:spcPct val="80000"/>
               </a:lnSpc>
@@ -19864,10 +20134,15 @@
               <a:spcAft>
                 <a:spcPts val="0"/>
               </a:spcAft>
+              <a:buClr>
+                <a:srgbClr val="000000"/>
+              </a:buClr>
+              <a:buSzPts val="2000"/>
+              <a:buFont typeface="Arial"/>
               <a:buNone/>
             </a:pPr>
             <a:r>
-              <a:rPr b="1" lang="pt-BR" sz="2000">
+              <a:rPr b="1" i="0" lang="pt-BR" sz="2000" u="none" cap="none" strike="noStrike">
                 <a:solidFill>
                   <a:schemeClr val="dk1"/>
                 </a:solidFill>
@@ -19882,7 +20157,7 @@
               <a:t>Trabalhador Envolvido: </a:t>
             </a:r>
             <a:r>
-              <a:rPr lang="pt-BR" sz="2000">
+              <a:rPr b="0" i="0" lang="pt-BR" sz="2000" u="none" cap="none" strike="noStrike">
                 <a:solidFill>
                   <a:schemeClr val="dk1"/>
                 </a:solidFill>
@@ -19896,7 +20171,7 @@
               </a:rPr>
               <a:t>Atendente</a:t>
             </a:r>
-            <a:endParaRPr sz="2000">
+            <a:endParaRPr b="0" i="0" sz="2000" u="none" cap="none" strike="noStrike">
               <a:solidFill>
                 <a:schemeClr val="dk1"/>
               </a:solidFill>
@@ -19910,7 +20185,7 @@
             </a:endParaRPr>
           </a:p>
           <a:p>
-            <a:pPr indent="-355600" lvl="0" marL="457200" rtl="0" algn="just">
+            <a:pPr indent="-355600" lvl="0" marL="457200" marR="0" rtl="0" algn="just">
               <a:lnSpc>
                 <a:spcPct val="80000"/>
               </a:lnSpc>
@@ -19924,10 +20199,11 @@
                 <a:schemeClr val="dk1"/>
               </a:buClr>
               <a:buSzPts val="2000"/>
+              <a:buFont typeface="Arial"/>
               <a:buChar char="•"/>
             </a:pPr>
             <a:r>
-              <a:rPr lang="pt-BR" sz="2000">
+              <a:rPr b="0" i="0" lang="pt-BR" sz="2000" u="none" cap="none" strike="noStrike">
                 <a:solidFill>
                   <a:schemeClr val="dk1"/>
                 </a:solidFill>
@@ -19939,54 +20215,9 @@
                 <a:cs typeface="Calibri"/>
                 <a:sym typeface="Calibri"/>
               </a:rPr>
-              <a:t>Verifica o chamado do cliente.</a:t>
-            </a:r>
-            <a:endParaRPr sz="2000">
-              <a:solidFill>
-                <a:schemeClr val="dk1"/>
-              </a:solidFill>
-              <a:highlight>
-                <a:schemeClr val="lt1"/>
-              </a:highlight>
-              <a:latin typeface="Calibri"/>
-              <a:ea typeface="Calibri"/>
-              <a:cs typeface="Calibri"/>
-              <a:sym typeface="Calibri"/>
-            </a:endParaRPr>
-          </a:p>
-          <a:p>
-            <a:pPr indent="-355600" lvl="0" marL="457200" rtl="0" algn="just">
-              <a:lnSpc>
-                <a:spcPct val="80000"/>
-              </a:lnSpc>
-              <a:spcBef>
-                <a:spcPts val="1000"/>
-              </a:spcBef>
-              <a:spcAft>
-                <a:spcPts val="0"/>
-              </a:spcAft>
-              <a:buClr>
-                <a:schemeClr val="dk1"/>
-              </a:buClr>
-              <a:buSzPts val="2000"/>
-              <a:buChar char="•"/>
-            </a:pPr>
-            <a:r>
-              <a:rPr lang="pt-BR" sz="2000">
-                <a:solidFill>
-                  <a:schemeClr val="dk1"/>
-                </a:solidFill>
-                <a:highlight>
-                  <a:schemeClr val="lt1"/>
-                </a:highlight>
-                <a:latin typeface="Calibri"/>
-                <a:ea typeface="Calibri"/>
-                <a:cs typeface="Calibri"/>
-                <a:sym typeface="Calibri"/>
-              </a:rPr>
-              <a:t>Informa ao cliente o status do chamado e o recibo de devolução para assinatura.</a:t>
-            </a:r>
-            <a:endParaRPr sz="2000">
+              <a:t>Informa ao cliente o status do chamado de devolução e o recibo de devolução para assinatura.</a:t>
+            </a:r>
+            <a:endParaRPr b="0" i="0" sz="2000" u="none" cap="none" strike="noStrike">
               <a:solidFill>
                 <a:schemeClr val="dk1"/>
               </a:solidFill>
@@ -20070,6 +20301,10 @@
           <a:prstGeom prst="rect">
             <a:avLst/>
           </a:prstGeom>
+          <a:noFill/>
+          <a:ln>
+            <a:noFill/>
+          </a:ln>
         </p:spPr>
         <p:txBody>
           <a:bodyPr anchorCtr="0" anchor="ctr" bIns="45700" lIns="91425" spcFirstLastPara="1" rIns="91425" wrap="square" tIns="45700">
@@ -20078,12 +20313,16 @@
           <a:lstStyle/>
           <a:p>
             <a:pPr indent="0" lvl="0" marL="0" rtl="0" algn="l">
-              <a:spcBef>
-                <a:spcPts val="0"/>
-              </a:spcBef>
-              <a:spcAft>
-                <a:spcPts val="0"/>
-              </a:spcAft>
+              <a:lnSpc>
+                <a:spcPct val="90000"/>
+              </a:lnSpc>
+              <a:spcBef>
+                <a:spcPts val="0"/>
+              </a:spcBef>
+              <a:spcAft>
+                <a:spcPts val="0"/>
+              </a:spcAft>
+              <a:buSzPts val="1800"/>
               <a:buNone/>
             </a:pPr>
             <a:r>
@@ -20111,7 +20350,7 @@
         <p:spPr>
           <a:xfrm>
             <a:off x="8039100" y="1690825"/>
-            <a:ext cx="3900900" cy="4392000"/>
+            <a:ext cx="3900900" cy="4756200"/>
           </a:xfrm>
           <a:prstGeom prst="rect">
             <a:avLst/>
@@ -20127,7 +20366,7 @@
           </a:bodyPr>
           <a:lstStyle/>
           <a:p>
-            <a:pPr indent="0" lvl="0" marL="0" rtl="0" algn="l">
+            <a:pPr indent="0" lvl="0" marL="0" marR="0" rtl="0" algn="l">
               <a:lnSpc>
                 <a:spcPct val="80000"/>
               </a:lnSpc>
@@ -20137,10 +20376,15 @@
               <a:spcAft>
                 <a:spcPts val="0"/>
               </a:spcAft>
+              <a:buClr>
+                <a:srgbClr val="000000"/>
+              </a:buClr>
+              <a:buSzPts val="2000"/>
+              <a:buFont typeface="Arial"/>
               <a:buNone/>
             </a:pPr>
             <a:r>
-              <a:rPr b="1" lang="pt-BR" sz="2000">
+              <a:rPr b="1" i="0" lang="pt-BR" sz="2000" u="none" cap="none" strike="noStrike">
                 <a:solidFill>
                   <a:schemeClr val="dk1"/>
                 </a:solidFill>
@@ -20152,7 +20396,7 @@
               <a:t>P</a:t>
             </a:r>
             <a:r>
-              <a:rPr b="1" lang="pt-BR" sz="2000">
+              <a:rPr b="1" i="0" lang="pt-BR" sz="2000" u="none" cap="none" strike="noStrike">
                 <a:solidFill>
                   <a:schemeClr val="dk1"/>
                 </a:solidFill>
@@ -20167,7 +20411,7 @@
               <a:t>rocesso</a:t>
             </a:r>
             <a:r>
-              <a:rPr lang="pt-BR" sz="2000">
+              <a:rPr b="0" i="0" lang="pt-BR" sz="2000" u="none" cap="none" strike="noStrike">
                 <a:solidFill>
                   <a:schemeClr val="dk1"/>
                 </a:solidFill>
@@ -20181,7 +20425,7 @@
               </a:rPr>
               <a:t>: Finalizar Devolução</a:t>
             </a:r>
-            <a:endParaRPr sz="2000">
+            <a:endParaRPr b="0" i="0" sz="2000" u="none" cap="none" strike="noStrike">
               <a:solidFill>
                 <a:schemeClr val="dk1"/>
               </a:solidFill>
@@ -20195,7 +20439,7 @@
             </a:endParaRPr>
           </a:p>
           <a:p>
-            <a:pPr indent="0" lvl="0" marL="0" rtl="0" algn="l">
+            <a:pPr indent="0" lvl="0" marL="0" marR="0" rtl="0" algn="l">
               <a:lnSpc>
                 <a:spcPct val="80000"/>
               </a:lnSpc>
@@ -20205,10 +20449,15 @@
               <a:spcAft>
                 <a:spcPts val="0"/>
               </a:spcAft>
+              <a:buClr>
+                <a:srgbClr val="000000"/>
+              </a:buClr>
+              <a:buSzPts val="2000"/>
+              <a:buFont typeface="Arial"/>
               <a:buNone/>
             </a:pPr>
             <a:r>
-              <a:rPr b="1" lang="pt-BR" sz="2000">
+              <a:rPr b="1" i="0" lang="pt-BR" sz="2000" u="none" cap="none" strike="noStrike">
                 <a:solidFill>
                   <a:schemeClr val="dk1"/>
                 </a:solidFill>
@@ -20223,7 +20472,7 @@
               <a:t>Evento</a:t>
             </a:r>
             <a:r>
-              <a:rPr lang="pt-BR" sz="2000">
+              <a:rPr b="0" i="0" lang="pt-BR" sz="2000" u="none" cap="none" strike="noStrike">
                 <a:solidFill>
                   <a:schemeClr val="dk1"/>
                 </a:solidFill>
@@ -20235,24 +20484,9 @@
                 <a:cs typeface="Calibri"/>
                 <a:sym typeface="Calibri"/>
               </a:rPr>
-              <a:t>: </a:t>
-            </a:r>
-            <a:r>
-              <a:rPr lang="pt-BR" sz="2000">
-                <a:solidFill>
-                  <a:schemeClr val="dk1"/>
-                </a:solidFill>
-                <a:highlight>
-                  <a:schemeClr val="lt1"/>
-                </a:highlight>
-                <a:latin typeface="Calibri"/>
-                <a:ea typeface="Calibri"/>
-                <a:cs typeface="Calibri"/>
-                <a:sym typeface="Calibri"/>
-              </a:rPr>
-              <a:t>Cliente envia recibo</a:t>
-            </a:r>
-            <a:endParaRPr sz="2000">
+              <a:t>: Cliente envia recibo</a:t>
+            </a:r>
+            <a:endParaRPr b="0" i="0" sz="2000" u="none" cap="none" strike="noStrike">
               <a:solidFill>
                 <a:schemeClr val="dk1"/>
               </a:solidFill>
@@ -20266,7 +20500,7 @@
             </a:endParaRPr>
           </a:p>
           <a:p>
-            <a:pPr indent="0" lvl="0" marL="0" rtl="0" algn="l">
+            <a:pPr indent="0" lvl="0" marL="0" marR="0" rtl="0" algn="l">
               <a:lnSpc>
                 <a:spcPct val="80000"/>
               </a:lnSpc>
@@ -20276,10 +20510,15 @@
               <a:spcAft>
                 <a:spcPts val="0"/>
               </a:spcAft>
+              <a:buClr>
+                <a:srgbClr val="000000"/>
+              </a:buClr>
+              <a:buSzPts val="2000"/>
+              <a:buFont typeface="Arial"/>
               <a:buNone/>
             </a:pPr>
             <a:r>
-              <a:rPr b="1" lang="pt-BR" sz="2000">
+              <a:rPr b="1" i="0" lang="pt-BR" sz="2000" u="none" cap="none" strike="noStrike">
                 <a:solidFill>
                   <a:schemeClr val="dk1"/>
                 </a:solidFill>
@@ -20294,7 +20533,7 @@
               <a:t>Objetivo: </a:t>
             </a:r>
             <a:r>
-              <a:rPr lang="pt-BR" sz="2000">
+              <a:rPr b="0" i="0" lang="pt-BR" sz="2000" u="none" cap="none" strike="noStrike">
                 <a:solidFill>
                   <a:schemeClr val="dk1"/>
                 </a:solidFill>
@@ -20308,7 +20547,7 @@
               </a:rPr>
               <a:t>Restituir o valor do produto ao cliente</a:t>
             </a:r>
-            <a:endParaRPr sz="2000">
+            <a:endParaRPr b="0" i="0" sz="2000" u="none" cap="none" strike="noStrike">
               <a:solidFill>
                 <a:schemeClr val="dk1"/>
               </a:solidFill>
@@ -20322,7 +20561,7 @@
             </a:endParaRPr>
           </a:p>
           <a:p>
-            <a:pPr indent="0" lvl="0" marL="0" rtl="0" algn="l">
+            <a:pPr indent="0" lvl="0" marL="0" marR="0" rtl="0" algn="l">
               <a:lnSpc>
                 <a:spcPct val="80000"/>
               </a:lnSpc>
@@ -20332,10 +20571,15 @@
               <a:spcAft>
                 <a:spcPts val="0"/>
               </a:spcAft>
+              <a:buClr>
+                <a:srgbClr val="000000"/>
+              </a:buClr>
+              <a:buSzPts val="2000"/>
+              <a:buFont typeface="Arial"/>
               <a:buNone/>
             </a:pPr>
             <a:r>
-              <a:rPr b="1" lang="pt-BR" sz="2000">
+              <a:rPr b="1" i="0" lang="pt-BR" sz="2000" u="none" cap="none" strike="noStrike">
                 <a:solidFill>
                   <a:schemeClr val="dk1"/>
                 </a:solidFill>
@@ -20350,7 +20594,7 @@
               <a:t>Trabalhador Envolvido</a:t>
             </a:r>
             <a:r>
-              <a:rPr lang="pt-BR" sz="2000">
+              <a:rPr b="0" i="0" lang="pt-BR" sz="2000" u="none" cap="none" strike="noStrike">
                 <a:solidFill>
                   <a:schemeClr val="dk1"/>
                 </a:solidFill>
@@ -20364,7 +20608,7 @@
               </a:rPr>
               <a:t>: Gerente</a:t>
             </a:r>
-            <a:endParaRPr sz="2000">
+            <a:endParaRPr b="0" i="0" sz="2000" u="none" cap="none" strike="noStrike">
               <a:solidFill>
                 <a:schemeClr val="dk1"/>
               </a:solidFill>
@@ -20378,7 +20622,7 @@
             </a:endParaRPr>
           </a:p>
           <a:p>
-            <a:pPr indent="-231140" lvl="0" marL="228600" rtl="0" algn="just">
+            <a:pPr indent="-228600" lvl="0" marL="228600" marR="0" rtl="0" algn="just">
               <a:lnSpc>
                 <a:spcPct val="80000"/>
               </a:lnSpc>
@@ -20392,10 +20636,11 @@
                 <a:schemeClr val="dk1"/>
               </a:buClr>
               <a:buSzPts val="2000"/>
+              <a:buFont typeface="Arial"/>
               <a:buChar char="•"/>
             </a:pPr>
             <a:r>
-              <a:rPr lang="pt-BR" sz="2000">
+              <a:rPr b="0" i="0" lang="pt-BR" sz="2000" u="none" cap="none" strike="noStrike">
                 <a:solidFill>
                   <a:schemeClr val="dk1"/>
                 </a:solidFill>
@@ -20407,9 +20652,9 @@
                 <a:cs typeface="Calibri"/>
                 <a:sym typeface="Calibri"/>
               </a:rPr>
-              <a:t>Verifica o recibo de devolução recebido do cliente.</a:t>
-            </a:r>
-            <a:endParaRPr sz="2000">
+              <a:t>Verifica o recibo de devolução recebido do cliente e guarda em chamado de devolução.</a:t>
+            </a:r>
+            <a:endParaRPr b="0" i="0" sz="2000" u="none" cap="none" strike="noStrike">
               <a:solidFill>
                 <a:schemeClr val="dk1"/>
               </a:solidFill>
@@ -20423,7 +20668,7 @@
             </a:endParaRPr>
           </a:p>
           <a:p>
-            <a:pPr indent="-355600" lvl="1" marL="914400" rtl="0" algn="just">
+            <a:pPr indent="-355600" lvl="1" marL="914400" marR="0" rtl="0" algn="just">
               <a:lnSpc>
                 <a:spcPct val="80000"/>
               </a:lnSpc>
@@ -20437,10 +20682,11 @@
                 <a:schemeClr val="dk1"/>
               </a:buClr>
               <a:buSzPts val="2000"/>
+              <a:buFont typeface="Arial"/>
               <a:buChar char="○"/>
             </a:pPr>
             <a:r>
-              <a:rPr lang="pt-BR" sz="2000">
+              <a:rPr b="0" i="0" lang="pt-BR" sz="2000" u="none" cap="none" strike="noStrike">
                 <a:solidFill>
                   <a:schemeClr val="dk1"/>
                 </a:solidFill>
@@ -20454,7 +20700,7 @@
               </a:rPr>
               <a:t>Se o recibo não estiver assinado, a devolução é recusada.</a:t>
             </a:r>
-            <a:endParaRPr sz="2000">
+            <a:endParaRPr b="0" i="0" sz="2000" u="none" cap="none" strike="noStrike">
               <a:solidFill>
                 <a:schemeClr val="dk1"/>
               </a:solidFill>
@@ -20468,7 +20714,7 @@
             </a:endParaRPr>
           </a:p>
           <a:p>
-            <a:pPr indent="-231140" lvl="0" marL="228600" rtl="0" algn="just">
+            <a:pPr indent="-228600" lvl="0" marL="228600" marR="0" rtl="0" algn="just">
               <a:lnSpc>
                 <a:spcPct val="80000"/>
               </a:lnSpc>
@@ -20482,10 +20728,11 @@
                 <a:schemeClr val="dk1"/>
               </a:buClr>
               <a:buSzPts val="2000"/>
+              <a:buFont typeface="Arial"/>
               <a:buChar char="•"/>
             </a:pPr>
             <a:r>
-              <a:rPr lang="pt-BR" sz="2000">
+              <a:rPr b="0" i="0" lang="pt-BR" sz="2000" u="none" cap="none" strike="noStrike">
                 <a:solidFill>
                   <a:schemeClr val="dk1"/>
                 </a:solidFill>
@@ -20497,9 +20744,24 @@
                 <a:cs typeface="Calibri"/>
                 <a:sym typeface="Calibri"/>
               </a:rPr>
-              <a:t>Verifica o valor do produto.</a:t>
-            </a:r>
-            <a:endParaRPr sz="2000">
+              <a:t>Retira do lançamento o valor total do produto de devolu</a:t>
+            </a:r>
+            <a:r>
+              <a:rPr lang="pt-BR" sz="2000">
+                <a:solidFill>
+                  <a:schemeClr val="dk1"/>
+                </a:solidFill>
+                <a:highlight>
+                  <a:schemeClr val="lt1"/>
+                </a:highlight>
+                <a:latin typeface="Calibri"/>
+                <a:ea typeface="Calibri"/>
+                <a:cs typeface="Calibri"/>
+                <a:sym typeface="Calibri"/>
+              </a:rPr>
+              <a:t>ção e devolve valor do produto ao cliente.</a:t>
+            </a:r>
+            <a:endParaRPr b="0" i="0" sz="2000" u="none" cap="none" strike="noStrike">
               <a:solidFill>
                 <a:schemeClr val="dk1"/>
               </a:solidFill>
@@ -20513,7 +20775,7 @@
             </a:endParaRPr>
           </a:p>
           <a:p>
-            <a:pPr indent="-231140" lvl="0" marL="228600" rtl="0" algn="just">
+            <a:pPr indent="-228600" lvl="0" marL="228600" marR="0" rtl="0" algn="just">
               <a:lnSpc>
                 <a:spcPct val="80000"/>
               </a:lnSpc>
@@ -20527,10 +20789,11 @@
                 <a:schemeClr val="dk1"/>
               </a:buClr>
               <a:buSzPts val="2000"/>
+              <a:buFont typeface="Arial"/>
               <a:buChar char="•"/>
             </a:pPr>
             <a:r>
-              <a:rPr lang="pt-BR" sz="2000">
+              <a:rPr b="0" i="0" lang="pt-BR" sz="2000" u="none" cap="none" strike="noStrike">
                 <a:solidFill>
                   <a:schemeClr val="dk1"/>
                 </a:solidFill>
@@ -20542,69 +20805,9 @@
                 <a:cs typeface="Calibri"/>
                 <a:sym typeface="Calibri"/>
               </a:rPr>
-              <a:t>Retira do</a:t>
-            </a:r>
-            <a:r>
-              <a:rPr lang="pt-BR" sz="2000">
-                <a:solidFill>
-                  <a:schemeClr val="dk1"/>
-                </a:solidFill>
-                <a:highlight>
-                  <a:schemeClr val="lt1"/>
-                </a:highlight>
-                <a:latin typeface="Calibri"/>
-                <a:ea typeface="Calibri"/>
-                <a:cs typeface="Calibri"/>
-                <a:sym typeface="Calibri"/>
-              </a:rPr>
-              <a:t> lançamento o valor de devolução ao cliente.</a:t>
-            </a:r>
-            <a:endParaRPr sz="2000">
-              <a:solidFill>
-                <a:schemeClr val="dk1"/>
-              </a:solidFill>
-              <a:highlight>
-                <a:schemeClr val="lt1"/>
-              </a:highlight>
-              <a:latin typeface="Calibri"/>
-              <a:ea typeface="Calibri"/>
-              <a:cs typeface="Calibri"/>
-              <a:sym typeface="Calibri"/>
-            </a:endParaRPr>
-          </a:p>
-          <a:p>
-            <a:pPr indent="-231140" lvl="0" marL="228600" rtl="0" algn="just">
-              <a:lnSpc>
-                <a:spcPct val="80000"/>
-              </a:lnSpc>
-              <a:spcBef>
-                <a:spcPts val="1000"/>
-              </a:spcBef>
-              <a:spcAft>
-                <a:spcPts val="0"/>
-              </a:spcAft>
-              <a:buClr>
-                <a:schemeClr val="dk1"/>
-              </a:buClr>
-              <a:buSzPts val="2000"/>
-              <a:buChar char="•"/>
-            </a:pPr>
-            <a:r>
-              <a:rPr lang="pt-BR" sz="2000">
-                <a:solidFill>
-                  <a:schemeClr val="dk1"/>
-                </a:solidFill>
-                <a:highlight>
-                  <a:schemeClr val="lt1"/>
-                </a:highlight>
-                <a:latin typeface="Calibri"/>
-                <a:ea typeface="Calibri"/>
-                <a:cs typeface="Calibri"/>
-                <a:sym typeface="Calibri"/>
-              </a:rPr>
-              <a:t>Atualiza o status do chamado para “encerrado”.</a:t>
-            </a:r>
-            <a:endParaRPr sz="2000">
+              <a:t>Atualiza o status do chamado de devolução para “encerrado”.</a:t>
+            </a:r>
+            <a:endParaRPr b="0" i="0" sz="2000" u="none" cap="none" strike="noStrike">
               <a:solidFill>
                 <a:schemeClr val="dk1"/>
               </a:solidFill>
@@ -20741,7 +20944,7 @@
         <p:spPr>
           <a:xfrm>
             <a:off x="7205050" y="1690825"/>
-            <a:ext cx="4258200" cy="2401200"/>
+            <a:ext cx="4258200" cy="3385512"/>
           </a:xfrm>
           <a:prstGeom prst="rect">
             <a:avLst/>
@@ -20757,7 +20960,7 @@
           </a:bodyPr>
           <a:lstStyle/>
           <a:p>
-            <a:pPr indent="0" lvl="0" marL="0" rtl="0" algn="l">
+            <a:pPr indent="0" lvl="0" marL="0" marR="0" rtl="0" algn="l">
               <a:lnSpc>
                 <a:spcPct val="80000"/>
               </a:lnSpc>
@@ -20767,10 +20970,15 @@
               <a:spcAft>
                 <a:spcPts val="0"/>
               </a:spcAft>
+              <a:buClr>
+                <a:srgbClr val="000000"/>
+              </a:buClr>
+              <a:buSzPts val="2000"/>
+              <a:buFont typeface="Arial"/>
               <a:buNone/>
             </a:pPr>
             <a:r>
-              <a:rPr b="1" lang="pt-BR" sz="2000">
+              <a:rPr b="1" i="0" lang="pt-BR" sz="2000" u="none" cap="none" strike="noStrike">
                 <a:solidFill>
                   <a:schemeClr val="dk1"/>
                 </a:solidFill>
@@ -20785,7 +20993,7 @@
               <a:t>Processo</a:t>
             </a:r>
             <a:r>
-              <a:rPr lang="pt-BR" sz="2000">
+              <a:rPr b="0" i="0" lang="pt-BR" sz="2000" u="none" cap="none" strike="noStrike">
                 <a:solidFill>
                   <a:schemeClr val="dk1"/>
                 </a:solidFill>
@@ -20799,7 +21007,7 @@
               </a:rPr>
               <a:t>: Solicitar produtos</a:t>
             </a:r>
-            <a:endParaRPr sz="2000">
+            <a:endParaRPr b="0" i="0" sz="2000" u="none" cap="none" strike="noStrike">
               <a:solidFill>
                 <a:schemeClr val="dk1"/>
               </a:solidFill>
@@ -20813,7 +21021,7 @@
             </a:endParaRPr>
           </a:p>
           <a:p>
-            <a:pPr indent="0" lvl="0" marL="0" rtl="0" algn="l">
+            <a:pPr indent="0" lvl="0" marL="0" marR="0" rtl="0" algn="l">
               <a:lnSpc>
                 <a:spcPct val="80000"/>
               </a:lnSpc>
@@ -20823,10 +21031,15 @@
               <a:spcAft>
                 <a:spcPts val="0"/>
               </a:spcAft>
+              <a:buClr>
+                <a:srgbClr val="000000"/>
+              </a:buClr>
+              <a:buSzPts val="2000"/>
+              <a:buFont typeface="Arial"/>
               <a:buNone/>
             </a:pPr>
             <a:r>
-              <a:rPr b="1" lang="pt-BR" sz="2000">
+              <a:rPr b="1" i="0" lang="pt-BR" sz="2000" u="none" cap="none" strike="noStrike">
                 <a:solidFill>
                   <a:schemeClr val="dk1"/>
                 </a:solidFill>
@@ -20841,7 +21054,7 @@
               <a:t>Evento</a:t>
             </a:r>
             <a:r>
-              <a:rPr lang="pt-BR" sz="2000">
+              <a:rPr b="0" i="0" lang="pt-BR" sz="2000" u="none" cap="none" strike="noStrike">
                 <a:solidFill>
                   <a:schemeClr val="dk1"/>
                 </a:solidFill>
@@ -20853,24 +21066,9 @@
                 <a:cs typeface="Calibri"/>
                 <a:sym typeface="Calibri"/>
               </a:rPr>
-              <a:t>: </a:t>
-            </a:r>
-            <a:r>
-              <a:rPr lang="pt-BR" sz="2000">
-                <a:solidFill>
-                  <a:schemeClr val="dk1"/>
-                </a:solidFill>
-                <a:highlight>
-                  <a:schemeClr val="lt1"/>
-                </a:highlight>
-                <a:latin typeface="Calibri"/>
-                <a:ea typeface="Calibri"/>
-                <a:cs typeface="Calibri"/>
-                <a:sym typeface="Calibri"/>
-              </a:rPr>
-              <a:t>Gerente faz solicitação de produtos</a:t>
-            </a:r>
-            <a:endParaRPr sz="2000">
+              <a:t>: Gerente faz solicitação de produtos</a:t>
+            </a:r>
+            <a:endParaRPr b="0" i="0" sz="2000" u="none" cap="none" strike="noStrike">
               <a:solidFill>
                 <a:schemeClr val="dk1"/>
               </a:solidFill>
@@ -20884,7 +21082,7 @@
             </a:endParaRPr>
           </a:p>
           <a:p>
-            <a:pPr indent="0" lvl="0" marL="0" rtl="0" algn="l">
+            <a:pPr indent="0" lvl="0" marL="0" marR="0" rtl="0" algn="l">
               <a:lnSpc>
                 <a:spcPct val="80000"/>
               </a:lnSpc>
@@ -20894,10 +21092,15 @@
               <a:spcAft>
                 <a:spcPts val="0"/>
               </a:spcAft>
+              <a:buClr>
+                <a:srgbClr val="000000"/>
+              </a:buClr>
+              <a:buSzPts val="2000"/>
+              <a:buFont typeface="Arial"/>
               <a:buNone/>
             </a:pPr>
             <a:r>
-              <a:rPr b="1" lang="pt-BR" sz="2000">
+              <a:rPr b="1" i="0" lang="pt-BR" sz="2000" u="none" cap="none" strike="noStrike">
                 <a:solidFill>
                   <a:schemeClr val="dk1"/>
                 </a:solidFill>
@@ -20912,7 +21115,7 @@
               <a:t>Objetivo: </a:t>
             </a:r>
             <a:r>
-              <a:rPr lang="pt-BR" sz="2000">
+              <a:rPr b="0" i="0" lang="pt-BR" sz="2000" u="none" cap="none" strike="noStrike">
                 <a:solidFill>
                   <a:schemeClr val="dk1"/>
                 </a:solidFill>
@@ -20926,7 +21129,7 @@
               </a:rPr>
               <a:t>Adquirir novas mercadorias para aquisição</a:t>
             </a:r>
-            <a:endParaRPr sz="2000">
+            <a:endParaRPr b="0" i="0" sz="2000" u="none" cap="none" strike="noStrike">
               <a:solidFill>
                 <a:schemeClr val="dk1"/>
               </a:solidFill>
@@ -20940,7 +21143,7 @@
             </a:endParaRPr>
           </a:p>
           <a:p>
-            <a:pPr indent="0" lvl="0" marL="0" rtl="0" algn="l">
+            <a:pPr indent="0" lvl="0" marL="0" marR="0" rtl="0" algn="l">
               <a:lnSpc>
                 <a:spcPct val="80000"/>
               </a:lnSpc>
@@ -20950,10 +21153,15 @@
               <a:spcAft>
                 <a:spcPts val="0"/>
               </a:spcAft>
+              <a:buClr>
+                <a:srgbClr val="000000"/>
+              </a:buClr>
+              <a:buSzPts val="2000"/>
+              <a:buFont typeface="Arial"/>
               <a:buNone/>
             </a:pPr>
             <a:r>
-              <a:rPr b="1" lang="pt-BR" sz="2000">
+              <a:rPr b="1" i="0" lang="pt-BR" sz="2000" u="none" cap="none" strike="noStrike">
                 <a:solidFill>
                   <a:schemeClr val="dk1"/>
                 </a:solidFill>
@@ -20968,7 +21176,7 @@
               <a:t>Trabalhadores </a:t>
             </a:r>
             <a:r>
-              <a:rPr b="1" lang="pt-BR" sz="2000">
+              <a:rPr b="1" i="0" lang="pt-BR" sz="2000" u="none" cap="none" strike="noStrike">
                 <a:solidFill>
                   <a:schemeClr val="dk1"/>
                 </a:solidFill>
@@ -20981,14 +21189,14 @@
                 <a:sym typeface="Calibri"/>
                 <a:extLst>
                   <a:ext uri="http://customooxmlschemas.google.com/">
-                    <go:slidesCustomData xmlns:go="http://customooxmlschemas.google.com/" textRoundtripDataId="2"/>
+                    <go:slidesCustomData xmlns:go="http://customooxmlschemas.google.com/" textRoundtripDataId="4"/>
                   </a:ext>
                 </a:extLst>
               </a:rPr>
               <a:t>Envolvidos</a:t>
             </a:r>
             <a:r>
-              <a:rPr lang="pt-BR" sz="2000">
+              <a:rPr b="0" i="0" lang="pt-BR" sz="2000" u="none" cap="none" strike="noStrike">
                 <a:solidFill>
                   <a:schemeClr val="dk1"/>
                 </a:solidFill>
@@ -21002,7 +21210,7 @@
               </a:rPr>
               <a:t>: Gerente</a:t>
             </a:r>
-            <a:endParaRPr sz="2000">
+            <a:endParaRPr b="0" i="0" sz="2000" u="none" cap="none" strike="noStrike">
               <a:solidFill>
                 <a:schemeClr val="dk1"/>
               </a:solidFill>
@@ -21016,7 +21224,7 @@
             </a:endParaRPr>
           </a:p>
           <a:p>
-            <a:pPr indent="0" lvl="0" marL="0" rtl="0" algn="just">
+            <a:pPr indent="0" lvl="0" marL="0" marR="0" rtl="0" algn="just">
               <a:lnSpc>
                 <a:spcPct val="80000"/>
               </a:lnSpc>
@@ -21026,12 +21234,17 @@
               <a:spcAft>
                 <a:spcPts val="0"/>
               </a:spcAft>
+              <a:buClr>
+                <a:srgbClr val="000000"/>
+              </a:buClr>
+              <a:buSzPts val="2000"/>
+              <a:buFont typeface="Arial"/>
               <a:buNone/>
             </a:pPr>
             <a:r>
               <a:t/>
             </a:r>
-            <a:endParaRPr sz="2000">
+            <a:endParaRPr b="0" i="0" sz="2000" u="none" cap="none" strike="noStrike">
               <a:solidFill>
                 <a:schemeClr val="dk1"/>
               </a:solidFill>
@@ -21045,7 +21258,7 @@
             </a:endParaRPr>
           </a:p>
           <a:p>
-            <a:pPr indent="-355600" lvl="0" marL="457200" rtl="0" algn="just">
+            <a:pPr indent="-355600" lvl="0" marL="457200" marR="0" rtl="0" algn="just">
               <a:lnSpc>
                 <a:spcPct val="80000"/>
               </a:lnSpc>
@@ -21063,7 +21276,7 @@
               <a:buChar char="●"/>
             </a:pPr>
             <a:r>
-              <a:rPr lang="pt-BR" sz="2000">
+              <a:rPr b="0" i="0" lang="pt-BR" sz="2000" u="none" cap="none" strike="noStrike">
                 <a:solidFill>
                   <a:schemeClr val="dk1"/>
                 </a:solidFill>
@@ -21077,10 +21290,75 @@
               </a:rPr>
               <a:t>Verifica os fornecedores cadastrados.</a:t>
             </a:r>
-            <a:endParaRPr sz="2000">
+            <a:endParaRPr/>
+          </a:p>
+          <a:p>
+            <a:pPr indent="-355600" lvl="1" marL="914400" marR="0" rtl="0" algn="just">
+              <a:lnSpc>
+                <a:spcPct val="80000"/>
+              </a:lnSpc>
+              <a:spcBef>
+                <a:spcPts val="0"/>
+              </a:spcBef>
+              <a:spcAft>
+                <a:spcPts val="0"/>
+              </a:spcAft>
+              <a:buClr>
+                <a:srgbClr val="000000"/>
+              </a:buClr>
+              <a:buSzPts val="2000"/>
+              <a:buFont typeface="Arial"/>
+              <a:buChar char="○"/>
+            </a:pPr>
+            <a:r>
+              <a:rPr b="0" i="0" lang="pt-BR" sz="2000" u="none" cap="none" strike="noStrike">
+                <a:solidFill>
+                  <a:srgbClr val="000000"/>
+                </a:solidFill>
+                <a:highlight>
+                  <a:srgbClr val="FFFFFF"/>
+                </a:highlight>
+                <a:latin typeface="Calibri"/>
+                <a:ea typeface="Calibri"/>
+                <a:cs typeface="Calibri"/>
+                <a:sym typeface="Calibri"/>
+              </a:rPr>
+              <a:t>Se não houver fornecedores cadastrados, a solicitação não será realizada.</a:t>
+            </a:r>
+            <a:endParaRPr/>
+          </a:p>
+          <a:p>
+            <a:pPr indent="-228600" lvl="0" marL="457200" marR="0" rtl="0" algn="just">
+              <a:lnSpc>
+                <a:spcPct val="80000"/>
+              </a:lnSpc>
+              <a:spcBef>
+                <a:spcPts val="0"/>
+              </a:spcBef>
+              <a:spcAft>
+                <a:spcPts val="0"/>
+              </a:spcAft>
+              <a:buClr>
+                <a:schemeClr val="dk1"/>
+              </a:buClr>
+              <a:buSzPts val="2000"/>
+              <a:buFont typeface="Calibri"/>
+              <a:buNone/>
+            </a:pPr>
+            <a:r>
+              <a:t/>
+            </a:r>
+            <a:endParaRPr b="0" i="0" sz="2000" u="none" cap="none" strike="noStrike">
+              <a:solidFill>
+                <a:srgbClr val="000000"/>
+              </a:solidFill>
               <a:highlight>
                 <a:schemeClr val="lt1"/>
               </a:highlight>
+              <a:latin typeface="Arial"/>
+              <a:ea typeface="Arial"/>
+              <a:cs typeface="Arial"/>
+              <a:sym typeface="Arial"/>
             </a:endParaRPr>
           </a:p>
         </p:txBody>
@@ -21102,7 +21380,7 @@
         <p:spPr>
           <a:xfrm>
             <a:off x="304800" y="1690825"/>
-            <a:ext cx="6900250" cy="3652123"/>
+            <a:ext cx="6900250" cy="4272484"/>
           </a:xfrm>
           <a:prstGeom prst="rect">
             <a:avLst/>
@@ -21207,20 +21485,14 @@
         <p:spPr>
           <a:xfrm>
             <a:off x="7205050" y="1690825"/>
-            <a:ext cx="4114800" cy="3268200"/>
+            <a:ext cx="4114800" cy="3514500"/>
           </a:xfrm>
           <a:prstGeom prst="rect">
             <a:avLst/>
           </a:prstGeom>
           <a:noFill/>
-          <a:ln cap="flat" cmpd="sng" w="9525">
-            <a:solidFill>
-              <a:srgbClr val="F1C232"/>
-            </a:solidFill>
-            <a:prstDash val="solid"/>
-            <a:round/>
-            <a:headEnd len="sm" w="sm" type="none"/>
-            <a:tailEnd len="sm" w="sm" type="none"/>
+          <a:ln>
+            <a:noFill/>
           </a:ln>
         </p:spPr>
         <p:txBody>
@@ -21229,7 +21501,7 @@
           </a:bodyPr>
           <a:lstStyle/>
           <a:p>
-            <a:pPr indent="0" lvl="0" marL="0" rtl="0" algn="l">
+            <a:pPr indent="0" lvl="0" marL="0" marR="0" rtl="0" algn="l">
               <a:lnSpc>
                 <a:spcPct val="80000"/>
               </a:lnSpc>
@@ -21239,10 +21511,15 @@
               <a:spcAft>
                 <a:spcPts val="0"/>
               </a:spcAft>
+              <a:buClr>
+                <a:srgbClr val="000000"/>
+              </a:buClr>
+              <a:buSzPts val="2000"/>
+              <a:buFont typeface="Arial"/>
               <a:buNone/>
             </a:pPr>
             <a:r>
-              <a:rPr b="1" lang="pt-BR" sz="2000">
+              <a:rPr b="1" i="0" lang="pt-BR" sz="2000" u="none" cap="none" strike="noStrike">
                 <a:solidFill>
                   <a:schemeClr val="dk1"/>
                 </a:solidFill>
@@ -21257,7 +21534,7 @@
               <a:t>Processo</a:t>
             </a:r>
             <a:r>
-              <a:rPr lang="pt-BR" sz="2000">
+              <a:rPr b="0" i="0" lang="pt-BR" sz="2000" u="none" cap="none" strike="noStrike">
                 <a:solidFill>
                   <a:schemeClr val="dk1"/>
                 </a:solidFill>
@@ -21271,7 +21548,7 @@
               </a:rPr>
               <a:t>: Analisar orçamento dos produtos</a:t>
             </a:r>
-            <a:endParaRPr sz="2000">
+            <a:endParaRPr b="0" i="0" sz="2000" u="none" cap="none" strike="noStrike">
               <a:solidFill>
                 <a:schemeClr val="dk1"/>
               </a:solidFill>
@@ -21285,7 +21562,7 @@
             </a:endParaRPr>
           </a:p>
           <a:p>
-            <a:pPr indent="0" lvl="0" marL="0" rtl="0" algn="l">
+            <a:pPr indent="0" lvl="0" marL="0" marR="0" rtl="0" algn="l">
               <a:lnSpc>
                 <a:spcPct val="80000"/>
               </a:lnSpc>
@@ -21295,10 +21572,15 @@
               <a:spcAft>
                 <a:spcPts val="0"/>
               </a:spcAft>
+              <a:buClr>
+                <a:srgbClr val="000000"/>
+              </a:buClr>
+              <a:buSzPts val="2000"/>
+              <a:buFont typeface="Arial"/>
               <a:buNone/>
             </a:pPr>
             <a:r>
-              <a:rPr b="1" lang="pt-BR" sz="2000">
+              <a:rPr b="1" i="0" lang="pt-BR" sz="2000" u="none" cap="none" strike="noStrike">
                 <a:solidFill>
                   <a:schemeClr val="dk1"/>
                 </a:solidFill>
@@ -21313,7 +21595,7 @@
               <a:t>Evento</a:t>
             </a:r>
             <a:r>
-              <a:rPr lang="pt-BR" sz="2000">
+              <a:rPr b="0" i="0" lang="pt-BR" sz="2000" u="none" cap="none" strike="noStrike">
                 <a:solidFill>
                   <a:schemeClr val="dk1"/>
                 </a:solidFill>
@@ -21327,7 +21609,7 @@
               </a:rPr>
               <a:t>: Fornecedor envia orçamento</a:t>
             </a:r>
-            <a:endParaRPr sz="2000">
+            <a:endParaRPr b="0" i="0" sz="2000" u="none" cap="none" strike="noStrike">
               <a:solidFill>
                 <a:schemeClr val="dk1"/>
               </a:solidFill>
@@ -21341,7 +21623,7 @@
             </a:endParaRPr>
           </a:p>
           <a:p>
-            <a:pPr indent="0" lvl="0" marL="0" rtl="0" algn="l">
+            <a:pPr indent="0" lvl="0" marL="0" marR="0" rtl="0" algn="l">
               <a:lnSpc>
                 <a:spcPct val="80000"/>
               </a:lnSpc>
@@ -21351,10 +21633,15 @@
               <a:spcAft>
                 <a:spcPts val="0"/>
               </a:spcAft>
+              <a:buClr>
+                <a:srgbClr val="000000"/>
+              </a:buClr>
+              <a:buSzPts val="2000"/>
+              <a:buFont typeface="Arial"/>
               <a:buNone/>
             </a:pPr>
             <a:r>
-              <a:rPr b="1" lang="pt-BR" sz="2000">
+              <a:rPr b="1" i="0" lang="pt-BR" sz="2000" u="none" cap="none" strike="noStrike">
                 <a:solidFill>
                   <a:schemeClr val="dk1"/>
                 </a:solidFill>
@@ -21369,7 +21656,7 @@
               <a:t>Objetivo: </a:t>
             </a:r>
             <a:r>
-              <a:rPr lang="pt-BR" sz="2000">
+              <a:rPr b="0" i="0" lang="pt-BR" sz="2000" u="none" cap="none" strike="noStrike">
                 <a:solidFill>
                   <a:schemeClr val="dk1"/>
                 </a:solidFill>
@@ -21383,7 +21670,7 @@
               </a:rPr>
               <a:t>Analisar orçamento do pedido enviado e produtos</a:t>
             </a:r>
-            <a:endParaRPr sz="2000">
+            <a:endParaRPr b="0" i="0" sz="2000" u="none" cap="none" strike="noStrike">
               <a:solidFill>
                 <a:schemeClr val="dk1"/>
               </a:solidFill>
@@ -21397,7 +21684,7 @@
             </a:endParaRPr>
           </a:p>
           <a:p>
-            <a:pPr indent="0" lvl="0" marL="0" rtl="0" algn="l">
+            <a:pPr indent="0" lvl="0" marL="0" marR="0" rtl="0" algn="l">
               <a:lnSpc>
                 <a:spcPct val="80000"/>
               </a:lnSpc>
@@ -21407,10 +21694,15 @@
               <a:spcAft>
                 <a:spcPts val="0"/>
               </a:spcAft>
+              <a:buClr>
+                <a:srgbClr val="000000"/>
+              </a:buClr>
+              <a:buSzPts val="2000"/>
+              <a:buFont typeface="Arial"/>
               <a:buNone/>
             </a:pPr>
             <a:r>
-              <a:rPr b="1" lang="pt-BR" sz="2000">
+              <a:rPr b="1" i="0" lang="pt-BR" sz="2000" u="none" cap="none" strike="noStrike">
                 <a:solidFill>
                   <a:schemeClr val="dk1"/>
                 </a:solidFill>
@@ -21425,7 +21717,7 @@
               <a:t>Trabalhadores </a:t>
             </a:r>
             <a:r>
-              <a:rPr b="1" lang="pt-BR" sz="2000">
+              <a:rPr b="1" i="0" lang="pt-BR" sz="2000" u="none" cap="none" strike="noStrike">
                 <a:solidFill>
                   <a:schemeClr val="dk1"/>
                 </a:solidFill>
@@ -21438,14 +21730,14 @@
                 <a:sym typeface="Calibri"/>
                 <a:extLst>
                   <a:ext uri="http://customooxmlschemas.google.com/">
-                    <go:slidesCustomData xmlns:go="http://customooxmlschemas.google.com/" textRoundtripDataId="3"/>
+                    <go:slidesCustomData xmlns:go="http://customooxmlschemas.google.com/" textRoundtripDataId="5"/>
                   </a:ext>
                 </a:extLst>
               </a:rPr>
               <a:t>Envolvidos</a:t>
             </a:r>
             <a:r>
-              <a:rPr lang="pt-BR" sz="2000">
+              <a:rPr b="0" i="0" lang="pt-BR" sz="2000" u="none" cap="none" strike="noStrike">
                 <a:solidFill>
                   <a:schemeClr val="dk1"/>
                 </a:solidFill>
@@ -21459,7 +21751,7 @@
               </a:rPr>
               <a:t>: Gerente</a:t>
             </a:r>
-            <a:endParaRPr sz="2000">
+            <a:endParaRPr b="0" i="0" sz="2000" u="none" cap="none" strike="noStrike">
               <a:solidFill>
                 <a:schemeClr val="dk1"/>
               </a:solidFill>
@@ -21473,7 +21765,7 @@
             </a:endParaRPr>
           </a:p>
           <a:p>
-            <a:pPr indent="-355600" lvl="0" marL="457200" rtl="0" algn="just">
+            <a:pPr indent="-355600" lvl="0" marL="457200" marR="0" rtl="0" algn="just">
               <a:lnSpc>
                 <a:spcPct val="80000"/>
               </a:lnSpc>
@@ -21491,7 +21783,7 @@
               <a:buChar char="●"/>
             </a:pPr>
             <a:r>
-              <a:rPr lang="pt-BR" sz="2000">
+              <a:rPr b="0" i="0" lang="pt-BR" sz="2000" u="none" cap="none" strike="noStrike">
                 <a:solidFill>
                   <a:schemeClr val="dk1"/>
                 </a:solidFill>
@@ -21503,9 +21795,39 @@
                 <a:cs typeface="Calibri"/>
                 <a:sym typeface="Calibri"/>
               </a:rPr>
-              <a:t>Verifica se há saldo em lançamento disponível para compra dos produtos.</a:t>
-            </a:r>
-            <a:endParaRPr sz="2000">
+              <a:t>Verifica se há saldo em lançamento disponível para compra dos produtos e </a:t>
+            </a:r>
+            <a:r>
+              <a:rPr lang="pt-BR" sz="2000">
+                <a:solidFill>
+                  <a:schemeClr val="dk1"/>
+                </a:solidFill>
+                <a:highlight>
+                  <a:schemeClr val="lt1"/>
+                </a:highlight>
+                <a:latin typeface="Calibri"/>
+                <a:ea typeface="Calibri"/>
+                <a:cs typeface="Calibri"/>
+                <a:sym typeface="Calibri"/>
+              </a:rPr>
+              <a:t>informa confirmação ao fornecedor</a:t>
+            </a:r>
+            <a:r>
+              <a:rPr b="0" i="0" lang="pt-BR" sz="2000" u="none" cap="none" strike="noStrike">
+                <a:solidFill>
+                  <a:schemeClr val="dk1"/>
+                </a:solidFill>
+                <a:highlight>
+                  <a:schemeClr val="lt1"/>
+                </a:highlight>
+                <a:latin typeface="Calibri"/>
+                <a:ea typeface="Calibri"/>
+                <a:cs typeface="Calibri"/>
+                <a:sym typeface="Calibri"/>
+              </a:rPr>
+              <a:t>.</a:t>
+            </a:r>
+            <a:endParaRPr b="0" i="0" sz="2000" u="none" cap="none" strike="noStrike">
               <a:solidFill>
                 <a:schemeClr val="dk1"/>
               </a:solidFill>
@@ -21519,7 +21841,7 @@
             </a:endParaRPr>
           </a:p>
           <a:p>
-            <a:pPr indent="-355600" lvl="1" marL="914400" rtl="0" algn="just">
+            <a:pPr indent="-355600" lvl="1" marL="914400" marR="0" rtl="0" algn="just">
               <a:lnSpc>
                 <a:spcPct val="80000"/>
               </a:lnSpc>
@@ -21533,10 +21855,11 @@
                 <a:schemeClr val="dk1"/>
               </a:buClr>
               <a:buSzPts val="2000"/>
+              <a:buFont typeface="Arial"/>
               <a:buChar char="○"/>
             </a:pPr>
             <a:r>
-              <a:rPr lang="pt-BR" sz="2000">
+              <a:rPr b="0" i="0" lang="pt-BR" sz="2000" u="none" cap="none" strike="noStrike">
                 <a:solidFill>
                   <a:schemeClr val="dk1"/>
                 </a:solidFill>
@@ -21550,7 +21873,7 @@
               </a:rPr>
               <a:t>Se não há saldo suficiente para compra de produtos, o orçamento, será recusado.</a:t>
             </a:r>
-            <a:endParaRPr sz="2000">
+            <a:endParaRPr b="0" i="0" sz="2000" u="none" cap="none" strike="noStrike">
               <a:solidFill>
                 <a:schemeClr val="dk1"/>
               </a:solidFill>
@@ -21582,7 +21905,7 @@
         <p:spPr>
           <a:xfrm>
             <a:off x="304800" y="1690825"/>
-            <a:ext cx="6900250" cy="3652123"/>
+            <a:ext cx="6900250" cy="4272484"/>
           </a:xfrm>
           <a:prstGeom prst="rect">
             <a:avLst/>
@@ -21675,15 +21998,7 @@
                   <a:schemeClr val="lt1"/>
                 </a:highlight>
               </a:rPr>
-              <a:t>: </a:t>
-            </a:r>
-            <a:r>
-              <a:rPr lang="pt-BR" sz="2000">
-                <a:highlight>
-                  <a:schemeClr val="lt1"/>
-                </a:highlight>
-              </a:rPr>
-              <a:t>Pagar produtos</a:t>
+              <a:t>: Pagar produtos</a:t>
             </a:r>
             <a:endParaRPr sz="2000">
               <a:highlight>
@@ -21722,15 +22037,7 @@
                   <a:schemeClr val="lt1"/>
                 </a:highlight>
               </a:rPr>
-              <a:t>: </a:t>
-            </a:r>
-            <a:r>
-              <a:rPr lang="pt-BR" sz="2000">
-                <a:highlight>
-                  <a:schemeClr val="lt1"/>
-                </a:highlight>
-              </a:rPr>
-              <a:t>Gerente realiza pagamento dos produtos</a:t>
+              <a:t>: Gerente realiza pagamento dos produtos</a:t>
             </a:r>
             <a:endParaRPr sz="2000">
               <a:highlight>
@@ -21949,7 +22256,7 @@
         <p:spPr>
           <a:xfrm>
             <a:off x="304800" y="1690825"/>
-            <a:ext cx="6900250" cy="3652123"/>
+            <a:ext cx="6900250" cy="4272484"/>
           </a:xfrm>
           <a:prstGeom prst="rect">
             <a:avLst/>
@@ -22046,15 +22353,7 @@
                   <a:schemeClr val="lt1"/>
                 </a:highlight>
               </a:rPr>
-              <a:t>: </a:t>
-            </a:r>
-            <a:r>
-              <a:rPr lang="pt-BR" sz="2000">
-                <a:highlight>
-                  <a:schemeClr val="lt1"/>
-                </a:highlight>
-              </a:rPr>
-              <a:t>Receber produtos</a:t>
+              <a:t>: Receber produtos</a:t>
             </a:r>
             <a:endParaRPr sz="2000">
               <a:highlight>
@@ -22093,15 +22392,7 @@
                   <a:schemeClr val="lt1"/>
                 </a:highlight>
               </a:rPr>
-              <a:t>: </a:t>
-            </a:r>
-            <a:r>
-              <a:rPr lang="pt-BR" sz="2000">
-                <a:highlight>
-                  <a:schemeClr val="lt1"/>
-                </a:highlight>
-              </a:rPr>
-              <a:t>Fornecedor envia comprovante de pagamento, nota fiscal e os produtos</a:t>
+              <a:t>: Fornecedor envia comprovante de pagamento, nota fiscal e os produtos</a:t>
             </a:r>
             <a:endParaRPr sz="2000">
               <a:highlight>
@@ -22233,7 +22524,7 @@
                   <a:schemeClr val="lt1"/>
                 </a:highlight>
               </a:rPr>
-              <a:t>Recebe o comprovante de pagamento, nota fiscal e os produtos adquiridos do fornecedor.</a:t>
+              <a:t>Guarda o comprovante de pagamento e nota fiscal em via de operação.</a:t>
             </a:r>
             <a:endParaRPr sz="2000">
               <a:highlight>
@@ -22261,35 +22552,7 @@
                   <a:schemeClr val="lt1"/>
                 </a:highlight>
               </a:rPr>
-              <a:t>Guarda o comprovante de pagamento e nota fiscal em via de operação.</a:t>
-            </a:r>
-            <a:endParaRPr sz="2000">
-              <a:highlight>
-                <a:schemeClr val="lt1"/>
-              </a:highlight>
-            </a:endParaRPr>
-          </a:p>
-          <a:p>
-            <a:pPr indent="-355600" lvl="0" marL="457200" rtl="0" algn="just">
-              <a:lnSpc>
-                <a:spcPct val="70000"/>
-              </a:lnSpc>
-              <a:spcBef>
-                <a:spcPts val="0"/>
-              </a:spcBef>
-              <a:spcAft>
-                <a:spcPts val="0"/>
-              </a:spcAft>
-              <a:buSzPts val="2000"/>
-              <a:buChar char="•"/>
-            </a:pPr>
-            <a:r>
-              <a:rPr lang="pt-BR" sz="2000">
-                <a:highlight>
-                  <a:schemeClr val="lt1"/>
-                </a:highlight>
-              </a:rPr>
-              <a:t>Guarda os produtos novos adquiridos em produto.</a:t>
+              <a:t>Guarda os produtos novos adquiridos em produto de venda.</a:t>
             </a:r>
             <a:endParaRPr sz="2000">
               <a:highlight>
@@ -22308,6 +22571,7 @@
               <a:spcAft>
                 <a:spcPts val="0"/>
               </a:spcAft>
+              <a:buSzPts val="1800"/>
               <a:buNone/>
             </a:pPr>
             <a:r>
@@ -22398,7 +22662,7 @@
         <p:spPr>
           <a:xfrm>
             <a:off x="304800" y="1690825"/>
-            <a:ext cx="6900250" cy="3652123"/>
+            <a:ext cx="6900250" cy="4272484"/>
           </a:xfrm>
           <a:prstGeom prst="rect">
             <a:avLst/>
@@ -22450,6 +22714,10 @@
           <a:prstGeom prst="rect">
             <a:avLst/>
           </a:prstGeom>
+          <a:noFill/>
+          <a:ln>
+            <a:noFill/>
+          </a:ln>
         </p:spPr>
         <p:txBody>
           <a:bodyPr anchorCtr="0" anchor="ctr" bIns="45700" lIns="91425" spcFirstLastPara="1" rIns="91425" wrap="square" tIns="45700">
@@ -22458,12 +22726,16 @@
           <a:lstStyle/>
           <a:p>
             <a:pPr indent="0" lvl="0" marL="0" rtl="0" algn="l">
-              <a:spcBef>
-                <a:spcPts val="0"/>
-              </a:spcBef>
-              <a:spcAft>
-                <a:spcPts val="0"/>
-              </a:spcAft>
+              <a:lnSpc>
+                <a:spcPct val="90000"/>
+              </a:lnSpc>
+              <a:spcBef>
+                <a:spcPts val="0"/>
+              </a:spcBef>
+              <a:spcAft>
+                <a:spcPts val="0"/>
+              </a:spcAft>
+              <a:buSzPts val="1800"/>
               <a:buNone/>
             </a:pPr>
             <a:r>
@@ -22491,7 +22763,7 @@
         <p:spPr>
           <a:xfrm>
             <a:off x="8643575" y="1062300"/>
-            <a:ext cx="3500400" cy="3021900"/>
+            <a:ext cx="3500400" cy="4007100"/>
           </a:xfrm>
           <a:prstGeom prst="rect">
             <a:avLst/>
@@ -22507,7 +22779,7 @@
           </a:bodyPr>
           <a:lstStyle/>
           <a:p>
-            <a:pPr indent="0" lvl="0" marL="0" rtl="0" algn="l">
+            <a:pPr indent="0" lvl="0" marL="0" marR="0" rtl="0" algn="l">
               <a:lnSpc>
                 <a:spcPct val="80000"/>
               </a:lnSpc>
@@ -22517,10 +22789,15 @@
               <a:spcAft>
                 <a:spcPts val="0"/>
               </a:spcAft>
+              <a:buClr>
+                <a:srgbClr val="000000"/>
+              </a:buClr>
+              <a:buSzPts val="2000"/>
+              <a:buFont typeface="Arial"/>
               <a:buNone/>
             </a:pPr>
             <a:r>
-              <a:rPr b="1" lang="pt-BR" sz="2000">
+              <a:rPr b="1" i="0" lang="pt-BR" sz="2000" u="none" cap="none" strike="noStrike">
                 <a:solidFill>
                   <a:schemeClr val="dk1"/>
                 </a:solidFill>
@@ -22535,7 +22812,7 @@
               <a:t>Processo</a:t>
             </a:r>
             <a:r>
-              <a:rPr lang="pt-BR" sz="2000">
+              <a:rPr b="0" i="0" lang="pt-BR" sz="2000" u="none" cap="none" strike="noStrike">
                 <a:solidFill>
                   <a:schemeClr val="dk1"/>
                 </a:solidFill>
@@ -22549,21 +22826,10 @@
               </a:rPr>
               <a:t>: Solicitar serviço</a:t>
             </a:r>
-            <a:endParaRPr sz="2000">
-              <a:solidFill>
-                <a:schemeClr val="dk1"/>
-              </a:solidFill>
-              <a:highlight>
-                <a:schemeClr val="lt1"/>
-              </a:highlight>
-              <a:latin typeface="Calibri"/>
-              <a:ea typeface="Calibri"/>
-              <a:cs typeface="Calibri"/>
-              <a:sym typeface="Calibri"/>
-            </a:endParaRPr>
+            <a:endParaRPr/>
           </a:p>
           <a:p>
-            <a:pPr indent="0" lvl="0" marL="0" rtl="0" algn="l">
+            <a:pPr indent="0" lvl="0" marL="0" marR="0" rtl="0" algn="l">
               <a:lnSpc>
                 <a:spcPct val="80000"/>
               </a:lnSpc>
@@ -22573,10 +22839,15 @@
               <a:spcAft>
                 <a:spcPts val="0"/>
               </a:spcAft>
+              <a:buClr>
+                <a:srgbClr val="000000"/>
+              </a:buClr>
+              <a:buSzPts val="2000"/>
+              <a:buFont typeface="Arial"/>
               <a:buNone/>
             </a:pPr>
             <a:r>
-              <a:rPr b="1" lang="pt-BR" sz="2000">
+              <a:rPr b="1" i="0" lang="pt-BR" sz="2000" u="none" cap="none" strike="noStrike">
                 <a:solidFill>
                   <a:schemeClr val="dk1"/>
                 </a:solidFill>
@@ -22591,7 +22862,7 @@
               <a:t>Evento</a:t>
             </a:r>
             <a:r>
-              <a:rPr lang="pt-BR" sz="2000">
+              <a:rPr b="0" i="0" lang="pt-BR" sz="2000" u="none" cap="none" strike="noStrike">
                 <a:solidFill>
                   <a:schemeClr val="dk1"/>
                 </a:solidFill>
@@ -22603,7 +22874,7 @@
                 <a:cs typeface="Calibri"/>
                 <a:sym typeface="Calibri"/>
               </a:rPr>
-              <a:t>: </a:t>
+              <a:t>: Gerente</a:t>
             </a:r>
             <a:r>
               <a:rPr lang="pt-BR" sz="2000">
@@ -22618,23 +22889,27 @@
                 <a:cs typeface="Calibri"/>
                 <a:sym typeface="Calibri"/>
               </a:rPr>
-              <a:t>Gerente envia produto e solicita serviço de manutenção</a:t>
-            </a:r>
-            <a:endParaRPr sz="2000">
-              <a:solidFill>
-                <a:schemeClr val="dk1"/>
-              </a:solidFill>
-              <a:highlight>
-                <a:schemeClr val="lt1"/>
-              </a:highlight>
-              <a:latin typeface="Calibri"/>
-              <a:ea typeface="Calibri"/>
-              <a:cs typeface="Calibri"/>
-              <a:sym typeface="Calibri"/>
-            </a:endParaRPr>
+              <a:t> </a:t>
+            </a:r>
+            <a:r>
+              <a:rPr b="0" i="0" lang="pt-BR" sz="2000" u="none" cap="none" strike="noStrike">
+                <a:solidFill>
+                  <a:schemeClr val="dk1"/>
+                </a:solidFill>
+                <a:highlight>
+                  <a:schemeClr val="lt1"/>
+                </a:highlight>
+                <a:latin typeface="Calibri"/>
+                <a:ea typeface="Calibri"/>
+                <a:cs typeface="Calibri"/>
+                <a:sym typeface="Calibri"/>
+              </a:rPr>
+              <a:t>solicita serviço de manutenção</a:t>
+            </a:r>
+            <a:endParaRPr/>
           </a:p>
           <a:p>
-            <a:pPr indent="0" lvl="0" marL="0" rtl="0" algn="l">
+            <a:pPr indent="0" lvl="0" marL="0" marR="0" rtl="0" algn="l">
               <a:lnSpc>
                 <a:spcPct val="80000"/>
               </a:lnSpc>
@@ -22644,10 +22919,15 @@
               <a:spcAft>
                 <a:spcPts val="0"/>
               </a:spcAft>
+              <a:buClr>
+                <a:srgbClr val="000000"/>
+              </a:buClr>
+              <a:buSzPts val="2000"/>
+              <a:buFont typeface="Arial"/>
               <a:buNone/>
             </a:pPr>
             <a:r>
-              <a:rPr b="1" lang="pt-BR" sz="2000">
+              <a:rPr b="1" i="0" lang="pt-BR" sz="2000" u="none" cap="none" strike="noStrike">
                 <a:solidFill>
                   <a:schemeClr val="dk1"/>
                 </a:solidFill>
@@ -22662,7 +22942,7 @@
               <a:t>Objetivo: </a:t>
             </a:r>
             <a:r>
-              <a:rPr lang="pt-BR" sz="2000">
+              <a:rPr b="0" i="0" lang="pt-BR" sz="2000" u="none" cap="none" strike="noStrike">
                 <a:solidFill>
                   <a:schemeClr val="dk1"/>
                 </a:solidFill>
@@ -22676,21 +22956,10 @@
               </a:rPr>
               <a:t>Terceirizar o suporte que não pode ser atendido pela GamaWare</a:t>
             </a:r>
-            <a:endParaRPr sz="2000">
-              <a:solidFill>
-                <a:schemeClr val="dk1"/>
-              </a:solidFill>
-              <a:highlight>
-                <a:schemeClr val="lt1"/>
-              </a:highlight>
-              <a:latin typeface="Calibri"/>
-              <a:ea typeface="Calibri"/>
-              <a:cs typeface="Calibri"/>
-              <a:sym typeface="Calibri"/>
-            </a:endParaRPr>
+            <a:endParaRPr/>
           </a:p>
           <a:p>
-            <a:pPr indent="0" lvl="0" marL="0" rtl="0" algn="l">
+            <a:pPr indent="0" lvl="0" marL="0" marR="0" rtl="0" algn="l">
               <a:lnSpc>
                 <a:spcPct val="80000"/>
               </a:lnSpc>
@@ -22700,10 +22969,15 @@
               <a:spcAft>
                 <a:spcPts val="0"/>
               </a:spcAft>
+              <a:buClr>
+                <a:srgbClr val="000000"/>
+              </a:buClr>
+              <a:buSzPts val="2000"/>
+              <a:buFont typeface="Arial"/>
               <a:buNone/>
             </a:pPr>
             <a:r>
-              <a:rPr b="1" lang="pt-BR" sz="2000">
+              <a:rPr b="1" i="0" lang="pt-BR" sz="2000" u="none" cap="none" strike="noStrike">
                 <a:solidFill>
                   <a:schemeClr val="dk1"/>
                 </a:solidFill>
@@ -22718,7 +22992,7 @@
               <a:t>Trabalhador Envolvido</a:t>
             </a:r>
             <a:r>
-              <a:rPr lang="pt-BR" sz="2000">
+              <a:rPr b="0" i="0" lang="pt-BR" sz="2000" u="none" cap="none" strike="noStrike">
                 <a:solidFill>
                   <a:schemeClr val="dk1"/>
                 </a:solidFill>
@@ -22732,21 +23006,10 @@
               </a:rPr>
               <a:t>: Gerente</a:t>
             </a:r>
-            <a:endParaRPr sz="2000">
-              <a:solidFill>
-                <a:schemeClr val="dk1"/>
-              </a:solidFill>
-              <a:highlight>
-                <a:schemeClr val="lt1"/>
-              </a:highlight>
-              <a:latin typeface="Calibri"/>
-              <a:ea typeface="Calibri"/>
-              <a:cs typeface="Calibri"/>
-              <a:sym typeface="Calibri"/>
-            </a:endParaRPr>
+            <a:endParaRPr/>
           </a:p>
           <a:p>
-            <a:pPr indent="-218440" lvl="0" marL="228600" rtl="0" algn="just">
+            <a:pPr indent="-218440" lvl="0" marL="228600" marR="0" rtl="0" algn="just">
               <a:lnSpc>
                 <a:spcPct val="80000"/>
               </a:lnSpc>
@@ -22760,10 +23023,11 @@
                 <a:schemeClr val="dk1"/>
               </a:buClr>
               <a:buSzPts val="1800"/>
+              <a:buFont typeface="Arial"/>
               <a:buChar char="•"/>
             </a:pPr>
             <a:r>
-              <a:rPr lang="pt-BR" sz="2000">
+              <a:rPr b="0" i="0" lang="pt-BR" sz="2000" u="none" cap="none" strike="noStrike">
                 <a:solidFill>
                   <a:schemeClr val="dk1"/>
                 </a:solidFill>
@@ -22777,7 +23041,42 @@
               </a:rPr>
               <a:t>Verifica se há fornecedores para realizar a manutenção.</a:t>
             </a:r>
-            <a:endParaRPr sz="2000">
+            <a:endParaRPr/>
+          </a:p>
+          <a:p>
+            <a:pPr indent="-355600" lvl="1" marL="914400" marR="0" rtl="0" algn="just">
+              <a:lnSpc>
+                <a:spcPct val="80000"/>
+              </a:lnSpc>
+              <a:spcBef>
+                <a:spcPts val="0"/>
+              </a:spcBef>
+              <a:spcAft>
+                <a:spcPts val="0"/>
+              </a:spcAft>
+              <a:buClr>
+                <a:srgbClr val="000000"/>
+              </a:buClr>
+              <a:buSzPts val="2000"/>
+              <a:buFont typeface="Arial"/>
+              <a:buChar char="○"/>
+            </a:pPr>
+            <a:r>
+              <a:rPr b="0" i="0" lang="pt-BR" sz="2000" u="none" cap="none" strike="noStrike">
+                <a:solidFill>
+                  <a:srgbClr val="000000"/>
+                </a:solidFill>
+                <a:highlight>
+                  <a:srgbClr val="FFFFFF"/>
+                </a:highlight>
+                <a:latin typeface="Calibri"/>
+                <a:ea typeface="Calibri"/>
+                <a:cs typeface="Calibri"/>
+                <a:sym typeface="Calibri"/>
+              </a:rPr>
+              <a:t>Se não houver fornecedores cadastrados, a solicitação não será realizada.</a:t>
+            </a:r>
+            <a:endParaRPr b="0" i="0" sz="2000" u="none" cap="none" strike="noStrike">
               <a:solidFill>
                 <a:schemeClr val="dk1"/>
               </a:solidFill>
@@ -22894,15 +23193,7 @@
                   <a:schemeClr val="lt1"/>
                 </a:highlight>
               </a:rPr>
-              <a:t>Process</a:t>
-            </a:r>
-            <a:r>
-              <a:rPr b="1" lang="pt-BR" sz="2000">
-                <a:highlight>
-                  <a:schemeClr val="lt1"/>
-                </a:highlight>
-              </a:rPr>
-              <a:t>o</a:t>
+              <a:t>Processo</a:t>
             </a:r>
             <a:r>
               <a:rPr lang="pt-BR" sz="2000">
@@ -23045,46 +23336,7 @@
             </a:endParaRPr>
           </a:p>
           <a:p>
-            <a:pPr indent="-231140" lvl="0" marL="228600" rtl="0" algn="just">
-              <a:lnSpc>
-                <a:spcPct val="70000"/>
-              </a:lnSpc>
-              <a:spcBef>
-                <a:spcPts val="1000"/>
-              </a:spcBef>
-              <a:spcAft>
-                <a:spcPts val="0"/>
-              </a:spcAft>
-              <a:buClr>
-                <a:schemeClr val="dk1"/>
-              </a:buClr>
-              <a:buSzPts val="2000"/>
-              <a:buChar char="•"/>
-            </a:pPr>
-            <a:r>
-              <a:rPr lang="pt-BR" sz="2000">
-                <a:highlight>
-                  <a:schemeClr val="lt1"/>
-                </a:highlight>
-              </a:rPr>
-              <a:t>Verifica os dados cartão informados para pagamento</a:t>
-            </a:r>
-            <a:r>
-              <a:rPr lang="pt-BR" sz="2000">
-                <a:highlight>
-                  <a:schemeClr val="lt1"/>
-                </a:highlight>
-              </a:rPr>
-              <a:t>.</a:t>
-            </a:r>
-            <a:endParaRPr sz="2000">
-              <a:highlight>
-                <a:schemeClr val="lt1"/>
-              </a:highlight>
-            </a:endParaRPr>
-          </a:p>
-          <a:p>
-            <a:pPr indent="-231140" lvl="0" marL="228600" rtl="0" algn="just">
+            <a:pPr indent="-228600" lvl="0" marL="228600" rtl="0" algn="just">
               <a:lnSpc>
                 <a:spcPct val="70000"/>
               </a:lnSpc>
@@ -23237,7 +23489,7 @@
         <p:spPr>
           <a:xfrm>
             <a:off x="8396925" y="1711525"/>
-            <a:ext cx="3663300" cy="5033700"/>
+            <a:ext cx="3663300" cy="4698153"/>
           </a:xfrm>
           <a:prstGeom prst="rect">
             <a:avLst/>
@@ -23322,15 +23574,7 @@
                   <a:schemeClr val="lt1"/>
                 </a:highlight>
               </a:rPr>
-              <a:t>: </a:t>
-            </a:r>
-            <a:r>
-              <a:rPr lang="pt-BR" sz="2000">
-                <a:highlight>
-                  <a:schemeClr val="lt1"/>
-                </a:highlight>
-              </a:rPr>
-              <a:t>Terceiro envia orçamento e prazo</a:t>
+              <a:t>: Terceiro envia orçamento e prazo</a:t>
             </a:r>
             <a:endParaRPr sz="2000">
               <a:highlight>
@@ -23436,15 +23680,7 @@
                   <a:schemeClr val="lt1"/>
                 </a:highlight>
               </a:rPr>
-              <a:t>Verifica</a:t>
-            </a:r>
-            <a:r>
-              <a:rPr lang="pt-BR" sz="2000">
-                <a:highlight>
-                  <a:schemeClr val="lt1"/>
-                </a:highlight>
-              </a:rPr>
-              <a:t> se há saldo em lançamento disponível para terceirizar a manutenção.</a:t>
+              <a:t>Verifica se há saldo em lançamento disponível para terceirizar a manutenção.</a:t>
             </a:r>
             <a:endParaRPr sz="2000">
               <a:highlight>
@@ -23502,34 +23738,6 @@
                 </a:highlight>
               </a:rPr>
               <a:t>Guarda as informações da manutenção solicitada em manutenção.</a:t>
-            </a:r>
-            <a:endParaRPr sz="2000">
-              <a:highlight>
-                <a:schemeClr val="lt1"/>
-              </a:highlight>
-            </a:endParaRPr>
-          </a:p>
-          <a:p>
-            <a:pPr indent="-231140" lvl="0" marL="228600" rtl="0" algn="just">
-              <a:lnSpc>
-                <a:spcPct val="80000"/>
-              </a:lnSpc>
-              <a:spcBef>
-                <a:spcPts val="1000"/>
-              </a:spcBef>
-              <a:spcAft>
-                <a:spcPts val="0"/>
-              </a:spcAft>
-              <a:buSzPts val="2000"/>
-              <a:buChar char="•"/>
-            </a:pPr>
-            <a:r>
-              <a:rPr lang="pt-BR" sz="2000">
-                <a:highlight>
-                  <a:schemeClr val="lt1"/>
-                </a:highlight>
-              </a:rPr>
-              <a:t>Envia o produto</a:t>
             </a:r>
             <a:endParaRPr sz="2000">
               <a:highlight>
@@ -23555,6 +23763,10 @@
           <a:prstGeom prst="rect">
             <a:avLst/>
           </a:prstGeom>
+          <a:noFill/>
+          <a:ln>
+            <a:noFill/>
+          </a:ln>
         </p:spPr>
         <p:txBody>
           <a:bodyPr anchorCtr="0" anchor="ctr" bIns="45700" lIns="91425" spcFirstLastPara="1" rIns="91425" wrap="square" tIns="45700">
@@ -23563,12 +23775,16 @@
           <a:lstStyle/>
           <a:p>
             <a:pPr indent="0" lvl="0" marL="0" rtl="0" algn="l">
-              <a:spcBef>
-                <a:spcPts val="0"/>
-              </a:spcBef>
-              <a:spcAft>
-                <a:spcPts val="0"/>
-              </a:spcAft>
+              <a:lnSpc>
+                <a:spcPct val="90000"/>
+              </a:lnSpc>
+              <a:spcBef>
+                <a:spcPts val="0"/>
+              </a:spcBef>
+              <a:spcAft>
+                <a:spcPts val="0"/>
+              </a:spcAft>
+              <a:buSzPts val="1800"/>
               <a:buNone/>
             </a:pPr>
             <a:r>
@@ -23842,19 +24058,7 @@
                   <a:schemeClr val="lt1"/>
                 </a:highlight>
               </a:rPr>
-              <a:t>Verifica o produto recebido do terceiro e guarda o produto em produto ou </a:t>
-            </a:r>
-            <a:r>
-              <a:rPr lang="pt-BR" sz="2000"/>
-              <a:t>atualiza as informações se necessário</a:t>
-            </a:r>
-            <a:r>
-              <a:rPr lang="pt-BR" sz="2000">
-                <a:highlight>
-                  <a:schemeClr val="lt1"/>
-                </a:highlight>
-              </a:rPr>
-              <a:t>.</a:t>
+              <a:t>Guarda o produto em produto de manutenção.</a:t>
             </a:r>
             <a:endParaRPr sz="2000">
               <a:highlight>
@@ -23901,6 +24105,7 @@
               <a:spcAft>
                 <a:spcPts val="0"/>
               </a:spcAft>
+              <a:buSzPts val="1800"/>
               <a:buNone/>
             </a:pPr>
             <a:r>
@@ -23975,6 +24180,7 @@
               <a:spcAft>
                 <a:spcPts val="0"/>
               </a:spcAft>
+              <a:buSzPts val="1800"/>
               <a:buNone/>
             </a:pPr>
             <a:r>
@@ -24004,6 +24210,10 @@
           <a:prstGeom prst="rect">
             <a:avLst/>
           </a:prstGeom>
+          <a:noFill/>
+          <a:ln>
+            <a:noFill/>
+          </a:ln>
         </p:spPr>
         <p:txBody>
           <a:bodyPr anchorCtr="0" anchor="ctr" bIns="45700" lIns="91425" spcFirstLastPara="1" rIns="91425" wrap="square" tIns="45700">
@@ -24012,12 +24222,16 @@
           <a:lstStyle/>
           <a:p>
             <a:pPr indent="0" lvl="0" marL="0" rtl="0" algn="l">
-              <a:spcBef>
-                <a:spcPts val="0"/>
-              </a:spcBef>
-              <a:spcAft>
-                <a:spcPts val="0"/>
-              </a:spcAft>
+              <a:lnSpc>
+                <a:spcPct val="90000"/>
+              </a:lnSpc>
+              <a:spcBef>
+                <a:spcPts val="0"/>
+              </a:spcBef>
+              <a:spcAft>
+                <a:spcPts val="0"/>
+              </a:spcAft>
+              <a:buSzPts val="1800"/>
               <a:buNone/>
             </a:pPr>
             <a:r>
@@ -24105,6 +24319,10 @@
           <a:prstGeom prst="rect">
             <a:avLst/>
           </a:prstGeom>
+          <a:noFill/>
+          <a:ln>
+            <a:noFill/>
+          </a:ln>
         </p:spPr>
         <p:txBody>
           <a:bodyPr anchorCtr="0" anchor="ctr" bIns="45700" lIns="91425" spcFirstLastPara="1" rIns="91425" wrap="square" tIns="45700">
@@ -24113,12 +24331,16 @@
           <a:lstStyle/>
           <a:p>
             <a:pPr indent="0" lvl="0" marL="0" rtl="0" algn="l">
-              <a:spcBef>
-                <a:spcPts val="0"/>
-              </a:spcBef>
-              <a:spcAft>
-                <a:spcPts val="0"/>
-              </a:spcAft>
+              <a:lnSpc>
+                <a:spcPct val="90000"/>
+              </a:lnSpc>
+              <a:spcBef>
+                <a:spcPts val="0"/>
+              </a:spcBef>
+              <a:spcAft>
+                <a:spcPts val="0"/>
+              </a:spcAft>
+              <a:buSzPts val="1800"/>
               <a:buNone/>
             </a:pPr>
             <a:r>
@@ -24142,7 +24364,7 @@
         <p:spPr>
           <a:xfrm>
             <a:off x="8643575" y="1711525"/>
-            <a:ext cx="3497100" cy="3632700"/>
+            <a:ext cx="3497100" cy="4833300"/>
           </a:xfrm>
           <a:prstGeom prst="rect">
             <a:avLst/>
@@ -24158,7 +24380,7 @@
           </a:bodyPr>
           <a:lstStyle/>
           <a:p>
-            <a:pPr indent="0" lvl="0" marL="0" rtl="0" algn="l">
+            <a:pPr indent="0" lvl="0" marL="0" marR="0" rtl="0" algn="l">
               <a:lnSpc>
                 <a:spcPct val="80000"/>
               </a:lnSpc>
@@ -24168,10 +24390,15 @@
               <a:spcAft>
                 <a:spcPts val="0"/>
               </a:spcAft>
+              <a:buClr>
+                <a:srgbClr val="000000"/>
+              </a:buClr>
+              <a:buSzPts val="2000"/>
+              <a:buFont typeface="Arial"/>
               <a:buNone/>
             </a:pPr>
             <a:r>
-              <a:rPr b="1" lang="pt-BR" sz="2000">
+              <a:rPr b="1" i="0" lang="pt-BR" sz="2000" u="none" cap="none" strike="noStrike">
                 <a:solidFill>
                   <a:schemeClr val="dk1"/>
                 </a:solidFill>
@@ -24183,7 +24410,7 @@
               <a:t>P</a:t>
             </a:r>
             <a:r>
-              <a:rPr b="1" lang="pt-BR" sz="2000">
+              <a:rPr b="1" i="0" lang="pt-BR" sz="2000" u="none" cap="none" strike="noStrike">
                 <a:solidFill>
                   <a:schemeClr val="dk1"/>
                 </a:solidFill>
@@ -24198,7 +24425,7 @@
               <a:t>rocesso</a:t>
             </a:r>
             <a:r>
-              <a:rPr lang="pt-BR" sz="2000">
+              <a:rPr b="0" i="0" lang="pt-BR" sz="2000" u="none" cap="none" strike="noStrike">
                 <a:solidFill>
                   <a:schemeClr val="dk1"/>
                 </a:solidFill>
@@ -24212,7 +24439,7 @@
               </a:rPr>
               <a:t>: Realizar pagamento</a:t>
             </a:r>
-            <a:endParaRPr sz="2000">
+            <a:endParaRPr b="0" i="0" sz="2000" u="none" cap="none" strike="noStrike">
               <a:solidFill>
                 <a:schemeClr val="dk1"/>
               </a:solidFill>
@@ -24226,7 +24453,7 @@
             </a:endParaRPr>
           </a:p>
           <a:p>
-            <a:pPr indent="0" lvl="0" marL="0" rtl="0" algn="l">
+            <a:pPr indent="0" lvl="0" marL="0" marR="0" rtl="0" algn="l">
               <a:lnSpc>
                 <a:spcPct val="80000"/>
               </a:lnSpc>
@@ -24236,10 +24463,15 @@
               <a:spcAft>
                 <a:spcPts val="0"/>
               </a:spcAft>
+              <a:buClr>
+                <a:srgbClr val="000000"/>
+              </a:buClr>
+              <a:buSzPts val="2000"/>
+              <a:buFont typeface="Arial"/>
               <a:buNone/>
             </a:pPr>
             <a:r>
-              <a:rPr b="1" lang="pt-BR" sz="2000">
+              <a:rPr b="1" i="0" lang="pt-BR" sz="2000" u="none" cap="none" strike="noStrike">
                 <a:solidFill>
                   <a:schemeClr val="dk1"/>
                 </a:solidFill>
@@ -24254,7 +24486,7 @@
               <a:t>Evento</a:t>
             </a:r>
             <a:r>
-              <a:rPr lang="pt-BR" sz="2000">
+              <a:rPr b="0" i="0" lang="pt-BR" sz="2000" u="none" cap="none" strike="noStrike">
                 <a:solidFill>
                   <a:schemeClr val="dk1"/>
                 </a:solidFill>
@@ -24268,7 +24500,7 @@
               </a:rPr>
               <a:t>: Gerente realiza pagamento da manutenção</a:t>
             </a:r>
-            <a:endParaRPr sz="2000">
+            <a:endParaRPr b="0" i="0" sz="2000" u="none" cap="none" strike="noStrike">
               <a:solidFill>
                 <a:schemeClr val="dk1"/>
               </a:solidFill>
@@ -24282,7 +24514,7 @@
             </a:endParaRPr>
           </a:p>
           <a:p>
-            <a:pPr indent="0" lvl="0" marL="0" rtl="0" algn="l">
+            <a:pPr indent="0" lvl="0" marL="0" marR="0" rtl="0" algn="l">
               <a:lnSpc>
                 <a:spcPct val="80000"/>
               </a:lnSpc>
@@ -24292,10 +24524,15 @@
               <a:spcAft>
                 <a:spcPts val="0"/>
               </a:spcAft>
+              <a:buClr>
+                <a:srgbClr val="000000"/>
+              </a:buClr>
+              <a:buSzPts val="2000"/>
+              <a:buFont typeface="Arial"/>
               <a:buNone/>
             </a:pPr>
             <a:r>
-              <a:rPr b="1" lang="pt-BR" sz="2000">
+              <a:rPr b="1" i="0" lang="pt-BR" sz="2000" u="none" cap="none" strike="noStrike">
                 <a:solidFill>
                   <a:schemeClr val="dk1"/>
                 </a:solidFill>
@@ -24310,7 +24547,7 @@
               <a:t>Objetivo: </a:t>
             </a:r>
             <a:r>
-              <a:rPr lang="pt-BR" sz="2000">
+              <a:rPr b="0" i="0" lang="pt-BR" sz="2000" u="none" cap="none" strike="noStrike">
                 <a:solidFill>
                   <a:schemeClr val="dk1"/>
                 </a:solidFill>
@@ -24324,7 +24561,7 @@
               </a:rPr>
               <a:t>Realizar o pagamento da manutenção ao terceiro</a:t>
             </a:r>
-            <a:endParaRPr sz="2000">
+            <a:endParaRPr b="0" i="0" sz="2000" u="none" cap="none" strike="noStrike">
               <a:solidFill>
                 <a:schemeClr val="dk1"/>
               </a:solidFill>
@@ -24338,7 +24575,7 @@
             </a:endParaRPr>
           </a:p>
           <a:p>
-            <a:pPr indent="0" lvl="0" marL="0" rtl="0" algn="l">
+            <a:pPr indent="0" lvl="0" marL="0" marR="0" rtl="0" algn="l">
               <a:lnSpc>
                 <a:spcPct val="80000"/>
               </a:lnSpc>
@@ -24348,10 +24585,15 @@
               <a:spcAft>
                 <a:spcPts val="0"/>
               </a:spcAft>
+              <a:buClr>
+                <a:srgbClr val="000000"/>
+              </a:buClr>
+              <a:buSzPts val="2000"/>
+              <a:buFont typeface="Arial"/>
               <a:buNone/>
             </a:pPr>
             <a:r>
-              <a:rPr b="1" lang="pt-BR" sz="2000">
+              <a:rPr b="1" i="0" lang="pt-BR" sz="2000" u="none" cap="none" strike="noStrike">
                 <a:solidFill>
                   <a:schemeClr val="dk1"/>
                 </a:solidFill>
@@ -24366,7 +24608,7 @@
               <a:t>Trabalhador Envolvido</a:t>
             </a:r>
             <a:r>
-              <a:rPr lang="pt-BR" sz="2000">
+              <a:rPr b="0" i="0" lang="pt-BR" sz="2000" u="none" cap="none" strike="noStrike">
                 <a:solidFill>
                   <a:schemeClr val="dk1"/>
                 </a:solidFill>
@@ -24380,7 +24622,7 @@
               </a:rPr>
               <a:t>: Gerente</a:t>
             </a:r>
-            <a:endParaRPr sz="2000">
+            <a:endParaRPr b="0" i="0" sz="2000" u="none" cap="none" strike="noStrike">
               <a:solidFill>
                 <a:schemeClr val="dk1"/>
               </a:solidFill>
@@ -24394,7 +24636,7 @@
             </a:endParaRPr>
           </a:p>
           <a:p>
-            <a:pPr indent="0" lvl="0" marL="0" rtl="0" algn="just">
+            <a:pPr indent="0" lvl="0" marL="0" marR="0" rtl="0" algn="just">
               <a:lnSpc>
                 <a:spcPct val="70000"/>
               </a:lnSpc>
@@ -24404,12 +24646,17 @@
               <a:spcAft>
                 <a:spcPts val="0"/>
               </a:spcAft>
+              <a:buClr>
+                <a:srgbClr val="000000"/>
+              </a:buClr>
+              <a:buSzPts val="2000"/>
+              <a:buFont typeface="Arial"/>
               <a:buNone/>
             </a:pPr>
             <a:r>
               <a:t/>
             </a:r>
-            <a:endParaRPr sz="2000">
+            <a:endParaRPr b="0" i="0" sz="2000" u="none" cap="none" strike="noStrike">
               <a:solidFill>
                 <a:schemeClr val="dk1"/>
               </a:solidFill>
@@ -24423,7 +24670,7 @@
             </a:endParaRPr>
           </a:p>
           <a:p>
-            <a:pPr indent="-355600" lvl="0" marL="457200" rtl="0" algn="just">
+            <a:pPr indent="-355600" lvl="0" marL="457200" marR="0" rtl="0" algn="just">
               <a:lnSpc>
                 <a:spcPct val="70000"/>
               </a:lnSpc>
@@ -24437,10 +24684,11 @@
                 <a:schemeClr val="dk1"/>
               </a:buClr>
               <a:buSzPts val="2000"/>
+              <a:buFont typeface="Arial"/>
               <a:buChar char="•"/>
             </a:pPr>
             <a:r>
-              <a:rPr lang="pt-BR" sz="2000">
+              <a:rPr b="0" i="0" lang="pt-BR" sz="2000" u="none" cap="none" strike="noStrike">
                 <a:solidFill>
                   <a:schemeClr val="dk1"/>
                 </a:solidFill>
@@ -24454,7 +24702,65 @@
               </a:rPr>
               <a:t>Verifica o valor final da manutenção realizada pelo terceiro.</a:t>
             </a:r>
-            <a:endParaRPr sz="2000">
+            <a:endParaRPr/>
+          </a:p>
+          <a:p>
+            <a:pPr indent="-355600" lvl="1" marL="914400" marR="0" rtl="0" algn="just">
+              <a:lnSpc>
+                <a:spcPct val="80000"/>
+              </a:lnSpc>
+              <a:spcBef>
+                <a:spcPts val="0"/>
+              </a:spcBef>
+              <a:spcAft>
+                <a:spcPts val="0"/>
+              </a:spcAft>
+              <a:buClr>
+                <a:srgbClr val="000000"/>
+              </a:buClr>
+              <a:buSzPts val="2000"/>
+              <a:buFont typeface="Arial"/>
+              <a:buChar char="○"/>
+            </a:pPr>
+            <a:r>
+              <a:rPr b="0" i="0" lang="pt-BR" sz="2000" u="none" cap="none" strike="noStrike">
+                <a:solidFill>
+                  <a:srgbClr val="000000"/>
+                </a:solidFill>
+                <a:highlight>
+                  <a:srgbClr val="FFFFFF"/>
+                </a:highlight>
+                <a:latin typeface="Calibri"/>
+                <a:ea typeface="Calibri"/>
+                <a:cs typeface="Calibri"/>
+                <a:sym typeface="Calibri"/>
+              </a:rPr>
+              <a:t>Se não houver manutenção solicitada, o pagamento não é realizado.</a:t>
+            </a:r>
+            <a:endParaRPr/>
+          </a:p>
+          <a:p>
+            <a:pPr indent="-228600" lvl="0" marL="457200" marR="0" rtl="0" algn="just">
+              <a:lnSpc>
+                <a:spcPct val="70000"/>
+              </a:lnSpc>
+              <a:spcBef>
+                <a:spcPts val="0"/>
+              </a:spcBef>
+              <a:spcAft>
+                <a:spcPts val="0"/>
+              </a:spcAft>
+              <a:buClr>
+                <a:schemeClr val="dk1"/>
+              </a:buClr>
+              <a:buSzPts val="2000"/>
+              <a:buFont typeface="Arial"/>
+              <a:buNone/>
+            </a:pPr>
+            <a:r>
+              <a:t/>
+            </a:r>
+            <a:endParaRPr b="0" i="0" sz="2000" u="none" cap="none" strike="noStrike">
               <a:solidFill>
                 <a:schemeClr val="dk1"/>
               </a:solidFill>
@@ -24468,7 +24774,7 @@
             </a:endParaRPr>
           </a:p>
           <a:p>
-            <a:pPr indent="-355600" lvl="0" marL="457200" rtl="0" algn="just">
+            <a:pPr indent="-355600" lvl="0" marL="457200" marR="0" rtl="0" algn="just">
               <a:lnSpc>
                 <a:spcPct val="70000"/>
               </a:lnSpc>
@@ -24482,10 +24788,11 @@
                 <a:schemeClr val="dk1"/>
               </a:buClr>
               <a:buSzPts val="2000"/>
+              <a:buFont typeface="Arial"/>
               <a:buChar char="•"/>
             </a:pPr>
             <a:r>
-              <a:rPr lang="pt-BR" sz="2000">
+              <a:rPr b="0" i="0" lang="pt-BR" sz="2000" u="none" cap="none" strike="noStrike">
                 <a:solidFill>
                   <a:schemeClr val="dk1"/>
                 </a:solidFill>
@@ -24497,38 +24804,8 @@
                 <a:cs typeface="Calibri"/>
                 <a:sym typeface="Calibri"/>
               </a:rPr>
-              <a:t>Retira do lançamento o valor necessário para pagamento.</a:t>
-            </a:r>
-            <a:endParaRPr sz="2000">
-              <a:solidFill>
-                <a:schemeClr val="dk1"/>
-              </a:solidFill>
-              <a:highlight>
-                <a:schemeClr val="lt1"/>
-              </a:highlight>
-              <a:latin typeface="Calibri"/>
-              <a:ea typeface="Calibri"/>
-              <a:cs typeface="Calibri"/>
-              <a:sym typeface="Calibri"/>
-            </a:endParaRPr>
-          </a:p>
-          <a:p>
-            <a:pPr indent="-355600" lvl="0" marL="457200" rtl="0" algn="just">
-              <a:lnSpc>
-                <a:spcPct val="70000"/>
-              </a:lnSpc>
-              <a:spcBef>
-                <a:spcPts val="0"/>
-              </a:spcBef>
-              <a:spcAft>
-                <a:spcPts val="0"/>
-              </a:spcAft>
-              <a:buClr>
-                <a:schemeClr val="dk1"/>
-              </a:buClr>
-              <a:buSzPts val="2000"/>
-              <a:buChar char="•"/>
-            </a:pPr>
+              <a:t>Retira do lançamento o valor necessário para pagamento</a:t>
+            </a:r>
             <a:r>
               <a:rPr lang="pt-BR" sz="2000">
                 <a:solidFill>
@@ -24542,9 +24819,27 @@
                 <a:cs typeface="Calibri"/>
                 <a:sym typeface="Calibri"/>
               </a:rPr>
-              <a:t>Realiza pagamento.</a:t>
-            </a:r>
-            <a:endParaRPr sz="2000">
+              <a:t> e r</a:t>
+            </a:r>
+            <a:r>
+              <a:rPr b="0" i="0" lang="pt-BR" sz="2000" u="none" cap="none" strike="noStrike">
+                <a:solidFill>
+                  <a:schemeClr val="dk1"/>
+                </a:solidFill>
+                <a:highlight>
+                  <a:schemeClr val="lt1"/>
+                </a:highlight>
+                <a:latin typeface="Calibri"/>
+                <a:ea typeface="Calibri"/>
+                <a:cs typeface="Calibri"/>
+                <a:sym typeface="Calibri"/>
+              </a:rPr>
+              <a:t>ealiza pagamento.</a:t>
+            </a:r>
+            <a:endParaRPr b="0" i="0" sz="2000" u="none" cap="none" strike="noStrike">
+              <a:solidFill>
+                <a:srgbClr val="000000"/>
+              </a:solidFill>
               <a:highlight>
                 <a:schemeClr val="lt1"/>
               </a:highlight>
@@ -24625,6 +24920,10 @@
           <a:prstGeom prst="rect">
             <a:avLst/>
           </a:prstGeom>
+          <a:noFill/>
+          <a:ln>
+            <a:noFill/>
+          </a:ln>
         </p:spPr>
         <p:txBody>
           <a:bodyPr anchorCtr="0" anchor="ctr" bIns="45700" lIns="91425" spcFirstLastPara="1" rIns="91425" wrap="square" tIns="45700">
@@ -24633,12 +24932,16 @@
           <a:lstStyle/>
           <a:p>
             <a:pPr indent="0" lvl="0" marL="0" rtl="0" algn="l">
-              <a:spcBef>
-                <a:spcPts val="0"/>
-              </a:spcBef>
-              <a:spcAft>
-                <a:spcPts val="0"/>
-              </a:spcAft>
+              <a:lnSpc>
+                <a:spcPct val="90000"/>
+              </a:lnSpc>
+              <a:spcBef>
+                <a:spcPts val="0"/>
+              </a:spcBef>
+              <a:spcAft>
+                <a:spcPts val="0"/>
+              </a:spcAft>
+              <a:buSzPts val="1800"/>
               <a:buNone/>
             </a:pPr>
             <a:r>
@@ -24678,7 +24981,7 @@
           </a:bodyPr>
           <a:lstStyle/>
           <a:p>
-            <a:pPr indent="0" lvl="0" marL="0" rtl="0" algn="l">
+            <a:pPr indent="0" lvl="0" marL="0" marR="0" rtl="0" algn="l">
               <a:lnSpc>
                 <a:spcPct val="70000"/>
               </a:lnSpc>
@@ -24688,10 +24991,15 @@
               <a:spcAft>
                 <a:spcPts val="0"/>
               </a:spcAft>
+              <a:buClr>
+                <a:srgbClr val="000000"/>
+              </a:buClr>
+              <a:buSzPts val="2000"/>
+              <a:buFont typeface="Arial"/>
               <a:buNone/>
             </a:pPr>
             <a:r>
-              <a:rPr b="1" lang="pt-BR" sz="2000">
+              <a:rPr b="1" i="0" lang="pt-BR" sz="2000" u="none" cap="none" strike="noStrike">
                 <a:solidFill>
                   <a:schemeClr val="dk1"/>
                 </a:solidFill>
@@ -24703,7 +25011,7 @@
               <a:t>Pr</a:t>
             </a:r>
             <a:r>
-              <a:rPr b="1" lang="pt-BR" sz="2000">
+              <a:rPr b="1" i="0" lang="pt-BR" sz="2000" u="none" cap="none" strike="noStrike">
                 <a:solidFill>
                   <a:schemeClr val="dk1"/>
                 </a:solidFill>
@@ -24718,7 +25026,7 @@
               <a:t>ocesso</a:t>
             </a:r>
             <a:r>
-              <a:rPr lang="pt-BR" sz="2000">
+              <a:rPr b="0" i="0" lang="pt-BR" sz="2000" u="none" cap="none" strike="noStrike">
                 <a:solidFill>
                   <a:schemeClr val="dk1"/>
                 </a:solidFill>
@@ -24732,7 +25040,7 @@
               </a:rPr>
               <a:t>: Receber comprovante de pagamento</a:t>
             </a:r>
-            <a:endParaRPr sz="2000">
+            <a:endParaRPr b="0" i="0" sz="2000" u="none" cap="none" strike="noStrike">
               <a:solidFill>
                 <a:schemeClr val="dk1"/>
               </a:solidFill>
@@ -24746,7 +25054,7 @@
             </a:endParaRPr>
           </a:p>
           <a:p>
-            <a:pPr indent="0" lvl="0" marL="0" rtl="0" algn="l">
+            <a:pPr indent="0" lvl="0" marL="0" marR="0" rtl="0" algn="l">
               <a:lnSpc>
                 <a:spcPct val="70000"/>
               </a:lnSpc>
@@ -24756,10 +25064,15 @@
               <a:spcAft>
                 <a:spcPts val="0"/>
               </a:spcAft>
+              <a:buClr>
+                <a:srgbClr val="000000"/>
+              </a:buClr>
+              <a:buSzPts val="2000"/>
+              <a:buFont typeface="Arial"/>
               <a:buNone/>
             </a:pPr>
             <a:r>
-              <a:rPr b="1" lang="pt-BR" sz="2000">
+              <a:rPr b="1" i="0" lang="pt-BR" sz="2000" u="none" cap="none" strike="noStrike">
                 <a:solidFill>
                   <a:schemeClr val="dk1"/>
                 </a:solidFill>
@@ -24774,7 +25087,7 @@
               <a:t>Evento</a:t>
             </a:r>
             <a:r>
-              <a:rPr lang="pt-BR" sz="2000">
+              <a:rPr b="0" i="0" lang="pt-BR" sz="2000" u="none" cap="none" strike="noStrike">
                 <a:solidFill>
                   <a:schemeClr val="dk1"/>
                 </a:solidFill>
@@ -24788,7 +25101,7 @@
               </a:rPr>
               <a:t>: Terceiro envia comprovante de pagamento e nota fiscal</a:t>
             </a:r>
-            <a:endParaRPr sz="2000">
+            <a:endParaRPr b="0" i="0" sz="2000" u="none" cap="none" strike="noStrike">
               <a:solidFill>
                 <a:schemeClr val="dk1"/>
               </a:solidFill>
@@ -24802,7 +25115,7 @@
             </a:endParaRPr>
           </a:p>
           <a:p>
-            <a:pPr indent="0" lvl="0" marL="0" rtl="0" algn="l">
+            <a:pPr indent="0" lvl="0" marL="0" marR="0" rtl="0" algn="l">
               <a:lnSpc>
                 <a:spcPct val="70000"/>
               </a:lnSpc>
@@ -24812,10 +25125,15 @@
               <a:spcAft>
                 <a:spcPts val="0"/>
               </a:spcAft>
+              <a:buClr>
+                <a:srgbClr val="000000"/>
+              </a:buClr>
+              <a:buSzPts val="2000"/>
+              <a:buFont typeface="Arial"/>
               <a:buNone/>
             </a:pPr>
             <a:r>
-              <a:rPr b="1" lang="pt-BR" sz="2000">
+              <a:rPr b="1" i="0" lang="pt-BR" sz="2000" u="none" cap="none" strike="noStrike">
                 <a:solidFill>
                   <a:schemeClr val="dk1"/>
                 </a:solidFill>
@@ -24830,7 +25148,7 @@
               <a:t>Objetivo:</a:t>
             </a:r>
             <a:r>
-              <a:rPr lang="pt-BR" sz="2000">
+              <a:rPr b="0" i="0" lang="pt-BR" sz="2000" u="none" cap="none" strike="noStrike">
                 <a:solidFill>
                   <a:schemeClr val="dk1"/>
                 </a:solidFill>
@@ -24844,7 +25162,7 @@
               </a:rPr>
               <a:t>  Receber comprovante de pagamento e nota fiscal dos produtos</a:t>
             </a:r>
-            <a:endParaRPr sz="2000">
+            <a:endParaRPr b="0" i="0" sz="2000" u="none" cap="none" strike="noStrike">
               <a:solidFill>
                 <a:schemeClr val="dk1"/>
               </a:solidFill>
@@ -24858,7 +25176,7 @@
             </a:endParaRPr>
           </a:p>
           <a:p>
-            <a:pPr indent="0" lvl="0" marL="0" rtl="0" algn="l">
+            <a:pPr indent="0" lvl="0" marL="0" marR="0" rtl="0" algn="l">
               <a:lnSpc>
                 <a:spcPct val="70000"/>
               </a:lnSpc>
@@ -24868,10 +25186,15 @@
               <a:spcAft>
                 <a:spcPts val="0"/>
               </a:spcAft>
+              <a:buClr>
+                <a:srgbClr val="000000"/>
+              </a:buClr>
+              <a:buSzPts val="2000"/>
+              <a:buFont typeface="Arial"/>
               <a:buNone/>
             </a:pPr>
             <a:r>
-              <a:rPr b="1" lang="pt-BR" sz="2000">
+              <a:rPr b="1" i="0" lang="pt-BR" sz="2000" u="none" cap="none" strike="noStrike">
                 <a:solidFill>
                   <a:schemeClr val="dk1"/>
                 </a:solidFill>
@@ -24886,7 +25209,7 @@
               <a:t>Trabalhador Envolvido</a:t>
             </a:r>
             <a:r>
-              <a:rPr lang="pt-BR" sz="2000">
+              <a:rPr b="0" i="0" lang="pt-BR" sz="2000" u="none" cap="none" strike="noStrike">
                 <a:solidFill>
                   <a:schemeClr val="dk1"/>
                 </a:solidFill>
@@ -24900,7 +25223,7 @@
               </a:rPr>
               <a:t>: Gerente</a:t>
             </a:r>
-            <a:endParaRPr sz="2000">
+            <a:endParaRPr b="0" i="0" sz="2000" u="none" cap="none" strike="noStrike">
               <a:solidFill>
                 <a:schemeClr val="dk1"/>
               </a:solidFill>
@@ -24914,7 +25237,7 @@
             </a:endParaRPr>
           </a:p>
           <a:p>
-            <a:pPr indent="0" lvl="0" marL="0" rtl="0" algn="just">
+            <a:pPr indent="0" lvl="0" marL="0" marR="0" rtl="0" algn="just">
               <a:lnSpc>
                 <a:spcPct val="70000"/>
               </a:lnSpc>
@@ -24924,12 +25247,17 @@
               <a:spcAft>
                 <a:spcPts val="0"/>
               </a:spcAft>
+              <a:buClr>
+                <a:srgbClr val="000000"/>
+              </a:buClr>
+              <a:buSzPts val="2000"/>
+              <a:buFont typeface="Arial"/>
               <a:buNone/>
             </a:pPr>
             <a:r>
               <a:t/>
             </a:r>
-            <a:endParaRPr sz="2000">
+            <a:endParaRPr b="0" i="0" sz="2000" u="none" cap="none" strike="noStrike">
               <a:solidFill>
                 <a:schemeClr val="dk1"/>
               </a:solidFill>
@@ -24943,7 +25271,7 @@
             </a:endParaRPr>
           </a:p>
           <a:p>
-            <a:pPr indent="-355600" lvl="0" marL="457200" rtl="0" algn="just">
+            <a:pPr indent="-355600" lvl="0" marL="457200" marR="0" rtl="0" algn="just">
               <a:lnSpc>
                 <a:spcPct val="70000"/>
               </a:lnSpc>
@@ -24957,10 +25285,11 @@
                 <a:schemeClr val="dk1"/>
               </a:buClr>
               <a:buSzPts val="2000"/>
+              <a:buFont typeface="Arial"/>
               <a:buChar char="•"/>
             </a:pPr>
             <a:r>
-              <a:rPr lang="pt-BR" sz="2000">
+              <a:rPr b="0" i="0" lang="pt-BR" sz="2000" u="none" cap="none" strike="noStrike">
                 <a:solidFill>
                   <a:schemeClr val="dk1"/>
                 </a:solidFill>
@@ -24972,9 +25301,24 @@
                 <a:cs typeface="Calibri"/>
                 <a:sym typeface="Calibri"/>
               </a:rPr>
-              <a:t>Recebe o comprovante de pagamento e nota fiscal do terceiro guarda em via de operação.</a:t>
-            </a:r>
-            <a:endParaRPr b="1" sz="2000">
+              <a:t>Recebe o comprovante de pagamento e nota fiscal do terceiro e guarda em </a:t>
+            </a:r>
+            <a:r>
+              <a:rPr lang="pt-BR" sz="2000">
+                <a:solidFill>
+                  <a:schemeClr val="dk1"/>
+                </a:solidFill>
+                <a:highlight>
+                  <a:schemeClr val="lt1"/>
+                </a:highlight>
+                <a:latin typeface="Calibri"/>
+                <a:ea typeface="Calibri"/>
+                <a:cs typeface="Calibri"/>
+                <a:sym typeface="Calibri"/>
+              </a:rPr>
+              <a:t>manutenção.</a:t>
+            </a:r>
+            <a:endParaRPr b="1" i="0" sz="2000" u="none" cap="none" strike="noStrike">
               <a:solidFill>
                 <a:schemeClr val="dk1"/>
               </a:solidFill>
@@ -25138,15 +25482,7 @@
                   <a:schemeClr val="lt1"/>
                 </a:highlight>
               </a:rPr>
-              <a:t>: </a:t>
-            </a:r>
-            <a:r>
-              <a:rPr lang="pt-BR" sz="2000">
-                <a:highlight>
-                  <a:schemeClr val="lt1"/>
-                </a:highlight>
-              </a:rPr>
-              <a:t>Provedor de cartões envia resposta da transação</a:t>
+              <a:t>: Provedor de cartões envia resposta da transação</a:t>
             </a:r>
             <a:endParaRPr sz="2000">
               <a:highlight>
@@ -25233,7 +25569,7 @@
             </a:endParaRPr>
           </a:p>
           <a:p>
-            <a:pPr indent="-231140" lvl="0" marL="228600" rtl="0" algn="just">
+            <a:pPr indent="-228600" lvl="0" marL="228600" rtl="0" algn="just">
               <a:lnSpc>
                 <a:spcPct val="70000"/>
               </a:lnSpc>
@@ -25256,7 +25592,7 @@
                   <a:schemeClr val="lt1"/>
                 </a:highlight>
               </a:rPr>
-              <a:t>Verifica a resposta da transação do pedido.</a:t>
+              <a:t>Verifica a resposta da transação do pedido em status do pedido.</a:t>
             </a:r>
             <a:endParaRPr sz="2000">
               <a:highlight>
@@ -25284,7 +25620,7 @@
                   <a:schemeClr val="lt1"/>
                 </a:highlight>
               </a:rPr>
-              <a:t>Se não houver limite suficiente, informa ao cliente que o valor foi recusado.</a:t>
+              <a:t>Se não houver limite suficiente, informa ao cliente a transação foi recusada.</a:t>
             </a:r>
             <a:endParaRPr sz="2000">
               <a:highlight>
@@ -25293,7 +25629,7 @@
             </a:endParaRPr>
           </a:p>
           <a:p>
-            <a:pPr indent="-231140" lvl="0" marL="228600" rtl="0" algn="just">
+            <a:pPr indent="-228600" lvl="0" marL="228600" rtl="0" algn="just">
               <a:lnSpc>
                 <a:spcPct val="70000"/>
               </a:lnSpc>
@@ -25313,15 +25649,7 @@
                   <a:schemeClr val="lt1"/>
                 </a:highlight>
               </a:rPr>
-              <a:t>Atualiza o status do pedido do cliente para</a:t>
-            </a:r>
-            <a:r>
-              <a:rPr lang="pt-BR" sz="2000">
-                <a:highlight>
-                  <a:schemeClr val="lt1"/>
-                </a:highlight>
-              </a:rPr>
-              <a:t> “pagamento confirmado”.</a:t>
+              <a:t>Atualiza o status do pedido do cliente para “pagamento confirmado”.</a:t>
             </a:r>
             <a:endParaRPr sz="2000">
               <a:highlight>
@@ -25455,7 +25783,7 @@
         <p:spPr>
           <a:xfrm>
             <a:off x="7327675" y="1690825"/>
-            <a:ext cx="4334100" cy="3812100"/>
+            <a:ext cx="4334100" cy="3138627"/>
           </a:xfrm>
           <a:prstGeom prst="rect">
             <a:avLst/>
@@ -25505,15 +25833,7 @@
                   <a:schemeClr val="lt1"/>
                 </a:highlight>
               </a:rPr>
-              <a:t>: </a:t>
-            </a:r>
-            <a:r>
-              <a:rPr lang="pt-BR" sz="2000">
-                <a:highlight>
-                  <a:schemeClr val="lt1"/>
-                </a:highlight>
-              </a:rPr>
-              <a:t>Enviar pedido para postagem</a:t>
+              <a:t>: Enviar pedido para postagem</a:t>
             </a:r>
             <a:endParaRPr sz="2000">
               <a:highlight>
@@ -25552,15 +25872,7 @@
                   <a:schemeClr val="lt1"/>
                 </a:highlight>
               </a:rPr>
-              <a:t>: </a:t>
-            </a:r>
-            <a:r>
-              <a:rPr lang="pt-BR" sz="2000">
-                <a:highlight>
-                  <a:schemeClr val="lt1"/>
-                </a:highlight>
-              </a:rPr>
-              <a:t>Vendedor solicita envio do produto a empresa de correspondências</a:t>
+              <a:t>: Vendedor solicita envio do produto a empresa de correspondências</a:t>
             </a:r>
             <a:endParaRPr sz="2000">
               <a:highlight>
@@ -25599,23 +25911,7 @@
                   <a:schemeClr val="lt1"/>
                 </a:highlight>
               </a:rPr>
-              <a:t> Enviar o p</a:t>
-            </a:r>
-            <a:r>
-              <a:rPr lang="pt-BR" sz="2000">
-                <a:highlight>
-                  <a:schemeClr val="lt1"/>
-                </a:highlight>
-              </a:rPr>
-              <a:t>roduto</a:t>
-            </a:r>
-            <a:r>
-              <a:rPr lang="pt-BR" sz="2000">
-                <a:highlight>
-                  <a:schemeClr val="lt1"/>
-                </a:highlight>
-              </a:rPr>
-              <a:t> para  postagem</a:t>
+              <a:t> Enviar o produto para  postagem</a:t>
             </a:r>
             <a:endParaRPr sz="2000">
               <a:highlight>
@@ -25654,15 +25950,29 @@
                   <a:schemeClr val="lt1"/>
                 </a:highlight>
               </a:rPr>
-              <a:t>: </a:t>
-            </a:r>
-            <a:r>
-              <a:rPr lang="pt-BR" sz="2000">
-                <a:highlight>
-                  <a:schemeClr val="lt1"/>
-                </a:highlight>
-              </a:rPr>
-              <a:t>Vendedor</a:t>
+              <a:t>: Vendedor</a:t>
+            </a:r>
+            <a:endParaRPr/>
+          </a:p>
+          <a:p>
+            <a:pPr indent="0" lvl="0" marL="0" rtl="0" algn="just">
+              <a:lnSpc>
+                <a:spcPct val="70000"/>
+              </a:lnSpc>
+              <a:spcBef>
+                <a:spcPts val="0"/>
+              </a:spcBef>
+              <a:spcAft>
+                <a:spcPts val="0"/>
+              </a:spcAft>
+              <a:buClr>
+                <a:schemeClr val="dk1"/>
+              </a:buClr>
+              <a:buSzPts val="2800"/>
+              <a:buNone/>
+            </a:pPr>
+            <a:r>
+              <a:t/>
             </a:r>
             <a:endParaRPr sz="2000">
               <a:highlight>
@@ -25676,7 +25986,7 @@
                 <a:spcPct val="70000"/>
               </a:lnSpc>
               <a:spcBef>
-                <a:spcPts val="1000"/>
+                <a:spcPts val="0"/>
               </a:spcBef>
               <a:spcAft>
                 <a:spcPts val="0"/>
@@ -25690,13 +26000,9 @@
                   <a:schemeClr val="lt1"/>
                 </a:highlight>
               </a:rPr>
-              <a:t>Verifica o pedido do cliente.</a:t>
-            </a:r>
-            <a:endParaRPr sz="2000">
-              <a:highlight>
-                <a:schemeClr val="lt1"/>
-              </a:highlight>
-            </a:endParaRPr>
+              <a:t>Atualiza status do pedido para “enviado”.</a:t>
+            </a:r>
+            <a:endParaRPr/>
           </a:p>
           <a:p>
             <a:pPr indent="-355600" lvl="1" marL="914400" rtl="0" algn="just">
@@ -25720,14 +26026,10 @@
               </a:rPr>
               <a:t>Se não constar pedido como “pagamento confirmado”, o produto não será enviado.</a:t>
             </a:r>
-            <a:endParaRPr sz="2000">
-              <a:highlight>
-                <a:schemeClr val="lt1"/>
-              </a:highlight>
-            </a:endParaRPr>
+            <a:endParaRPr/>
           </a:p>
           <a:p>
-            <a:pPr indent="-355600" lvl="0" marL="457200" rtl="0" algn="just">
+            <a:pPr indent="0" lvl="0" marL="101600" rtl="0" algn="just">
               <a:lnSpc>
                 <a:spcPct val="70000"/>
               </a:lnSpc>
@@ -25738,7 +26040,7 @@
                 <a:spcPts val="0"/>
               </a:spcAft>
               <a:buSzPts val="2000"/>
-              <a:buChar char="•"/>
+              <a:buNone/>
             </a:pPr>
             <a:r>
               <a:rPr lang="pt-BR" sz="2000">
@@ -25746,7 +26048,26 @@
                   <a:schemeClr val="lt1"/>
                 </a:highlight>
               </a:rPr>
-              <a:t>Atualiza status do pedido para “enviado”.</a:t>
+              <a:t>	</a:t>
+            </a:r>
+            <a:endParaRPr/>
+          </a:p>
+          <a:p>
+            <a:pPr indent="0" lvl="0" marL="101600" rtl="0" algn="just">
+              <a:lnSpc>
+                <a:spcPct val="70000"/>
+              </a:lnSpc>
+              <a:spcBef>
+                <a:spcPts val="0"/>
+              </a:spcBef>
+              <a:spcAft>
+                <a:spcPts val="0"/>
+              </a:spcAft>
+              <a:buSzPts val="2000"/>
+              <a:buNone/>
+            </a:pPr>
+            <a:r>
+              <a:t/>
             </a:r>
             <a:endParaRPr sz="2000">
               <a:highlight>
@@ -25965,15 +26286,7 @@
                   <a:schemeClr val="lt1"/>
                 </a:highlight>
               </a:rPr>
-              <a:t>: </a:t>
-            </a:r>
-            <a:r>
-              <a:rPr lang="pt-BR" sz="2000">
-                <a:highlight>
-                  <a:schemeClr val="lt1"/>
-                </a:highlight>
-              </a:rPr>
-              <a:t>Empresa de correspondências informa código de rastreio</a:t>
+              <a:t>: Empresa de correspondências informa código de rastreio</a:t>
             </a:r>
             <a:endParaRPr sz="2000">
               <a:highlight>
@@ -26105,15 +26418,7 @@
                   <a:schemeClr val="lt1"/>
                 </a:highlight>
               </a:rPr>
-              <a:t>Verifica o código de rastreio recebido da empresa de </a:t>
-            </a:r>
-            <a:r>
-              <a:rPr lang="pt-BR" sz="2000">
-                <a:highlight>
-                  <a:schemeClr val="lt1"/>
-                </a:highlight>
-              </a:rPr>
-              <a:t>correspondências e guarda em pedido.</a:t>
+              <a:t>Recebe o código de rastreio da empresa de correspondências e guarda em pedido.</a:t>
             </a:r>
             <a:endParaRPr sz="2000">
               <a:highlight>
@@ -26132,6 +26437,7 @@
               <a:spcAft>
                 <a:spcPts val="0"/>
               </a:spcAft>
+              <a:buSzPts val="1800"/>
               <a:buNone/>
             </a:pPr>
             <a:r>
@@ -26163,15 +26469,7 @@
                   <a:schemeClr val="lt1"/>
                 </a:highlight>
               </a:rPr>
-              <a:t>I</a:t>
-            </a:r>
-            <a:r>
-              <a:rPr lang="pt-BR" sz="2000">
-                <a:highlight>
-                  <a:schemeClr val="lt1"/>
-                </a:highlight>
-              </a:rPr>
-              <a:t>nforma o código de rastreio do pedido ao cliente.</a:t>
+              <a:t>Informa o código de rastreio do pedido ao cliente.</a:t>
             </a:r>
             <a:endParaRPr sz="2000">
               <a:highlight>
@@ -26190,6 +26488,7 @@
               <a:spcAft>
                 <a:spcPts val="0"/>
               </a:spcAft>
+              <a:buSzPts val="1800"/>
               <a:buNone/>
             </a:pPr>
             <a:r>
@@ -26221,7 +26520,7 @@
                   <a:schemeClr val="lt1"/>
                 </a:highlight>
               </a:rPr>
-              <a:t>Atualiza o status do pedido para “enviado”.</a:t>
+              <a:t>Atualiza o status do pedido para “a caminho”.</a:t>
             </a:r>
             <a:endParaRPr sz="2000">
               <a:highlight>
@@ -26440,15 +26739,7 @@
                   <a:schemeClr val="lt1"/>
                 </a:highlight>
               </a:rPr>
-              <a:t>: </a:t>
-            </a:r>
-            <a:r>
-              <a:rPr lang="pt-BR" sz="2000">
-                <a:highlight>
-                  <a:schemeClr val="lt1"/>
-                </a:highlight>
-              </a:rPr>
-              <a:t>Empresa de correspondências informa status da entrega do pedido</a:t>
+              <a:t>: Empresa de correspondências informa status da entrega do pedido</a:t>
             </a:r>
             <a:endParaRPr sz="2000">
               <a:highlight>
@@ -26580,7 +26871,7 @@
                   <a:schemeClr val="lt1"/>
                 </a:highlight>
               </a:rPr>
-              <a:t>Verifica status da entrega do pedido do cliente.</a:t>
+              <a:t>Verifica status do pedido do cliente.</a:t>
             </a:r>
             <a:endParaRPr sz="2000">
               <a:highlight>
@@ -26804,16 +27095,42 @@
               <a:buNone/>
             </a:pPr>
             <a:r>
-              <a:rPr lang="pt-BR"/>
+              <a:rPr lang="pt-BR">
+                <a:highlight>
+                  <a:schemeClr val="lt1"/>
+                </a:highlight>
+                <a:extLst>
+                  <a:ext uri="http://customooxmlschemas.google.com/">
+                    <go:slidesCustomData xmlns:go="http://customooxmlschemas.google.com/" textRoundtripDataId="1"/>
+                  </a:ext>
+                </a:extLst>
+              </a:rPr>
               <a:t>Capacidade: </a:t>
             </a:r>
             <a:r>
-              <a:rPr b="1" lang="pt-BR"/>
-              <a:t>Atender Solicitação de Suporte </a:t>
+              <a:rPr b="1" lang="pt-BR">
+                <a:highlight>
+                  <a:schemeClr val="lt1"/>
+                </a:highlight>
+                <a:extLst>
+                  <a:ext uri="http://customooxmlschemas.google.com/">
+                    <go:slidesCustomData xmlns:go="http://customooxmlschemas.google.com/" textRoundtripDataId="2"/>
+                  </a:ext>
+                </a:extLst>
+              </a:rPr>
+              <a:t>Atender Solicitação de Suporte</a:t>
+            </a:r>
+            <a:r>
+              <a:rPr b="1" lang="pt-BR">
+                <a:highlight>
+                  <a:srgbClr val="FF0000"/>
+                </a:highlight>
+              </a:rPr>
+              <a:t> </a:t>
             </a:r>
             <a:endParaRPr>
               <a:highlight>
-                <a:schemeClr val="lt1"/>
+                <a:srgbClr val="FF0000"/>
               </a:highlight>
             </a:endParaRPr>
           </a:p>
@@ -26830,7 +27147,7 @@
         <p:spPr>
           <a:xfrm>
             <a:off x="7346650" y="1690825"/>
-            <a:ext cx="4334100" cy="4240800"/>
+            <a:ext cx="4334100" cy="4767900"/>
           </a:xfrm>
           <a:prstGeom prst="rect">
             <a:avLst/>
@@ -27021,7 +27338,7 @@
                   <a:schemeClr val="lt1"/>
                 </a:highlight>
               </a:rPr>
-              <a:t>Verifica e </a:t>
+              <a:t>Ao receber a solicitação de suporte, o atendente verifica o problema descrito e </a:t>
             </a:r>
             <a:r>
               <a:rPr lang="pt-BR" sz="2000">
@@ -27029,15 +27346,35 @@
                   <a:schemeClr val="lt1"/>
                 </a:highlight>
               </a:rPr>
-              <a:t>guarda</a:t>
-            </a:r>
+              <a:t>armazena a solicitação em chamado.</a:t>
+            </a:r>
+            <a:endParaRPr sz="2000">
+              <a:highlight>
+                <a:schemeClr val="lt1"/>
+              </a:highlight>
+            </a:endParaRPr>
+          </a:p>
+          <a:p>
+            <a:pPr indent="-355600" lvl="1" marL="914400" rtl="0" algn="just">
+              <a:lnSpc>
+                <a:spcPct val="80000"/>
+              </a:lnSpc>
+              <a:spcBef>
+                <a:spcPts val="1000"/>
+              </a:spcBef>
+              <a:spcAft>
+                <a:spcPts val="0"/>
+              </a:spcAft>
+              <a:buSzPts val="2000"/>
+              <a:buChar char="○"/>
+            </a:pPr>
             <a:r>
               <a:rPr lang="pt-BR" sz="2000">
                 <a:highlight>
                   <a:schemeClr val="lt1"/>
                 </a:highlight>
               </a:rPr>
-              <a:t> o chamado do cliente em chamado.</a:t>
+              <a:t>Se o produto possuir mais do que noventa dias após o recebimento, o atendente informa a recusa do chamado.</a:t>
             </a:r>
             <a:endParaRPr sz="2000">
               <a:highlight>
@@ -27067,7 +27404,11 @@
               </a:rPr>
               <a:t>Informa o número do chamado ao cliente.</a:t>
             </a:r>
-            <a:endParaRPr sz="2000"/>
+            <a:endParaRPr sz="2000">
+              <a:highlight>
+                <a:schemeClr val="lt1"/>
+              </a:highlight>
+            </a:endParaRPr>
           </a:p>
         </p:txBody>
       </p:sp>
@@ -27087,8 +27428,8 @@
         </p:blipFill>
         <p:spPr>
           <a:xfrm>
-            <a:off x="303050" y="1690825"/>
-            <a:ext cx="7043600" cy="2949150"/>
+            <a:off x="1433300" y="1690825"/>
+            <a:ext cx="4914900" cy="3829050"/>
           </a:xfrm>
           <a:prstGeom prst="rect">
             <a:avLst/>
@@ -27152,6 +27493,9 @@
           <a:lstStyle/>
           <a:p>
             <a:pPr indent="0" lvl="0" marL="0" rtl="0" algn="l">
+              <a:lnSpc>
+                <a:spcPct val="90000"/>
+              </a:lnSpc>
               <a:spcBef>
                 <a:spcPts val="0"/>
               </a:spcBef>
@@ -27166,11 +27510,19 @@
               <a:buNone/>
             </a:pPr>
             <a:r>
-              <a:rPr lang="pt-BR"/>
+              <a:rPr lang="pt-BR">
+                <a:highlight>
+                  <a:schemeClr val="lt1"/>
+                </a:highlight>
+              </a:rPr>
               <a:t>Capacidade: </a:t>
             </a:r>
             <a:r>
-              <a:rPr b="1" lang="pt-BR"/>
+              <a:rPr b="1" lang="pt-BR">
+                <a:highlight>
+                  <a:schemeClr val="lt1"/>
+                </a:highlight>
+              </a:rPr>
               <a:t>Atender Solicitação de Suporte </a:t>
             </a:r>
             <a:endParaRPr>
@@ -27192,7 +27544,7 @@
         <p:spPr>
           <a:xfrm>
             <a:off x="7346650" y="1690825"/>
-            <a:ext cx="4433700" cy="3340200"/>
+            <a:ext cx="4433700" cy="4005000"/>
           </a:xfrm>
           <a:prstGeom prst="rect">
             <a:avLst/>
@@ -27238,7 +27590,15 @@
                   <a:schemeClr val="lt1"/>
                 </a:highlight>
               </a:rPr>
-              <a:t>: Analisar  o problema</a:t>
+              <a:t>: </a:t>
+            </a:r>
+            <a:r>
+              <a:rPr lang="pt-BR" sz="2000">
+                <a:highlight>
+                  <a:schemeClr val="lt1"/>
+                </a:highlight>
+              </a:rPr>
+              <a:t>Analisar  o problema</a:t>
             </a:r>
             <a:endParaRPr sz="2000">
               <a:highlight>
@@ -27277,7 +27637,7 @@
                   <a:schemeClr val="lt1"/>
                 </a:highlight>
               </a:rPr>
-              <a:t>: Cliente envia resposta do chamado e produto</a:t>
+              <a:t>: Atendente informa prazo, testes e orçamento.</a:t>
             </a:r>
             <a:endParaRPr sz="2000">
               <a:highlight>
@@ -27316,7 +27676,15 @@
                   <a:schemeClr val="lt1"/>
                 </a:highlight>
               </a:rPr>
-              <a:t>Tratar o chamado</a:t>
+              <a:t>Verificar</a:t>
+            </a:r>
+            <a:r>
+              <a:rPr lang="pt-BR" sz="2000">
+                <a:highlight>
+                  <a:schemeClr val="lt1"/>
+                </a:highlight>
+              </a:rPr>
+              <a:t> chamado</a:t>
             </a:r>
             <a:endParaRPr sz="2000">
               <a:highlight>
@@ -27384,7 +27752,7 @@
                   <a:schemeClr val="lt1"/>
                 </a:highlight>
               </a:rPr>
-              <a:t>Verifica o chamado e produto do cliente.</a:t>
+              <a:t>Verifica o problema descrito no chamado.</a:t>
             </a:r>
             <a:endParaRPr sz="2000">
               <a:highlight>
@@ -27414,7 +27782,7 @@
                 </a:highlight>
                 <a:extLst>
                   <a:ext uri="http://customooxmlschemas.google.com/">
-                    <go:slidesCustomData xmlns:go="http://customooxmlschemas.google.com/" textRoundtripDataId="1"/>
+                    <go:slidesCustomData xmlns:go="http://customooxmlschemas.google.com/" textRoundtripDataId="3"/>
                   </a:ext>
                 </a:extLst>
               </a:rPr>
@@ -27426,31 +27794,7 @@
                   <a:schemeClr val="lt1"/>
                 </a:highlight>
               </a:rPr>
-              <a:t> ou </a:t>
-            </a:r>
-            <a:r>
-              <a:rPr lang="pt-BR" sz="2000">
-                <a:highlight>
-                  <a:schemeClr val="lt1"/>
-                </a:highlight>
-              </a:rPr>
-              <a:t>o cliente comprou um equipamento que não atende o seu uso e reportar como um defeito</a:t>
-            </a:r>
-            <a:r>
-              <a:rPr lang="pt-BR" sz="2000">
-                <a:highlight>
-                  <a:schemeClr val="lt1"/>
-                </a:highlight>
-              </a:rPr>
-              <a:t>, </a:t>
-            </a:r>
-            <a:r>
-              <a:rPr lang="pt-BR" sz="2000">
-                <a:highlight>
-                  <a:schemeClr val="lt1"/>
-                </a:highlight>
-              </a:rPr>
-              <a:t>a solicitação será recusada.</a:t>
+              <a:t> ou o cliente comprou um equipamento que não atende o seu uso e reportar como um defeito, a solicitação será recusada e o status do chamado encerrado.</a:t>
             </a:r>
             <a:endParaRPr sz="2000">
               <a:highlight>
@@ -27478,15 +27822,63 @@
                   <a:schemeClr val="lt1"/>
                 </a:highlight>
               </a:rPr>
-              <a:t>Informa o prazo ao </a:t>
-            </a:r>
+              <a:t>Auxilia o cliente a realizar os testes diagnósticos e atualiza o chamado de acordo com o resultado dos testes.</a:t>
+            </a:r>
+            <a:endParaRPr sz="2000">
+              <a:highlight>
+                <a:schemeClr val="lt1"/>
+              </a:highlight>
+            </a:endParaRPr>
+          </a:p>
+          <a:p>
+            <a:pPr indent="-355600" lvl="0" marL="457200" rtl="0" algn="just">
+              <a:lnSpc>
+                <a:spcPct val="70000"/>
+              </a:lnSpc>
+              <a:spcBef>
+                <a:spcPts val="0"/>
+              </a:spcBef>
+              <a:spcAft>
+                <a:spcPts val="0"/>
+              </a:spcAft>
+              <a:buSzPts val="2000"/>
+              <a:buChar char="•"/>
+            </a:pPr>
             <a:r>
               <a:rPr lang="pt-BR" sz="2000">
                 <a:highlight>
                   <a:schemeClr val="lt1"/>
                 </a:highlight>
               </a:rPr>
-              <a:t>cliente.</a:t>
+              <a:t>Informa o prazo ao cliente.</a:t>
+            </a:r>
+            <a:endParaRPr sz="2000">
+              <a:highlight>
+                <a:schemeClr val="lt1"/>
+              </a:highlight>
+            </a:endParaRPr>
+          </a:p>
+          <a:p>
+            <a:pPr indent="-355600" lvl="0" marL="457200" rtl="0" algn="just">
+              <a:lnSpc>
+                <a:spcPct val="70000"/>
+              </a:lnSpc>
+              <a:spcBef>
+                <a:spcPts val="0"/>
+              </a:spcBef>
+              <a:spcAft>
+                <a:spcPts val="0"/>
+              </a:spcAft>
+              <a:buSzPts val="2000"/>
+              <a:buChar char="•"/>
+            </a:pPr>
+            <a:r>
+              <a:rPr lang="pt-BR" sz="2000">
+                <a:highlight>
+                  <a:schemeClr val="lt1"/>
+                </a:highlight>
+              </a:rPr>
+              <a:t>Informa o orçamento.</a:t>
             </a:r>
             <a:endParaRPr sz="2000">
               <a:highlight>
@@ -27512,8 +27904,8 @@
         </p:blipFill>
         <p:spPr>
           <a:xfrm>
-            <a:off x="303050" y="1690825"/>
-            <a:ext cx="7043600" cy="2949150"/>
+            <a:off x="1433300" y="1690825"/>
+            <a:ext cx="4914900" cy="3829050"/>
           </a:xfrm>
           <a:prstGeom prst="rect">
             <a:avLst/>
@@ -27594,16 +27986,32 @@
               <a:buNone/>
             </a:pPr>
             <a:r>
-              <a:rPr lang="pt-BR"/>
+              <a:rPr lang="pt-BR">
+                <a:highlight>
+                  <a:schemeClr val="lt1"/>
+                </a:highlight>
+              </a:rPr>
               <a:t>Capacidade: </a:t>
             </a:r>
             <a:r>
-              <a:rPr b="1" lang="pt-BR"/>
-              <a:t>Atender Solicitação de Suporte </a:t>
+              <a:rPr b="1" lang="pt-BR">
+                <a:highlight>
+                  <a:schemeClr val="lt1"/>
+                </a:highlight>
+              </a:rPr>
+              <a:t>Realizar Manutenção</a:t>
+            </a:r>
+            <a:r>
+              <a:rPr b="1" lang="pt-BR">
+                <a:highlight>
+                  <a:schemeClr val="lt1"/>
+                </a:highlight>
+              </a:rPr>
+              <a:t> </a:t>
             </a:r>
             <a:endParaRPr>
               <a:highlight>
-                <a:srgbClr val="FF9900"/>
+                <a:schemeClr val="lt1"/>
               </a:highlight>
             </a:endParaRPr>
           </a:p>
@@ -27620,7 +28028,7 @@
         <p:spPr>
           <a:xfrm>
             <a:off x="7346925" y="1690825"/>
-            <a:ext cx="4334100" cy="2749500"/>
+            <a:ext cx="4334100" cy="3681300"/>
           </a:xfrm>
           <a:prstGeom prst="rect">
             <a:avLst/>
@@ -27705,11 +28113,7 @@
                   <a:schemeClr val="lt1"/>
                 </a:highlight>
               </a:rPr>
-              <a:t>: </a:t>
-            </a:r>
-            <a:r>
-              <a:rPr lang="pt-BR" sz="2000"/>
-              <a:t>Atendente informa prazo de solução</a:t>
+              <a:t>: Cliente envia confirmação da manutenção e o produto</a:t>
             </a:r>
             <a:endParaRPr sz="2000">
               <a:highlight>
@@ -27748,7 +28152,7 @@
                   <a:schemeClr val="lt1"/>
                 </a:highlight>
               </a:rPr>
-              <a:t>  Informar o cliente sobre o prazo de solução</a:t>
+              <a:t>  Realizar a manutenção no produto.</a:t>
             </a:r>
             <a:endParaRPr sz="2000">
               <a:highlight>
@@ -27787,7 +28191,7 @@
                   <a:schemeClr val="lt1"/>
                 </a:highlight>
               </a:rPr>
-              <a:t>: Atendente</a:t>
+              <a:t>: Técnico</a:t>
             </a:r>
             <a:endParaRPr sz="2000">
               <a:highlight>
@@ -27815,7 +28219,15 @@
                   <a:schemeClr val="lt1"/>
                 </a:highlight>
               </a:rPr>
-              <a:t>Guarda o produto do cliente em produto.</a:t>
+              <a:t>Guarda </a:t>
+            </a:r>
+            <a:r>
+              <a:rPr lang="pt-BR" sz="2000">
+                <a:highlight>
+                  <a:schemeClr val="lt1"/>
+                </a:highlight>
+              </a:rPr>
+              <a:t>o produto do cliente em produto de manutenção.</a:t>
             </a:r>
             <a:endParaRPr sz="2000">
               <a:highlight>
@@ -27843,7 +28255,7 @@
                   <a:schemeClr val="lt1"/>
                 </a:highlight>
               </a:rPr>
-              <a:t>Guarda a manutenção do cliente em manutenção.</a:t>
+              <a:t>Inicia a manutenção e guarda o status da manutenção “iniciada”.</a:t>
             </a:r>
             <a:endParaRPr sz="2000">
               <a:highlight>
@@ -27862,6 +28274,7 @@
               <a:spcAft>
                 <a:spcPts val="0"/>
               </a:spcAft>
+              <a:buSzPts val="1800"/>
               <a:buNone/>
             </a:pPr>
             <a:r>
@@ -27891,8 +28304,8 @@
         </p:blipFill>
         <p:spPr>
           <a:xfrm>
-            <a:off x="303050" y="1690825"/>
-            <a:ext cx="7043600" cy="2949150"/>
+            <a:off x="721775" y="1690825"/>
+            <a:ext cx="6267450" cy="3924300"/>
           </a:xfrm>
           <a:prstGeom prst="rect">
             <a:avLst/>

--- a/18-Descrição dos Processos de Negócio.pptx
+++ b/18-Descrição dos Processos de Negócio.pptx
@@ -265,7 +265,7 @@
   </p:defaultTextStyle>
   <p:extLst>
     <p:ext uri="http://customooxmlschemas.google.com/">
-      <go:slidesCustomData xmlns:go="http://customooxmlschemas.google.com/" r:id="rId28" roundtripDataSignature="AMtx7mhWVCtoZ3ZvAihFUGQ3wVEzaUcPGQ=="/>
+      <go:slidesCustomData xmlns:go="http://customooxmlschemas.google.com/" r:id="rId28" roundtripDataSignature="AMtx7mhNEZ2tHrnRw7zLt3cKEHKSpJZRuw=="/>
     </p:ext>
   </p:extLst>
 </p:presentation>
@@ -22763,7 +22763,7 @@
         <p:spPr>
           <a:xfrm>
             <a:off x="8643575" y="1062300"/>
-            <a:ext cx="3500400" cy="4007100"/>
+            <a:ext cx="3500400" cy="4499700"/>
           </a:xfrm>
           <a:prstGeom prst="rect">
             <a:avLst/>
@@ -22904,7 +22904,22 @@
                 <a:cs typeface="Calibri"/>
                 <a:sym typeface="Calibri"/>
               </a:rPr>
-              <a:t>solicita serviço de manutenção</a:t>
+              <a:t>solicita serviço de manutenção e envia p</a:t>
+            </a:r>
+            <a:r>
+              <a:rPr lang="pt-BR" sz="2000">
+                <a:solidFill>
+                  <a:schemeClr val="dk1"/>
+                </a:solidFill>
+                <a:highlight>
+                  <a:schemeClr val="lt1"/>
+                </a:highlight>
+                <a:latin typeface="Calibri"/>
+                <a:ea typeface="Calibri"/>
+                <a:cs typeface="Calibri"/>
+                <a:sym typeface="Calibri"/>
+              </a:rPr>
+              <a:t>roduto</a:t>
             </a:r>
             <a:endParaRPr/>
           </a:p>
@@ -23009,7 +23024,7 @@
             <a:endParaRPr/>
           </a:p>
           <a:p>
-            <a:pPr indent="-218440" lvl="0" marL="228600" marR="0" rtl="0" algn="just">
+            <a:pPr indent="-219075" lvl="0" marL="360000" marR="0" rtl="0" algn="just">
               <a:lnSpc>
                 <a:spcPct val="80000"/>
               </a:lnSpc>
@@ -23041,7 +23056,18 @@
               </a:rPr>
               <a:t>Verifica se há fornecedores para realizar a manutenção.</a:t>
             </a:r>
-            <a:endParaRPr/>
+            <a:endParaRPr b="0" i="0" sz="2000" u="none" cap="none" strike="noStrike">
+              <a:solidFill>
+                <a:schemeClr val="dk1"/>
+              </a:solidFill>
+              <a:highlight>
+                <a:schemeClr val="lt1"/>
+              </a:highlight>
+              <a:latin typeface="Calibri"/>
+              <a:ea typeface="Calibri"/>
+              <a:cs typeface="Calibri"/>
+              <a:sym typeface="Calibri"/>
+            </a:endParaRPr>
           </a:p>
           <a:p>
             <a:pPr indent="-355600" lvl="1" marL="914400" marR="0" rtl="0" algn="just">
@@ -23078,10 +23104,47 @@
             </a:r>
             <a:endParaRPr b="0" i="0" sz="2000" u="none" cap="none" strike="noStrike">
               <a:solidFill>
-                <a:schemeClr val="dk1"/>
+                <a:srgbClr val="000000"/>
               </a:solidFill>
               <a:highlight>
-                <a:schemeClr val="lt1"/>
+                <a:srgbClr val="FFFFFF"/>
+              </a:highlight>
+              <a:latin typeface="Calibri"/>
+              <a:ea typeface="Calibri"/>
+              <a:cs typeface="Calibri"/>
+              <a:sym typeface="Calibri"/>
+            </a:endParaRPr>
+          </a:p>
+          <a:p>
+            <a:pPr indent="-253150" lvl="0" marL="450000" marR="0" rtl="0" algn="just">
+              <a:lnSpc>
+                <a:spcPct val="80000"/>
+              </a:lnSpc>
+              <a:spcBef>
+                <a:spcPts val="0"/>
+              </a:spcBef>
+              <a:spcAft>
+                <a:spcPts val="0"/>
+              </a:spcAft>
+              <a:buSzPts val="1100"/>
+              <a:buFont typeface="Calibri"/>
+              <a:buChar char="●"/>
+            </a:pPr>
+            <a:r>
+              <a:rPr lang="pt-BR" sz="2000">
+                <a:highlight>
+                  <a:srgbClr val="FFFFFF"/>
+                </a:highlight>
+                <a:latin typeface="Calibri"/>
+                <a:ea typeface="Calibri"/>
+                <a:cs typeface="Calibri"/>
+                <a:sym typeface="Calibri"/>
+              </a:rPr>
+              <a:t>Envia o produto para o terceiro.</a:t>
+            </a:r>
+            <a:endParaRPr sz="2000">
+              <a:highlight>
+                <a:srgbClr val="FFFFFF"/>
               </a:highlight>
               <a:latin typeface="Calibri"/>
               <a:ea typeface="Calibri"/>
@@ -23107,8 +23170,8 @@
         </p:blipFill>
         <p:spPr>
           <a:xfrm>
-            <a:off x="304800" y="1690825"/>
-            <a:ext cx="8338775" cy="3963260"/>
+            <a:off x="152400" y="1843225"/>
+            <a:ext cx="8338774" cy="3534370"/>
           </a:xfrm>
           <a:prstGeom prst="rect">
             <a:avLst/>
@@ -23819,8 +23882,8 @@
         </p:blipFill>
         <p:spPr>
           <a:xfrm>
-            <a:off x="304800" y="1690825"/>
-            <a:ext cx="8338775" cy="3963260"/>
+            <a:off x="152400" y="1843225"/>
+            <a:ext cx="8338774" cy="3534370"/>
           </a:xfrm>
           <a:prstGeom prst="rect">
             <a:avLst/>
@@ -24266,8 +24329,8 @@
         </p:blipFill>
         <p:spPr>
           <a:xfrm>
-            <a:off x="304800" y="1690825"/>
-            <a:ext cx="8338775" cy="3963260"/>
+            <a:off x="152400" y="1843225"/>
+            <a:ext cx="8338774" cy="3534370"/>
           </a:xfrm>
           <a:prstGeom prst="rect">
             <a:avLst/>
@@ -24867,8 +24930,8 @@
         </p:blipFill>
         <p:spPr>
           <a:xfrm>
-            <a:off x="304800" y="1690825"/>
-            <a:ext cx="8338775" cy="3963260"/>
+            <a:off x="152400" y="1843225"/>
+            <a:ext cx="8338774" cy="3534370"/>
           </a:xfrm>
           <a:prstGeom prst="rect">
             <a:avLst/>
@@ -25349,8 +25412,8 @@
         </p:blipFill>
         <p:spPr>
           <a:xfrm>
-            <a:off x="304800" y="1690825"/>
-            <a:ext cx="8338775" cy="3963260"/>
+            <a:off x="152400" y="1843225"/>
+            <a:ext cx="8338774" cy="3534370"/>
           </a:xfrm>
           <a:prstGeom prst="rect">
             <a:avLst/>

--- a/18-Descrição dos Processos de Negócio.pptx
+++ b/18-Descrição dos Processos de Negócio.pptx
@@ -31,6 +31,7 @@
     <p:sldId id="276" r:id="rId25"/>
     <p:sldId id="277" r:id="rId26"/>
     <p:sldId id="278" r:id="rId27"/>
+    <p:sldId id="279" r:id="rId28"/>
   </p:sldIdLst>
   <p:sldSz cy="6858000" cx="12192000"/>
   <p:notesSz cx="6858000" cy="9144000"/>
@@ -265,7 +266,7 @@
   </p:defaultTextStyle>
   <p:extLst>
     <p:ext uri="http://customooxmlschemas.google.com/">
-      <go:slidesCustomData xmlns:go="http://customooxmlschemas.google.com/" r:id="rId28" roundtripDataSignature="AMtx7mhNEZ2tHrnRw7zLt3cKEHKSpJZRuw=="/>
+      <go:slidesCustomData xmlns:go="http://customooxmlschemas.google.com/" r:id="rId29" roundtripDataSignature="AMtx7miYKTaxPIhM/u2qRsj7kFL08fR3fQ=="/>
     </p:ext>
   </p:extLst>
 </p:presentation>
@@ -1718,7 +1719,7 @@
       </p:grpSpPr>
       <p:sp>
         <p:nvSpPr>
-          <p:cNvPr id="85" name="Google Shape;85;gc552846479_0_0:notes"/>
+          <p:cNvPr id="85" name="Google Shape;85;gdd460f266a_0_1:notes"/>
           <p:cNvSpPr txBox="1"/>
           <p:nvPr>
             <p:ph idx="1" type="body"/>
@@ -1765,7 +1766,7 @@
       </p:sp>
       <p:sp>
         <p:nvSpPr>
-          <p:cNvPr id="86" name="Google Shape;86;gc552846479_0_0:notes"/>
+          <p:cNvPr id="86" name="Google Shape;86;gdd460f266a_0_1:notes"/>
           <p:cNvSpPr/>
           <p:nvPr>
             <p:ph idx="2" type="sldImg"/>
@@ -1835,7 +1836,7 @@
       </p:grpSpPr>
       <p:sp>
         <p:nvSpPr>
-          <p:cNvPr id="148" name="Google Shape;148;gc925418432_0_18:notes"/>
+          <p:cNvPr id="148" name="Google Shape;148;gce01f6a808_0_0:notes"/>
           <p:cNvSpPr txBox="1"/>
           <p:nvPr>
             <p:ph idx="1" type="body"/>
@@ -1882,7 +1883,7 @@
       </p:sp>
       <p:sp>
         <p:nvSpPr>
-          <p:cNvPr id="149" name="Google Shape;149;gc925418432_0_18:notes"/>
+          <p:cNvPr id="149" name="Google Shape;149;gce01f6a808_0_0:notes"/>
           <p:cNvSpPr/>
           <p:nvPr>
             <p:ph idx="2" type="sldImg"/>
@@ -1952,7 +1953,7 @@
       </p:grpSpPr>
       <p:sp>
         <p:nvSpPr>
-          <p:cNvPr id="155" name="Google Shape;155;gd2b4982aba_0_41:notes"/>
+          <p:cNvPr id="155" name="Google Shape;155;gc925418432_0_18:notes"/>
           <p:cNvSpPr txBox="1"/>
           <p:nvPr>
             <p:ph idx="1" type="body"/>
@@ -1999,7 +2000,7 @@
       </p:sp>
       <p:sp>
         <p:nvSpPr>
-          <p:cNvPr id="156" name="Google Shape;156;gd2b4982aba_0_41:notes"/>
+          <p:cNvPr id="156" name="Google Shape;156;gc925418432_0_18:notes"/>
           <p:cNvSpPr/>
           <p:nvPr>
             <p:ph idx="2" type="sldImg"/>
@@ -2069,52 +2070,7 @@
       </p:grpSpPr>
       <p:sp>
         <p:nvSpPr>
-          <p:cNvPr id="162" name="Google Shape;162;gc63a4fde34_0_5:notes"/>
-          <p:cNvSpPr/>
-          <p:nvPr>
-            <p:ph idx="2" type="sldImg"/>
-          </p:nvPr>
-        </p:nvSpPr>
-        <p:spPr>
-          <a:xfrm>
-            <a:off x="685800" y="1143000"/>
-            <a:ext cx="5486400" cy="3086100"/>
-          </a:xfrm>
-          <a:custGeom>
-            <a:rect b="b" l="l" r="r" t="t"/>
-            <a:pathLst>
-              <a:path extrusionOk="0" h="120000" w="120000">
-                <a:moveTo>
-                  <a:pt x="0" y="0"/>
-                </a:moveTo>
-                <a:lnTo>
-                  <a:pt x="120000" y="0"/>
-                </a:lnTo>
-                <a:lnTo>
-                  <a:pt x="120000" y="120000"/>
-                </a:lnTo>
-                <a:lnTo>
-                  <a:pt x="0" y="120000"/>
-                </a:lnTo>
-                <a:close/>
-              </a:path>
-            </a:pathLst>
-          </a:custGeom>
-          <a:noFill/>
-          <a:ln cap="flat" cmpd="sng" w="12700">
-            <a:solidFill>
-              <a:srgbClr val="000000"/>
-            </a:solidFill>
-            <a:prstDash val="solid"/>
-            <a:round/>
-            <a:headEnd len="sm" w="sm" type="none"/>
-            <a:tailEnd len="sm" w="sm" type="none"/>
-          </a:ln>
-        </p:spPr>
-      </p:sp>
-      <p:sp>
-        <p:nvSpPr>
-          <p:cNvPr id="163" name="Google Shape;163;gc63a4fde34_0_5:notes"/>
+          <p:cNvPr id="162" name="Google Shape;162;gd2b4982aba_0_41:notes"/>
           <p:cNvSpPr txBox="1"/>
           <p:nvPr>
             <p:ph idx="1" type="body"/>
@@ -2161,469 +2117,7 @@
       </p:sp>
       <p:sp>
         <p:nvSpPr>
-          <p:cNvPr id="164" name="Google Shape;164;gc63a4fde34_0_5:notes"/>
-          <p:cNvSpPr txBox="1"/>
-          <p:nvPr>
-            <p:ph idx="12" type="sldNum"/>
-          </p:nvPr>
-        </p:nvSpPr>
-        <p:spPr>
-          <a:xfrm>
-            <a:off x="3884613" y="8685213"/>
-            <a:ext cx="2971800" cy="458700"/>
-          </a:xfrm>
-          <a:prstGeom prst="rect">
-            <a:avLst/>
-          </a:prstGeom>
-          <a:noFill/>
-          <a:ln>
-            <a:noFill/>
-          </a:ln>
-        </p:spPr>
-        <p:txBody>
-          <a:bodyPr anchorCtr="0" anchor="b" bIns="45700" lIns="91425" spcFirstLastPara="1" rIns="91425" wrap="square" tIns="45700">
-            <a:noAutofit/>
-          </a:bodyPr>
-          <a:lstStyle/>
-          <a:p>
-            <a:pPr indent="0" lvl="0" marL="0" rtl="0" algn="r">
-              <a:lnSpc>
-                <a:spcPct val="100000"/>
-              </a:lnSpc>
-              <a:spcBef>
-                <a:spcPts val="0"/>
-              </a:spcBef>
-              <a:spcAft>
-                <a:spcPts val="0"/>
-              </a:spcAft>
-              <a:buClr>
-                <a:srgbClr val="000000"/>
-              </a:buClr>
-              <a:buSzPts val="1200"/>
-              <a:buFont typeface="Arial"/>
-              <a:buNone/>
-            </a:pPr>
-            <a:fld id="{00000000-1234-1234-1234-123412341234}" type="slidenum">
-              <a:rPr lang="pt-BR"/>
-              <a:t>‹#›</a:t>
-            </a:fld>
-            <a:endParaRPr/>
-          </a:p>
-        </p:txBody>
-      </p:sp>
-    </p:spTree>
-  </p:cSld>
-  <p:clrMapOvr>
-    <a:masterClrMapping/>
-  </p:clrMapOvr>
-</p:notes>
-</file>
-
-<file path=ppt/notesSlides/notesSlide13.xml><?xml version="1.0" encoding="utf-8"?>
-<p:notes xmlns:a="http://schemas.openxmlformats.org/drawingml/2006/main" xmlns:r="http://schemas.openxmlformats.org/officeDocument/2006/relationships" xmlns:mc="http://schemas.openxmlformats.org/markup-compatibility/2006" xmlns:mv="urn:schemas-microsoft-com:mac:vml" xmlns:p="http://schemas.openxmlformats.org/presentationml/2006/main" xmlns:c="http://schemas.openxmlformats.org/drawingml/2006/chart" xmlns:dgm="http://schemas.openxmlformats.org/drawingml/2006/diagram" xmlns:o="urn:schemas-microsoft-com:office:office" xmlns:v="urn:schemas-microsoft-com:vml" xmlns:pvml="urn:schemas-microsoft-com:office:powerpoint" xmlns:com="http://schemas.openxmlformats.org/drawingml/2006/compatibility" xmlns:p14="http://schemas.microsoft.com/office/powerpoint/2010/main" xmlns:p15="http://schemas.microsoft.com/office/powerpoint/2012/main" xmlns:ahyp="http://schemas.microsoft.com/office/drawing/2018/hyperlinkcolor" showMasterPhAnim="0" showMasterSp="0">
-  <p:cSld>
-    <p:spTree>
-      <p:nvGrpSpPr>
-        <p:cNvPr id="169" name="Shape 169"/>
-        <p:cNvGrpSpPr/>
-        <p:nvPr/>
-      </p:nvGrpSpPr>
-      <p:grpSpPr>
-        <a:xfrm>
-          <a:off x="0" y="0"/>
-          <a:ext cx="0" cy="0"/>
-          <a:chOff x="0" y="0"/>
-          <a:chExt cx="0" cy="0"/>
-        </a:xfrm>
-      </p:grpSpPr>
-      <p:sp>
-        <p:nvSpPr>
-          <p:cNvPr id="170" name="Google Shape;170;gcce74347ab_0_4:notes"/>
-          <p:cNvSpPr/>
-          <p:nvPr>
-            <p:ph idx="2" type="sldImg"/>
-          </p:nvPr>
-        </p:nvSpPr>
-        <p:spPr>
-          <a:xfrm>
-            <a:off x="685800" y="1143000"/>
-            <a:ext cx="5486400" cy="3086100"/>
-          </a:xfrm>
-          <a:custGeom>
-            <a:rect b="b" l="l" r="r" t="t"/>
-            <a:pathLst>
-              <a:path extrusionOk="0" h="120000" w="120000">
-                <a:moveTo>
-                  <a:pt x="0" y="0"/>
-                </a:moveTo>
-                <a:lnTo>
-                  <a:pt x="120000" y="0"/>
-                </a:lnTo>
-                <a:lnTo>
-                  <a:pt x="120000" y="120000"/>
-                </a:lnTo>
-                <a:lnTo>
-                  <a:pt x="0" y="120000"/>
-                </a:lnTo>
-                <a:close/>
-              </a:path>
-            </a:pathLst>
-          </a:custGeom>
-          <a:noFill/>
-          <a:ln cap="flat" cmpd="sng" w="12700">
-            <a:solidFill>
-              <a:srgbClr val="000000"/>
-            </a:solidFill>
-            <a:prstDash val="solid"/>
-            <a:round/>
-            <a:headEnd len="sm" w="sm" type="none"/>
-            <a:tailEnd len="sm" w="sm" type="none"/>
-          </a:ln>
-        </p:spPr>
-      </p:sp>
-      <p:sp>
-        <p:nvSpPr>
-          <p:cNvPr id="171" name="Google Shape;171;gcce74347ab_0_4:notes"/>
-          <p:cNvSpPr txBox="1"/>
-          <p:nvPr>
-            <p:ph idx="1" type="body"/>
-          </p:nvPr>
-        </p:nvSpPr>
-        <p:spPr>
-          <a:xfrm>
-            <a:off x="685800" y="4400550"/>
-            <a:ext cx="5486400" cy="3600600"/>
-          </a:xfrm>
-          <a:prstGeom prst="rect">
-            <a:avLst/>
-          </a:prstGeom>
-          <a:noFill/>
-          <a:ln>
-            <a:noFill/>
-          </a:ln>
-        </p:spPr>
-        <p:txBody>
-          <a:bodyPr anchorCtr="0" anchor="t" bIns="45700" lIns="91425" spcFirstLastPara="1" rIns="91425" wrap="square" tIns="45700">
-            <a:noAutofit/>
-          </a:bodyPr>
-          <a:lstStyle/>
-          <a:p>
-            <a:pPr indent="0" lvl="0" marL="0" rtl="0" algn="l">
-              <a:lnSpc>
-                <a:spcPct val="100000"/>
-              </a:lnSpc>
-              <a:spcBef>
-                <a:spcPts val="0"/>
-              </a:spcBef>
-              <a:spcAft>
-                <a:spcPts val="0"/>
-              </a:spcAft>
-              <a:buSzPts val="1400"/>
-              <a:buNone/>
-            </a:pPr>
-            <a:r>
-              <a:t/>
-            </a:r>
-            <a:endParaRPr/>
-          </a:p>
-        </p:txBody>
-      </p:sp>
-      <p:sp>
-        <p:nvSpPr>
-          <p:cNvPr id="172" name="Google Shape;172;gcce74347ab_0_4:notes"/>
-          <p:cNvSpPr txBox="1"/>
-          <p:nvPr>
-            <p:ph idx="12" type="sldNum"/>
-          </p:nvPr>
-        </p:nvSpPr>
-        <p:spPr>
-          <a:xfrm>
-            <a:off x="3884613" y="8685213"/>
-            <a:ext cx="2971800" cy="458700"/>
-          </a:xfrm>
-          <a:prstGeom prst="rect">
-            <a:avLst/>
-          </a:prstGeom>
-          <a:noFill/>
-          <a:ln>
-            <a:noFill/>
-          </a:ln>
-        </p:spPr>
-        <p:txBody>
-          <a:bodyPr anchorCtr="0" anchor="b" bIns="45700" lIns="91425" spcFirstLastPara="1" rIns="91425" wrap="square" tIns="45700">
-            <a:noAutofit/>
-          </a:bodyPr>
-          <a:lstStyle/>
-          <a:p>
-            <a:pPr indent="0" lvl="0" marL="0" rtl="0" algn="r">
-              <a:lnSpc>
-                <a:spcPct val="100000"/>
-              </a:lnSpc>
-              <a:spcBef>
-                <a:spcPts val="0"/>
-              </a:spcBef>
-              <a:spcAft>
-                <a:spcPts val="0"/>
-              </a:spcAft>
-              <a:buClr>
-                <a:srgbClr val="000000"/>
-              </a:buClr>
-              <a:buSzPts val="1200"/>
-              <a:buFont typeface="Arial"/>
-              <a:buNone/>
-            </a:pPr>
-            <a:fld id="{00000000-1234-1234-1234-123412341234}" type="slidenum">
-              <a:rPr lang="pt-BR"/>
-              <a:t>‹#›</a:t>
-            </a:fld>
-            <a:endParaRPr/>
-          </a:p>
-        </p:txBody>
-      </p:sp>
-    </p:spTree>
-  </p:cSld>
-  <p:clrMapOvr>
-    <a:masterClrMapping/>
-  </p:clrMapOvr>
-</p:notes>
-</file>
-
-<file path=ppt/notesSlides/notesSlide14.xml><?xml version="1.0" encoding="utf-8"?>
-<p:notes xmlns:a="http://schemas.openxmlformats.org/drawingml/2006/main" xmlns:r="http://schemas.openxmlformats.org/officeDocument/2006/relationships" xmlns:mc="http://schemas.openxmlformats.org/markup-compatibility/2006" xmlns:mv="urn:schemas-microsoft-com:mac:vml" xmlns:p="http://schemas.openxmlformats.org/presentationml/2006/main" xmlns:c="http://schemas.openxmlformats.org/drawingml/2006/chart" xmlns:dgm="http://schemas.openxmlformats.org/drawingml/2006/diagram" xmlns:o="urn:schemas-microsoft-com:office:office" xmlns:v="urn:schemas-microsoft-com:vml" xmlns:pvml="urn:schemas-microsoft-com:office:powerpoint" xmlns:com="http://schemas.openxmlformats.org/drawingml/2006/compatibility" xmlns:p14="http://schemas.microsoft.com/office/powerpoint/2010/main" xmlns:p15="http://schemas.microsoft.com/office/powerpoint/2012/main" xmlns:ahyp="http://schemas.microsoft.com/office/drawing/2018/hyperlinkcolor" showMasterPhAnim="0" showMasterSp="0">
-  <p:cSld>
-    <p:spTree>
-      <p:nvGrpSpPr>
-        <p:cNvPr id="177" name="Shape 177"/>
-        <p:cNvGrpSpPr/>
-        <p:nvPr/>
-      </p:nvGrpSpPr>
-      <p:grpSpPr>
-        <a:xfrm>
-          <a:off x="0" y="0"/>
-          <a:ext cx="0" cy="0"/>
-          <a:chOff x="0" y="0"/>
-          <a:chExt cx="0" cy="0"/>
-        </a:xfrm>
-      </p:grpSpPr>
-      <p:sp>
-        <p:nvSpPr>
-          <p:cNvPr id="178" name="Google Shape;178;gcce74347ab_0_10:notes"/>
-          <p:cNvSpPr/>
-          <p:nvPr>
-            <p:ph idx="2" type="sldImg"/>
-          </p:nvPr>
-        </p:nvSpPr>
-        <p:spPr>
-          <a:xfrm>
-            <a:off x="685800" y="1143000"/>
-            <a:ext cx="5486400" cy="3086100"/>
-          </a:xfrm>
-          <a:custGeom>
-            <a:rect b="b" l="l" r="r" t="t"/>
-            <a:pathLst>
-              <a:path extrusionOk="0" h="120000" w="120000">
-                <a:moveTo>
-                  <a:pt x="0" y="0"/>
-                </a:moveTo>
-                <a:lnTo>
-                  <a:pt x="120000" y="0"/>
-                </a:lnTo>
-                <a:lnTo>
-                  <a:pt x="120000" y="120000"/>
-                </a:lnTo>
-                <a:lnTo>
-                  <a:pt x="0" y="120000"/>
-                </a:lnTo>
-                <a:close/>
-              </a:path>
-            </a:pathLst>
-          </a:custGeom>
-          <a:noFill/>
-          <a:ln cap="flat" cmpd="sng" w="12700">
-            <a:solidFill>
-              <a:srgbClr val="000000"/>
-            </a:solidFill>
-            <a:prstDash val="solid"/>
-            <a:round/>
-            <a:headEnd len="sm" w="sm" type="none"/>
-            <a:tailEnd len="sm" w="sm" type="none"/>
-          </a:ln>
-        </p:spPr>
-      </p:sp>
-      <p:sp>
-        <p:nvSpPr>
-          <p:cNvPr id="179" name="Google Shape;179;gcce74347ab_0_10:notes"/>
-          <p:cNvSpPr txBox="1"/>
-          <p:nvPr>
-            <p:ph idx="1" type="body"/>
-          </p:nvPr>
-        </p:nvSpPr>
-        <p:spPr>
-          <a:xfrm>
-            <a:off x="685800" y="4400550"/>
-            <a:ext cx="5486400" cy="3600600"/>
-          </a:xfrm>
-          <a:prstGeom prst="rect">
-            <a:avLst/>
-          </a:prstGeom>
-          <a:noFill/>
-          <a:ln>
-            <a:noFill/>
-          </a:ln>
-        </p:spPr>
-        <p:txBody>
-          <a:bodyPr anchorCtr="0" anchor="t" bIns="45700" lIns="91425" spcFirstLastPara="1" rIns="91425" wrap="square" tIns="45700">
-            <a:noAutofit/>
-          </a:bodyPr>
-          <a:lstStyle/>
-          <a:p>
-            <a:pPr indent="0" lvl="0" marL="0" rtl="0" algn="l">
-              <a:lnSpc>
-                <a:spcPct val="100000"/>
-              </a:lnSpc>
-              <a:spcBef>
-                <a:spcPts val="0"/>
-              </a:spcBef>
-              <a:spcAft>
-                <a:spcPts val="0"/>
-              </a:spcAft>
-              <a:buSzPts val="1400"/>
-              <a:buNone/>
-            </a:pPr>
-            <a:r>
-              <a:t/>
-            </a:r>
-            <a:endParaRPr/>
-          </a:p>
-        </p:txBody>
-      </p:sp>
-      <p:sp>
-        <p:nvSpPr>
-          <p:cNvPr id="180" name="Google Shape;180;gcce74347ab_0_10:notes"/>
-          <p:cNvSpPr txBox="1"/>
-          <p:nvPr>
-            <p:ph idx="12" type="sldNum"/>
-          </p:nvPr>
-        </p:nvSpPr>
-        <p:spPr>
-          <a:xfrm>
-            <a:off x="3884613" y="8685213"/>
-            <a:ext cx="2971800" cy="458700"/>
-          </a:xfrm>
-          <a:prstGeom prst="rect">
-            <a:avLst/>
-          </a:prstGeom>
-          <a:noFill/>
-          <a:ln>
-            <a:noFill/>
-          </a:ln>
-        </p:spPr>
-        <p:txBody>
-          <a:bodyPr anchorCtr="0" anchor="b" bIns="45700" lIns="91425" spcFirstLastPara="1" rIns="91425" wrap="square" tIns="45700">
-            <a:noAutofit/>
-          </a:bodyPr>
-          <a:lstStyle/>
-          <a:p>
-            <a:pPr indent="0" lvl="0" marL="0" rtl="0" algn="r">
-              <a:lnSpc>
-                <a:spcPct val="100000"/>
-              </a:lnSpc>
-              <a:spcBef>
-                <a:spcPts val="0"/>
-              </a:spcBef>
-              <a:spcAft>
-                <a:spcPts val="0"/>
-              </a:spcAft>
-              <a:buClr>
-                <a:srgbClr val="000000"/>
-              </a:buClr>
-              <a:buSzPts val="1200"/>
-              <a:buFont typeface="Arial"/>
-              <a:buNone/>
-            </a:pPr>
-            <a:fld id="{00000000-1234-1234-1234-123412341234}" type="slidenum">
-              <a:rPr lang="pt-BR"/>
-              <a:t>‹#›</a:t>
-            </a:fld>
-            <a:endParaRPr/>
-          </a:p>
-        </p:txBody>
-      </p:sp>
-    </p:spTree>
-  </p:cSld>
-  <p:clrMapOvr>
-    <a:masterClrMapping/>
-  </p:clrMapOvr>
-</p:notes>
-</file>
-
-<file path=ppt/notesSlides/notesSlide15.xml><?xml version="1.0" encoding="utf-8"?>
-<p:notes xmlns:a="http://schemas.openxmlformats.org/drawingml/2006/main" xmlns:r="http://schemas.openxmlformats.org/officeDocument/2006/relationships" xmlns:mc="http://schemas.openxmlformats.org/markup-compatibility/2006" xmlns:mv="urn:schemas-microsoft-com:mac:vml" xmlns:p="http://schemas.openxmlformats.org/presentationml/2006/main" xmlns:c="http://schemas.openxmlformats.org/drawingml/2006/chart" xmlns:dgm="http://schemas.openxmlformats.org/drawingml/2006/diagram" xmlns:o="urn:schemas-microsoft-com:office:office" xmlns:v="urn:schemas-microsoft-com:vml" xmlns:pvml="urn:schemas-microsoft-com:office:powerpoint" xmlns:com="http://schemas.openxmlformats.org/drawingml/2006/compatibility" xmlns:p14="http://schemas.microsoft.com/office/powerpoint/2010/main" xmlns:p15="http://schemas.microsoft.com/office/powerpoint/2012/main" xmlns:ahyp="http://schemas.microsoft.com/office/drawing/2018/hyperlinkcolor" showMasterPhAnim="0" showMasterSp="0">
-  <p:cSld>
-    <p:spTree>
-      <p:nvGrpSpPr>
-        <p:cNvPr id="185" name="Shape 185"/>
-        <p:cNvGrpSpPr/>
-        <p:nvPr/>
-      </p:nvGrpSpPr>
-      <p:grpSpPr>
-        <a:xfrm>
-          <a:off x="0" y="0"/>
-          <a:ext cx="0" cy="0"/>
-          <a:chOff x="0" y="0"/>
-          <a:chExt cx="0" cy="0"/>
-        </a:xfrm>
-      </p:grpSpPr>
-      <p:sp>
-        <p:nvSpPr>
-          <p:cNvPr id="186" name="Google Shape;186;gc56d62285f_0_6:notes"/>
-          <p:cNvSpPr txBox="1"/>
-          <p:nvPr>
-            <p:ph idx="1" type="body"/>
-          </p:nvPr>
-        </p:nvSpPr>
-        <p:spPr>
-          <a:xfrm>
-            <a:off x="685800" y="4400550"/>
-            <a:ext cx="5486400" cy="3600600"/>
-          </a:xfrm>
-          <a:prstGeom prst="rect">
-            <a:avLst/>
-          </a:prstGeom>
-          <a:noFill/>
-          <a:ln>
-            <a:noFill/>
-          </a:ln>
-        </p:spPr>
-        <p:txBody>
-          <a:bodyPr anchorCtr="0" anchor="t" bIns="45700" lIns="91425" spcFirstLastPara="1" rIns="91425" wrap="square" tIns="45700">
-            <a:noAutofit/>
-          </a:bodyPr>
-          <a:lstStyle/>
-          <a:p>
-            <a:pPr indent="0" lvl="0" marL="0" rtl="0" algn="l">
-              <a:lnSpc>
-                <a:spcPct val="100000"/>
-              </a:lnSpc>
-              <a:spcBef>
-                <a:spcPts val="0"/>
-              </a:spcBef>
-              <a:spcAft>
-                <a:spcPts val="0"/>
-              </a:spcAft>
-              <a:buSzPts val="1400"/>
-              <a:buNone/>
-            </a:pPr>
-            <a:r>
-              <a:t/>
-            </a:r>
-            <a:endParaRPr/>
-          </a:p>
-        </p:txBody>
-      </p:sp>
-      <p:sp>
-        <p:nvSpPr>
-          <p:cNvPr id="187" name="Google Shape;187;gc56d62285f_0_6:notes"/>
+          <p:cNvPr id="163" name="Google Shape;163;gd2b4982aba_0_41:notes"/>
           <p:cNvSpPr/>
           <p:nvPr>
             <p:ph idx="2" type="sldImg"/>
@@ -2674,12 +2168,12 @@
 </p:notes>
 </file>
 
-<file path=ppt/notesSlides/notesSlide16.xml><?xml version="1.0" encoding="utf-8"?>
+<file path=ppt/notesSlides/notesSlide13.xml><?xml version="1.0" encoding="utf-8"?>
 <p:notes xmlns:a="http://schemas.openxmlformats.org/drawingml/2006/main" xmlns:r="http://schemas.openxmlformats.org/officeDocument/2006/relationships" xmlns:mc="http://schemas.openxmlformats.org/markup-compatibility/2006" xmlns:mv="urn:schemas-microsoft-com:mac:vml" xmlns:p="http://schemas.openxmlformats.org/presentationml/2006/main" xmlns:c="http://schemas.openxmlformats.org/drawingml/2006/chart" xmlns:dgm="http://schemas.openxmlformats.org/drawingml/2006/diagram" xmlns:o="urn:schemas-microsoft-com:office:office" xmlns:v="urn:schemas-microsoft-com:vml" xmlns:pvml="urn:schemas-microsoft-com:office:powerpoint" xmlns:com="http://schemas.openxmlformats.org/drawingml/2006/compatibility" xmlns:p14="http://schemas.microsoft.com/office/powerpoint/2010/main" xmlns:p15="http://schemas.microsoft.com/office/powerpoint/2012/main" xmlns:ahyp="http://schemas.microsoft.com/office/drawing/2018/hyperlinkcolor" showMasterPhAnim="0" showMasterSp="0">
   <p:cSld>
     <p:spTree>
       <p:nvGrpSpPr>
-        <p:cNvPr id="192" name="Shape 192"/>
+        <p:cNvPr id="168" name="Shape 168"/>
         <p:cNvGrpSpPr/>
         <p:nvPr/>
       </p:nvGrpSpPr>
@@ -2693,7 +2187,52 @@
       </p:grpSpPr>
       <p:sp>
         <p:nvSpPr>
-          <p:cNvPr id="193" name="Google Shape;193;gc63a4fde34_0_30:notes"/>
+          <p:cNvPr id="169" name="Google Shape;169;gc63a4fde34_0_5:notes"/>
+          <p:cNvSpPr/>
+          <p:nvPr>
+            <p:ph idx="2" type="sldImg"/>
+          </p:nvPr>
+        </p:nvSpPr>
+        <p:spPr>
+          <a:xfrm>
+            <a:off x="685800" y="1143000"/>
+            <a:ext cx="5486400" cy="3086100"/>
+          </a:xfrm>
+          <a:custGeom>
+            <a:rect b="b" l="l" r="r" t="t"/>
+            <a:pathLst>
+              <a:path extrusionOk="0" h="120000" w="120000">
+                <a:moveTo>
+                  <a:pt x="0" y="0"/>
+                </a:moveTo>
+                <a:lnTo>
+                  <a:pt x="120000" y="0"/>
+                </a:lnTo>
+                <a:lnTo>
+                  <a:pt x="120000" y="120000"/>
+                </a:lnTo>
+                <a:lnTo>
+                  <a:pt x="0" y="120000"/>
+                </a:lnTo>
+                <a:close/>
+              </a:path>
+            </a:pathLst>
+          </a:custGeom>
+          <a:noFill/>
+          <a:ln cap="flat" cmpd="sng" w="12700">
+            <a:solidFill>
+              <a:srgbClr val="000000"/>
+            </a:solidFill>
+            <a:prstDash val="solid"/>
+            <a:round/>
+            <a:headEnd len="sm" w="sm" type="none"/>
+            <a:tailEnd len="sm" w="sm" type="none"/>
+          </a:ln>
+        </p:spPr>
+      </p:sp>
+      <p:sp>
+        <p:nvSpPr>
+          <p:cNvPr id="170" name="Google Shape;170;gc63a4fde34_0_5:notes"/>
           <p:cNvSpPr txBox="1"/>
           <p:nvPr>
             <p:ph idx="1" type="body"/>
@@ -2740,7 +2279,469 @@
       </p:sp>
       <p:sp>
         <p:nvSpPr>
-          <p:cNvPr id="194" name="Google Shape;194;gc63a4fde34_0_30:notes"/>
+          <p:cNvPr id="171" name="Google Shape;171;gc63a4fde34_0_5:notes"/>
+          <p:cNvSpPr txBox="1"/>
+          <p:nvPr>
+            <p:ph idx="12" type="sldNum"/>
+          </p:nvPr>
+        </p:nvSpPr>
+        <p:spPr>
+          <a:xfrm>
+            <a:off x="3884613" y="8685213"/>
+            <a:ext cx="2971800" cy="458700"/>
+          </a:xfrm>
+          <a:prstGeom prst="rect">
+            <a:avLst/>
+          </a:prstGeom>
+          <a:noFill/>
+          <a:ln>
+            <a:noFill/>
+          </a:ln>
+        </p:spPr>
+        <p:txBody>
+          <a:bodyPr anchorCtr="0" anchor="b" bIns="45700" lIns="91425" spcFirstLastPara="1" rIns="91425" wrap="square" tIns="45700">
+            <a:noAutofit/>
+          </a:bodyPr>
+          <a:lstStyle/>
+          <a:p>
+            <a:pPr indent="0" lvl="0" marL="0" rtl="0" algn="r">
+              <a:lnSpc>
+                <a:spcPct val="100000"/>
+              </a:lnSpc>
+              <a:spcBef>
+                <a:spcPts val="0"/>
+              </a:spcBef>
+              <a:spcAft>
+                <a:spcPts val="0"/>
+              </a:spcAft>
+              <a:buClr>
+                <a:srgbClr val="000000"/>
+              </a:buClr>
+              <a:buSzPts val="1200"/>
+              <a:buFont typeface="Arial"/>
+              <a:buNone/>
+            </a:pPr>
+            <a:fld id="{00000000-1234-1234-1234-123412341234}" type="slidenum">
+              <a:rPr lang="pt-BR"/>
+              <a:t>‹#›</a:t>
+            </a:fld>
+            <a:endParaRPr/>
+          </a:p>
+        </p:txBody>
+      </p:sp>
+    </p:spTree>
+  </p:cSld>
+  <p:clrMapOvr>
+    <a:masterClrMapping/>
+  </p:clrMapOvr>
+</p:notes>
+</file>
+
+<file path=ppt/notesSlides/notesSlide14.xml><?xml version="1.0" encoding="utf-8"?>
+<p:notes xmlns:a="http://schemas.openxmlformats.org/drawingml/2006/main" xmlns:r="http://schemas.openxmlformats.org/officeDocument/2006/relationships" xmlns:mc="http://schemas.openxmlformats.org/markup-compatibility/2006" xmlns:mv="urn:schemas-microsoft-com:mac:vml" xmlns:p="http://schemas.openxmlformats.org/presentationml/2006/main" xmlns:c="http://schemas.openxmlformats.org/drawingml/2006/chart" xmlns:dgm="http://schemas.openxmlformats.org/drawingml/2006/diagram" xmlns:o="urn:schemas-microsoft-com:office:office" xmlns:v="urn:schemas-microsoft-com:vml" xmlns:pvml="urn:schemas-microsoft-com:office:powerpoint" xmlns:com="http://schemas.openxmlformats.org/drawingml/2006/compatibility" xmlns:p14="http://schemas.microsoft.com/office/powerpoint/2010/main" xmlns:p15="http://schemas.microsoft.com/office/powerpoint/2012/main" xmlns:ahyp="http://schemas.microsoft.com/office/drawing/2018/hyperlinkcolor" showMasterPhAnim="0" showMasterSp="0">
+  <p:cSld>
+    <p:spTree>
+      <p:nvGrpSpPr>
+        <p:cNvPr id="176" name="Shape 176"/>
+        <p:cNvGrpSpPr/>
+        <p:nvPr/>
+      </p:nvGrpSpPr>
+      <p:grpSpPr>
+        <a:xfrm>
+          <a:off x="0" y="0"/>
+          <a:ext cx="0" cy="0"/>
+          <a:chOff x="0" y="0"/>
+          <a:chExt cx="0" cy="0"/>
+        </a:xfrm>
+      </p:grpSpPr>
+      <p:sp>
+        <p:nvSpPr>
+          <p:cNvPr id="177" name="Google Shape;177;gcce74347ab_0_4:notes"/>
+          <p:cNvSpPr/>
+          <p:nvPr>
+            <p:ph idx="2" type="sldImg"/>
+          </p:nvPr>
+        </p:nvSpPr>
+        <p:spPr>
+          <a:xfrm>
+            <a:off x="685800" y="1143000"/>
+            <a:ext cx="5486400" cy="3086100"/>
+          </a:xfrm>
+          <a:custGeom>
+            <a:rect b="b" l="l" r="r" t="t"/>
+            <a:pathLst>
+              <a:path extrusionOk="0" h="120000" w="120000">
+                <a:moveTo>
+                  <a:pt x="0" y="0"/>
+                </a:moveTo>
+                <a:lnTo>
+                  <a:pt x="120000" y="0"/>
+                </a:lnTo>
+                <a:lnTo>
+                  <a:pt x="120000" y="120000"/>
+                </a:lnTo>
+                <a:lnTo>
+                  <a:pt x="0" y="120000"/>
+                </a:lnTo>
+                <a:close/>
+              </a:path>
+            </a:pathLst>
+          </a:custGeom>
+          <a:noFill/>
+          <a:ln cap="flat" cmpd="sng" w="12700">
+            <a:solidFill>
+              <a:srgbClr val="000000"/>
+            </a:solidFill>
+            <a:prstDash val="solid"/>
+            <a:round/>
+            <a:headEnd len="sm" w="sm" type="none"/>
+            <a:tailEnd len="sm" w="sm" type="none"/>
+          </a:ln>
+        </p:spPr>
+      </p:sp>
+      <p:sp>
+        <p:nvSpPr>
+          <p:cNvPr id="178" name="Google Shape;178;gcce74347ab_0_4:notes"/>
+          <p:cNvSpPr txBox="1"/>
+          <p:nvPr>
+            <p:ph idx="1" type="body"/>
+          </p:nvPr>
+        </p:nvSpPr>
+        <p:spPr>
+          <a:xfrm>
+            <a:off x="685800" y="4400550"/>
+            <a:ext cx="5486400" cy="3600600"/>
+          </a:xfrm>
+          <a:prstGeom prst="rect">
+            <a:avLst/>
+          </a:prstGeom>
+          <a:noFill/>
+          <a:ln>
+            <a:noFill/>
+          </a:ln>
+        </p:spPr>
+        <p:txBody>
+          <a:bodyPr anchorCtr="0" anchor="t" bIns="45700" lIns="91425" spcFirstLastPara="1" rIns="91425" wrap="square" tIns="45700">
+            <a:noAutofit/>
+          </a:bodyPr>
+          <a:lstStyle/>
+          <a:p>
+            <a:pPr indent="0" lvl="0" marL="0" rtl="0" algn="l">
+              <a:lnSpc>
+                <a:spcPct val="100000"/>
+              </a:lnSpc>
+              <a:spcBef>
+                <a:spcPts val="0"/>
+              </a:spcBef>
+              <a:spcAft>
+                <a:spcPts val="0"/>
+              </a:spcAft>
+              <a:buSzPts val="1400"/>
+              <a:buNone/>
+            </a:pPr>
+            <a:r>
+              <a:t/>
+            </a:r>
+            <a:endParaRPr/>
+          </a:p>
+        </p:txBody>
+      </p:sp>
+      <p:sp>
+        <p:nvSpPr>
+          <p:cNvPr id="179" name="Google Shape;179;gcce74347ab_0_4:notes"/>
+          <p:cNvSpPr txBox="1"/>
+          <p:nvPr>
+            <p:ph idx="12" type="sldNum"/>
+          </p:nvPr>
+        </p:nvSpPr>
+        <p:spPr>
+          <a:xfrm>
+            <a:off x="3884613" y="8685213"/>
+            <a:ext cx="2971800" cy="458700"/>
+          </a:xfrm>
+          <a:prstGeom prst="rect">
+            <a:avLst/>
+          </a:prstGeom>
+          <a:noFill/>
+          <a:ln>
+            <a:noFill/>
+          </a:ln>
+        </p:spPr>
+        <p:txBody>
+          <a:bodyPr anchorCtr="0" anchor="b" bIns="45700" lIns="91425" spcFirstLastPara="1" rIns="91425" wrap="square" tIns="45700">
+            <a:noAutofit/>
+          </a:bodyPr>
+          <a:lstStyle/>
+          <a:p>
+            <a:pPr indent="0" lvl="0" marL="0" rtl="0" algn="r">
+              <a:lnSpc>
+                <a:spcPct val="100000"/>
+              </a:lnSpc>
+              <a:spcBef>
+                <a:spcPts val="0"/>
+              </a:spcBef>
+              <a:spcAft>
+                <a:spcPts val="0"/>
+              </a:spcAft>
+              <a:buClr>
+                <a:srgbClr val="000000"/>
+              </a:buClr>
+              <a:buSzPts val="1200"/>
+              <a:buFont typeface="Arial"/>
+              <a:buNone/>
+            </a:pPr>
+            <a:fld id="{00000000-1234-1234-1234-123412341234}" type="slidenum">
+              <a:rPr lang="pt-BR"/>
+              <a:t>‹#›</a:t>
+            </a:fld>
+            <a:endParaRPr/>
+          </a:p>
+        </p:txBody>
+      </p:sp>
+    </p:spTree>
+  </p:cSld>
+  <p:clrMapOvr>
+    <a:masterClrMapping/>
+  </p:clrMapOvr>
+</p:notes>
+</file>
+
+<file path=ppt/notesSlides/notesSlide15.xml><?xml version="1.0" encoding="utf-8"?>
+<p:notes xmlns:a="http://schemas.openxmlformats.org/drawingml/2006/main" xmlns:r="http://schemas.openxmlformats.org/officeDocument/2006/relationships" xmlns:mc="http://schemas.openxmlformats.org/markup-compatibility/2006" xmlns:mv="urn:schemas-microsoft-com:mac:vml" xmlns:p="http://schemas.openxmlformats.org/presentationml/2006/main" xmlns:c="http://schemas.openxmlformats.org/drawingml/2006/chart" xmlns:dgm="http://schemas.openxmlformats.org/drawingml/2006/diagram" xmlns:o="urn:schemas-microsoft-com:office:office" xmlns:v="urn:schemas-microsoft-com:vml" xmlns:pvml="urn:schemas-microsoft-com:office:powerpoint" xmlns:com="http://schemas.openxmlformats.org/drawingml/2006/compatibility" xmlns:p14="http://schemas.microsoft.com/office/powerpoint/2010/main" xmlns:p15="http://schemas.microsoft.com/office/powerpoint/2012/main" xmlns:ahyp="http://schemas.microsoft.com/office/drawing/2018/hyperlinkcolor" showMasterPhAnim="0" showMasterSp="0">
+  <p:cSld>
+    <p:spTree>
+      <p:nvGrpSpPr>
+        <p:cNvPr id="184" name="Shape 184"/>
+        <p:cNvGrpSpPr/>
+        <p:nvPr/>
+      </p:nvGrpSpPr>
+      <p:grpSpPr>
+        <a:xfrm>
+          <a:off x="0" y="0"/>
+          <a:ext cx="0" cy="0"/>
+          <a:chOff x="0" y="0"/>
+          <a:chExt cx="0" cy="0"/>
+        </a:xfrm>
+      </p:grpSpPr>
+      <p:sp>
+        <p:nvSpPr>
+          <p:cNvPr id="185" name="Google Shape;185;gcce74347ab_0_10:notes"/>
+          <p:cNvSpPr/>
+          <p:nvPr>
+            <p:ph idx="2" type="sldImg"/>
+          </p:nvPr>
+        </p:nvSpPr>
+        <p:spPr>
+          <a:xfrm>
+            <a:off x="685800" y="1143000"/>
+            <a:ext cx="5486400" cy="3086100"/>
+          </a:xfrm>
+          <a:custGeom>
+            <a:rect b="b" l="l" r="r" t="t"/>
+            <a:pathLst>
+              <a:path extrusionOk="0" h="120000" w="120000">
+                <a:moveTo>
+                  <a:pt x="0" y="0"/>
+                </a:moveTo>
+                <a:lnTo>
+                  <a:pt x="120000" y="0"/>
+                </a:lnTo>
+                <a:lnTo>
+                  <a:pt x="120000" y="120000"/>
+                </a:lnTo>
+                <a:lnTo>
+                  <a:pt x="0" y="120000"/>
+                </a:lnTo>
+                <a:close/>
+              </a:path>
+            </a:pathLst>
+          </a:custGeom>
+          <a:noFill/>
+          <a:ln cap="flat" cmpd="sng" w="12700">
+            <a:solidFill>
+              <a:srgbClr val="000000"/>
+            </a:solidFill>
+            <a:prstDash val="solid"/>
+            <a:round/>
+            <a:headEnd len="sm" w="sm" type="none"/>
+            <a:tailEnd len="sm" w="sm" type="none"/>
+          </a:ln>
+        </p:spPr>
+      </p:sp>
+      <p:sp>
+        <p:nvSpPr>
+          <p:cNvPr id="186" name="Google Shape;186;gcce74347ab_0_10:notes"/>
+          <p:cNvSpPr txBox="1"/>
+          <p:nvPr>
+            <p:ph idx="1" type="body"/>
+          </p:nvPr>
+        </p:nvSpPr>
+        <p:spPr>
+          <a:xfrm>
+            <a:off x="685800" y="4400550"/>
+            <a:ext cx="5486400" cy="3600600"/>
+          </a:xfrm>
+          <a:prstGeom prst="rect">
+            <a:avLst/>
+          </a:prstGeom>
+          <a:noFill/>
+          <a:ln>
+            <a:noFill/>
+          </a:ln>
+        </p:spPr>
+        <p:txBody>
+          <a:bodyPr anchorCtr="0" anchor="t" bIns="45700" lIns="91425" spcFirstLastPara="1" rIns="91425" wrap="square" tIns="45700">
+            <a:noAutofit/>
+          </a:bodyPr>
+          <a:lstStyle/>
+          <a:p>
+            <a:pPr indent="0" lvl="0" marL="0" rtl="0" algn="l">
+              <a:lnSpc>
+                <a:spcPct val="100000"/>
+              </a:lnSpc>
+              <a:spcBef>
+                <a:spcPts val="0"/>
+              </a:spcBef>
+              <a:spcAft>
+                <a:spcPts val="0"/>
+              </a:spcAft>
+              <a:buSzPts val="1400"/>
+              <a:buNone/>
+            </a:pPr>
+            <a:r>
+              <a:t/>
+            </a:r>
+            <a:endParaRPr/>
+          </a:p>
+        </p:txBody>
+      </p:sp>
+      <p:sp>
+        <p:nvSpPr>
+          <p:cNvPr id="187" name="Google Shape;187;gcce74347ab_0_10:notes"/>
+          <p:cNvSpPr txBox="1"/>
+          <p:nvPr>
+            <p:ph idx="12" type="sldNum"/>
+          </p:nvPr>
+        </p:nvSpPr>
+        <p:spPr>
+          <a:xfrm>
+            <a:off x="3884613" y="8685213"/>
+            <a:ext cx="2971800" cy="458700"/>
+          </a:xfrm>
+          <a:prstGeom prst="rect">
+            <a:avLst/>
+          </a:prstGeom>
+          <a:noFill/>
+          <a:ln>
+            <a:noFill/>
+          </a:ln>
+        </p:spPr>
+        <p:txBody>
+          <a:bodyPr anchorCtr="0" anchor="b" bIns="45700" lIns="91425" spcFirstLastPara="1" rIns="91425" wrap="square" tIns="45700">
+            <a:noAutofit/>
+          </a:bodyPr>
+          <a:lstStyle/>
+          <a:p>
+            <a:pPr indent="0" lvl="0" marL="0" rtl="0" algn="r">
+              <a:lnSpc>
+                <a:spcPct val="100000"/>
+              </a:lnSpc>
+              <a:spcBef>
+                <a:spcPts val="0"/>
+              </a:spcBef>
+              <a:spcAft>
+                <a:spcPts val="0"/>
+              </a:spcAft>
+              <a:buClr>
+                <a:srgbClr val="000000"/>
+              </a:buClr>
+              <a:buSzPts val="1200"/>
+              <a:buFont typeface="Arial"/>
+              <a:buNone/>
+            </a:pPr>
+            <a:fld id="{00000000-1234-1234-1234-123412341234}" type="slidenum">
+              <a:rPr lang="pt-BR"/>
+              <a:t>‹#›</a:t>
+            </a:fld>
+            <a:endParaRPr/>
+          </a:p>
+        </p:txBody>
+      </p:sp>
+    </p:spTree>
+  </p:cSld>
+  <p:clrMapOvr>
+    <a:masterClrMapping/>
+  </p:clrMapOvr>
+</p:notes>
+</file>
+
+<file path=ppt/notesSlides/notesSlide16.xml><?xml version="1.0" encoding="utf-8"?>
+<p:notes xmlns:a="http://schemas.openxmlformats.org/drawingml/2006/main" xmlns:r="http://schemas.openxmlformats.org/officeDocument/2006/relationships" xmlns:mc="http://schemas.openxmlformats.org/markup-compatibility/2006" xmlns:mv="urn:schemas-microsoft-com:mac:vml" xmlns:p="http://schemas.openxmlformats.org/presentationml/2006/main" xmlns:c="http://schemas.openxmlformats.org/drawingml/2006/chart" xmlns:dgm="http://schemas.openxmlformats.org/drawingml/2006/diagram" xmlns:o="urn:schemas-microsoft-com:office:office" xmlns:v="urn:schemas-microsoft-com:vml" xmlns:pvml="urn:schemas-microsoft-com:office:powerpoint" xmlns:com="http://schemas.openxmlformats.org/drawingml/2006/compatibility" xmlns:p14="http://schemas.microsoft.com/office/powerpoint/2010/main" xmlns:p15="http://schemas.microsoft.com/office/powerpoint/2012/main" xmlns:ahyp="http://schemas.microsoft.com/office/drawing/2018/hyperlinkcolor" showMasterPhAnim="0" showMasterSp="0">
+  <p:cSld>
+    <p:spTree>
+      <p:nvGrpSpPr>
+        <p:cNvPr id="192" name="Shape 192"/>
+        <p:cNvGrpSpPr/>
+        <p:nvPr/>
+      </p:nvGrpSpPr>
+      <p:grpSpPr>
+        <a:xfrm>
+          <a:off x="0" y="0"/>
+          <a:ext cx="0" cy="0"/>
+          <a:chOff x="0" y="0"/>
+          <a:chExt cx="0" cy="0"/>
+        </a:xfrm>
+      </p:grpSpPr>
+      <p:sp>
+        <p:nvSpPr>
+          <p:cNvPr id="193" name="Google Shape;193;gc56d62285f_0_6:notes"/>
+          <p:cNvSpPr txBox="1"/>
+          <p:nvPr>
+            <p:ph idx="1" type="body"/>
+          </p:nvPr>
+        </p:nvSpPr>
+        <p:spPr>
+          <a:xfrm>
+            <a:off x="685800" y="4400550"/>
+            <a:ext cx="5486400" cy="3600600"/>
+          </a:xfrm>
+          <a:prstGeom prst="rect">
+            <a:avLst/>
+          </a:prstGeom>
+          <a:noFill/>
+          <a:ln>
+            <a:noFill/>
+          </a:ln>
+        </p:spPr>
+        <p:txBody>
+          <a:bodyPr anchorCtr="0" anchor="t" bIns="45700" lIns="91425" spcFirstLastPara="1" rIns="91425" wrap="square" tIns="45700">
+            <a:noAutofit/>
+          </a:bodyPr>
+          <a:lstStyle/>
+          <a:p>
+            <a:pPr indent="0" lvl="0" marL="0" rtl="0" algn="l">
+              <a:lnSpc>
+                <a:spcPct val="100000"/>
+              </a:lnSpc>
+              <a:spcBef>
+                <a:spcPts val="0"/>
+              </a:spcBef>
+              <a:spcAft>
+                <a:spcPts val="0"/>
+              </a:spcAft>
+              <a:buSzPts val="1400"/>
+              <a:buNone/>
+            </a:pPr>
+            <a:r>
+              <a:t/>
+            </a:r>
+            <a:endParaRPr/>
+          </a:p>
+        </p:txBody>
+      </p:sp>
+      <p:sp>
+        <p:nvSpPr>
+          <p:cNvPr id="194" name="Google Shape;194;gc56d62285f_0_6:notes"/>
           <p:cNvSpPr/>
           <p:nvPr>
             <p:ph idx="2" type="sldImg"/>
@@ -2810,7 +2811,7 @@
       </p:grpSpPr>
       <p:sp>
         <p:nvSpPr>
-          <p:cNvPr id="200" name="Google Shape;200;gd2b4982aba_0_66:notes"/>
+          <p:cNvPr id="200" name="Google Shape;200;gc63a4fde34_0_30:notes"/>
           <p:cNvSpPr txBox="1"/>
           <p:nvPr>
             <p:ph idx="1" type="body"/>
@@ -2857,7 +2858,7 @@
       </p:sp>
       <p:sp>
         <p:nvSpPr>
-          <p:cNvPr id="201" name="Google Shape;201;gd2b4982aba_0_66:notes"/>
+          <p:cNvPr id="201" name="Google Shape;201;gc63a4fde34_0_30:notes"/>
           <p:cNvSpPr/>
           <p:nvPr>
             <p:ph idx="2" type="sldImg"/>
@@ -2927,7 +2928,7 @@
       </p:grpSpPr>
       <p:sp>
         <p:nvSpPr>
-          <p:cNvPr id="207" name="Google Shape;207;gd2b4982aba_0_85:notes"/>
+          <p:cNvPr id="207" name="Google Shape;207;gd2b4982aba_0_66:notes"/>
           <p:cNvSpPr txBox="1"/>
           <p:nvPr>
             <p:ph idx="1" type="body"/>
@@ -2974,7 +2975,7 @@
       </p:sp>
       <p:sp>
         <p:nvSpPr>
-          <p:cNvPr id="208" name="Google Shape;208;gd2b4982aba_0_85:notes"/>
+          <p:cNvPr id="208" name="Google Shape;208;gd2b4982aba_0_66:notes"/>
           <p:cNvSpPr/>
           <p:nvPr>
             <p:ph idx="2" type="sldImg"/>
@@ -3044,7 +3045,54 @@
       </p:grpSpPr>
       <p:sp>
         <p:nvSpPr>
-          <p:cNvPr id="214" name="Google Shape;214;gcce74347ab_0_29:notes"/>
+          <p:cNvPr id="214" name="Google Shape;214;gd2b4982aba_0_85:notes"/>
+          <p:cNvSpPr txBox="1"/>
+          <p:nvPr>
+            <p:ph idx="1" type="body"/>
+          </p:nvPr>
+        </p:nvSpPr>
+        <p:spPr>
+          <a:xfrm>
+            <a:off x="685800" y="4400550"/>
+            <a:ext cx="5486400" cy="3600600"/>
+          </a:xfrm>
+          <a:prstGeom prst="rect">
+            <a:avLst/>
+          </a:prstGeom>
+          <a:noFill/>
+          <a:ln>
+            <a:noFill/>
+          </a:ln>
+        </p:spPr>
+        <p:txBody>
+          <a:bodyPr anchorCtr="0" anchor="t" bIns="45700" lIns="91425" spcFirstLastPara="1" rIns="91425" wrap="square" tIns="45700">
+            <a:noAutofit/>
+          </a:bodyPr>
+          <a:lstStyle/>
+          <a:p>
+            <a:pPr indent="0" lvl="0" marL="0" rtl="0" algn="l">
+              <a:lnSpc>
+                <a:spcPct val="100000"/>
+              </a:lnSpc>
+              <a:spcBef>
+                <a:spcPts val="0"/>
+              </a:spcBef>
+              <a:spcAft>
+                <a:spcPts val="0"/>
+              </a:spcAft>
+              <a:buSzPts val="1400"/>
+              <a:buNone/>
+            </a:pPr>
+            <a:r>
+              <a:t/>
+            </a:r>
+            <a:endParaRPr/>
+          </a:p>
+        </p:txBody>
+      </p:sp>
+      <p:sp>
+        <p:nvSpPr>
+          <p:cNvPr id="215" name="Google Shape;215;gd2b4982aba_0_85:notes"/>
           <p:cNvSpPr/>
           <p:nvPr>
             <p:ph idx="2" type="sldImg"/>
@@ -3086,101 +3134,6 @@
             <a:tailEnd len="sm" w="sm" type="none"/>
           </a:ln>
         </p:spPr>
-      </p:sp>
-      <p:sp>
-        <p:nvSpPr>
-          <p:cNvPr id="215" name="Google Shape;215;gcce74347ab_0_29:notes"/>
-          <p:cNvSpPr txBox="1"/>
-          <p:nvPr>
-            <p:ph idx="1" type="body"/>
-          </p:nvPr>
-        </p:nvSpPr>
-        <p:spPr>
-          <a:xfrm>
-            <a:off x="685800" y="4400550"/>
-            <a:ext cx="5486400" cy="3600600"/>
-          </a:xfrm>
-          <a:prstGeom prst="rect">
-            <a:avLst/>
-          </a:prstGeom>
-          <a:noFill/>
-          <a:ln>
-            <a:noFill/>
-          </a:ln>
-        </p:spPr>
-        <p:txBody>
-          <a:bodyPr anchorCtr="0" anchor="t" bIns="45700" lIns="91425" spcFirstLastPara="1" rIns="91425" wrap="square" tIns="45700">
-            <a:noAutofit/>
-          </a:bodyPr>
-          <a:lstStyle/>
-          <a:p>
-            <a:pPr indent="0" lvl="0" marL="0" rtl="0" algn="l">
-              <a:lnSpc>
-                <a:spcPct val="100000"/>
-              </a:lnSpc>
-              <a:spcBef>
-                <a:spcPts val="0"/>
-              </a:spcBef>
-              <a:spcAft>
-                <a:spcPts val="0"/>
-              </a:spcAft>
-              <a:buSzPts val="1400"/>
-              <a:buNone/>
-            </a:pPr>
-            <a:r>
-              <a:t/>
-            </a:r>
-            <a:endParaRPr/>
-          </a:p>
-        </p:txBody>
-      </p:sp>
-      <p:sp>
-        <p:nvSpPr>
-          <p:cNvPr id="216" name="Google Shape;216;gcce74347ab_0_29:notes"/>
-          <p:cNvSpPr txBox="1"/>
-          <p:nvPr>
-            <p:ph idx="12" type="sldNum"/>
-          </p:nvPr>
-        </p:nvSpPr>
-        <p:spPr>
-          <a:xfrm>
-            <a:off x="3884613" y="8685213"/>
-            <a:ext cx="2971800" cy="458700"/>
-          </a:xfrm>
-          <a:prstGeom prst="rect">
-            <a:avLst/>
-          </a:prstGeom>
-          <a:noFill/>
-          <a:ln>
-            <a:noFill/>
-          </a:ln>
-        </p:spPr>
-        <p:txBody>
-          <a:bodyPr anchorCtr="0" anchor="b" bIns="45700" lIns="91425" spcFirstLastPara="1" rIns="91425" wrap="square" tIns="45700">
-            <a:noAutofit/>
-          </a:bodyPr>
-          <a:lstStyle/>
-          <a:p>
-            <a:pPr indent="0" lvl="0" marL="0" rtl="0" algn="r">
-              <a:lnSpc>
-                <a:spcPct val="100000"/>
-              </a:lnSpc>
-              <a:spcBef>
-                <a:spcPts val="0"/>
-              </a:spcBef>
-              <a:spcAft>
-                <a:spcPts val="0"/>
-              </a:spcAft>
-              <a:buSzPts val="1400"/>
-              <a:buNone/>
-            </a:pPr>
-            <a:fld id="{00000000-1234-1234-1234-123412341234}" type="slidenum">
-              <a:rPr lang="pt-BR"/>
-              <a:t>‹#›</a:t>
-            </a:fld>
-            <a:endParaRPr/>
-          </a:p>
-        </p:txBody>
       </p:sp>
     </p:spTree>
   </p:cSld>
@@ -3312,7 +3265,7 @@
   <p:cSld>
     <p:spTree>
       <p:nvGrpSpPr>
-        <p:cNvPr id="221" name="Shape 221"/>
+        <p:cNvPr id="220" name="Shape 220"/>
         <p:cNvGrpSpPr/>
         <p:nvPr/>
       </p:nvGrpSpPr>
@@ -3326,54 +3279,7 @@
       </p:grpSpPr>
       <p:sp>
         <p:nvSpPr>
-          <p:cNvPr id="222" name="Google Shape;222;gd2b4982aba_0_115:notes"/>
-          <p:cNvSpPr txBox="1"/>
-          <p:nvPr>
-            <p:ph idx="1" type="body"/>
-          </p:nvPr>
-        </p:nvSpPr>
-        <p:spPr>
-          <a:xfrm>
-            <a:off x="685800" y="4400550"/>
-            <a:ext cx="5486400" cy="3600600"/>
-          </a:xfrm>
-          <a:prstGeom prst="rect">
-            <a:avLst/>
-          </a:prstGeom>
-          <a:noFill/>
-          <a:ln>
-            <a:noFill/>
-          </a:ln>
-        </p:spPr>
-        <p:txBody>
-          <a:bodyPr anchorCtr="0" anchor="t" bIns="45700" lIns="91425" spcFirstLastPara="1" rIns="91425" wrap="square" tIns="45700">
-            <a:noAutofit/>
-          </a:bodyPr>
-          <a:lstStyle/>
-          <a:p>
-            <a:pPr indent="0" lvl="0" marL="0" rtl="0" algn="l">
-              <a:lnSpc>
-                <a:spcPct val="100000"/>
-              </a:lnSpc>
-              <a:spcBef>
-                <a:spcPts val="0"/>
-              </a:spcBef>
-              <a:spcAft>
-                <a:spcPts val="0"/>
-              </a:spcAft>
-              <a:buSzPts val="1400"/>
-              <a:buNone/>
-            </a:pPr>
-            <a:r>
-              <a:t/>
-            </a:r>
-            <a:endParaRPr/>
-          </a:p>
-        </p:txBody>
-      </p:sp>
-      <p:sp>
-        <p:nvSpPr>
-          <p:cNvPr id="223" name="Google Shape;223;gd2b4982aba_0_115:notes"/>
+          <p:cNvPr id="221" name="Google Shape;221;gcce74347ab_0_29:notes"/>
           <p:cNvSpPr/>
           <p:nvPr>
             <p:ph idx="2" type="sldImg"/>
@@ -3416,6 +3322,101 @@
           </a:ln>
         </p:spPr>
       </p:sp>
+      <p:sp>
+        <p:nvSpPr>
+          <p:cNvPr id="222" name="Google Shape;222;gcce74347ab_0_29:notes"/>
+          <p:cNvSpPr txBox="1"/>
+          <p:nvPr>
+            <p:ph idx="1" type="body"/>
+          </p:nvPr>
+        </p:nvSpPr>
+        <p:spPr>
+          <a:xfrm>
+            <a:off x="685800" y="4400550"/>
+            <a:ext cx="5486400" cy="3600600"/>
+          </a:xfrm>
+          <a:prstGeom prst="rect">
+            <a:avLst/>
+          </a:prstGeom>
+          <a:noFill/>
+          <a:ln>
+            <a:noFill/>
+          </a:ln>
+        </p:spPr>
+        <p:txBody>
+          <a:bodyPr anchorCtr="0" anchor="t" bIns="45700" lIns="91425" spcFirstLastPara="1" rIns="91425" wrap="square" tIns="45700">
+            <a:noAutofit/>
+          </a:bodyPr>
+          <a:lstStyle/>
+          <a:p>
+            <a:pPr indent="0" lvl="0" marL="0" rtl="0" algn="l">
+              <a:lnSpc>
+                <a:spcPct val="100000"/>
+              </a:lnSpc>
+              <a:spcBef>
+                <a:spcPts val="0"/>
+              </a:spcBef>
+              <a:spcAft>
+                <a:spcPts val="0"/>
+              </a:spcAft>
+              <a:buSzPts val="1400"/>
+              <a:buNone/>
+            </a:pPr>
+            <a:r>
+              <a:t/>
+            </a:r>
+            <a:endParaRPr/>
+          </a:p>
+        </p:txBody>
+      </p:sp>
+      <p:sp>
+        <p:nvSpPr>
+          <p:cNvPr id="223" name="Google Shape;223;gcce74347ab_0_29:notes"/>
+          <p:cNvSpPr txBox="1"/>
+          <p:nvPr>
+            <p:ph idx="12" type="sldNum"/>
+          </p:nvPr>
+        </p:nvSpPr>
+        <p:spPr>
+          <a:xfrm>
+            <a:off x="3884613" y="8685213"/>
+            <a:ext cx="2971800" cy="458700"/>
+          </a:xfrm>
+          <a:prstGeom prst="rect">
+            <a:avLst/>
+          </a:prstGeom>
+          <a:noFill/>
+          <a:ln>
+            <a:noFill/>
+          </a:ln>
+        </p:spPr>
+        <p:txBody>
+          <a:bodyPr anchorCtr="0" anchor="b" bIns="45700" lIns="91425" spcFirstLastPara="1" rIns="91425" wrap="square" tIns="45700">
+            <a:noAutofit/>
+          </a:bodyPr>
+          <a:lstStyle/>
+          <a:p>
+            <a:pPr indent="0" lvl="0" marL="0" rtl="0" algn="r">
+              <a:lnSpc>
+                <a:spcPct val="100000"/>
+              </a:lnSpc>
+              <a:spcBef>
+                <a:spcPts val="0"/>
+              </a:spcBef>
+              <a:spcAft>
+                <a:spcPts val="0"/>
+              </a:spcAft>
+              <a:buSzPts val="1400"/>
+              <a:buNone/>
+            </a:pPr>
+            <a:fld id="{00000000-1234-1234-1234-123412341234}" type="slidenum">
+              <a:rPr lang="pt-BR"/>
+              <a:t>‹#›</a:t>
+            </a:fld>
+            <a:endParaRPr/>
+          </a:p>
+        </p:txBody>
+      </p:sp>
     </p:spTree>
   </p:cSld>
   <p:clrMapOvr>
@@ -3443,7 +3444,7 @@
       </p:grpSpPr>
       <p:sp>
         <p:nvSpPr>
-          <p:cNvPr id="229" name="Google Shape;229;gd2b4982aba_0_109:notes"/>
+          <p:cNvPr id="229" name="Google Shape;229;gd2b4982aba_0_115:notes"/>
           <p:cNvSpPr txBox="1"/>
           <p:nvPr>
             <p:ph idx="1" type="body"/>
@@ -3490,7 +3491,7 @@
       </p:sp>
       <p:sp>
         <p:nvSpPr>
-          <p:cNvPr id="230" name="Google Shape;230;gd2b4982aba_0_109:notes"/>
+          <p:cNvPr id="230" name="Google Shape;230;gd2b4982aba_0_115:notes"/>
           <p:cNvSpPr/>
           <p:nvPr>
             <p:ph idx="2" type="sldImg"/>
@@ -3560,7 +3561,124 @@
       </p:grpSpPr>
       <p:sp>
         <p:nvSpPr>
-          <p:cNvPr id="236" name="Google Shape;236;gcce74347ab_0_17:notes"/>
+          <p:cNvPr id="236" name="Google Shape;236;gd2b4982aba_0_109:notes"/>
+          <p:cNvSpPr txBox="1"/>
+          <p:nvPr>
+            <p:ph idx="1" type="body"/>
+          </p:nvPr>
+        </p:nvSpPr>
+        <p:spPr>
+          <a:xfrm>
+            <a:off x="685800" y="4400550"/>
+            <a:ext cx="5486400" cy="3600600"/>
+          </a:xfrm>
+          <a:prstGeom prst="rect">
+            <a:avLst/>
+          </a:prstGeom>
+          <a:noFill/>
+          <a:ln>
+            <a:noFill/>
+          </a:ln>
+        </p:spPr>
+        <p:txBody>
+          <a:bodyPr anchorCtr="0" anchor="t" bIns="45700" lIns="91425" spcFirstLastPara="1" rIns="91425" wrap="square" tIns="45700">
+            <a:noAutofit/>
+          </a:bodyPr>
+          <a:lstStyle/>
+          <a:p>
+            <a:pPr indent="0" lvl="0" marL="0" rtl="0" algn="l">
+              <a:lnSpc>
+                <a:spcPct val="100000"/>
+              </a:lnSpc>
+              <a:spcBef>
+                <a:spcPts val="0"/>
+              </a:spcBef>
+              <a:spcAft>
+                <a:spcPts val="0"/>
+              </a:spcAft>
+              <a:buSzPts val="1400"/>
+              <a:buNone/>
+            </a:pPr>
+            <a:r>
+              <a:t/>
+            </a:r>
+            <a:endParaRPr/>
+          </a:p>
+        </p:txBody>
+      </p:sp>
+      <p:sp>
+        <p:nvSpPr>
+          <p:cNvPr id="237" name="Google Shape;237;gd2b4982aba_0_109:notes"/>
+          <p:cNvSpPr/>
+          <p:nvPr>
+            <p:ph idx="2" type="sldImg"/>
+          </p:nvPr>
+        </p:nvSpPr>
+        <p:spPr>
+          <a:xfrm>
+            <a:off x="685800" y="1143000"/>
+            <a:ext cx="5486400" cy="3086100"/>
+          </a:xfrm>
+          <a:custGeom>
+            <a:rect b="b" l="l" r="r" t="t"/>
+            <a:pathLst>
+              <a:path extrusionOk="0" h="120000" w="120000">
+                <a:moveTo>
+                  <a:pt x="0" y="0"/>
+                </a:moveTo>
+                <a:lnTo>
+                  <a:pt x="120000" y="0"/>
+                </a:lnTo>
+                <a:lnTo>
+                  <a:pt x="120000" y="120000"/>
+                </a:lnTo>
+                <a:lnTo>
+                  <a:pt x="0" y="120000"/>
+                </a:lnTo>
+                <a:close/>
+              </a:path>
+            </a:pathLst>
+          </a:custGeom>
+          <a:noFill/>
+          <a:ln cap="flat" cmpd="sng" w="12700">
+            <a:solidFill>
+              <a:srgbClr val="000000"/>
+            </a:solidFill>
+            <a:prstDash val="solid"/>
+            <a:round/>
+            <a:headEnd len="sm" w="sm" type="none"/>
+            <a:tailEnd len="sm" w="sm" type="none"/>
+          </a:ln>
+        </p:spPr>
+      </p:sp>
+    </p:spTree>
+  </p:cSld>
+  <p:clrMapOvr>
+    <a:masterClrMapping/>
+  </p:clrMapOvr>
+</p:notes>
+</file>
+
+<file path=ppt/notesSlides/notesSlide23.xml><?xml version="1.0" encoding="utf-8"?>
+<p:notes xmlns:a="http://schemas.openxmlformats.org/drawingml/2006/main" xmlns:r="http://schemas.openxmlformats.org/officeDocument/2006/relationships" xmlns:mc="http://schemas.openxmlformats.org/markup-compatibility/2006" xmlns:mv="urn:schemas-microsoft-com:mac:vml" xmlns:p="http://schemas.openxmlformats.org/presentationml/2006/main" xmlns:c="http://schemas.openxmlformats.org/drawingml/2006/chart" xmlns:dgm="http://schemas.openxmlformats.org/drawingml/2006/diagram" xmlns:o="urn:schemas-microsoft-com:office:office" xmlns:v="urn:schemas-microsoft-com:vml" xmlns:pvml="urn:schemas-microsoft-com:office:powerpoint" xmlns:com="http://schemas.openxmlformats.org/drawingml/2006/compatibility" xmlns:p14="http://schemas.microsoft.com/office/powerpoint/2010/main" xmlns:p15="http://schemas.microsoft.com/office/powerpoint/2012/main" xmlns:ahyp="http://schemas.microsoft.com/office/drawing/2018/hyperlinkcolor" showMasterPhAnim="0" showMasterSp="0">
+  <p:cSld>
+    <p:spTree>
+      <p:nvGrpSpPr>
+        <p:cNvPr id="242" name="Shape 242"/>
+        <p:cNvGrpSpPr/>
+        <p:nvPr/>
+      </p:nvGrpSpPr>
+      <p:grpSpPr>
+        <a:xfrm>
+          <a:off x="0" y="0"/>
+          <a:ext cx="0" cy="0"/>
+          <a:chOff x="0" y="0"/>
+          <a:chExt cx="0" cy="0"/>
+        </a:xfrm>
+      </p:grpSpPr>
+      <p:sp>
+        <p:nvSpPr>
+          <p:cNvPr id="243" name="Google Shape;243;gcce74347ab_0_17:notes"/>
           <p:cNvSpPr/>
           <p:nvPr>
             <p:ph idx="2" type="sldImg"/>
@@ -3605,7 +3723,7 @@
       </p:sp>
       <p:sp>
         <p:nvSpPr>
-          <p:cNvPr id="237" name="Google Shape;237;gcce74347ab_0_17:notes"/>
+          <p:cNvPr id="244" name="Google Shape;244;gcce74347ab_0_17:notes"/>
           <p:cNvSpPr txBox="1"/>
           <p:nvPr>
             <p:ph idx="1" type="body"/>
@@ -3652,7 +3770,7 @@
       </p:sp>
       <p:sp>
         <p:nvSpPr>
-          <p:cNvPr id="238" name="Google Shape;238;gcce74347ab_0_17:notes"/>
+          <p:cNvPr id="245" name="Google Shape;245;gcce74347ab_0_17:notes"/>
           <p:cNvSpPr txBox="1"/>
           <p:nvPr>
             <p:ph idx="12" type="sldNum"/>
@@ -3706,12 +3824,12 @@
 </p:notes>
 </file>
 
-<file path=ppt/notesSlides/notesSlide23.xml><?xml version="1.0" encoding="utf-8"?>
+<file path=ppt/notesSlides/notesSlide24.xml><?xml version="1.0" encoding="utf-8"?>
 <p:notes xmlns:a="http://schemas.openxmlformats.org/drawingml/2006/main" xmlns:r="http://schemas.openxmlformats.org/officeDocument/2006/relationships" xmlns:mc="http://schemas.openxmlformats.org/markup-compatibility/2006" xmlns:mv="urn:schemas-microsoft-com:mac:vml" xmlns:p="http://schemas.openxmlformats.org/presentationml/2006/main" xmlns:c="http://schemas.openxmlformats.org/drawingml/2006/chart" xmlns:dgm="http://schemas.openxmlformats.org/drawingml/2006/diagram" xmlns:o="urn:schemas-microsoft-com:office:office" xmlns:v="urn:schemas-microsoft-com:vml" xmlns:pvml="urn:schemas-microsoft-com:office:powerpoint" xmlns:com="http://schemas.openxmlformats.org/drawingml/2006/compatibility" xmlns:p14="http://schemas.microsoft.com/office/powerpoint/2010/main" xmlns:p15="http://schemas.microsoft.com/office/powerpoint/2012/main" xmlns:ahyp="http://schemas.microsoft.com/office/drawing/2018/hyperlinkcolor" showMasterPhAnim="0" showMasterSp="0">
   <p:cSld>
     <p:spTree>
       <p:nvGrpSpPr>
-        <p:cNvPr id="243" name="Shape 243"/>
+        <p:cNvPr id="250" name="Shape 250"/>
         <p:cNvGrpSpPr/>
         <p:nvPr/>
       </p:nvGrpSpPr>
@@ -3725,7 +3843,7 @@
       </p:grpSpPr>
       <p:sp>
         <p:nvSpPr>
-          <p:cNvPr id="244" name="Google Shape;244;gc63a4fde34_0_36:notes"/>
+          <p:cNvPr id="251" name="Google Shape;251;gc63a4fde34_0_36:notes"/>
           <p:cNvSpPr/>
           <p:nvPr>
             <p:ph idx="2" type="sldImg"/>
@@ -3770,7 +3888,7 @@
       </p:sp>
       <p:sp>
         <p:nvSpPr>
-          <p:cNvPr id="245" name="Google Shape;245;gc63a4fde34_0_36:notes"/>
+          <p:cNvPr id="252" name="Google Shape;252;gc63a4fde34_0_36:notes"/>
           <p:cNvSpPr txBox="1"/>
           <p:nvPr>
             <p:ph idx="1" type="body"/>
@@ -3817,7 +3935,7 @@
       </p:sp>
       <p:sp>
         <p:nvSpPr>
-          <p:cNvPr id="246" name="Google Shape;246;gc63a4fde34_0_36:notes"/>
+          <p:cNvPr id="253" name="Google Shape;253;gc63a4fde34_0_36:notes"/>
           <p:cNvSpPr txBox="1"/>
           <p:nvPr>
             <p:ph idx="12" type="sldNum"/>
@@ -4358,7 +4476,7 @@
       </p:grpSpPr>
       <p:sp>
         <p:nvSpPr>
-          <p:cNvPr id="127" name="Google Shape;127;gc56d62285f_0_0:notes"/>
+          <p:cNvPr id="127" name="Google Shape;127;gdd036a438b_0_0:notes"/>
           <p:cNvSpPr txBox="1"/>
           <p:nvPr>
             <p:ph idx="1" type="body"/>
@@ -4405,7 +4523,7 @@
       </p:sp>
       <p:sp>
         <p:nvSpPr>
-          <p:cNvPr id="128" name="Google Shape;128;gc56d62285f_0_0:notes"/>
+          <p:cNvPr id="128" name="Google Shape;128;gdd036a438b_0_0:notes"/>
           <p:cNvSpPr/>
           <p:nvPr>
             <p:ph idx="2" type="sldImg"/>
@@ -4475,7 +4593,7 @@
       </p:grpSpPr>
       <p:sp>
         <p:nvSpPr>
-          <p:cNvPr id="134" name="Google Shape;134;gc925418432_0_12:notes"/>
+          <p:cNvPr id="134" name="Google Shape;134;gc56d62285f_0_0:notes"/>
           <p:cNvSpPr txBox="1"/>
           <p:nvPr>
             <p:ph idx="1" type="body"/>
@@ -4522,7 +4640,7 @@
       </p:sp>
       <p:sp>
         <p:nvSpPr>
-          <p:cNvPr id="135" name="Google Shape;135;gc925418432_0_12:notes"/>
+          <p:cNvPr id="135" name="Google Shape;135;gc56d62285f_0_0:notes"/>
           <p:cNvSpPr/>
           <p:nvPr>
             <p:ph idx="2" type="sldImg"/>
@@ -4592,7 +4710,7 @@
       </p:grpSpPr>
       <p:sp>
         <p:nvSpPr>
-          <p:cNvPr id="141" name="Google Shape;141;gce01f6a808_0_0:notes"/>
+          <p:cNvPr id="141" name="Google Shape;141;gc925418432_0_12:notes"/>
           <p:cNvSpPr txBox="1"/>
           <p:nvPr>
             <p:ph idx="1" type="body"/>
@@ -4639,7 +4757,7 @@
       </p:sp>
       <p:sp>
         <p:nvSpPr>
-          <p:cNvPr id="142" name="Google Shape;142;gce01f6a808_0_0:notes"/>
+          <p:cNvPr id="142" name="Google Shape;142;gc925418432_0_12:notes"/>
           <p:cNvSpPr/>
           <p:nvPr>
             <p:ph idx="2" type="sldImg"/>
@@ -18009,7 +18127,7 @@
       </p:grpSpPr>
       <p:sp>
         <p:nvSpPr>
-          <p:cNvPr id="88" name="Google Shape;88;gc552846479_0_0"/>
+          <p:cNvPr id="88" name="Google Shape;88;gdd460f266a_0_1"/>
           <p:cNvSpPr txBox="1"/>
           <p:nvPr>
             <p:ph type="title"/>
@@ -18069,7 +18187,7 @@
       </p:sp>
       <p:sp>
         <p:nvSpPr>
-          <p:cNvPr id="89" name="Google Shape;89;gc552846479_0_0"/>
+          <p:cNvPr id="89" name="Google Shape;89;gdd460f266a_0_1"/>
           <p:cNvSpPr txBox="1"/>
           <p:nvPr>
             <p:ph idx="1" type="body"/>
@@ -18083,9 +18201,17 @@
           <a:prstGeom prst="rect">
             <a:avLst/>
           </a:prstGeom>
-          <a:noFill/>
-          <a:ln>
-            <a:noFill/>
+          <a:solidFill>
+            <a:schemeClr val="lt1"/>
+          </a:solidFill>
+          <a:ln cap="flat" cmpd="sng" w="9525">
+            <a:solidFill>
+              <a:schemeClr val="lt1"/>
+            </a:solidFill>
+            <a:prstDash val="solid"/>
+            <a:round/>
+            <a:headEnd len="sm" w="sm" type="none"/>
+            <a:tailEnd len="sm" w="sm" type="none"/>
           </a:ln>
         </p:spPr>
         <p:txBody>
@@ -18094,7 +18220,7 @@
           </a:bodyPr>
           <a:lstStyle/>
           <a:p>
-            <a:pPr indent="0" lvl="0" marL="0" rtl="0" algn="just">
+            <a:pPr indent="0" lvl="0" marL="0" rtl="0" algn="l">
               <a:lnSpc>
                 <a:spcPct val="70000"/>
               </a:lnSpc>
@@ -18133,7 +18259,7 @@
             </a:endParaRPr>
           </a:p>
           <a:p>
-            <a:pPr indent="0" lvl="0" marL="0" rtl="0" algn="just">
+            <a:pPr indent="0" lvl="0" marL="0" rtl="0" algn="l">
               <a:lnSpc>
                 <a:spcPct val="70000"/>
               </a:lnSpc>
@@ -18176,7 +18302,7 @@
             </a:endParaRPr>
           </a:p>
           <a:p>
-            <a:pPr indent="0" lvl="0" marL="0" rtl="0" algn="just">
+            <a:pPr indent="0" lvl="0" marL="0" rtl="0" algn="l">
               <a:lnSpc>
                 <a:spcPct val="70000"/>
               </a:lnSpc>
@@ -18215,7 +18341,7 @@
             </a:endParaRPr>
           </a:p>
           <a:p>
-            <a:pPr indent="0" lvl="0" marL="0" rtl="0" algn="just">
+            <a:pPr indent="0" lvl="0" marL="0" rtl="0" algn="l">
               <a:lnSpc>
                 <a:spcPct val="70000"/>
               </a:lnSpc>
@@ -18254,17 +18380,43 @@
             </a:endParaRPr>
           </a:p>
           <a:p>
-            <a:pPr indent="-355600" lvl="0" marL="457200" rtl="0" algn="just">
+            <a:pPr indent="0" lvl="0" marL="0" rtl="0" algn="ctr">
               <a:lnSpc>
                 <a:spcPct val="70000"/>
               </a:lnSpc>
               <a:spcBef>
+                <a:spcPts val="0"/>
+              </a:spcBef>
+              <a:spcAft>
+                <a:spcPts val="0"/>
+              </a:spcAft>
+              <a:buClr>
+                <a:schemeClr val="dk1"/>
+              </a:buClr>
+              <a:buSzPts val="700"/>
+              <a:buNone/>
+            </a:pPr>
+            <a:r>
+              <a:t/>
+            </a:r>
+            <a:endParaRPr sz="2000">
+              <a:highlight>
+                <a:schemeClr val="lt1"/>
+              </a:highlight>
+            </a:endParaRPr>
+          </a:p>
+          <a:p>
+            <a:pPr indent="-292100" lvl="0" marL="457200" rtl="0" algn="l">
+              <a:lnSpc>
+                <a:spcPct val="70000"/>
+              </a:lnSpc>
+              <a:spcBef>
                 <a:spcPts val="1000"/>
               </a:spcBef>
               <a:spcAft>
                 <a:spcPts val="0"/>
               </a:spcAft>
-              <a:buSzPts val="2000"/>
+              <a:buSzPts val="1000"/>
               <a:buChar char="●"/>
             </a:pPr>
             <a:r>
@@ -18274,7 +18426,7 @@
             <a:endParaRPr sz="2000"/>
           </a:p>
           <a:p>
-            <a:pPr indent="-355600" lvl="1" marL="914400" rtl="0" algn="just">
+            <a:pPr indent="-311150" lvl="1" marL="914400" rtl="0" algn="l">
               <a:lnSpc>
                 <a:spcPct val="70000"/>
               </a:lnSpc>
@@ -18284,7 +18436,7 @@
               <a:spcAft>
                 <a:spcPts val="0"/>
               </a:spcAft>
-              <a:buSzPts val="2000"/>
+              <a:buSzPts val="1300"/>
               <a:buChar char="○"/>
             </a:pPr>
             <a:r>
@@ -18294,7 +18446,7 @@
             <a:endParaRPr sz="2000"/>
           </a:p>
           <a:p>
-            <a:pPr indent="-355600" lvl="0" marL="457200" rtl="0" algn="just">
+            <a:pPr indent="-292100" lvl="0" marL="457200" rtl="0" algn="l">
               <a:lnSpc>
                 <a:spcPct val="70000"/>
               </a:lnSpc>
@@ -18304,17 +18456,49 @@
               <a:spcAft>
                 <a:spcPts val="0"/>
               </a:spcAft>
-              <a:buSzPts val="2000"/>
+              <a:buSzPts val="1000"/>
               <a:buChar char="●"/>
             </a:pPr>
             <a:r>
-              <a:rPr lang="pt-BR" sz="2000"/>
-              <a:t>Solicita os dados de cadastro do cliente.</a:t>
+              <a:rPr lang="pt-BR" sz="2000">
+                <a:highlight>
+                  <a:schemeClr val="lt1"/>
+                </a:highlight>
+              </a:rPr>
+              <a:t>Solicita os dados de cadastro do cliente. </a:t>
+            </a:r>
+            <a:endParaRPr sz="2000">
+              <a:highlight>
+                <a:schemeClr val="lt1"/>
+              </a:highlight>
+            </a:endParaRPr>
+          </a:p>
+          <a:p>
+            <a:pPr indent="-292100" lvl="0" marL="457200" rtl="0" algn="l">
+              <a:lnSpc>
+                <a:spcPct val="70000"/>
+              </a:lnSpc>
+              <a:spcBef>
+                <a:spcPts val="0"/>
+              </a:spcBef>
+              <a:spcAft>
+                <a:spcPts val="0"/>
+              </a:spcAft>
+              <a:buSzPts val="1000"/>
+              <a:buChar char="●"/>
+            </a:pPr>
+            <a:r>
+              <a:rPr lang="pt-BR" sz="2000">
+                <a:highlight>
+                  <a:schemeClr val="lt1"/>
+                </a:highlight>
+              </a:rPr>
+              <a:t>Guarda o pedido em pedido.</a:t>
             </a:r>
             <a:endParaRPr sz="2000"/>
           </a:p>
           <a:p>
-            <a:pPr indent="-355600" lvl="1" marL="914400" rtl="0" algn="just">
+            <a:pPr indent="-292100" lvl="0" marL="457200" rtl="0" algn="l">
               <a:lnSpc>
                 <a:spcPct val="70000"/>
               </a:lnSpc>
@@ -18324,27 +18508,7 @@
               <a:spcAft>
                 <a:spcPts val="0"/>
               </a:spcAft>
-              <a:buSzPts val="2000"/>
-              <a:buChar char="○"/>
-            </a:pPr>
-            <a:r>
-              <a:rPr lang="pt-BR" sz="2000"/>
-              <a:t>Se as informações do cliente não existirem, então elas são guardadas em Cliente, caso contrário atualiza as informações se necessário.</a:t>
-            </a:r>
-            <a:endParaRPr sz="2000"/>
-          </a:p>
-          <a:p>
-            <a:pPr indent="-355600" lvl="0" marL="457200" rtl="0" algn="just">
-              <a:lnSpc>
-                <a:spcPct val="70000"/>
-              </a:lnSpc>
-              <a:spcBef>
-                <a:spcPts val="0"/>
-              </a:spcBef>
-              <a:spcAft>
-                <a:spcPts val="0"/>
-              </a:spcAft>
-              <a:buSzPts val="2000"/>
+              <a:buSzPts val="1000"/>
               <a:buChar char="●"/>
             </a:pPr>
             <a:r>
@@ -18357,7 +18521,7 @@
       </p:sp>
       <p:pic>
         <p:nvPicPr>
-          <p:cNvPr id="90" name="Google Shape;90;gc552846479_0_0"/>
+          <p:cNvPr id="90" name="Google Shape;90;gdd460f266a_0_1"/>
           <p:cNvPicPr preferRelativeResize="0"/>
           <p:nvPr/>
         </p:nvPicPr>
@@ -18372,7 +18536,7 @@
         <p:spPr>
           <a:xfrm>
             <a:off x="304800" y="1690825"/>
-            <a:ext cx="7022876" cy="4096212"/>
+            <a:ext cx="7022876" cy="4145763"/>
           </a:xfrm>
           <a:prstGeom prst="rect">
             <a:avLst/>
@@ -18410,7 +18574,7 @@
       </p:grpSpPr>
       <p:sp>
         <p:nvSpPr>
-          <p:cNvPr id="151" name="Google Shape;151;gc925418432_0_18"/>
+          <p:cNvPr id="151" name="Google Shape;151;gce01f6a808_0_0"/>
           <p:cNvSpPr txBox="1"/>
           <p:nvPr>
             <p:ph type="title"/>
@@ -18486,7 +18650,7 @@
       </p:sp>
       <p:sp>
         <p:nvSpPr>
-          <p:cNvPr id="152" name="Google Shape;152;gc925418432_0_18"/>
+          <p:cNvPr id="152" name="Google Shape;152;gce01f6a808_0_0"/>
           <p:cNvSpPr txBox="1"/>
           <p:nvPr>
             <p:ph idx="1" type="body"/>
@@ -18494,8 +18658,8 @@
         </p:nvSpPr>
         <p:spPr>
           <a:xfrm>
-            <a:off x="7346650" y="1686300"/>
-            <a:ext cx="4334100" cy="4428900"/>
+            <a:off x="7346925" y="1690825"/>
+            <a:ext cx="4334100" cy="3681300"/>
           </a:xfrm>
           <a:prstGeom prst="rect">
             <a:avLst/>
@@ -18541,7 +18705,7 @@
                   <a:schemeClr val="lt1"/>
                 </a:highlight>
               </a:rPr>
-              <a:t>: Informar status do chamado</a:t>
+              <a:t>: Realizar Manutenção</a:t>
             </a:r>
             <a:endParaRPr sz="2000">
               <a:highlight>
@@ -18580,7 +18744,7 @@
                   <a:schemeClr val="lt1"/>
                 </a:highlight>
               </a:rPr>
-              <a:t>: Atendente informa status do chamado.</a:t>
+              <a:t>: Cliente envia confirmação da manutenção e o produto</a:t>
             </a:r>
             <a:endParaRPr sz="2000">
               <a:highlight>
@@ -18611,7 +18775,7 @@
                   <a:schemeClr val="lt1"/>
                 </a:highlight>
               </a:rPr>
-              <a:t>Objetivo: </a:t>
+              <a:t>Objetivo:</a:t>
             </a:r>
             <a:r>
               <a:rPr lang="pt-BR" sz="2000">
@@ -18619,7 +18783,15 @@
                   <a:schemeClr val="lt1"/>
                 </a:highlight>
               </a:rPr>
-              <a:t>Informar ao cliente o status do chamado.</a:t>
+              <a:t> </a:t>
+            </a:r>
+            <a:r>
+              <a:rPr lang="pt-BR" sz="2000">
+                <a:highlight>
+                  <a:schemeClr val="lt1"/>
+                </a:highlight>
+              </a:rPr>
+              <a:t>Realizar a manutenção no produto.</a:t>
             </a:r>
             <a:endParaRPr sz="2000">
               <a:highlight>
@@ -18658,7 +18830,71 @@
                   <a:schemeClr val="lt1"/>
                 </a:highlight>
               </a:rPr>
-              <a:t>: Atendente</a:t>
+              <a:t>: Técnico</a:t>
+            </a:r>
+            <a:endParaRPr sz="2000">
+              <a:highlight>
+                <a:schemeClr val="lt1"/>
+              </a:highlight>
+            </a:endParaRPr>
+          </a:p>
+          <a:p>
+            <a:pPr indent="-355600" lvl="0" marL="457200" rtl="0" algn="l">
+              <a:lnSpc>
+                <a:spcPct val="80000"/>
+              </a:lnSpc>
+              <a:spcBef>
+                <a:spcPts val="0"/>
+              </a:spcBef>
+              <a:spcAft>
+                <a:spcPts val="0"/>
+              </a:spcAft>
+              <a:buSzPts val="2000"/>
+              <a:buChar char="•"/>
+            </a:pPr>
+            <a:r>
+              <a:rPr lang="pt-BR" sz="2000">
+                <a:highlight>
+                  <a:schemeClr val="lt1"/>
+                </a:highlight>
+              </a:rPr>
+              <a:t>Guarda </a:t>
+            </a:r>
+            <a:r>
+              <a:rPr lang="pt-BR" sz="2000">
+                <a:highlight>
+                  <a:schemeClr val="lt1"/>
+                </a:highlight>
+              </a:rPr>
+              <a:t>o produto do cliente em produto de manutenção.</a:t>
+            </a:r>
+            <a:endParaRPr sz="2000">
+              <a:highlight>
+                <a:schemeClr val="lt1"/>
+              </a:highlight>
+            </a:endParaRPr>
+          </a:p>
+          <a:p>
+            <a:pPr indent="-355600" lvl="0" marL="457200" rtl="0" algn="l">
+              <a:lnSpc>
+                <a:spcPct val="80000"/>
+              </a:lnSpc>
+              <a:spcBef>
+                <a:spcPts val="0"/>
+              </a:spcBef>
+              <a:spcAft>
+                <a:spcPts val="0"/>
+              </a:spcAft>
+              <a:buSzPts val="2000"/>
+              <a:buChar char="•"/>
+            </a:pPr>
+            <a:r>
+              <a:rPr lang="pt-BR" sz="2000">
+                <a:highlight>
+                  <a:schemeClr val="lt1"/>
+                </a:highlight>
+              </a:rPr>
+              <a:t>Inicia a manutenção e guarda o status da manutenção “iniciada”.</a:t>
             </a:r>
             <a:endParaRPr sz="2000">
               <a:highlight>
@@ -18672,72 +18908,18 @@
                 <a:spcPct val="80000"/>
               </a:lnSpc>
               <a:spcBef>
-                <a:spcPts val="0"/>
-              </a:spcBef>
-              <a:spcAft>
-                <a:spcPts val="0"/>
-              </a:spcAft>
-              <a:buClr>
-                <a:schemeClr val="dk1"/>
-              </a:buClr>
-              <a:buSzPts val="2800"/>
+                <a:spcPts val="1000"/>
+              </a:spcBef>
+              <a:spcAft>
+                <a:spcPts val="0"/>
+              </a:spcAft>
+              <a:buSzPts val="1800"/>
               <a:buNone/>
             </a:pPr>
             <a:r>
               <a:t/>
             </a:r>
-            <a:endParaRPr sz="2000">
-              <a:highlight>
-                <a:schemeClr val="lt1"/>
-              </a:highlight>
-            </a:endParaRPr>
-          </a:p>
-          <a:p>
-            <a:pPr indent="-228600" lvl="0" marL="228600" rtl="0" algn="l">
-              <a:lnSpc>
-                <a:spcPct val="80000"/>
-              </a:lnSpc>
-              <a:spcBef>
-                <a:spcPts val="1000"/>
-              </a:spcBef>
-              <a:spcAft>
-                <a:spcPts val="0"/>
-              </a:spcAft>
-              <a:buSzPts val="2000"/>
-              <a:buChar char="•"/>
-            </a:pPr>
-            <a:r>
-              <a:rPr lang="pt-BR" sz="2000">
-                <a:highlight>
-                  <a:schemeClr val="lt1"/>
-                </a:highlight>
-              </a:rPr>
-              <a:t>Ao receber a solicitação de status do cliente, verifica o chamado e informa o status ao cliente.</a:t>
-            </a:r>
-            <a:endParaRPr sz="2000">
-              <a:highlight>
-                <a:schemeClr val="lt1"/>
-              </a:highlight>
-            </a:endParaRPr>
-          </a:p>
-          <a:p>
-            <a:pPr indent="0" lvl="0" marL="457200" rtl="0" algn="just">
-              <a:lnSpc>
-                <a:spcPct val="80000"/>
-              </a:lnSpc>
-              <a:spcBef>
-                <a:spcPts val="1000"/>
-              </a:spcBef>
-              <a:spcAft>
-                <a:spcPts val="0"/>
-              </a:spcAft>
-              <a:buSzPts val="1800"/>
-              <a:buNone/>
-            </a:pPr>
-            <a:r>
-              <a:t/>
-            </a:r>
-            <a:endParaRPr sz="1800">
+            <a:endParaRPr sz="1400">
               <a:highlight>
                 <a:schemeClr val="lt1"/>
               </a:highlight>
@@ -18747,7 +18929,7 @@
       </p:sp>
       <p:pic>
         <p:nvPicPr>
-          <p:cNvPr id="153" name="Google Shape;153;gc925418432_0_18"/>
+          <p:cNvPr id="153" name="Google Shape;153;gce01f6a808_0_0"/>
           <p:cNvPicPr preferRelativeResize="0"/>
           <p:nvPr/>
         </p:nvPicPr>
@@ -18800,7 +18982,7 @@
       </p:grpSpPr>
       <p:sp>
         <p:nvSpPr>
-          <p:cNvPr id="158" name="Google Shape;158;gd2b4982aba_0_41"/>
+          <p:cNvPr id="158" name="Google Shape;158;gc925418432_0_18"/>
           <p:cNvSpPr txBox="1"/>
           <p:nvPr>
             <p:ph type="title"/>
@@ -18876,7 +19058,7 @@
       </p:sp>
       <p:sp>
         <p:nvSpPr>
-          <p:cNvPr id="159" name="Google Shape;159;gd2b4982aba_0_41"/>
+          <p:cNvPr id="159" name="Google Shape;159;gc925418432_0_18"/>
           <p:cNvSpPr txBox="1"/>
           <p:nvPr>
             <p:ph idx="1" type="body"/>
@@ -18885,7 +19067,7 @@
         <p:spPr>
           <a:xfrm>
             <a:off x="7346650" y="1686300"/>
-            <a:ext cx="4334100" cy="3786600"/>
+            <a:ext cx="4334100" cy="4428900"/>
           </a:xfrm>
           <a:prstGeom prst="rect">
             <a:avLst/>
@@ -18931,7 +19113,7 @@
                   <a:schemeClr val="lt1"/>
                 </a:highlight>
               </a:rPr>
-              <a:t>: Devolver o produto</a:t>
+              <a:t>: Informar status do chamado</a:t>
             </a:r>
             <a:endParaRPr sz="2000">
               <a:highlight>
@@ -18970,7 +19152,7 @@
                   <a:schemeClr val="lt1"/>
                 </a:highlight>
               </a:rPr>
-              <a:t>: Atendente devolve o produto consertado</a:t>
+              <a:t>: Atendente informa status do chamado.</a:t>
             </a:r>
             <a:endParaRPr sz="2000">
               <a:highlight>
@@ -19001,7 +19183,7 @@
                   <a:schemeClr val="lt1"/>
                 </a:highlight>
               </a:rPr>
-              <a:t>Objetivo:</a:t>
+              <a:t>Objetivo: </a:t>
             </a:r>
             <a:r>
               <a:rPr lang="pt-BR" sz="2000">
@@ -19009,7 +19191,7 @@
                   <a:schemeClr val="lt1"/>
                 </a:highlight>
               </a:rPr>
-              <a:t>  Devolver o produto consertado ao cliente.</a:t>
+              <a:t>Informar ao cliente o status do chamado.</a:t>
             </a:r>
             <a:endParaRPr sz="2000">
               <a:highlight>
@@ -19057,12 +19239,12 @@
             </a:endParaRPr>
           </a:p>
           <a:p>
-            <a:pPr indent="-355600" lvl="0" marL="457200" rtl="0" algn="just">
+            <a:pPr indent="-228600" lvl="0" marL="228600" rtl="0" algn="l">
               <a:lnSpc>
                 <a:spcPct val="80000"/>
               </a:lnSpc>
               <a:spcBef>
-                <a:spcPts val="0"/>
+                <a:spcPts val="1000"/>
               </a:spcBef>
               <a:spcAft>
                 <a:spcPts val="0"/>
@@ -19076,7 +19258,7 @@
                   <a:schemeClr val="lt1"/>
                 </a:highlight>
               </a:rPr>
-              <a:t>Verifica se a manutenção foi finalizada.</a:t>
+              <a:t>Ao receber a solicitação de status do cliente, verifica o chamado e informa o status ao cliente.</a:t>
             </a:r>
             <a:endParaRPr sz="2000">
               <a:highlight>
@@ -19085,92 +19267,23 @@
             </a:endParaRPr>
           </a:p>
           <a:p>
-            <a:pPr indent="-355600" lvl="1" marL="914400" rtl="0" algn="just">
+            <a:pPr indent="0" lvl="0" marL="457200" rtl="0" algn="l">
               <a:lnSpc>
                 <a:spcPct val="80000"/>
               </a:lnSpc>
               <a:spcBef>
-                <a:spcPts val="0"/>
-              </a:spcBef>
-              <a:spcAft>
-                <a:spcPts val="0"/>
-              </a:spcAft>
-              <a:buSzPts val="2000"/>
-              <a:buChar char="○"/>
+                <a:spcPts val="1000"/>
+              </a:spcBef>
+              <a:spcAft>
+                <a:spcPts val="0"/>
+              </a:spcAft>
+              <a:buSzPts val="1800"/>
+              <a:buNone/>
             </a:pPr>
             <a:r>
-              <a:rPr lang="pt-BR" sz="2000">
-                <a:highlight>
-                  <a:schemeClr val="lt1"/>
-                </a:highlight>
-              </a:rPr>
-              <a:t>Se a manutenção não foi “encerrada”, o produto não é devolvido. </a:t>
-            </a:r>
-            <a:endParaRPr sz="2000">
-              <a:highlight>
-                <a:schemeClr val="lt1"/>
-              </a:highlight>
-            </a:endParaRPr>
-          </a:p>
-          <a:p>
-            <a:pPr indent="-355600" lvl="0" marL="457200" rtl="0" algn="just">
-              <a:lnSpc>
-                <a:spcPct val="80000"/>
-              </a:lnSpc>
-              <a:spcBef>
-                <a:spcPts val="0"/>
-              </a:spcBef>
-              <a:spcAft>
-                <a:spcPts val="0"/>
-              </a:spcAft>
-              <a:buSzPts val="2000"/>
-              <a:buChar char="•"/>
-            </a:pPr>
-            <a:r>
-              <a:rPr lang="pt-BR" sz="2000">
-                <a:highlight>
-                  <a:schemeClr val="lt1"/>
-                </a:highlight>
-              </a:rPr>
-              <a:t>Retira</a:t>
-            </a:r>
-            <a:r>
-              <a:rPr lang="pt-BR" sz="2000">
-                <a:highlight>
-                  <a:schemeClr val="lt1"/>
-                </a:highlight>
-              </a:rPr>
-              <a:t> o produto em produto manutenção e devolve ao cliente.</a:t>
-            </a:r>
-            <a:endParaRPr sz="2000">
-              <a:highlight>
-                <a:schemeClr val="lt1"/>
-              </a:highlight>
-            </a:endParaRPr>
-          </a:p>
-          <a:p>
-            <a:pPr indent="-355600" lvl="0" marL="457200" rtl="0" algn="just">
-              <a:lnSpc>
-                <a:spcPct val="80000"/>
-              </a:lnSpc>
-              <a:spcBef>
-                <a:spcPts val="0"/>
-              </a:spcBef>
-              <a:spcAft>
-                <a:spcPts val="0"/>
-              </a:spcAft>
-              <a:buSzPts val="2000"/>
-              <a:buChar char="•"/>
-            </a:pPr>
-            <a:r>
-              <a:rPr lang="pt-BR" sz="2000">
-                <a:highlight>
-                  <a:schemeClr val="lt1"/>
-                </a:highlight>
-              </a:rPr>
-              <a:t>Atualiza o status do chamado para “encerrado”.</a:t>
-            </a:r>
-            <a:endParaRPr sz="1400">
+              <a:t/>
+            </a:r>
+            <a:endParaRPr sz="1800">
               <a:highlight>
                 <a:schemeClr val="lt1"/>
               </a:highlight>
@@ -19180,7 +19293,7 @@
       </p:sp>
       <p:pic>
         <p:nvPicPr>
-          <p:cNvPr id="160" name="Google Shape;160;gd2b4982aba_0_41"/>
+          <p:cNvPr id="160" name="Google Shape;160;gc925418432_0_18"/>
           <p:cNvPicPr preferRelativeResize="0"/>
           <p:nvPr/>
         </p:nvPicPr>
@@ -19219,7 +19332,7 @@
   <p:cSld>
     <p:spTree>
       <p:nvGrpSpPr>
-        <p:cNvPr id="165" name="Shape 165"/>
+        <p:cNvPr id="164" name="Shape 164"/>
         <p:cNvGrpSpPr/>
         <p:nvPr/>
       </p:nvGrpSpPr>
@@ -19233,7 +19346,7 @@
       </p:grpSpPr>
       <p:sp>
         <p:nvSpPr>
-          <p:cNvPr id="166" name="Google Shape;166;gc63a4fde34_0_5"/>
+          <p:cNvPr id="165" name="Google Shape;165;gd2b4982aba_0_41"/>
           <p:cNvSpPr txBox="1"/>
           <p:nvPr>
             <p:ph type="title"/>
@@ -19268,6 +19381,447 @@
               <a:spcAft>
                 <a:spcPts val="0"/>
               </a:spcAft>
+              <a:buClr>
+                <a:schemeClr val="dk1"/>
+              </a:buClr>
+              <a:buSzPts val="4400"/>
+              <a:buFont typeface="Calibri"/>
+              <a:buNone/>
+            </a:pPr>
+            <a:r>
+              <a:rPr lang="pt-BR">
+                <a:highlight>
+                  <a:schemeClr val="lt1"/>
+                </a:highlight>
+              </a:rPr>
+              <a:t>Capacidade: </a:t>
+            </a:r>
+            <a:r>
+              <a:rPr b="1" lang="pt-BR">
+                <a:highlight>
+                  <a:schemeClr val="lt1"/>
+                </a:highlight>
+              </a:rPr>
+              <a:t>Realizar Manutenção</a:t>
+            </a:r>
+            <a:r>
+              <a:rPr b="1" lang="pt-BR">
+                <a:highlight>
+                  <a:schemeClr val="lt1"/>
+                </a:highlight>
+              </a:rPr>
+              <a:t> </a:t>
+            </a:r>
+            <a:endParaRPr>
+              <a:highlight>
+                <a:schemeClr val="lt1"/>
+              </a:highlight>
+            </a:endParaRPr>
+          </a:p>
+        </p:txBody>
+      </p:sp>
+      <p:sp>
+        <p:nvSpPr>
+          <p:cNvPr id="166" name="Google Shape;166;gd2b4982aba_0_41"/>
+          <p:cNvSpPr txBox="1"/>
+          <p:nvPr>
+            <p:ph idx="1" type="body"/>
+          </p:nvPr>
+        </p:nvSpPr>
+        <p:spPr>
+          <a:xfrm>
+            <a:off x="7346650" y="1686300"/>
+            <a:ext cx="4334100" cy="3786600"/>
+          </a:xfrm>
+          <a:prstGeom prst="rect">
+            <a:avLst/>
+          </a:prstGeom>
+          <a:noFill/>
+          <a:ln>
+            <a:noFill/>
+          </a:ln>
+        </p:spPr>
+        <p:txBody>
+          <a:bodyPr anchorCtr="0" anchor="t" bIns="45700" lIns="91425" spcFirstLastPara="1" rIns="91425" wrap="square" tIns="45700">
+            <a:noAutofit/>
+          </a:bodyPr>
+          <a:lstStyle/>
+          <a:p>
+            <a:pPr indent="0" lvl="0" marL="0" rtl="0" algn="l">
+              <a:lnSpc>
+                <a:spcPct val="80000"/>
+              </a:lnSpc>
+              <a:spcBef>
+                <a:spcPts val="0"/>
+              </a:spcBef>
+              <a:spcAft>
+                <a:spcPts val="0"/>
+              </a:spcAft>
+              <a:buClr>
+                <a:schemeClr val="dk1"/>
+              </a:buClr>
+              <a:buSzPts val="2800"/>
+              <a:buNone/>
+            </a:pPr>
+            <a:r>
+              <a:rPr b="1" lang="pt-BR" sz="2000">
+                <a:highlight>
+                  <a:schemeClr val="lt1"/>
+                </a:highlight>
+              </a:rPr>
+              <a:t>Processo</a:t>
+            </a:r>
+            <a:r>
+              <a:rPr lang="pt-BR" sz="2000">
+                <a:highlight>
+                  <a:schemeClr val="lt1"/>
+                </a:highlight>
+              </a:rPr>
+              <a:t>: Devolver o produto</a:t>
+            </a:r>
+            <a:endParaRPr sz="2000">
+              <a:highlight>
+                <a:schemeClr val="lt1"/>
+              </a:highlight>
+            </a:endParaRPr>
+          </a:p>
+          <a:p>
+            <a:pPr indent="0" lvl="0" marL="0" rtl="0" algn="l">
+              <a:lnSpc>
+                <a:spcPct val="80000"/>
+              </a:lnSpc>
+              <a:spcBef>
+                <a:spcPts val="0"/>
+              </a:spcBef>
+              <a:spcAft>
+                <a:spcPts val="0"/>
+              </a:spcAft>
+              <a:buClr>
+                <a:schemeClr val="dk1"/>
+              </a:buClr>
+              <a:buSzPts val="2800"/>
+              <a:buNone/>
+            </a:pPr>
+            <a:r>
+              <a:rPr b="1" lang="pt-BR" sz="2000">
+                <a:highlight>
+                  <a:schemeClr val="lt1"/>
+                </a:highlight>
+              </a:rPr>
+              <a:t>Evento</a:t>
+            </a:r>
+            <a:r>
+              <a:rPr lang="pt-BR" sz="2000">
+                <a:highlight>
+                  <a:schemeClr val="lt1"/>
+                </a:highlight>
+              </a:rPr>
+              <a:t>: Atendente devolve o produto consertado</a:t>
+            </a:r>
+            <a:endParaRPr sz="2000">
+              <a:highlight>
+                <a:schemeClr val="lt1"/>
+              </a:highlight>
+            </a:endParaRPr>
+          </a:p>
+          <a:p>
+            <a:pPr indent="0" lvl="0" marL="0" rtl="0" algn="l">
+              <a:lnSpc>
+                <a:spcPct val="80000"/>
+              </a:lnSpc>
+              <a:spcBef>
+                <a:spcPts val="0"/>
+              </a:spcBef>
+              <a:spcAft>
+                <a:spcPts val="0"/>
+              </a:spcAft>
+              <a:buClr>
+                <a:schemeClr val="dk1"/>
+              </a:buClr>
+              <a:buSzPts val="2800"/>
+              <a:buNone/>
+            </a:pPr>
+            <a:r>
+              <a:rPr b="1" lang="pt-BR" sz="2000">
+                <a:highlight>
+                  <a:schemeClr val="lt1"/>
+                </a:highlight>
+              </a:rPr>
+              <a:t>Objetivo:</a:t>
+            </a:r>
+            <a:r>
+              <a:rPr lang="pt-BR" sz="2000">
+                <a:highlight>
+                  <a:schemeClr val="lt1"/>
+                </a:highlight>
+              </a:rPr>
+              <a:t> </a:t>
+            </a:r>
+            <a:r>
+              <a:rPr lang="pt-BR" sz="2000">
+                <a:highlight>
+                  <a:schemeClr val="lt1"/>
+                </a:highlight>
+              </a:rPr>
+              <a:t>Devolver o produto consertado ao cliente.</a:t>
+            </a:r>
+            <a:endParaRPr sz="2000">
+              <a:highlight>
+                <a:schemeClr val="lt1"/>
+              </a:highlight>
+            </a:endParaRPr>
+          </a:p>
+          <a:p>
+            <a:pPr indent="0" lvl="0" marL="0" rtl="0" algn="l">
+              <a:lnSpc>
+                <a:spcPct val="80000"/>
+              </a:lnSpc>
+              <a:spcBef>
+                <a:spcPts val="0"/>
+              </a:spcBef>
+              <a:spcAft>
+                <a:spcPts val="0"/>
+              </a:spcAft>
+              <a:buClr>
+                <a:schemeClr val="dk1"/>
+              </a:buClr>
+              <a:buSzPts val="2800"/>
+              <a:buNone/>
+            </a:pPr>
+            <a:r>
+              <a:rPr b="1" lang="pt-BR" sz="2000">
+                <a:highlight>
+                  <a:schemeClr val="lt1"/>
+                </a:highlight>
+              </a:rPr>
+              <a:t>Trabalhador Envolvido</a:t>
+            </a:r>
+            <a:r>
+              <a:rPr lang="pt-BR" sz="2000">
+                <a:highlight>
+                  <a:schemeClr val="lt1"/>
+                </a:highlight>
+              </a:rPr>
+              <a:t>: Atendente</a:t>
+            </a:r>
+            <a:endParaRPr sz="2000">
+              <a:highlight>
+                <a:schemeClr val="lt1"/>
+              </a:highlight>
+            </a:endParaRPr>
+          </a:p>
+          <a:p>
+            <a:pPr indent="-355600" lvl="0" marL="457200" rtl="0" algn="l">
+              <a:lnSpc>
+                <a:spcPct val="80000"/>
+              </a:lnSpc>
+              <a:spcBef>
+                <a:spcPts val="0"/>
+              </a:spcBef>
+              <a:spcAft>
+                <a:spcPts val="0"/>
+              </a:spcAft>
+              <a:buSzPts val="2000"/>
+              <a:buChar char="•"/>
+            </a:pPr>
+            <a:r>
+              <a:rPr lang="pt-BR" sz="2000">
+                <a:highlight>
+                  <a:schemeClr val="lt1"/>
+                </a:highlight>
+              </a:rPr>
+              <a:t>Verifica se a manutenção foi finalizada.</a:t>
+            </a:r>
+            <a:endParaRPr sz="2000">
+              <a:highlight>
+                <a:schemeClr val="lt1"/>
+              </a:highlight>
+            </a:endParaRPr>
+          </a:p>
+          <a:p>
+            <a:pPr indent="-355600" lvl="1" marL="914400" rtl="0" algn="l">
+              <a:lnSpc>
+                <a:spcPct val="80000"/>
+              </a:lnSpc>
+              <a:spcBef>
+                <a:spcPts val="0"/>
+              </a:spcBef>
+              <a:spcAft>
+                <a:spcPts val="0"/>
+              </a:spcAft>
+              <a:buSzPts val="2000"/>
+              <a:buChar char="○"/>
+            </a:pPr>
+            <a:r>
+              <a:rPr lang="pt-BR" sz="2000">
+                <a:highlight>
+                  <a:schemeClr val="lt1"/>
+                </a:highlight>
+              </a:rPr>
+              <a:t>Se a manutenção não foi “encerrada”, o produto não é devolvido. </a:t>
+            </a:r>
+            <a:endParaRPr sz="2000">
+              <a:highlight>
+                <a:schemeClr val="lt1"/>
+              </a:highlight>
+            </a:endParaRPr>
+          </a:p>
+          <a:p>
+            <a:pPr indent="-355600" lvl="0" marL="457200" rtl="0" algn="l">
+              <a:lnSpc>
+                <a:spcPct val="80000"/>
+              </a:lnSpc>
+              <a:spcBef>
+                <a:spcPts val="0"/>
+              </a:spcBef>
+              <a:spcAft>
+                <a:spcPts val="0"/>
+              </a:spcAft>
+              <a:buSzPts val="2000"/>
+              <a:buChar char="•"/>
+            </a:pPr>
+            <a:r>
+              <a:rPr lang="pt-BR" sz="2000">
+                <a:highlight>
+                  <a:schemeClr val="lt1"/>
+                </a:highlight>
+              </a:rPr>
+              <a:t>Retira</a:t>
+            </a:r>
+            <a:r>
+              <a:rPr lang="pt-BR" sz="2000">
+                <a:highlight>
+                  <a:schemeClr val="lt1"/>
+                </a:highlight>
+              </a:rPr>
+              <a:t> o produto em produto manutenção e devolve ao cliente.</a:t>
+            </a:r>
+            <a:endParaRPr sz="2000">
+              <a:highlight>
+                <a:schemeClr val="lt1"/>
+              </a:highlight>
+            </a:endParaRPr>
+          </a:p>
+          <a:p>
+            <a:pPr indent="-355600" lvl="0" marL="457200" rtl="0" algn="l">
+              <a:lnSpc>
+                <a:spcPct val="80000"/>
+              </a:lnSpc>
+              <a:spcBef>
+                <a:spcPts val="0"/>
+              </a:spcBef>
+              <a:spcAft>
+                <a:spcPts val="0"/>
+              </a:spcAft>
+              <a:buSzPts val="2000"/>
+              <a:buChar char="•"/>
+            </a:pPr>
+            <a:r>
+              <a:rPr lang="pt-BR" sz="2000">
+                <a:highlight>
+                  <a:schemeClr val="lt1"/>
+                </a:highlight>
+              </a:rPr>
+              <a:t>Atualiza o status do chamado para “encerrado”.</a:t>
+            </a:r>
+            <a:endParaRPr sz="1400">
+              <a:highlight>
+                <a:schemeClr val="lt1"/>
+              </a:highlight>
+            </a:endParaRPr>
+          </a:p>
+        </p:txBody>
+      </p:sp>
+      <p:pic>
+        <p:nvPicPr>
+          <p:cNvPr id="167" name="Google Shape;167;gd2b4982aba_0_41"/>
+          <p:cNvPicPr preferRelativeResize="0"/>
+          <p:nvPr/>
+        </p:nvPicPr>
+        <p:blipFill>
+          <a:blip r:embed="rId3">
+            <a:alphaModFix/>
+          </a:blip>
+          <a:stretch>
+            <a:fillRect/>
+          </a:stretch>
+        </p:blipFill>
+        <p:spPr>
+          <a:xfrm>
+            <a:off x="721775" y="1690825"/>
+            <a:ext cx="6267450" cy="3924300"/>
+          </a:xfrm>
+          <a:prstGeom prst="rect">
+            <a:avLst/>
+          </a:prstGeom>
+          <a:noFill/>
+          <a:ln>
+            <a:noFill/>
+          </a:ln>
+        </p:spPr>
+      </p:pic>
+    </p:spTree>
+  </p:cSld>
+  <p:clrMapOvr>
+    <a:masterClrMapping/>
+  </p:clrMapOvr>
+</p:sld>
+</file>
+
+<file path=ppt/slides/slide13.xml><?xml version="1.0" encoding="utf-8"?>
+<p:sld xmlns:a="http://schemas.openxmlformats.org/drawingml/2006/main" xmlns:r="http://schemas.openxmlformats.org/officeDocument/2006/relationships" xmlns:mc="http://schemas.openxmlformats.org/markup-compatibility/2006" xmlns:mv="urn:schemas-microsoft-com:mac:vml" xmlns:p="http://schemas.openxmlformats.org/presentationml/2006/main" xmlns:c="http://schemas.openxmlformats.org/drawingml/2006/chart" xmlns:dgm="http://schemas.openxmlformats.org/drawingml/2006/diagram" xmlns:o="urn:schemas-microsoft-com:office:office" xmlns:v="urn:schemas-microsoft-com:vml" xmlns:pvml="urn:schemas-microsoft-com:office:powerpoint" xmlns:com="http://schemas.openxmlformats.org/drawingml/2006/compatibility" xmlns:p14="http://schemas.microsoft.com/office/powerpoint/2010/main" xmlns:p15="http://schemas.microsoft.com/office/powerpoint/2012/main" xmlns:ahyp="http://schemas.microsoft.com/office/drawing/2018/hyperlinkcolor">
+  <p:cSld>
+    <p:spTree>
+      <p:nvGrpSpPr>
+        <p:cNvPr id="172" name="Shape 172"/>
+        <p:cNvGrpSpPr/>
+        <p:nvPr/>
+      </p:nvGrpSpPr>
+      <p:grpSpPr>
+        <a:xfrm>
+          <a:off x="0" y="0"/>
+          <a:ext cx="0" cy="0"/>
+          <a:chOff x="0" y="0"/>
+          <a:chExt cx="0" cy="0"/>
+        </a:xfrm>
+      </p:grpSpPr>
+      <p:sp>
+        <p:nvSpPr>
+          <p:cNvPr id="173" name="Google Shape;173;gc63a4fde34_0_5"/>
+          <p:cNvSpPr txBox="1"/>
+          <p:nvPr>
+            <p:ph type="title"/>
+          </p:nvPr>
+        </p:nvSpPr>
+        <p:spPr>
+          <a:xfrm>
+            <a:off x="838200" y="365125"/>
+            <a:ext cx="10515600" cy="1325700"/>
+          </a:xfrm>
+          <a:prstGeom prst="rect">
+            <a:avLst/>
+          </a:prstGeom>
+          <a:noFill/>
+          <a:ln>
+            <a:noFill/>
+          </a:ln>
+        </p:spPr>
+        <p:txBody>
+          <a:bodyPr anchorCtr="0" anchor="ctr" bIns="45700" lIns="91425" spcFirstLastPara="1" rIns="91425" wrap="square" tIns="45700">
+            <a:normAutofit/>
+          </a:bodyPr>
+          <a:lstStyle/>
+          <a:p>
+            <a:pPr indent="0" lvl="0" marL="0" rtl="0" algn="l">
+              <a:lnSpc>
+                <a:spcPct val="90000"/>
+              </a:lnSpc>
+              <a:spcBef>
+                <a:spcPts val="0"/>
+              </a:spcBef>
+              <a:spcAft>
+                <a:spcPts val="0"/>
+              </a:spcAft>
               <a:buSzPts val="1800"/>
               <a:buNone/>
             </a:pPr>
@@ -19289,7 +19843,7 @@
       </p:sp>
       <p:sp>
         <p:nvSpPr>
-          <p:cNvPr id="167" name="Google Shape;167;gc63a4fde34_0_5"/>
+          <p:cNvPr id="174" name="Google Shape;174;gc63a4fde34_0_5"/>
           <p:cNvSpPr txBox="1"/>
           <p:nvPr/>
         </p:nvSpPr>
@@ -19602,7 +20156,7 @@
             </a:endParaRPr>
           </a:p>
           <a:p>
-            <a:pPr indent="-355600" lvl="0" marL="457200" marR="0" rtl="0" algn="just">
+            <a:pPr indent="-355600" lvl="0" marL="457200" marR="0" rtl="0" algn="l">
               <a:lnSpc>
                 <a:spcPct val="80000"/>
               </a:lnSpc>
@@ -19678,7 +20232,7 @@
             </a:endParaRPr>
           </a:p>
           <a:p>
-            <a:pPr indent="-355600" lvl="1" marL="914400" marR="0" rtl="0" algn="just">
+            <a:pPr indent="-355600" lvl="1" marL="914400" marR="0" rtl="0" algn="l">
               <a:lnSpc>
                 <a:spcPct val="80000"/>
               </a:lnSpc>
@@ -19754,7 +20308,7 @@
             </a:endParaRPr>
           </a:p>
           <a:p>
-            <a:pPr indent="-355600" lvl="0" marL="457200" marR="0" rtl="0" algn="just">
+            <a:pPr indent="-355600" lvl="0" marL="457200" marR="0" rtl="0" algn="l">
               <a:lnSpc>
                 <a:spcPct val="80000"/>
               </a:lnSpc>
@@ -19784,7 +20338,37 @@
                 <a:cs typeface="Calibri"/>
                 <a:sym typeface="Calibri"/>
               </a:rPr>
-              <a:t>Informa o número do chamado ao cliente.</a:t>
+              <a:t>Informa </a:t>
+            </a:r>
+            <a:r>
+              <a:rPr lang="pt-BR" sz="2000">
+                <a:solidFill>
+                  <a:schemeClr val="dk1"/>
+                </a:solidFill>
+                <a:highlight>
+                  <a:schemeClr val="lt1"/>
+                </a:highlight>
+                <a:latin typeface="Calibri"/>
+                <a:ea typeface="Calibri"/>
+                <a:cs typeface="Calibri"/>
+                <a:sym typeface="Calibri"/>
+              </a:rPr>
+              <a:t>a confirmação de devolução</a:t>
+            </a:r>
+            <a:r>
+              <a:rPr b="0" i="0" lang="pt-BR" sz="2000" u="none" cap="none" strike="noStrike">
+                <a:solidFill>
+                  <a:schemeClr val="dk1"/>
+                </a:solidFill>
+                <a:highlight>
+                  <a:schemeClr val="lt1"/>
+                </a:highlight>
+                <a:latin typeface="Calibri"/>
+                <a:ea typeface="Calibri"/>
+                <a:cs typeface="Calibri"/>
+                <a:sym typeface="Calibri"/>
+              </a:rPr>
+              <a:t>.</a:t>
             </a:r>
             <a:endParaRPr b="0" i="0" sz="2000" u="none" cap="none" strike="noStrike">
               <a:solidFill>
@@ -19803,7 +20387,7 @@
       </p:sp>
       <p:pic>
         <p:nvPicPr>
-          <p:cNvPr id="168" name="Google Shape;168;gc63a4fde34_0_5"/>
+          <p:cNvPr id="175" name="Google Shape;175;gc63a4fde34_0_5"/>
           <p:cNvPicPr preferRelativeResize="0"/>
           <p:nvPr/>
         </p:nvPicPr>
@@ -19817,8 +20401,8 @@
         </p:blipFill>
         <p:spPr>
           <a:xfrm>
-            <a:off x="304800" y="1690825"/>
-            <a:ext cx="7734301" cy="3609340"/>
+            <a:off x="304800" y="1606100"/>
+            <a:ext cx="7734301" cy="3645798"/>
           </a:xfrm>
           <a:prstGeom prst="rect">
             <a:avLst/>
@@ -19837,12 +20421,12 @@
 </p:sld>
 </file>
 
-<file path=ppt/slides/slide13.xml><?xml version="1.0" encoding="utf-8"?>
+<file path=ppt/slides/slide14.xml><?xml version="1.0" encoding="utf-8"?>
 <p:sld xmlns:a="http://schemas.openxmlformats.org/drawingml/2006/main" xmlns:r="http://schemas.openxmlformats.org/officeDocument/2006/relationships" xmlns:mc="http://schemas.openxmlformats.org/markup-compatibility/2006" xmlns:mv="urn:schemas-microsoft-com:mac:vml" xmlns:p="http://schemas.openxmlformats.org/presentationml/2006/main" xmlns:c="http://schemas.openxmlformats.org/drawingml/2006/chart" xmlns:dgm="http://schemas.openxmlformats.org/drawingml/2006/diagram" xmlns:o="urn:schemas-microsoft-com:office:office" xmlns:v="urn:schemas-microsoft-com:vml" xmlns:pvml="urn:schemas-microsoft-com:office:powerpoint" xmlns:com="http://schemas.openxmlformats.org/drawingml/2006/compatibility" xmlns:p14="http://schemas.microsoft.com/office/powerpoint/2010/main" xmlns:p15="http://schemas.microsoft.com/office/powerpoint/2012/main" xmlns:ahyp="http://schemas.microsoft.com/office/drawing/2018/hyperlinkcolor">
   <p:cSld>
     <p:spTree>
       <p:nvGrpSpPr>
-        <p:cNvPr id="173" name="Shape 173"/>
+        <p:cNvPr id="180" name="Shape 180"/>
         <p:cNvGrpSpPr/>
         <p:nvPr/>
       </p:nvGrpSpPr>
@@ -19856,7 +20440,7 @@
       </p:grpSpPr>
       <p:sp>
         <p:nvSpPr>
-          <p:cNvPr id="174" name="Google Shape;174;gcce74347ab_0_4"/>
+          <p:cNvPr id="181" name="Google Shape;181;gcce74347ab_0_4"/>
           <p:cNvSpPr txBox="1"/>
           <p:nvPr>
             <p:ph type="title"/>
@@ -19918,14 +20502,14 @@
       </p:sp>
       <p:sp>
         <p:nvSpPr>
-          <p:cNvPr id="175" name="Google Shape;175;gcce74347ab_0_4"/>
+          <p:cNvPr id="182" name="Google Shape;182;gcce74347ab_0_4"/>
           <p:cNvSpPr txBox="1"/>
           <p:nvPr/>
         </p:nvSpPr>
         <p:spPr>
           <a:xfrm>
             <a:off x="8039100" y="1690825"/>
-            <a:ext cx="3485100" cy="3760800"/>
+            <a:ext cx="3485100" cy="3268200"/>
           </a:xfrm>
           <a:prstGeom prst="rect">
             <a:avLst/>
@@ -20047,7 +20631,22 @@
                 <a:cs typeface="Calibri"/>
                 <a:sym typeface="Calibri"/>
               </a:rPr>
-              <a:t>: Atendente envia status do chamado e recibo para devolução</a:t>
+              <a:t>: </a:t>
+            </a:r>
+            <a:r>
+              <a:rPr lang="pt-BR" sz="2000">
+                <a:solidFill>
+                  <a:schemeClr val="dk1"/>
+                </a:solidFill>
+                <a:highlight>
+                  <a:schemeClr val="lt1"/>
+                </a:highlight>
+                <a:latin typeface="Calibri"/>
+                <a:ea typeface="Calibri"/>
+                <a:cs typeface="Calibri"/>
+                <a:sym typeface="Calibri"/>
+              </a:rPr>
+              <a:t>Atendente envia a confirmação de devolução</a:t>
             </a:r>
             <a:endParaRPr b="0" i="0" sz="2000" u="none" cap="none" strike="noStrike">
               <a:solidFill>
@@ -20108,7 +20707,7 @@
                 <a:cs typeface="Calibri"/>
                 <a:sym typeface="Calibri"/>
               </a:rPr>
-              <a:t>Enviar status do chamado e recibo de devolução ao cliente</a:t>
+              <a:t>Enviar recibo de devolução ao cliente</a:t>
             </a:r>
             <a:endParaRPr b="0" i="0" sz="2000" u="none" cap="none" strike="noStrike">
               <a:solidFill>
@@ -20185,7 +20784,7 @@
             </a:endParaRPr>
           </a:p>
           <a:p>
-            <a:pPr indent="-355600" lvl="0" marL="457200" marR="0" rtl="0" algn="just">
+            <a:pPr indent="-355600" lvl="0" marL="457200" marR="0" rtl="0" algn="l">
               <a:lnSpc>
                 <a:spcPct val="80000"/>
               </a:lnSpc>
@@ -20215,7 +20814,37 @@
                 <a:cs typeface="Calibri"/>
                 <a:sym typeface="Calibri"/>
               </a:rPr>
-              <a:t>Informa ao cliente o status do chamado de devolução e o recibo de devolução para assinatura.</a:t>
+              <a:t>Informa ao cliente a confirmação da devolução e </a:t>
+            </a:r>
+            <a:r>
+              <a:rPr lang="pt-BR" sz="2000">
+                <a:solidFill>
+                  <a:schemeClr val="dk1"/>
+                </a:solidFill>
+                <a:highlight>
+                  <a:schemeClr val="lt1"/>
+                </a:highlight>
+                <a:latin typeface="Calibri"/>
+                <a:ea typeface="Calibri"/>
+                <a:cs typeface="Calibri"/>
+                <a:sym typeface="Calibri"/>
+              </a:rPr>
+              <a:t>o </a:t>
+            </a:r>
+            <a:r>
+              <a:rPr b="0" i="0" lang="pt-BR" sz="2000" u="none" cap="none" strike="noStrike">
+                <a:solidFill>
+                  <a:schemeClr val="dk1"/>
+                </a:solidFill>
+                <a:highlight>
+                  <a:schemeClr val="lt1"/>
+                </a:highlight>
+                <a:latin typeface="Calibri"/>
+                <a:ea typeface="Calibri"/>
+                <a:cs typeface="Calibri"/>
+                <a:sym typeface="Calibri"/>
+              </a:rPr>
+              <a:t>recibo de devolução para assinatura.</a:t>
             </a:r>
             <a:endParaRPr b="0" i="0" sz="2000" u="none" cap="none" strike="noStrike">
               <a:solidFill>
@@ -20234,7 +20863,7 @@
       </p:sp>
       <p:pic>
         <p:nvPicPr>
-          <p:cNvPr id="176" name="Google Shape;176;gcce74347ab_0_4"/>
+          <p:cNvPr id="183" name="Google Shape;183;gcce74347ab_0_4"/>
           <p:cNvPicPr preferRelativeResize="0"/>
           <p:nvPr/>
         </p:nvPicPr>
@@ -20248,598 +20877,8 @@
         </p:blipFill>
         <p:spPr>
           <a:xfrm>
-            <a:off x="304800" y="1690825"/>
-            <a:ext cx="7734301" cy="3609340"/>
-          </a:xfrm>
-          <a:prstGeom prst="rect">
-            <a:avLst/>
-          </a:prstGeom>
-          <a:noFill/>
-          <a:ln>
-            <a:noFill/>
-          </a:ln>
-        </p:spPr>
-      </p:pic>
-    </p:spTree>
-  </p:cSld>
-  <p:clrMapOvr>
-    <a:masterClrMapping/>
-  </p:clrMapOvr>
-</p:sld>
-</file>
-
-<file path=ppt/slides/slide14.xml><?xml version="1.0" encoding="utf-8"?>
-<p:sld xmlns:a="http://schemas.openxmlformats.org/drawingml/2006/main" xmlns:r="http://schemas.openxmlformats.org/officeDocument/2006/relationships" xmlns:mc="http://schemas.openxmlformats.org/markup-compatibility/2006" xmlns:mv="urn:schemas-microsoft-com:mac:vml" xmlns:p="http://schemas.openxmlformats.org/presentationml/2006/main" xmlns:c="http://schemas.openxmlformats.org/drawingml/2006/chart" xmlns:dgm="http://schemas.openxmlformats.org/drawingml/2006/diagram" xmlns:o="urn:schemas-microsoft-com:office:office" xmlns:v="urn:schemas-microsoft-com:vml" xmlns:pvml="urn:schemas-microsoft-com:office:powerpoint" xmlns:com="http://schemas.openxmlformats.org/drawingml/2006/compatibility" xmlns:p14="http://schemas.microsoft.com/office/powerpoint/2010/main" xmlns:p15="http://schemas.microsoft.com/office/powerpoint/2012/main" xmlns:ahyp="http://schemas.microsoft.com/office/drawing/2018/hyperlinkcolor">
-  <p:cSld>
-    <p:spTree>
-      <p:nvGrpSpPr>
-        <p:cNvPr id="181" name="Shape 181"/>
-        <p:cNvGrpSpPr/>
-        <p:nvPr/>
-      </p:nvGrpSpPr>
-      <p:grpSpPr>
-        <a:xfrm>
-          <a:off x="0" y="0"/>
-          <a:ext cx="0" cy="0"/>
-          <a:chOff x="0" y="0"/>
-          <a:chExt cx="0" cy="0"/>
-        </a:xfrm>
-      </p:grpSpPr>
-      <p:sp>
-        <p:nvSpPr>
-          <p:cNvPr id="182" name="Google Shape;182;gcce74347ab_0_10"/>
-          <p:cNvSpPr txBox="1"/>
-          <p:nvPr>
-            <p:ph type="title"/>
-          </p:nvPr>
-        </p:nvSpPr>
-        <p:spPr>
-          <a:xfrm>
-            <a:off x="838200" y="365125"/>
-            <a:ext cx="10515600" cy="1325700"/>
-          </a:xfrm>
-          <a:prstGeom prst="rect">
-            <a:avLst/>
-          </a:prstGeom>
-          <a:noFill/>
-          <a:ln>
-            <a:noFill/>
-          </a:ln>
-        </p:spPr>
-        <p:txBody>
-          <a:bodyPr anchorCtr="0" anchor="ctr" bIns="45700" lIns="91425" spcFirstLastPara="1" rIns="91425" wrap="square" tIns="45700">
-            <a:normAutofit/>
-          </a:bodyPr>
-          <a:lstStyle/>
-          <a:p>
-            <a:pPr indent="0" lvl="0" marL="0" rtl="0" algn="l">
-              <a:lnSpc>
-                <a:spcPct val="90000"/>
-              </a:lnSpc>
-              <a:spcBef>
-                <a:spcPts val="0"/>
-              </a:spcBef>
-              <a:spcAft>
-                <a:spcPts val="0"/>
-              </a:spcAft>
-              <a:buSzPts val="1800"/>
-              <a:buNone/>
-            </a:pPr>
-            <a:r>
-              <a:rPr lang="pt-BR"/>
-              <a:t>Capacidade: </a:t>
-            </a:r>
-            <a:r>
-              <a:rPr b="1" lang="pt-BR"/>
-              <a:t>Tratar Devoluções </a:t>
-            </a:r>
-            <a:endParaRPr b="1">
-              <a:highlight>
-                <a:schemeClr val="lt1"/>
-              </a:highlight>
-            </a:endParaRPr>
-          </a:p>
-        </p:txBody>
-      </p:sp>
-      <p:sp>
-        <p:nvSpPr>
-          <p:cNvPr id="183" name="Google Shape;183;gcce74347ab_0_10"/>
-          <p:cNvSpPr txBox="1"/>
-          <p:nvPr/>
-        </p:nvSpPr>
-        <p:spPr>
-          <a:xfrm>
-            <a:off x="8039100" y="1690825"/>
-            <a:ext cx="3900900" cy="4756200"/>
-          </a:xfrm>
-          <a:prstGeom prst="rect">
-            <a:avLst/>
-          </a:prstGeom>
-          <a:noFill/>
-          <a:ln>
-            <a:noFill/>
-          </a:ln>
-        </p:spPr>
-        <p:txBody>
-          <a:bodyPr anchorCtr="0" anchor="t" bIns="91425" lIns="91425" spcFirstLastPara="1" rIns="91425" wrap="square" tIns="91425">
-            <a:spAutoFit/>
-          </a:bodyPr>
-          <a:lstStyle/>
-          <a:p>
-            <a:pPr indent="0" lvl="0" marL="0" marR="0" rtl="0" algn="l">
-              <a:lnSpc>
-                <a:spcPct val="80000"/>
-              </a:lnSpc>
-              <a:spcBef>
-                <a:spcPts val="0"/>
-              </a:spcBef>
-              <a:spcAft>
-                <a:spcPts val="0"/>
-              </a:spcAft>
-              <a:buClr>
-                <a:srgbClr val="000000"/>
-              </a:buClr>
-              <a:buSzPts val="2000"/>
-              <a:buFont typeface="Arial"/>
-              <a:buNone/>
-            </a:pPr>
-            <a:r>
-              <a:rPr b="1" i="0" lang="pt-BR" sz="2000" u="none" cap="none" strike="noStrike">
-                <a:solidFill>
-                  <a:schemeClr val="dk1"/>
-                </a:solidFill>
-                <a:latin typeface="Calibri"/>
-                <a:ea typeface="Calibri"/>
-                <a:cs typeface="Calibri"/>
-                <a:sym typeface="Calibri"/>
-              </a:rPr>
-              <a:t>P</a:t>
-            </a:r>
-            <a:r>
-              <a:rPr b="1" i="0" lang="pt-BR" sz="2000" u="none" cap="none" strike="noStrike">
-                <a:solidFill>
-                  <a:schemeClr val="dk1"/>
-                </a:solidFill>
-                <a:highlight>
-                  <a:schemeClr val="lt1"/>
-                </a:highlight>
-                <a:latin typeface="Calibri"/>
-                <a:ea typeface="Calibri"/>
-                <a:cs typeface="Calibri"/>
-                <a:sym typeface="Calibri"/>
-              </a:rPr>
-              <a:t>rocesso</a:t>
-            </a:r>
-            <a:r>
-              <a:rPr b="0" i="0" lang="pt-BR" sz="2000" u="none" cap="none" strike="noStrike">
-                <a:solidFill>
-                  <a:schemeClr val="dk1"/>
-                </a:solidFill>
-                <a:highlight>
-                  <a:schemeClr val="lt1"/>
-                </a:highlight>
-                <a:latin typeface="Calibri"/>
-                <a:ea typeface="Calibri"/>
-                <a:cs typeface="Calibri"/>
-                <a:sym typeface="Calibri"/>
-              </a:rPr>
-              <a:t>: Finalizar Devolução</a:t>
-            </a:r>
-            <a:endParaRPr b="0" i="0" sz="2000" u="none" cap="none" strike="noStrike">
-              <a:solidFill>
-                <a:schemeClr val="dk1"/>
-              </a:solidFill>
-              <a:highlight>
-                <a:schemeClr val="lt1"/>
-              </a:highlight>
-              <a:latin typeface="Calibri"/>
-              <a:ea typeface="Calibri"/>
-              <a:cs typeface="Calibri"/>
-              <a:sym typeface="Calibri"/>
-            </a:endParaRPr>
-          </a:p>
-          <a:p>
-            <a:pPr indent="0" lvl="0" marL="0" marR="0" rtl="0" algn="l">
-              <a:lnSpc>
-                <a:spcPct val="80000"/>
-              </a:lnSpc>
-              <a:spcBef>
-                <a:spcPts val="0"/>
-              </a:spcBef>
-              <a:spcAft>
-                <a:spcPts val="0"/>
-              </a:spcAft>
-              <a:buClr>
-                <a:srgbClr val="000000"/>
-              </a:buClr>
-              <a:buSzPts val="2000"/>
-              <a:buFont typeface="Arial"/>
-              <a:buNone/>
-            </a:pPr>
-            <a:r>
-              <a:rPr b="1" i="0" lang="pt-BR" sz="2000" u="none" cap="none" strike="noStrike">
-                <a:solidFill>
-                  <a:schemeClr val="dk1"/>
-                </a:solidFill>
-                <a:highlight>
-                  <a:schemeClr val="lt1"/>
-                </a:highlight>
-                <a:latin typeface="Calibri"/>
-                <a:ea typeface="Calibri"/>
-                <a:cs typeface="Calibri"/>
-                <a:sym typeface="Calibri"/>
-              </a:rPr>
-              <a:t>Evento</a:t>
-            </a:r>
-            <a:r>
-              <a:rPr b="0" i="0" lang="pt-BR" sz="2000" u="none" cap="none" strike="noStrike">
-                <a:solidFill>
-                  <a:schemeClr val="dk1"/>
-                </a:solidFill>
-                <a:highlight>
-                  <a:schemeClr val="lt1"/>
-                </a:highlight>
-                <a:latin typeface="Calibri"/>
-                <a:ea typeface="Calibri"/>
-                <a:cs typeface="Calibri"/>
-                <a:sym typeface="Calibri"/>
-              </a:rPr>
-              <a:t>: Cliente envia recibo</a:t>
-            </a:r>
-            <a:endParaRPr b="0" i="0" sz="2000" u="none" cap="none" strike="noStrike">
-              <a:solidFill>
-                <a:schemeClr val="dk1"/>
-              </a:solidFill>
-              <a:highlight>
-                <a:schemeClr val="lt1"/>
-              </a:highlight>
-              <a:latin typeface="Calibri"/>
-              <a:ea typeface="Calibri"/>
-              <a:cs typeface="Calibri"/>
-              <a:sym typeface="Calibri"/>
-            </a:endParaRPr>
-          </a:p>
-          <a:p>
-            <a:pPr indent="0" lvl="0" marL="0" marR="0" rtl="0" algn="l">
-              <a:lnSpc>
-                <a:spcPct val="80000"/>
-              </a:lnSpc>
-              <a:spcBef>
-                <a:spcPts val="0"/>
-              </a:spcBef>
-              <a:spcAft>
-                <a:spcPts val="0"/>
-              </a:spcAft>
-              <a:buClr>
-                <a:srgbClr val="000000"/>
-              </a:buClr>
-              <a:buSzPts val="2000"/>
-              <a:buFont typeface="Arial"/>
-              <a:buNone/>
-            </a:pPr>
-            <a:r>
-              <a:rPr b="1" i="0" lang="pt-BR" sz="2000" u="none" cap="none" strike="noStrike">
-                <a:solidFill>
-                  <a:schemeClr val="dk1"/>
-                </a:solidFill>
-                <a:highlight>
-                  <a:schemeClr val="lt1"/>
-                </a:highlight>
-                <a:latin typeface="Calibri"/>
-                <a:ea typeface="Calibri"/>
-                <a:cs typeface="Calibri"/>
-                <a:sym typeface="Calibri"/>
-              </a:rPr>
-              <a:t>Objetivo: </a:t>
-            </a:r>
-            <a:r>
-              <a:rPr b="0" i="0" lang="pt-BR" sz="2000" u="none" cap="none" strike="noStrike">
-                <a:solidFill>
-                  <a:schemeClr val="dk1"/>
-                </a:solidFill>
-                <a:highlight>
-                  <a:schemeClr val="lt1"/>
-                </a:highlight>
-                <a:latin typeface="Calibri"/>
-                <a:ea typeface="Calibri"/>
-                <a:cs typeface="Calibri"/>
-                <a:sym typeface="Calibri"/>
-              </a:rPr>
-              <a:t>Restituir o valor do produto ao cliente</a:t>
-            </a:r>
-            <a:endParaRPr b="0" i="0" sz="2000" u="none" cap="none" strike="noStrike">
-              <a:solidFill>
-                <a:schemeClr val="dk1"/>
-              </a:solidFill>
-              <a:highlight>
-                <a:schemeClr val="lt1"/>
-              </a:highlight>
-              <a:latin typeface="Calibri"/>
-              <a:ea typeface="Calibri"/>
-              <a:cs typeface="Calibri"/>
-              <a:sym typeface="Calibri"/>
-            </a:endParaRPr>
-          </a:p>
-          <a:p>
-            <a:pPr indent="0" lvl="0" marL="0" marR="0" rtl="0" algn="l">
-              <a:lnSpc>
-                <a:spcPct val="80000"/>
-              </a:lnSpc>
-              <a:spcBef>
-                <a:spcPts val="0"/>
-              </a:spcBef>
-              <a:spcAft>
-                <a:spcPts val="0"/>
-              </a:spcAft>
-              <a:buClr>
-                <a:srgbClr val="000000"/>
-              </a:buClr>
-              <a:buSzPts val="2000"/>
-              <a:buFont typeface="Arial"/>
-              <a:buNone/>
-            </a:pPr>
-            <a:r>
-              <a:rPr b="1" i="0" lang="pt-BR" sz="2000" u="none" cap="none" strike="noStrike">
-                <a:solidFill>
-                  <a:schemeClr val="dk1"/>
-                </a:solidFill>
-                <a:highlight>
-                  <a:schemeClr val="lt1"/>
-                </a:highlight>
-                <a:latin typeface="Calibri"/>
-                <a:ea typeface="Calibri"/>
-                <a:cs typeface="Calibri"/>
-                <a:sym typeface="Calibri"/>
-              </a:rPr>
-              <a:t>Trabalhador Envolvido</a:t>
-            </a:r>
-            <a:r>
-              <a:rPr b="0" i="0" lang="pt-BR" sz="2000" u="none" cap="none" strike="noStrike">
-                <a:solidFill>
-                  <a:schemeClr val="dk1"/>
-                </a:solidFill>
-                <a:highlight>
-                  <a:schemeClr val="lt1"/>
-                </a:highlight>
-                <a:latin typeface="Calibri"/>
-                <a:ea typeface="Calibri"/>
-                <a:cs typeface="Calibri"/>
-                <a:sym typeface="Calibri"/>
-              </a:rPr>
-              <a:t>: Gerente</a:t>
-            </a:r>
-            <a:endParaRPr b="0" i="0" sz="2000" u="none" cap="none" strike="noStrike">
-              <a:solidFill>
-                <a:schemeClr val="dk1"/>
-              </a:solidFill>
-              <a:highlight>
-                <a:schemeClr val="lt1"/>
-              </a:highlight>
-              <a:latin typeface="Calibri"/>
-              <a:ea typeface="Calibri"/>
-              <a:cs typeface="Calibri"/>
-              <a:sym typeface="Calibri"/>
-            </a:endParaRPr>
-          </a:p>
-          <a:p>
-            <a:pPr indent="-228600" lvl="0" marL="228600" marR="0" rtl="0" algn="just">
-              <a:lnSpc>
-                <a:spcPct val="80000"/>
-              </a:lnSpc>
-              <a:spcBef>
-                <a:spcPts val="1000"/>
-              </a:spcBef>
-              <a:spcAft>
-                <a:spcPts val="0"/>
-              </a:spcAft>
-              <a:buClr>
-                <a:schemeClr val="dk1"/>
-              </a:buClr>
-              <a:buSzPts val="2000"/>
-              <a:buFont typeface="Arial"/>
-              <a:buChar char="•"/>
-            </a:pPr>
-            <a:r>
-              <a:rPr b="0" i="0" lang="pt-BR" sz="2000" u="none" cap="none" strike="noStrike">
-                <a:solidFill>
-                  <a:schemeClr val="dk1"/>
-                </a:solidFill>
-                <a:highlight>
-                  <a:schemeClr val="lt1"/>
-                </a:highlight>
-                <a:latin typeface="Calibri"/>
-                <a:ea typeface="Calibri"/>
-                <a:cs typeface="Calibri"/>
-                <a:sym typeface="Calibri"/>
-              </a:rPr>
-              <a:t>Verifica o recibo de devolução recebido do cliente e guarda em chamado de devolução.</a:t>
-            </a:r>
-            <a:endParaRPr b="0" i="0" sz="2000" u="none" cap="none" strike="noStrike">
-              <a:solidFill>
-                <a:schemeClr val="dk1"/>
-              </a:solidFill>
-              <a:highlight>
-                <a:schemeClr val="lt1"/>
-              </a:highlight>
-              <a:latin typeface="Calibri"/>
-              <a:ea typeface="Calibri"/>
-              <a:cs typeface="Calibri"/>
-              <a:sym typeface="Calibri"/>
-            </a:endParaRPr>
-          </a:p>
-          <a:p>
-            <a:pPr indent="-355600" lvl="1" marL="914400" marR="0" rtl="0" algn="just">
-              <a:lnSpc>
-                <a:spcPct val="80000"/>
-              </a:lnSpc>
-              <a:spcBef>
-                <a:spcPts val="0"/>
-              </a:spcBef>
-              <a:spcAft>
-                <a:spcPts val="0"/>
-              </a:spcAft>
-              <a:buClr>
-                <a:schemeClr val="dk1"/>
-              </a:buClr>
-              <a:buSzPts val="2000"/>
-              <a:buFont typeface="Arial"/>
-              <a:buChar char="○"/>
-            </a:pPr>
-            <a:r>
-              <a:rPr b="0" i="0" lang="pt-BR" sz="2000" u="none" cap="none" strike="noStrike">
-                <a:solidFill>
-                  <a:schemeClr val="dk1"/>
-                </a:solidFill>
-                <a:highlight>
-                  <a:schemeClr val="lt1"/>
-                </a:highlight>
-                <a:latin typeface="Calibri"/>
-                <a:ea typeface="Calibri"/>
-                <a:cs typeface="Calibri"/>
-                <a:sym typeface="Calibri"/>
-              </a:rPr>
-              <a:t>Se o recibo não estiver assinado, a devolução é recusada.</a:t>
-            </a:r>
-            <a:endParaRPr b="0" i="0" sz="2000" u="none" cap="none" strike="noStrike">
-              <a:solidFill>
-                <a:schemeClr val="dk1"/>
-              </a:solidFill>
-              <a:highlight>
-                <a:schemeClr val="lt1"/>
-              </a:highlight>
-              <a:latin typeface="Calibri"/>
-              <a:ea typeface="Calibri"/>
-              <a:cs typeface="Calibri"/>
-              <a:sym typeface="Calibri"/>
-            </a:endParaRPr>
-          </a:p>
-          <a:p>
-            <a:pPr indent="-228600" lvl="0" marL="228600" marR="0" rtl="0" algn="just">
-              <a:lnSpc>
-                <a:spcPct val="80000"/>
-              </a:lnSpc>
-              <a:spcBef>
-                <a:spcPts val="1000"/>
-              </a:spcBef>
-              <a:spcAft>
-                <a:spcPts val="0"/>
-              </a:spcAft>
-              <a:buClr>
-                <a:schemeClr val="dk1"/>
-              </a:buClr>
-              <a:buSzPts val="2000"/>
-              <a:buFont typeface="Arial"/>
-              <a:buChar char="•"/>
-            </a:pPr>
-            <a:r>
-              <a:rPr b="0" i="0" lang="pt-BR" sz="2000" u="none" cap="none" strike="noStrike">
-                <a:solidFill>
-                  <a:schemeClr val="dk1"/>
-                </a:solidFill>
-                <a:highlight>
-                  <a:schemeClr val="lt1"/>
-                </a:highlight>
-                <a:latin typeface="Calibri"/>
-                <a:ea typeface="Calibri"/>
-                <a:cs typeface="Calibri"/>
-                <a:sym typeface="Calibri"/>
-              </a:rPr>
-              <a:t>Retira do lançamento o valor total do produto de devolu</a:t>
-            </a:r>
-            <a:r>
-              <a:rPr lang="pt-BR" sz="2000">
-                <a:solidFill>
-                  <a:schemeClr val="dk1"/>
-                </a:solidFill>
-                <a:highlight>
-                  <a:schemeClr val="lt1"/>
-                </a:highlight>
-                <a:latin typeface="Calibri"/>
-                <a:ea typeface="Calibri"/>
-                <a:cs typeface="Calibri"/>
-                <a:sym typeface="Calibri"/>
-              </a:rPr>
-              <a:t>ção e devolve valor do produto ao cliente.</a:t>
-            </a:r>
-            <a:endParaRPr b="0" i="0" sz="2000" u="none" cap="none" strike="noStrike">
-              <a:solidFill>
-                <a:schemeClr val="dk1"/>
-              </a:solidFill>
-              <a:highlight>
-                <a:schemeClr val="lt1"/>
-              </a:highlight>
-              <a:latin typeface="Calibri"/>
-              <a:ea typeface="Calibri"/>
-              <a:cs typeface="Calibri"/>
-              <a:sym typeface="Calibri"/>
-            </a:endParaRPr>
-          </a:p>
-          <a:p>
-            <a:pPr indent="-228600" lvl="0" marL="228600" marR="0" rtl="0" algn="just">
-              <a:lnSpc>
-                <a:spcPct val="80000"/>
-              </a:lnSpc>
-              <a:spcBef>
-                <a:spcPts val="1000"/>
-              </a:spcBef>
-              <a:spcAft>
-                <a:spcPts val="0"/>
-              </a:spcAft>
-              <a:buClr>
-                <a:schemeClr val="dk1"/>
-              </a:buClr>
-              <a:buSzPts val="2000"/>
-              <a:buFont typeface="Arial"/>
-              <a:buChar char="•"/>
-            </a:pPr>
-            <a:r>
-              <a:rPr b="0" i="0" lang="pt-BR" sz="2000" u="none" cap="none" strike="noStrike">
-                <a:solidFill>
-                  <a:schemeClr val="dk1"/>
-                </a:solidFill>
-                <a:highlight>
-                  <a:schemeClr val="lt1"/>
-                </a:highlight>
-                <a:latin typeface="Calibri"/>
-                <a:ea typeface="Calibri"/>
-                <a:cs typeface="Calibri"/>
-                <a:sym typeface="Calibri"/>
-              </a:rPr>
-              <a:t>Atualiza o status do chamado de devolução para “encerrado”.</a:t>
-            </a:r>
-            <a:endParaRPr b="0" i="0" sz="2000" u="none" cap="none" strike="noStrike">
-              <a:solidFill>
-                <a:schemeClr val="dk1"/>
-              </a:solidFill>
-              <a:highlight>
-                <a:schemeClr val="lt1"/>
-              </a:highlight>
-              <a:latin typeface="Calibri"/>
-              <a:ea typeface="Calibri"/>
-              <a:cs typeface="Calibri"/>
-              <a:sym typeface="Calibri"/>
-            </a:endParaRPr>
-          </a:p>
-        </p:txBody>
-      </p:sp>
-      <p:pic>
-        <p:nvPicPr>
-          <p:cNvPr id="184" name="Google Shape;184;gcce74347ab_0_10"/>
-          <p:cNvPicPr preferRelativeResize="0"/>
-          <p:nvPr/>
-        </p:nvPicPr>
-        <p:blipFill>
-          <a:blip r:embed="rId3">
-            <a:alphaModFix/>
-          </a:blip>
-          <a:stretch>
-            <a:fillRect/>
-          </a:stretch>
-        </p:blipFill>
-        <p:spPr>
-          <a:xfrm>
-            <a:off x="304800" y="1690825"/>
-            <a:ext cx="7734301" cy="3609340"/>
+            <a:off x="304800" y="1606100"/>
+            <a:ext cx="7734301" cy="3645798"/>
           </a:xfrm>
           <a:prstGeom prst="rect">
             <a:avLst/>
@@ -20877,7 +20916,7 @@
       </p:grpSpPr>
       <p:sp>
         <p:nvSpPr>
-          <p:cNvPr id="189" name="Google Shape;189;gc56d62285f_0_6"/>
+          <p:cNvPr id="189" name="Google Shape;189;gcce74347ab_0_10"/>
           <p:cNvSpPr txBox="1"/>
           <p:nvPr>
             <p:ph type="title"/>
@@ -20912,11 +20951,7 @@
               <a:spcAft>
                 <a:spcPts val="0"/>
               </a:spcAft>
-              <a:buClr>
-                <a:schemeClr val="dk1"/>
-              </a:buClr>
-              <a:buSzPts val="4400"/>
-              <a:buFont typeface="Calibri"/>
+              <a:buSzPts val="1800"/>
               <a:buNone/>
             </a:pPr>
             <a:r>
@@ -20925,9 +20960,9 @@
             </a:r>
             <a:r>
               <a:rPr b="1" lang="pt-BR"/>
-              <a:t>Comprar Produtos </a:t>
-            </a:r>
-            <a:endParaRPr sz="3100">
+              <a:t>Tratar Devoluções </a:t>
+            </a:r>
+            <a:endParaRPr b="1">
               <a:highlight>
                 <a:schemeClr val="lt1"/>
               </a:highlight>
@@ -20937,14 +20972,14 @@
       </p:sp>
       <p:sp>
         <p:nvSpPr>
-          <p:cNvPr id="190" name="Google Shape;190;gc56d62285f_0_6"/>
+          <p:cNvPr id="190" name="Google Shape;190;gcce74347ab_0_10"/>
           <p:cNvSpPr txBox="1"/>
           <p:nvPr/>
         </p:nvSpPr>
         <p:spPr>
           <a:xfrm>
-            <a:off x="7205050" y="1690825"/>
-            <a:ext cx="4258200" cy="3385512"/>
+            <a:off x="8039100" y="1690825"/>
+            <a:ext cx="3900900" cy="5002500"/>
           </a:xfrm>
           <a:prstGeom prst="rect">
             <a:avLst/>
@@ -20982,18 +21017,15 @@
                 <a:solidFill>
                   <a:schemeClr val="dk1"/>
                 </a:solidFill>
-                <a:highlight>
-                  <a:schemeClr val="lt1"/>
-                </a:highlight>
                 <a:latin typeface="Calibri"/>
                 <a:ea typeface="Calibri"/>
                 <a:cs typeface="Calibri"/>
                 <a:sym typeface="Calibri"/>
               </a:rPr>
-              <a:t>Processo</a:t>
-            </a:r>
-            <a:r>
-              <a:rPr b="0" i="0" lang="pt-BR" sz="2000" u="none" cap="none" strike="noStrike">
+              <a:t>P</a:t>
+            </a:r>
+            <a:r>
+              <a:rPr b="1" i="0" lang="pt-BR" sz="2000" u="none" cap="none" strike="noStrike">
                 <a:solidFill>
                   <a:schemeClr val="dk1"/>
                 </a:solidFill>
@@ -21005,7 +21037,22 @@
                 <a:cs typeface="Calibri"/>
                 <a:sym typeface="Calibri"/>
               </a:rPr>
-              <a:t>: Solicitar produtos</a:t>
+              <a:t>rocesso</a:t>
+            </a:r>
+            <a:r>
+              <a:rPr b="0" i="0" lang="pt-BR" sz="2000" u="none" cap="none" strike="noStrike">
+                <a:solidFill>
+                  <a:schemeClr val="dk1"/>
+                </a:solidFill>
+                <a:highlight>
+                  <a:schemeClr val="lt1"/>
+                </a:highlight>
+                <a:latin typeface="Calibri"/>
+                <a:ea typeface="Calibri"/>
+                <a:cs typeface="Calibri"/>
+                <a:sym typeface="Calibri"/>
+              </a:rPr>
+              <a:t>: Finalizar Devolução</a:t>
             </a:r>
             <a:endParaRPr b="0" i="0" sz="2000" u="none" cap="none" strike="noStrike">
               <a:solidFill>
@@ -21066,7 +21113,7 @@
                 <a:cs typeface="Calibri"/>
                 <a:sym typeface="Calibri"/>
               </a:rPr>
-              <a:t>: Gerente faz solicitação de produtos</a:t>
+              <a:t>: Cliente envia recibo de devolução</a:t>
             </a:r>
             <a:endParaRPr b="0" i="0" sz="2000" u="none" cap="none" strike="noStrike">
               <a:solidFill>
@@ -21127,7 +21174,7 @@
                 <a:cs typeface="Calibri"/>
                 <a:sym typeface="Calibri"/>
               </a:rPr>
-              <a:t>Adquirir novas mercadorias para aquisição</a:t>
+              <a:t>Restituir o valor do produto ao cliente</a:t>
             </a:r>
             <a:endParaRPr b="0" i="0" sz="2000" u="none" cap="none" strike="noStrike">
               <a:solidFill>
@@ -21173,27 +21220,7 @@
                 <a:cs typeface="Calibri"/>
                 <a:sym typeface="Calibri"/>
               </a:rPr>
-              <a:t>Trabalhadores </a:t>
-            </a:r>
-            <a:r>
-              <a:rPr b="1" i="0" lang="pt-BR" sz="2000" u="none" cap="none" strike="noStrike">
-                <a:solidFill>
-                  <a:schemeClr val="dk1"/>
-                </a:solidFill>
-                <a:highlight>
-                  <a:schemeClr val="lt1"/>
-                </a:highlight>
-                <a:latin typeface="Calibri"/>
-                <a:ea typeface="Calibri"/>
-                <a:cs typeface="Calibri"/>
-                <a:sym typeface="Calibri"/>
-                <a:extLst>
-                  <a:ext uri="http://customooxmlschemas.google.com/">
-                    <go:slidesCustomData xmlns:go="http://customooxmlschemas.google.com/" textRoundtripDataId="4"/>
-                  </a:ext>
-                </a:extLst>
-              </a:rPr>
-              <a:t>Envolvidos</a:t>
+              <a:t>Trabalhador Envolvido</a:t>
             </a:r>
             <a:r>
               <a:rPr b="0" i="0" lang="pt-BR" sz="2000" u="none" cap="none" strike="noStrike">
@@ -21224,25 +21251,37 @@
             </a:endParaRPr>
           </a:p>
           <a:p>
-            <a:pPr indent="0" lvl="0" marL="0" marR="0" rtl="0" algn="just">
+            <a:pPr indent="-228600" lvl="0" marL="228600" marR="0" rtl="0" algn="l">
               <a:lnSpc>
                 <a:spcPct val="80000"/>
               </a:lnSpc>
               <a:spcBef>
-                <a:spcPts val="0"/>
-              </a:spcBef>
-              <a:spcAft>
-                <a:spcPts val="0"/>
-              </a:spcAft>
-              <a:buClr>
-                <a:srgbClr val="000000"/>
+                <a:spcPts val="1000"/>
+              </a:spcBef>
+              <a:spcAft>
+                <a:spcPts val="0"/>
+              </a:spcAft>
+              <a:buClr>
+                <a:schemeClr val="dk1"/>
               </a:buClr>
               <a:buSzPts val="2000"/>
               <a:buFont typeface="Arial"/>
-              <a:buNone/>
+              <a:buChar char="•"/>
             </a:pPr>
             <a:r>
-              <a:t/>
+              <a:rPr b="0" i="0" lang="pt-BR" sz="2000" u="none" cap="none" strike="noStrike">
+                <a:solidFill>
+                  <a:schemeClr val="dk1"/>
+                </a:solidFill>
+                <a:highlight>
+                  <a:schemeClr val="lt1"/>
+                </a:highlight>
+                <a:latin typeface="Calibri"/>
+                <a:ea typeface="Calibri"/>
+                <a:cs typeface="Calibri"/>
+                <a:sym typeface="Calibri"/>
+              </a:rPr>
+              <a:t>Verifica o recibo de devolução recebido do cliente e guarda em chamado de devolução.</a:t>
             </a:r>
             <a:endParaRPr b="0" i="0" sz="2000" u="none" cap="none" strike="noStrike">
               <a:solidFill>
@@ -21258,7 +21297,7 @@
             </a:endParaRPr>
           </a:p>
           <a:p>
-            <a:pPr indent="-355600" lvl="0" marL="457200" marR="0" rtl="0" algn="just">
+            <a:pPr indent="-355600" lvl="1" marL="914400" marR="0" rtl="0" algn="l">
               <a:lnSpc>
                 <a:spcPct val="80000"/>
               </a:lnSpc>
@@ -21272,8 +21311,8 @@
                 <a:schemeClr val="dk1"/>
               </a:buClr>
               <a:buSzPts val="2000"/>
-              <a:buFont typeface="Calibri"/>
-              <a:buChar char="●"/>
+              <a:buFont typeface="Arial"/>
+              <a:buChar char="○"/>
             </a:pPr>
             <a:r>
               <a:rPr b="0" i="0" lang="pt-BR" sz="2000" u="none" cap="none" strike="noStrike">
@@ -21288,84 +21327,133 @@
                 <a:cs typeface="Calibri"/>
                 <a:sym typeface="Calibri"/>
               </a:rPr>
-              <a:t>Verifica os fornecedores cadastrados.</a:t>
-            </a:r>
-            <a:endParaRPr/>
+              <a:t>Se o recibo não estiver assinado, a devolução é recusada.</a:t>
+            </a:r>
+            <a:endParaRPr b="0" i="0" sz="2000" u="none" cap="none" strike="noStrike">
+              <a:solidFill>
+                <a:schemeClr val="dk1"/>
+              </a:solidFill>
+              <a:highlight>
+                <a:schemeClr val="lt1"/>
+              </a:highlight>
+              <a:latin typeface="Calibri"/>
+              <a:ea typeface="Calibri"/>
+              <a:cs typeface="Calibri"/>
+              <a:sym typeface="Calibri"/>
+            </a:endParaRPr>
           </a:p>
           <a:p>
-            <a:pPr indent="-355600" lvl="1" marL="914400" marR="0" rtl="0" algn="just">
+            <a:pPr indent="-228600" lvl="0" marL="228600" marR="0" rtl="0" algn="l">
               <a:lnSpc>
                 <a:spcPct val="80000"/>
               </a:lnSpc>
               <a:spcBef>
-                <a:spcPts val="0"/>
-              </a:spcBef>
-              <a:spcAft>
-                <a:spcPts val="0"/>
-              </a:spcAft>
-              <a:buClr>
-                <a:srgbClr val="000000"/>
+                <a:spcPts val="1000"/>
+              </a:spcBef>
+              <a:spcAft>
+                <a:spcPts val="0"/>
+              </a:spcAft>
+              <a:buClr>
+                <a:schemeClr val="dk1"/>
               </a:buClr>
               <a:buSzPts val="2000"/>
               <a:buFont typeface="Arial"/>
-              <a:buChar char="○"/>
+              <a:buChar char="•"/>
             </a:pPr>
             <a:r>
               <a:rPr b="0" i="0" lang="pt-BR" sz="2000" u="none" cap="none" strike="noStrike">
                 <a:solidFill>
-                  <a:srgbClr val="000000"/>
-                </a:solidFill>
-                <a:highlight>
-                  <a:srgbClr val="FFFFFF"/>
+                  <a:schemeClr val="dk1"/>
+                </a:solidFill>
+                <a:highlight>
+                  <a:schemeClr val="lt1"/>
                 </a:highlight>
                 <a:latin typeface="Calibri"/>
                 <a:ea typeface="Calibri"/>
                 <a:cs typeface="Calibri"/>
                 <a:sym typeface="Calibri"/>
               </a:rPr>
-              <a:t>Se não houver fornecedores cadastrados, a solicitação não será realizada.</a:t>
-            </a:r>
-            <a:endParaRPr/>
-          </a:p>
-          <a:p>
-            <a:pPr indent="-228600" lvl="0" marL="457200" marR="0" rtl="0" algn="just">
-              <a:lnSpc>
-                <a:spcPct val="80000"/>
-              </a:lnSpc>
-              <a:spcBef>
-                <a:spcPts val="0"/>
-              </a:spcBef>
-              <a:spcAft>
-                <a:spcPts val="0"/>
-              </a:spcAft>
-              <a:buClr>
-                <a:schemeClr val="dk1"/>
-              </a:buClr>
-              <a:buSzPts val="2000"/>
-              <a:buFont typeface="Calibri"/>
-              <a:buNone/>
-            </a:pPr>
-            <a:r>
-              <a:t/>
+              <a:t>Retira do lançamento o valor total do produto de devolu</a:t>
+            </a:r>
+            <a:r>
+              <a:rPr lang="pt-BR" sz="2000">
+                <a:solidFill>
+                  <a:schemeClr val="dk1"/>
+                </a:solidFill>
+                <a:highlight>
+                  <a:schemeClr val="lt1"/>
+                </a:highlight>
+                <a:latin typeface="Calibri"/>
+                <a:ea typeface="Calibri"/>
+                <a:cs typeface="Calibri"/>
+                <a:sym typeface="Calibri"/>
+              </a:rPr>
+              <a:t>ção e devolve valor do produto ao cliente.</a:t>
             </a:r>
             <a:endParaRPr b="0" i="0" sz="2000" u="none" cap="none" strike="noStrike">
               <a:solidFill>
-                <a:srgbClr val="000000"/>
+                <a:schemeClr val="dk1"/>
               </a:solidFill>
               <a:highlight>
                 <a:schemeClr val="lt1"/>
               </a:highlight>
-              <a:latin typeface="Arial"/>
-              <a:ea typeface="Arial"/>
-              <a:cs typeface="Arial"/>
-              <a:sym typeface="Arial"/>
+              <a:latin typeface="Calibri"/>
+              <a:ea typeface="Calibri"/>
+              <a:cs typeface="Calibri"/>
+              <a:sym typeface="Calibri"/>
+            </a:endParaRPr>
+          </a:p>
+          <a:p>
+            <a:pPr indent="-228600" lvl="0" marL="228600" marR="0" rtl="0" algn="l">
+              <a:lnSpc>
+                <a:spcPct val="80000"/>
+              </a:lnSpc>
+              <a:spcBef>
+                <a:spcPts val="1000"/>
+              </a:spcBef>
+              <a:spcAft>
+                <a:spcPts val="0"/>
+              </a:spcAft>
+              <a:buClr>
+                <a:schemeClr val="dk1"/>
+              </a:buClr>
+              <a:buSzPts val="2000"/>
+              <a:buFont typeface="Arial"/>
+              <a:buChar char="•"/>
+            </a:pPr>
+            <a:r>
+              <a:rPr b="0" i="0" lang="pt-BR" sz="2000" u="none" cap="none" strike="noStrike">
+                <a:solidFill>
+                  <a:schemeClr val="dk1"/>
+                </a:solidFill>
+                <a:highlight>
+                  <a:schemeClr val="lt1"/>
+                </a:highlight>
+                <a:latin typeface="Calibri"/>
+                <a:ea typeface="Calibri"/>
+                <a:cs typeface="Calibri"/>
+                <a:sym typeface="Calibri"/>
+              </a:rPr>
+              <a:t>Atualiza o status do chamado de devolução para “encerrado”.</a:t>
+            </a:r>
+            <a:endParaRPr b="0" i="0" sz="2000" u="none" cap="none" strike="noStrike">
+              <a:solidFill>
+                <a:schemeClr val="dk1"/>
+              </a:solidFill>
+              <a:highlight>
+                <a:schemeClr val="lt1"/>
+              </a:highlight>
+              <a:latin typeface="Calibri"/>
+              <a:ea typeface="Calibri"/>
+              <a:cs typeface="Calibri"/>
+              <a:sym typeface="Calibri"/>
             </a:endParaRPr>
           </a:p>
         </p:txBody>
       </p:sp>
       <p:pic>
         <p:nvPicPr>
-          <p:cNvPr id="191" name="Google Shape;191;gc56d62285f_0_6"/>
+          <p:cNvPr id="191" name="Google Shape;191;gcce74347ab_0_10"/>
           <p:cNvPicPr preferRelativeResize="0"/>
           <p:nvPr/>
         </p:nvPicPr>
@@ -21379,8 +21467,8 @@
         </p:blipFill>
         <p:spPr>
           <a:xfrm>
-            <a:off x="304800" y="1690825"/>
-            <a:ext cx="6900250" cy="4272484"/>
+            <a:off x="304800" y="1606100"/>
+            <a:ext cx="7734301" cy="3645798"/>
           </a:xfrm>
           <a:prstGeom prst="rect">
             <a:avLst/>
@@ -21418,7 +21506,7 @@
       </p:grpSpPr>
       <p:sp>
         <p:nvSpPr>
-          <p:cNvPr id="196" name="Google Shape;196;gc63a4fde34_0_30"/>
+          <p:cNvPr id="196" name="Google Shape;196;gc56d62285f_0_6"/>
           <p:cNvSpPr txBox="1"/>
           <p:nvPr>
             <p:ph type="title"/>
@@ -21466,9 +21554,9 @@
             </a:r>
             <a:r>
               <a:rPr b="1" lang="pt-BR"/>
-              <a:t>Comprar Produtos</a:t>
-            </a:r>
-            <a:endParaRPr>
+              <a:t>Comprar Produtos </a:t>
+            </a:r>
+            <a:endParaRPr sz="3100">
               <a:highlight>
                 <a:schemeClr val="lt1"/>
               </a:highlight>
@@ -21478,21 +21566,27 @@
       </p:sp>
       <p:sp>
         <p:nvSpPr>
-          <p:cNvPr id="197" name="Google Shape;197;gc63a4fde34_0_30"/>
+          <p:cNvPr id="197" name="Google Shape;197;gc56d62285f_0_6"/>
           <p:cNvSpPr txBox="1"/>
           <p:nvPr/>
         </p:nvSpPr>
         <p:spPr>
           <a:xfrm>
             <a:off x="7205050" y="1690825"/>
-            <a:ext cx="4114800" cy="3514500"/>
+            <a:ext cx="4258200" cy="3879000"/>
           </a:xfrm>
           <a:prstGeom prst="rect">
             <a:avLst/>
           </a:prstGeom>
           <a:noFill/>
-          <a:ln>
-            <a:noFill/>
+          <a:ln cap="flat" cmpd="sng" w="9525">
+            <a:solidFill>
+              <a:schemeClr val="lt1"/>
+            </a:solidFill>
+            <a:prstDash val="solid"/>
+            <a:round/>
+            <a:headEnd len="sm" w="sm" type="none"/>
+            <a:tailEnd len="sm" w="sm" type="none"/>
           </a:ln>
         </p:spPr>
         <p:txBody>
@@ -21546,7 +21640,7 @@
                 <a:cs typeface="Calibri"/>
                 <a:sym typeface="Calibri"/>
               </a:rPr>
-              <a:t>: Analisar orçamento dos produtos</a:t>
+              <a:t>: Solicitar produtos</a:t>
             </a:r>
             <a:endParaRPr b="0" i="0" sz="2000" u="none" cap="none" strike="noStrike">
               <a:solidFill>
@@ -21607,7 +21701,7 @@
                 <a:cs typeface="Calibri"/>
                 <a:sym typeface="Calibri"/>
               </a:rPr>
-              <a:t>: Fornecedor envia orçamento</a:t>
+              <a:t>: Gerente faz solicitação de produtos</a:t>
             </a:r>
             <a:endParaRPr b="0" i="0" sz="2000" u="none" cap="none" strike="noStrike">
               <a:solidFill>
@@ -21668,7 +21762,7 @@
                 <a:cs typeface="Calibri"/>
                 <a:sym typeface="Calibri"/>
               </a:rPr>
-              <a:t>Analisar orçamento do pedido enviado e produtos</a:t>
+              <a:t>Adquirir novas mercadorias para aquisição</a:t>
             </a:r>
             <a:endParaRPr b="0" i="0" sz="2000" u="none" cap="none" strike="noStrike">
               <a:solidFill>
@@ -21730,7 +21824,7 @@
                 <a:sym typeface="Calibri"/>
                 <a:extLst>
                   <a:ext uri="http://customooxmlschemas.google.com/">
-                    <go:slidesCustomData xmlns:go="http://customooxmlschemas.google.com/" textRoundtripDataId="5"/>
+                    <go:slidesCustomData xmlns:go="http://customooxmlschemas.google.com/" textRoundtripDataId="4"/>
                   </a:ext>
                 </a:extLst>
               </a:rPr>
@@ -21765,67 +21859,25 @@
             </a:endParaRPr>
           </a:p>
           <a:p>
-            <a:pPr indent="-355600" lvl="0" marL="457200" marR="0" rtl="0" algn="just">
+            <a:pPr indent="0" lvl="0" marL="0" marR="0" rtl="0" algn="l">
               <a:lnSpc>
                 <a:spcPct val="80000"/>
               </a:lnSpc>
               <a:spcBef>
-                <a:spcPts val="1000"/>
-              </a:spcBef>
-              <a:spcAft>
-                <a:spcPts val="0"/>
-              </a:spcAft>
-              <a:buClr>
-                <a:schemeClr val="dk1"/>
+                <a:spcPts val="0"/>
+              </a:spcBef>
+              <a:spcAft>
+                <a:spcPts val="0"/>
+              </a:spcAft>
+              <a:buClr>
+                <a:srgbClr val="000000"/>
               </a:buClr>
               <a:buSzPts val="2000"/>
-              <a:buFont typeface="Calibri"/>
-              <a:buChar char="●"/>
+              <a:buFont typeface="Arial"/>
+              <a:buNone/>
             </a:pPr>
             <a:r>
-              <a:rPr b="0" i="0" lang="pt-BR" sz="2000" u="none" cap="none" strike="noStrike">
-                <a:solidFill>
-                  <a:schemeClr val="dk1"/>
-                </a:solidFill>
-                <a:highlight>
-                  <a:schemeClr val="lt1"/>
-                </a:highlight>
-                <a:latin typeface="Calibri"/>
-                <a:ea typeface="Calibri"/>
-                <a:cs typeface="Calibri"/>
-                <a:sym typeface="Calibri"/>
-              </a:rPr>
-              <a:t>Verifica se há saldo em lançamento disponível para compra dos produtos e </a:t>
-            </a:r>
-            <a:r>
-              <a:rPr lang="pt-BR" sz="2000">
-                <a:solidFill>
-                  <a:schemeClr val="dk1"/>
-                </a:solidFill>
-                <a:highlight>
-                  <a:schemeClr val="lt1"/>
-                </a:highlight>
-                <a:latin typeface="Calibri"/>
-                <a:ea typeface="Calibri"/>
-                <a:cs typeface="Calibri"/>
-                <a:sym typeface="Calibri"/>
-              </a:rPr>
-              <a:t>informa confirmação ao fornecedor</a:t>
-            </a:r>
-            <a:r>
-              <a:rPr b="0" i="0" lang="pt-BR" sz="2000" u="none" cap="none" strike="noStrike">
-                <a:solidFill>
-                  <a:schemeClr val="dk1"/>
-                </a:solidFill>
-                <a:highlight>
-                  <a:schemeClr val="lt1"/>
-                </a:highlight>
-                <a:latin typeface="Calibri"/>
-                <a:ea typeface="Calibri"/>
-                <a:cs typeface="Calibri"/>
-                <a:sym typeface="Calibri"/>
-              </a:rPr>
-              <a:t>.</a:t>
+              <a:t/>
             </a:r>
             <a:endParaRPr b="0" i="0" sz="2000" u="none" cap="none" strike="noStrike">
               <a:solidFill>
@@ -21841,7 +21893,7 @@
             </a:endParaRPr>
           </a:p>
           <a:p>
-            <a:pPr indent="-355600" lvl="1" marL="914400" marR="0" rtl="0" algn="just">
+            <a:pPr indent="-355600" lvl="0" marL="457200" marR="0" rtl="0" algn="l">
               <a:lnSpc>
                 <a:spcPct val="80000"/>
               </a:lnSpc>
@@ -21853,6 +21905,41 @@
               </a:spcAft>
               <a:buClr>
                 <a:schemeClr val="dk1"/>
+              </a:buClr>
+              <a:buSzPts val="2000"/>
+              <a:buFont typeface="Calibri"/>
+              <a:buChar char="●"/>
+            </a:pPr>
+            <a:r>
+              <a:rPr b="0" i="0" lang="pt-BR" sz="2000" u="none" cap="none" strike="noStrike">
+                <a:solidFill>
+                  <a:schemeClr val="dk1"/>
+                </a:solidFill>
+                <a:highlight>
+                  <a:schemeClr val="lt1"/>
+                </a:highlight>
+                <a:latin typeface="Calibri"/>
+                <a:ea typeface="Calibri"/>
+                <a:cs typeface="Calibri"/>
+                <a:sym typeface="Calibri"/>
+              </a:rPr>
+              <a:t>Verifica os fornecedores cadastrados.</a:t>
+            </a:r>
+            <a:endParaRPr/>
+          </a:p>
+          <a:p>
+            <a:pPr indent="-355600" lvl="1" marL="914400" marR="0" rtl="0" algn="l">
+              <a:lnSpc>
+                <a:spcPct val="80000"/>
+              </a:lnSpc>
+              <a:spcBef>
+                <a:spcPts val="0"/>
+              </a:spcBef>
+              <a:spcAft>
+                <a:spcPts val="0"/>
+              </a:spcAft>
+              <a:buClr>
+                <a:srgbClr val="000000"/>
               </a:buClr>
               <a:buSzPts val="2000"/>
               <a:buFont typeface="Arial"/>
@@ -21861,36 +21948,54 @@
             <a:r>
               <a:rPr b="0" i="0" lang="pt-BR" sz="2000" u="none" cap="none" strike="noStrike">
                 <a:solidFill>
-                  <a:schemeClr val="dk1"/>
-                </a:solidFill>
-                <a:highlight>
-                  <a:schemeClr val="lt1"/>
+                  <a:srgbClr val="000000"/>
+                </a:solidFill>
+                <a:highlight>
+                  <a:srgbClr val="FFFFFF"/>
                 </a:highlight>
                 <a:latin typeface="Calibri"/>
                 <a:ea typeface="Calibri"/>
                 <a:cs typeface="Calibri"/>
                 <a:sym typeface="Calibri"/>
               </a:rPr>
-              <a:t>Se não há saldo suficiente para compra de produtos, o orçamento, será recusado.</a:t>
-            </a:r>
-            <a:endParaRPr b="0" i="0" sz="2000" u="none" cap="none" strike="noStrike">
-              <a:solidFill>
-                <a:schemeClr val="dk1"/>
-              </a:solidFill>
+              <a:t>Se não houver fornecedores cadastrados, a solicitação não será realizada.</a:t>
+            </a:r>
+            <a:endParaRPr/>
+          </a:p>
+          <a:p>
+            <a:pPr indent="-355600" lvl="0" marL="457200" marR="0" rtl="0" algn="l">
+              <a:lnSpc>
+                <a:spcPct val="80000"/>
+              </a:lnSpc>
+              <a:spcBef>
+                <a:spcPts val="0"/>
+              </a:spcBef>
+              <a:spcAft>
+                <a:spcPts val="0"/>
+              </a:spcAft>
+              <a:buSzPts val="2000"/>
+              <a:buFont typeface="Calibri"/>
+              <a:buChar char="●"/>
+            </a:pPr>
+            <a:r>
+              <a:rPr lang="pt-BR" sz="2000">
+                <a:highlight>
+                  <a:schemeClr val="lt1"/>
+                </a:highlight>
+              </a:rPr>
+              <a:t>Atualiza a compra com as informações sobre a solicitação de produtos.</a:t>
+            </a:r>
+            <a:endParaRPr sz="2000">
               <a:highlight>
                 <a:schemeClr val="lt1"/>
               </a:highlight>
-              <a:latin typeface="Calibri"/>
-              <a:ea typeface="Calibri"/>
-              <a:cs typeface="Calibri"/>
-              <a:sym typeface="Calibri"/>
             </a:endParaRPr>
           </a:p>
         </p:txBody>
       </p:sp>
       <p:pic>
         <p:nvPicPr>
-          <p:cNvPr id="198" name="Google Shape;198;gc63a4fde34_0_30"/>
+          <p:cNvPr id="198" name="Google Shape;198;gc56d62285f_0_6"/>
           <p:cNvPicPr preferRelativeResize="0"/>
           <p:nvPr/>
         </p:nvPicPr>
@@ -21943,245 +22048,7 @@
       </p:grpSpPr>
       <p:sp>
         <p:nvSpPr>
-          <p:cNvPr id="203" name="Google Shape;203;gd2b4982aba_0_66"/>
-          <p:cNvSpPr txBox="1"/>
-          <p:nvPr>
-            <p:ph idx="1" type="body"/>
-          </p:nvPr>
-        </p:nvSpPr>
-        <p:spPr>
-          <a:xfrm>
-            <a:off x="7205050" y="1767025"/>
-            <a:ext cx="4624500" cy="2583900"/>
-          </a:xfrm>
-          <a:prstGeom prst="rect">
-            <a:avLst/>
-          </a:prstGeom>
-          <a:noFill/>
-          <a:ln>
-            <a:noFill/>
-          </a:ln>
-        </p:spPr>
-        <p:txBody>
-          <a:bodyPr anchorCtr="0" anchor="t" bIns="45700" lIns="91425" spcFirstLastPara="1" rIns="91425" wrap="square" tIns="45700">
-            <a:noAutofit/>
-          </a:bodyPr>
-          <a:lstStyle/>
-          <a:p>
-            <a:pPr indent="0" lvl="0" marL="0" rtl="0" algn="l">
-              <a:lnSpc>
-                <a:spcPct val="70000"/>
-              </a:lnSpc>
-              <a:spcBef>
-                <a:spcPts val="0"/>
-              </a:spcBef>
-              <a:spcAft>
-                <a:spcPts val="0"/>
-              </a:spcAft>
-              <a:buClr>
-                <a:schemeClr val="dk1"/>
-              </a:buClr>
-              <a:buSzPts val="2800"/>
-              <a:buNone/>
-            </a:pPr>
-            <a:r>
-              <a:rPr b="1" lang="pt-BR" sz="2000">
-                <a:highlight>
-                  <a:schemeClr val="lt1"/>
-                </a:highlight>
-              </a:rPr>
-              <a:t>Processo</a:t>
-            </a:r>
-            <a:r>
-              <a:rPr lang="pt-BR" sz="2000">
-                <a:highlight>
-                  <a:schemeClr val="lt1"/>
-                </a:highlight>
-              </a:rPr>
-              <a:t>: Pagar produtos</a:t>
-            </a:r>
-            <a:endParaRPr sz="2000">
-              <a:highlight>
-                <a:schemeClr val="lt1"/>
-              </a:highlight>
-            </a:endParaRPr>
-          </a:p>
-          <a:p>
-            <a:pPr indent="0" lvl="0" marL="0" rtl="0" algn="l">
-              <a:lnSpc>
-                <a:spcPct val="70000"/>
-              </a:lnSpc>
-              <a:spcBef>
-                <a:spcPts val="0"/>
-              </a:spcBef>
-              <a:spcAft>
-                <a:spcPts val="0"/>
-              </a:spcAft>
-              <a:buClr>
-                <a:schemeClr val="dk1"/>
-              </a:buClr>
-              <a:buSzPts val="2800"/>
-              <a:buNone/>
-            </a:pPr>
-            <a:r>
-              <a:rPr b="1" lang="pt-BR" sz="2000">
-                <a:highlight>
-                  <a:schemeClr val="lt1"/>
-                </a:highlight>
-              </a:rPr>
-              <a:t>Evento</a:t>
-            </a:r>
-            <a:r>
-              <a:rPr lang="pt-BR" sz="2000">
-                <a:highlight>
-                  <a:schemeClr val="lt1"/>
-                </a:highlight>
-              </a:rPr>
-              <a:t>: Gerente realiza pagamento dos produtos</a:t>
-            </a:r>
-            <a:endParaRPr sz="2000">
-              <a:highlight>
-                <a:schemeClr val="lt1"/>
-              </a:highlight>
-            </a:endParaRPr>
-          </a:p>
-          <a:p>
-            <a:pPr indent="0" lvl="0" marL="0" rtl="0" algn="l">
-              <a:lnSpc>
-                <a:spcPct val="70000"/>
-              </a:lnSpc>
-              <a:spcBef>
-                <a:spcPts val="0"/>
-              </a:spcBef>
-              <a:spcAft>
-                <a:spcPts val="0"/>
-              </a:spcAft>
-              <a:buClr>
-                <a:schemeClr val="dk1"/>
-              </a:buClr>
-              <a:buSzPts val="2800"/>
-              <a:buNone/>
-            </a:pPr>
-            <a:r>
-              <a:rPr b="1" lang="pt-BR" sz="2000">
-                <a:highlight>
-                  <a:schemeClr val="lt1"/>
-                </a:highlight>
-              </a:rPr>
-              <a:t>Objetivo:</a:t>
-            </a:r>
-            <a:r>
-              <a:rPr lang="pt-BR" sz="2000">
-                <a:highlight>
-                  <a:schemeClr val="lt1"/>
-                </a:highlight>
-              </a:rPr>
-              <a:t> Pagar as mercadorias adquiridas ao fornecedor</a:t>
-            </a:r>
-            <a:endParaRPr sz="2000">
-              <a:highlight>
-                <a:schemeClr val="lt1"/>
-              </a:highlight>
-            </a:endParaRPr>
-          </a:p>
-          <a:p>
-            <a:pPr indent="0" lvl="0" marL="0" rtl="0" algn="l">
-              <a:lnSpc>
-                <a:spcPct val="70000"/>
-              </a:lnSpc>
-              <a:spcBef>
-                <a:spcPts val="0"/>
-              </a:spcBef>
-              <a:spcAft>
-                <a:spcPts val="0"/>
-              </a:spcAft>
-              <a:buClr>
-                <a:schemeClr val="dk1"/>
-              </a:buClr>
-              <a:buSzPts val="2800"/>
-              <a:buNone/>
-            </a:pPr>
-            <a:r>
-              <a:rPr b="1" lang="pt-BR" sz="2000">
-                <a:highlight>
-                  <a:schemeClr val="lt1"/>
-                </a:highlight>
-              </a:rPr>
-              <a:t>Trabalhador Envolvido</a:t>
-            </a:r>
-            <a:r>
-              <a:rPr lang="pt-BR" sz="2000">
-                <a:highlight>
-                  <a:schemeClr val="lt1"/>
-                </a:highlight>
-              </a:rPr>
-              <a:t>: Gerente</a:t>
-            </a:r>
-            <a:endParaRPr sz="2000">
-              <a:highlight>
-                <a:schemeClr val="lt1"/>
-              </a:highlight>
-            </a:endParaRPr>
-          </a:p>
-          <a:p>
-            <a:pPr indent="0" lvl="0" marL="0" rtl="0" algn="just">
-              <a:lnSpc>
-                <a:spcPct val="70000"/>
-              </a:lnSpc>
-              <a:spcBef>
-                <a:spcPts val="0"/>
-              </a:spcBef>
-              <a:spcAft>
-                <a:spcPts val="0"/>
-              </a:spcAft>
-              <a:buClr>
-                <a:schemeClr val="dk1"/>
-              </a:buClr>
-              <a:buSzPts val="2800"/>
-              <a:buNone/>
-            </a:pPr>
-            <a:r>
-              <a:t/>
-            </a:r>
-            <a:endParaRPr sz="2000">
-              <a:highlight>
-                <a:schemeClr val="lt1"/>
-              </a:highlight>
-            </a:endParaRPr>
-          </a:p>
-          <a:p>
-            <a:pPr indent="-355600" lvl="0" marL="457200" rtl="0" algn="just">
-              <a:lnSpc>
-                <a:spcPct val="70000"/>
-              </a:lnSpc>
-              <a:spcBef>
-                <a:spcPts val="0"/>
-              </a:spcBef>
-              <a:spcAft>
-                <a:spcPts val="0"/>
-              </a:spcAft>
-              <a:buSzPts val="2000"/>
-              <a:buChar char="•"/>
-            </a:pPr>
-            <a:r>
-              <a:rPr lang="pt-BR" sz="2000">
-                <a:highlight>
-                  <a:schemeClr val="lt1"/>
-                </a:highlight>
-              </a:rPr>
-              <a:t>Retira do lançamento o valor necessário para pagamento dos produtos.</a:t>
-            </a:r>
-            <a:endParaRPr sz="2000">
-              <a:highlight>
-                <a:schemeClr val="lt1"/>
-              </a:highlight>
-            </a:endParaRPr>
-          </a:p>
-        </p:txBody>
-      </p:sp>
-      <p:sp>
-        <p:nvSpPr>
-          <p:cNvPr id="204" name="Google Shape;204;gd2b4982aba_0_66"/>
+          <p:cNvPr id="203" name="Google Shape;203;gc63a4fde34_0_30"/>
           <p:cNvSpPr txBox="1"/>
           <p:nvPr>
             <p:ph type="title"/>
@@ -22231,7 +22098,7 @@
               <a:rPr b="1" lang="pt-BR"/>
               <a:t>Comprar Produtos</a:t>
             </a:r>
-            <a:endParaRPr b="1">
+            <a:endParaRPr>
               <a:highlight>
                 <a:schemeClr val="lt1"/>
               </a:highlight>
@@ -22239,9 +22106,451 @@
           </a:p>
         </p:txBody>
       </p:sp>
+      <p:sp>
+        <p:nvSpPr>
+          <p:cNvPr id="204" name="Google Shape;204;gc63a4fde34_0_30"/>
+          <p:cNvSpPr txBox="1"/>
+          <p:nvPr/>
+        </p:nvSpPr>
+        <p:spPr>
+          <a:xfrm>
+            <a:off x="7205050" y="1690825"/>
+            <a:ext cx="4114800" cy="3514500"/>
+          </a:xfrm>
+          <a:prstGeom prst="rect">
+            <a:avLst/>
+          </a:prstGeom>
+          <a:noFill/>
+          <a:ln>
+            <a:noFill/>
+          </a:ln>
+        </p:spPr>
+        <p:txBody>
+          <a:bodyPr anchorCtr="0" anchor="t" bIns="91425" lIns="91425" spcFirstLastPara="1" rIns="91425" wrap="square" tIns="91425">
+            <a:spAutoFit/>
+          </a:bodyPr>
+          <a:lstStyle/>
+          <a:p>
+            <a:pPr indent="0" lvl="0" marL="0" marR="0" rtl="0" algn="l">
+              <a:lnSpc>
+                <a:spcPct val="80000"/>
+              </a:lnSpc>
+              <a:spcBef>
+                <a:spcPts val="0"/>
+              </a:spcBef>
+              <a:spcAft>
+                <a:spcPts val="0"/>
+              </a:spcAft>
+              <a:buClr>
+                <a:srgbClr val="000000"/>
+              </a:buClr>
+              <a:buSzPts val="2000"/>
+              <a:buFont typeface="Arial"/>
+              <a:buNone/>
+            </a:pPr>
+            <a:r>
+              <a:rPr b="1" i="0" lang="pt-BR" sz="2000" u="none" cap="none" strike="noStrike">
+                <a:solidFill>
+                  <a:schemeClr val="dk1"/>
+                </a:solidFill>
+                <a:highlight>
+                  <a:schemeClr val="lt1"/>
+                </a:highlight>
+                <a:latin typeface="Calibri"/>
+                <a:ea typeface="Calibri"/>
+                <a:cs typeface="Calibri"/>
+                <a:sym typeface="Calibri"/>
+              </a:rPr>
+              <a:t>Processo</a:t>
+            </a:r>
+            <a:r>
+              <a:rPr b="0" i="0" lang="pt-BR" sz="2000" u="none" cap="none" strike="noStrike">
+                <a:solidFill>
+                  <a:schemeClr val="dk1"/>
+                </a:solidFill>
+                <a:highlight>
+                  <a:schemeClr val="lt1"/>
+                </a:highlight>
+                <a:latin typeface="Calibri"/>
+                <a:ea typeface="Calibri"/>
+                <a:cs typeface="Calibri"/>
+                <a:sym typeface="Calibri"/>
+              </a:rPr>
+              <a:t>: Analisar orçamento dos produtos</a:t>
+            </a:r>
+            <a:endParaRPr b="0" i="0" sz="2000" u="none" cap="none" strike="noStrike">
+              <a:solidFill>
+                <a:schemeClr val="dk1"/>
+              </a:solidFill>
+              <a:highlight>
+                <a:schemeClr val="lt1"/>
+              </a:highlight>
+              <a:latin typeface="Calibri"/>
+              <a:ea typeface="Calibri"/>
+              <a:cs typeface="Calibri"/>
+              <a:sym typeface="Calibri"/>
+            </a:endParaRPr>
+          </a:p>
+          <a:p>
+            <a:pPr indent="0" lvl="0" marL="0" marR="0" rtl="0" algn="l">
+              <a:lnSpc>
+                <a:spcPct val="80000"/>
+              </a:lnSpc>
+              <a:spcBef>
+                <a:spcPts val="0"/>
+              </a:spcBef>
+              <a:spcAft>
+                <a:spcPts val="0"/>
+              </a:spcAft>
+              <a:buClr>
+                <a:srgbClr val="000000"/>
+              </a:buClr>
+              <a:buSzPts val="2000"/>
+              <a:buFont typeface="Arial"/>
+              <a:buNone/>
+            </a:pPr>
+            <a:r>
+              <a:rPr b="1" i="0" lang="pt-BR" sz="2000" u="none" cap="none" strike="noStrike">
+                <a:solidFill>
+                  <a:schemeClr val="dk1"/>
+                </a:solidFill>
+                <a:highlight>
+                  <a:schemeClr val="lt1"/>
+                </a:highlight>
+                <a:latin typeface="Calibri"/>
+                <a:ea typeface="Calibri"/>
+                <a:cs typeface="Calibri"/>
+                <a:sym typeface="Calibri"/>
+              </a:rPr>
+              <a:t>Evento</a:t>
+            </a:r>
+            <a:r>
+              <a:rPr b="0" i="0" lang="pt-BR" sz="2000" u="none" cap="none" strike="noStrike">
+                <a:solidFill>
+                  <a:schemeClr val="dk1"/>
+                </a:solidFill>
+                <a:highlight>
+                  <a:schemeClr val="lt1"/>
+                </a:highlight>
+                <a:latin typeface="Calibri"/>
+                <a:ea typeface="Calibri"/>
+                <a:cs typeface="Calibri"/>
+                <a:sym typeface="Calibri"/>
+              </a:rPr>
+              <a:t>: Fornecedor envia orçamento</a:t>
+            </a:r>
+            <a:endParaRPr b="0" i="0" sz="2000" u="none" cap="none" strike="noStrike">
+              <a:solidFill>
+                <a:schemeClr val="dk1"/>
+              </a:solidFill>
+              <a:highlight>
+                <a:schemeClr val="lt1"/>
+              </a:highlight>
+              <a:latin typeface="Calibri"/>
+              <a:ea typeface="Calibri"/>
+              <a:cs typeface="Calibri"/>
+              <a:sym typeface="Calibri"/>
+            </a:endParaRPr>
+          </a:p>
+          <a:p>
+            <a:pPr indent="0" lvl="0" marL="0" marR="0" rtl="0" algn="l">
+              <a:lnSpc>
+                <a:spcPct val="80000"/>
+              </a:lnSpc>
+              <a:spcBef>
+                <a:spcPts val="0"/>
+              </a:spcBef>
+              <a:spcAft>
+                <a:spcPts val="0"/>
+              </a:spcAft>
+              <a:buClr>
+                <a:srgbClr val="000000"/>
+              </a:buClr>
+              <a:buSzPts val="2000"/>
+              <a:buFont typeface="Arial"/>
+              <a:buNone/>
+            </a:pPr>
+            <a:r>
+              <a:rPr b="1" i="0" lang="pt-BR" sz="2000" u="none" cap="none" strike="noStrike">
+                <a:solidFill>
+                  <a:schemeClr val="dk1"/>
+                </a:solidFill>
+                <a:highlight>
+                  <a:schemeClr val="lt1"/>
+                </a:highlight>
+                <a:latin typeface="Calibri"/>
+                <a:ea typeface="Calibri"/>
+                <a:cs typeface="Calibri"/>
+                <a:sym typeface="Calibri"/>
+              </a:rPr>
+              <a:t>Objetivo: </a:t>
+            </a:r>
+            <a:r>
+              <a:rPr b="0" i="0" lang="pt-BR" sz="2000" u="none" cap="none" strike="noStrike">
+                <a:solidFill>
+                  <a:schemeClr val="dk1"/>
+                </a:solidFill>
+                <a:highlight>
+                  <a:schemeClr val="lt1"/>
+                </a:highlight>
+                <a:latin typeface="Calibri"/>
+                <a:ea typeface="Calibri"/>
+                <a:cs typeface="Calibri"/>
+                <a:sym typeface="Calibri"/>
+              </a:rPr>
+              <a:t>Analisar orçamento do pedido enviado e produtos</a:t>
+            </a:r>
+            <a:endParaRPr b="0" i="0" sz="2000" u="none" cap="none" strike="noStrike">
+              <a:solidFill>
+                <a:schemeClr val="dk1"/>
+              </a:solidFill>
+              <a:highlight>
+                <a:schemeClr val="lt1"/>
+              </a:highlight>
+              <a:latin typeface="Calibri"/>
+              <a:ea typeface="Calibri"/>
+              <a:cs typeface="Calibri"/>
+              <a:sym typeface="Calibri"/>
+            </a:endParaRPr>
+          </a:p>
+          <a:p>
+            <a:pPr indent="0" lvl="0" marL="0" marR="0" rtl="0" algn="l">
+              <a:lnSpc>
+                <a:spcPct val="80000"/>
+              </a:lnSpc>
+              <a:spcBef>
+                <a:spcPts val="0"/>
+              </a:spcBef>
+              <a:spcAft>
+                <a:spcPts val="0"/>
+              </a:spcAft>
+              <a:buClr>
+                <a:srgbClr val="000000"/>
+              </a:buClr>
+              <a:buSzPts val="2000"/>
+              <a:buFont typeface="Arial"/>
+              <a:buNone/>
+            </a:pPr>
+            <a:r>
+              <a:rPr b="1" i="0" lang="pt-BR" sz="2000" u="none" cap="none" strike="noStrike">
+                <a:solidFill>
+                  <a:schemeClr val="dk1"/>
+                </a:solidFill>
+                <a:highlight>
+                  <a:schemeClr val="lt1"/>
+                </a:highlight>
+                <a:latin typeface="Calibri"/>
+                <a:ea typeface="Calibri"/>
+                <a:cs typeface="Calibri"/>
+                <a:sym typeface="Calibri"/>
+              </a:rPr>
+              <a:t>Trabalhadores </a:t>
+            </a:r>
+            <a:r>
+              <a:rPr b="1" i="0" lang="pt-BR" sz="2000" u="none" cap="none" strike="noStrike">
+                <a:solidFill>
+                  <a:schemeClr val="dk1"/>
+                </a:solidFill>
+                <a:highlight>
+                  <a:schemeClr val="lt1"/>
+                </a:highlight>
+                <a:latin typeface="Calibri"/>
+                <a:ea typeface="Calibri"/>
+                <a:cs typeface="Calibri"/>
+                <a:sym typeface="Calibri"/>
+                <a:extLst>
+                  <a:ext uri="http://customooxmlschemas.google.com/">
+                    <go:slidesCustomData xmlns:go="http://customooxmlschemas.google.com/" textRoundtripDataId="5"/>
+                  </a:ext>
+                </a:extLst>
+              </a:rPr>
+              <a:t>Envolvidos</a:t>
+            </a:r>
+            <a:r>
+              <a:rPr b="0" i="0" lang="pt-BR" sz="2000" u="none" cap="none" strike="noStrike">
+                <a:solidFill>
+                  <a:schemeClr val="dk1"/>
+                </a:solidFill>
+                <a:highlight>
+                  <a:schemeClr val="lt1"/>
+                </a:highlight>
+                <a:latin typeface="Calibri"/>
+                <a:ea typeface="Calibri"/>
+                <a:cs typeface="Calibri"/>
+                <a:sym typeface="Calibri"/>
+              </a:rPr>
+              <a:t>: Gerente</a:t>
+            </a:r>
+            <a:endParaRPr b="0" i="0" sz="2000" u="none" cap="none" strike="noStrike">
+              <a:solidFill>
+                <a:schemeClr val="dk1"/>
+              </a:solidFill>
+              <a:highlight>
+                <a:schemeClr val="lt1"/>
+              </a:highlight>
+              <a:latin typeface="Calibri"/>
+              <a:ea typeface="Calibri"/>
+              <a:cs typeface="Calibri"/>
+              <a:sym typeface="Calibri"/>
+            </a:endParaRPr>
+          </a:p>
+          <a:p>
+            <a:pPr indent="-355600" lvl="0" marL="457200" marR="0" rtl="0" algn="l">
+              <a:lnSpc>
+                <a:spcPct val="80000"/>
+              </a:lnSpc>
+              <a:spcBef>
+                <a:spcPts val="1000"/>
+              </a:spcBef>
+              <a:spcAft>
+                <a:spcPts val="0"/>
+              </a:spcAft>
+              <a:buClr>
+                <a:schemeClr val="dk1"/>
+              </a:buClr>
+              <a:buSzPts val="2000"/>
+              <a:buFont typeface="Calibri"/>
+              <a:buChar char="●"/>
+            </a:pPr>
+            <a:r>
+              <a:rPr b="0" i="0" lang="pt-BR" sz="2000" u="none" cap="none" strike="noStrike">
+                <a:solidFill>
+                  <a:schemeClr val="dk1"/>
+                </a:solidFill>
+                <a:highlight>
+                  <a:schemeClr val="lt1"/>
+                </a:highlight>
+                <a:latin typeface="Calibri"/>
+                <a:ea typeface="Calibri"/>
+                <a:cs typeface="Calibri"/>
+                <a:sym typeface="Calibri"/>
+              </a:rPr>
+              <a:t>Verifica se há saldo disponível para</a:t>
+            </a:r>
+            <a:r>
+              <a:rPr lang="pt-BR" sz="2000">
+                <a:solidFill>
+                  <a:schemeClr val="dk1"/>
+                </a:solidFill>
+                <a:highlight>
+                  <a:schemeClr val="lt1"/>
+                </a:highlight>
+                <a:latin typeface="Calibri"/>
+                <a:ea typeface="Calibri"/>
+                <a:cs typeface="Calibri"/>
+                <a:sym typeface="Calibri"/>
+              </a:rPr>
+              <a:t> a </a:t>
+            </a:r>
+            <a:r>
+              <a:rPr b="0" i="0" lang="pt-BR" sz="2000" u="none" cap="none" strike="noStrike">
+                <a:solidFill>
+                  <a:schemeClr val="dk1"/>
+                </a:solidFill>
+                <a:highlight>
+                  <a:schemeClr val="lt1"/>
+                </a:highlight>
+                <a:latin typeface="Calibri"/>
+                <a:ea typeface="Calibri"/>
+                <a:cs typeface="Calibri"/>
+                <a:sym typeface="Calibri"/>
+              </a:rPr>
+              <a:t>compra dos produtos e </a:t>
+            </a:r>
+            <a:r>
+              <a:rPr lang="pt-BR" sz="2000">
+                <a:solidFill>
+                  <a:schemeClr val="dk1"/>
+                </a:solidFill>
+                <a:highlight>
+                  <a:schemeClr val="lt1"/>
+                </a:highlight>
+                <a:latin typeface="Calibri"/>
+                <a:ea typeface="Calibri"/>
+                <a:cs typeface="Calibri"/>
+                <a:sym typeface="Calibri"/>
+              </a:rPr>
+              <a:t>informa a confirmação ao fornecedor</a:t>
+            </a:r>
+            <a:r>
+              <a:rPr b="0" i="0" lang="pt-BR" sz="2000" u="none" cap="none" strike="noStrike">
+                <a:solidFill>
+                  <a:schemeClr val="dk1"/>
+                </a:solidFill>
+                <a:highlight>
+                  <a:schemeClr val="lt1"/>
+                </a:highlight>
+                <a:latin typeface="Calibri"/>
+                <a:ea typeface="Calibri"/>
+                <a:cs typeface="Calibri"/>
+                <a:sym typeface="Calibri"/>
+              </a:rPr>
+              <a:t>.</a:t>
+            </a:r>
+            <a:endParaRPr b="0" i="0" sz="2000" u="none" cap="none" strike="noStrike">
+              <a:solidFill>
+                <a:schemeClr val="dk1"/>
+              </a:solidFill>
+              <a:highlight>
+                <a:schemeClr val="lt1"/>
+              </a:highlight>
+              <a:latin typeface="Calibri"/>
+              <a:ea typeface="Calibri"/>
+              <a:cs typeface="Calibri"/>
+              <a:sym typeface="Calibri"/>
+            </a:endParaRPr>
+          </a:p>
+          <a:p>
+            <a:pPr indent="-355600" lvl="1" marL="914400" marR="0" rtl="0" algn="l">
+              <a:lnSpc>
+                <a:spcPct val="80000"/>
+              </a:lnSpc>
+              <a:spcBef>
+                <a:spcPts val="0"/>
+              </a:spcBef>
+              <a:spcAft>
+                <a:spcPts val="0"/>
+              </a:spcAft>
+              <a:buClr>
+                <a:schemeClr val="dk1"/>
+              </a:buClr>
+              <a:buSzPts val="2000"/>
+              <a:buFont typeface="Arial"/>
+              <a:buChar char="○"/>
+            </a:pPr>
+            <a:r>
+              <a:rPr b="0" i="0" lang="pt-BR" sz="2000" u="none" cap="none" strike="noStrike">
+                <a:solidFill>
+                  <a:schemeClr val="dk1"/>
+                </a:solidFill>
+                <a:highlight>
+                  <a:schemeClr val="lt1"/>
+                </a:highlight>
+                <a:latin typeface="Calibri"/>
+                <a:ea typeface="Calibri"/>
+                <a:cs typeface="Calibri"/>
+                <a:sym typeface="Calibri"/>
+              </a:rPr>
+              <a:t>Se não há saldo suficiente para compra de produtos, o orçamento, será recusado.</a:t>
+            </a:r>
+            <a:endParaRPr b="0" i="0" sz="2000" u="none" cap="none" strike="noStrike">
+              <a:solidFill>
+                <a:schemeClr val="dk1"/>
+              </a:solidFill>
+              <a:highlight>
+                <a:schemeClr val="lt1"/>
+              </a:highlight>
+              <a:latin typeface="Calibri"/>
+              <a:ea typeface="Calibri"/>
+              <a:cs typeface="Calibri"/>
+              <a:sym typeface="Calibri"/>
+            </a:endParaRPr>
+          </a:p>
+        </p:txBody>
+      </p:sp>
       <p:pic>
         <p:nvPicPr>
-          <p:cNvPr id="205" name="Google Shape;205;gd2b4982aba_0_66"/>
+          <p:cNvPr id="205" name="Google Shape;205;gc63a4fde34_0_30"/>
           <p:cNvPicPr preferRelativeResize="0"/>
           <p:nvPr/>
         </p:nvPicPr>
@@ -22294,7 +22603,7 @@
       </p:grpSpPr>
       <p:sp>
         <p:nvSpPr>
-          <p:cNvPr id="210" name="Google Shape;210;gd2b4982aba_0_85"/>
+          <p:cNvPr id="210" name="Google Shape;210;gd2b4982aba_0_66"/>
           <p:cNvSpPr txBox="1"/>
           <p:nvPr>
             <p:ph idx="1" type="body"/>
@@ -22303,7 +22612,7 @@
         <p:spPr>
           <a:xfrm>
             <a:off x="7205050" y="1767025"/>
-            <a:ext cx="4334100" cy="3535800"/>
+            <a:ext cx="4624500" cy="2583900"/>
           </a:xfrm>
           <a:prstGeom prst="rect">
             <a:avLst/>
@@ -22336,16 +22645,12 @@
               <a:buNone/>
             </a:pPr>
             <a:r>
-              <a:rPr b="1" lang="pt-BR" sz="2000"/>
-              <a:t>Pr</a:t>
-            </a:r>
-            <a:r>
               <a:rPr b="1" lang="pt-BR" sz="2000">
                 <a:highlight>
                   <a:schemeClr val="lt1"/>
                 </a:highlight>
               </a:rPr>
-              <a:t>ocesso</a:t>
+              <a:t>Processo</a:t>
             </a:r>
             <a:r>
               <a:rPr lang="pt-BR" sz="2000">
@@ -22353,7 +22658,7 @@
                   <a:schemeClr val="lt1"/>
                 </a:highlight>
               </a:rPr>
-              <a:t>: Receber produtos</a:t>
+              <a:t>: Pagar produtos</a:t>
             </a:r>
             <a:endParaRPr sz="2000">
               <a:highlight>
@@ -22392,7 +22697,7 @@
                   <a:schemeClr val="lt1"/>
                 </a:highlight>
               </a:rPr>
-              <a:t>: Fornecedor envia comprovante de pagamento, nota fiscal e os produtos</a:t>
+              <a:t>: Gerente realiza pagamento dos produtos</a:t>
             </a:r>
             <a:endParaRPr sz="2000">
               <a:highlight>
@@ -22431,7 +22736,7 @@
                   <a:schemeClr val="lt1"/>
                 </a:highlight>
               </a:rPr>
-              <a:t>  Receber os produtos adquiridos do fornecedor.</a:t>
+              <a:t> Pagar as mercadorias adquiridas ao fornecedor</a:t>
             </a:r>
             <a:endParaRPr sz="2000">
               <a:highlight>
@@ -22479,7 +22784,7 @@
             </a:endParaRPr>
           </a:p>
           <a:p>
-            <a:pPr indent="0" lvl="0" marL="0" rtl="0" algn="just">
+            <a:pPr indent="0" lvl="0" marL="0" rtl="0" algn="l">
               <a:lnSpc>
                 <a:spcPct val="70000"/>
               </a:lnSpc>
@@ -22505,7 +22810,7 @@
             </a:endParaRPr>
           </a:p>
           <a:p>
-            <a:pPr indent="-355600" lvl="0" marL="457200" rtl="0" algn="just">
+            <a:pPr indent="-355600" lvl="0" marL="457200" rtl="0" algn="l">
               <a:lnSpc>
                 <a:spcPct val="70000"/>
               </a:lnSpc>
@@ -22524,7 +22829,7 @@
                   <a:schemeClr val="lt1"/>
                 </a:highlight>
               </a:rPr>
-              <a:t>Guarda o comprovante de pagamento e nota fiscal em via de operação.</a:t>
+              <a:t>Retira do lançamento o valor necessário para pagamento dos produtos.</a:t>
             </a:r>
             <a:endParaRPr sz="2000">
               <a:highlight>
@@ -22533,7 +22838,7 @@
             </a:endParaRPr>
           </a:p>
           <a:p>
-            <a:pPr indent="-355600" lvl="0" marL="457200" rtl="0" algn="just">
+            <a:pPr indent="-355600" lvl="0" marL="457200" rtl="0" algn="l">
               <a:lnSpc>
                 <a:spcPct val="70000"/>
               </a:lnSpc>
@@ -22552,30 +22857,7 @@
                   <a:schemeClr val="lt1"/>
                 </a:highlight>
               </a:rPr>
-              <a:t>Guarda os produtos novos adquiridos em produto de venda.</a:t>
-            </a:r>
-            <a:endParaRPr sz="2000">
-              <a:highlight>
-                <a:schemeClr val="lt1"/>
-              </a:highlight>
-            </a:endParaRPr>
-          </a:p>
-          <a:p>
-            <a:pPr indent="0" lvl="0" marL="0" rtl="0" algn="just">
-              <a:lnSpc>
-                <a:spcPct val="70000"/>
-              </a:lnSpc>
-              <a:spcBef>
-                <a:spcPts val="0"/>
-              </a:spcBef>
-              <a:spcAft>
-                <a:spcPts val="0"/>
-              </a:spcAft>
-              <a:buSzPts val="1800"/>
-              <a:buNone/>
-            </a:pPr>
-            <a:r>
-              <a:t/>
+              <a:t>Atualiza a compra com o status de “pago”.</a:t>
             </a:r>
             <a:endParaRPr sz="2000">
               <a:highlight>
@@ -22587,7 +22869,7 @@
       </p:sp>
       <p:sp>
         <p:nvSpPr>
-          <p:cNvPr id="211" name="Google Shape;211;gd2b4982aba_0_85"/>
+          <p:cNvPr id="211" name="Google Shape;211;gd2b4982aba_0_66"/>
           <p:cNvSpPr txBox="1"/>
           <p:nvPr>
             <p:ph type="title"/>
@@ -22635,7 +22917,7 @@
             </a:r>
             <a:r>
               <a:rPr b="1" lang="pt-BR"/>
-              <a:t>Comprar Produtos </a:t>
+              <a:t>Comprar Produtos</a:t>
             </a:r>
             <a:endParaRPr b="1">
               <a:highlight>
@@ -22647,7 +22929,7 @@
       </p:sp>
       <p:pic>
         <p:nvPicPr>
-          <p:cNvPr id="212" name="Google Shape;212;gd2b4982aba_0_85"/>
+          <p:cNvPr id="212" name="Google Shape;212;gd2b4982aba_0_66"/>
           <p:cNvPicPr preferRelativeResize="0"/>
           <p:nvPr/>
         </p:nvPicPr>
@@ -22686,7 +22968,7 @@
   <p:cSld>
     <p:spTree>
       <p:nvGrpSpPr>
-        <p:cNvPr id="217" name="Shape 217"/>
+        <p:cNvPr id="216" name="Shape 216"/>
         <p:cNvGrpSpPr/>
         <p:nvPr/>
       </p:nvGrpSpPr>
@@ -22700,7 +22982,336 @@
       </p:grpSpPr>
       <p:sp>
         <p:nvSpPr>
-          <p:cNvPr id="218" name="Google Shape;218;gcce74347ab_0_29"/>
+          <p:cNvPr id="217" name="Google Shape;217;gd2b4982aba_0_85"/>
+          <p:cNvSpPr txBox="1"/>
+          <p:nvPr>
+            <p:ph idx="1" type="body"/>
+          </p:nvPr>
+        </p:nvSpPr>
+        <p:spPr>
+          <a:xfrm>
+            <a:off x="7205050" y="1767025"/>
+            <a:ext cx="4334100" cy="3535800"/>
+          </a:xfrm>
+          <a:prstGeom prst="rect">
+            <a:avLst/>
+          </a:prstGeom>
+          <a:noFill/>
+          <a:ln>
+            <a:noFill/>
+          </a:ln>
+        </p:spPr>
+        <p:txBody>
+          <a:bodyPr anchorCtr="0" anchor="t" bIns="45700" lIns="91425" spcFirstLastPara="1" rIns="91425" wrap="square" tIns="45700">
+            <a:noAutofit/>
+          </a:bodyPr>
+          <a:lstStyle/>
+          <a:p>
+            <a:pPr indent="0" lvl="0" marL="0" rtl="0" algn="l">
+              <a:lnSpc>
+                <a:spcPct val="70000"/>
+              </a:lnSpc>
+              <a:spcBef>
+                <a:spcPts val="0"/>
+              </a:spcBef>
+              <a:spcAft>
+                <a:spcPts val="0"/>
+              </a:spcAft>
+              <a:buClr>
+                <a:schemeClr val="dk1"/>
+              </a:buClr>
+              <a:buSzPts val="2800"/>
+              <a:buNone/>
+            </a:pPr>
+            <a:r>
+              <a:rPr b="1" lang="pt-BR" sz="2000"/>
+              <a:t>Pr</a:t>
+            </a:r>
+            <a:r>
+              <a:rPr b="1" lang="pt-BR" sz="2000">
+                <a:highlight>
+                  <a:schemeClr val="lt1"/>
+                </a:highlight>
+              </a:rPr>
+              <a:t>ocesso</a:t>
+            </a:r>
+            <a:r>
+              <a:rPr lang="pt-BR" sz="2000">
+                <a:highlight>
+                  <a:schemeClr val="lt1"/>
+                </a:highlight>
+              </a:rPr>
+              <a:t>: Receber produtos</a:t>
+            </a:r>
+            <a:endParaRPr sz="2000">
+              <a:highlight>
+                <a:schemeClr val="lt1"/>
+              </a:highlight>
+            </a:endParaRPr>
+          </a:p>
+          <a:p>
+            <a:pPr indent="0" lvl="0" marL="0" rtl="0" algn="l">
+              <a:lnSpc>
+                <a:spcPct val="70000"/>
+              </a:lnSpc>
+              <a:spcBef>
+                <a:spcPts val="0"/>
+              </a:spcBef>
+              <a:spcAft>
+                <a:spcPts val="0"/>
+              </a:spcAft>
+              <a:buClr>
+                <a:schemeClr val="dk1"/>
+              </a:buClr>
+              <a:buSzPts val="2800"/>
+              <a:buNone/>
+            </a:pPr>
+            <a:r>
+              <a:rPr b="1" lang="pt-BR" sz="2000">
+                <a:highlight>
+                  <a:schemeClr val="lt1"/>
+                </a:highlight>
+              </a:rPr>
+              <a:t>Evento</a:t>
+            </a:r>
+            <a:r>
+              <a:rPr lang="pt-BR" sz="2000">
+                <a:highlight>
+                  <a:schemeClr val="lt1"/>
+                </a:highlight>
+              </a:rPr>
+              <a:t>: Fornecedor envia comprovante de pagamento, nota fiscal e os produtos</a:t>
+            </a:r>
+            <a:endParaRPr sz="2000">
+              <a:highlight>
+                <a:schemeClr val="lt1"/>
+              </a:highlight>
+            </a:endParaRPr>
+          </a:p>
+          <a:p>
+            <a:pPr indent="0" lvl="0" marL="0" rtl="0" algn="l">
+              <a:lnSpc>
+                <a:spcPct val="70000"/>
+              </a:lnSpc>
+              <a:spcBef>
+                <a:spcPts val="0"/>
+              </a:spcBef>
+              <a:spcAft>
+                <a:spcPts val="0"/>
+              </a:spcAft>
+              <a:buClr>
+                <a:schemeClr val="dk1"/>
+              </a:buClr>
+              <a:buSzPts val="2800"/>
+              <a:buNone/>
+            </a:pPr>
+            <a:r>
+              <a:rPr b="1" lang="pt-BR" sz="2000">
+                <a:highlight>
+                  <a:schemeClr val="lt1"/>
+                </a:highlight>
+              </a:rPr>
+              <a:t>Objetivo:</a:t>
+            </a:r>
+            <a:r>
+              <a:rPr lang="pt-BR" sz="2000">
+                <a:highlight>
+                  <a:schemeClr val="lt1"/>
+                </a:highlight>
+              </a:rPr>
+              <a:t> </a:t>
+            </a:r>
+            <a:r>
+              <a:rPr lang="pt-BR" sz="2000">
+                <a:highlight>
+                  <a:schemeClr val="lt1"/>
+                </a:highlight>
+              </a:rPr>
+              <a:t>Receber os produtos adquiridos do fornecedor.</a:t>
+            </a:r>
+            <a:endParaRPr sz="2000">
+              <a:highlight>
+                <a:schemeClr val="lt1"/>
+              </a:highlight>
+            </a:endParaRPr>
+          </a:p>
+          <a:p>
+            <a:pPr indent="0" lvl="0" marL="0" rtl="0" algn="l">
+              <a:lnSpc>
+                <a:spcPct val="70000"/>
+              </a:lnSpc>
+              <a:spcBef>
+                <a:spcPts val="0"/>
+              </a:spcBef>
+              <a:spcAft>
+                <a:spcPts val="0"/>
+              </a:spcAft>
+              <a:buClr>
+                <a:schemeClr val="dk1"/>
+              </a:buClr>
+              <a:buSzPts val="2800"/>
+              <a:buNone/>
+            </a:pPr>
+            <a:r>
+              <a:rPr b="1" lang="pt-BR" sz="2000">
+                <a:highlight>
+                  <a:schemeClr val="lt1"/>
+                </a:highlight>
+              </a:rPr>
+              <a:t>Trabalhador Envolvido</a:t>
+            </a:r>
+            <a:r>
+              <a:rPr lang="pt-BR" sz="2000">
+                <a:highlight>
+                  <a:schemeClr val="lt1"/>
+                </a:highlight>
+              </a:rPr>
+              <a:t>: Gerente</a:t>
+            </a:r>
+            <a:endParaRPr sz="2000">
+              <a:highlight>
+                <a:schemeClr val="lt1"/>
+              </a:highlight>
+            </a:endParaRPr>
+          </a:p>
+          <a:p>
+            <a:pPr indent="0" lvl="0" marL="0" rtl="0" algn="l">
+              <a:lnSpc>
+                <a:spcPct val="70000"/>
+              </a:lnSpc>
+              <a:spcBef>
+                <a:spcPts val="0"/>
+              </a:spcBef>
+              <a:spcAft>
+                <a:spcPts val="0"/>
+              </a:spcAft>
+              <a:buClr>
+                <a:schemeClr val="dk1"/>
+              </a:buClr>
+              <a:buSzPts val="2800"/>
+              <a:buNone/>
+            </a:pPr>
+            <a:r>
+              <a:t/>
+            </a:r>
+            <a:endParaRPr sz="2000">
+              <a:highlight>
+                <a:schemeClr val="lt1"/>
+              </a:highlight>
+            </a:endParaRPr>
+          </a:p>
+          <a:p>
+            <a:pPr indent="-355600" lvl="0" marL="457200" rtl="0" algn="l">
+              <a:lnSpc>
+                <a:spcPct val="70000"/>
+              </a:lnSpc>
+              <a:spcBef>
+                <a:spcPts val="0"/>
+              </a:spcBef>
+              <a:spcAft>
+                <a:spcPts val="0"/>
+              </a:spcAft>
+              <a:buSzPts val="2000"/>
+              <a:buChar char="•"/>
+            </a:pPr>
+            <a:r>
+              <a:rPr lang="pt-BR" sz="2000">
+                <a:highlight>
+                  <a:schemeClr val="lt1"/>
+                </a:highlight>
+              </a:rPr>
+              <a:t>Guarda o comprovante de pagamento e nota fiscal em via de operação.</a:t>
+            </a:r>
+            <a:endParaRPr sz="2000">
+              <a:highlight>
+                <a:schemeClr val="lt1"/>
+              </a:highlight>
+            </a:endParaRPr>
+          </a:p>
+          <a:p>
+            <a:pPr indent="-355600" lvl="0" marL="457200" rtl="0" algn="l">
+              <a:lnSpc>
+                <a:spcPct val="70000"/>
+              </a:lnSpc>
+              <a:spcBef>
+                <a:spcPts val="0"/>
+              </a:spcBef>
+              <a:spcAft>
+                <a:spcPts val="0"/>
+              </a:spcAft>
+              <a:buSzPts val="2000"/>
+              <a:buChar char="•"/>
+            </a:pPr>
+            <a:r>
+              <a:rPr lang="pt-BR" sz="2000">
+                <a:highlight>
+                  <a:schemeClr val="lt1"/>
+                </a:highlight>
+              </a:rPr>
+              <a:t>Guarda os produtos novos adquiridos em produto de venda.</a:t>
+            </a:r>
+            <a:endParaRPr sz="2000">
+              <a:highlight>
+                <a:schemeClr val="lt1"/>
+              </a:highlight>
+            </a:endParaRPr>
+          </a:p>
+          <a:p>
+            <a:pPr indent="-355600" lvl="0" marL="457200" rtl="0" algn="l">
+              <a:lnSpc>
+                <a:spcPct val="70000"/>
+              </a:lnSpc>
+              <a:spcBef>
+                <a:spcPts val="0"/>
+              </a:spcBef>
+              <a:spcAft>
+                <a:spcPts val="0"/>
+              </a:spcAft>
+              <a:buSzPts val="2000"/>
+              <a:buChar char="•"/>
+            </a:pPr>
+            <a:r>
+              <a:rPr lang="pt-BR" sz="2000">
+                <a:highlight>
+                  <a:schemeClr val="lt1"/>
+                </a:highlight>
+              </a:rPr>
+              <a:t>Atualiza a compra com o status para “recebido”.</a:t>
+            </a:r>
+            <a:endParaRPr sz="2000">
+              <a:highlight>
+                <a:schemeClr val="lt1"/>
+              </a:highlight>
+            </a:endParaRPr>
+          </a:p>
+          <a:p>
+            <a:pPr indent="0" lvl="0" marL="0" rtl="0" algn="l">
+              <a:lnSpc>
+                <a:spcPct val="70000"/>
+              </a:lnSpc>
+              <a:spcBef>
+                <a:spcPts val="0"/>
+              </a:spcBef>
+              <a:spcAft>
+                <a:spcPts val="0"/>
+              </a:spcAft>
+              <a:buSzPts val="1800"/>
+              <a:buNone/>
+            </a:pPr>
+            <a:r>
+              <a:t/>
+            </a:r>
+            <a:endParaRPr sz="2000">
+              <a:highlight>
+                <a:schemeClr val="lt1"/>
+              </a:highlight>
+            </a:endParaRPr>
+          </a:p>
+        </p:txBody>
+      </p:sp>
+      <p:sp>
+        <p:nvSpPr>
+          <p:cNvPr id="218" name="Google Shape;218;gd2b4982aba_0_85"/>
           <p:cNvSpPr txBox="1"/>
           <p:nvPr>
             <p:ph type="title"/>
@@ -22709,7 +23320,7 @@
         <p:spPr>
           <a:xfrm>
             <a:off x="838200" y="365125"/>
-            <a:ext cx="10774200" cy="1325700"/>
+            <a:ext cx="10515600" cy="1325700"/>
           </a:xfrm>
           <a:prstGeom prst="rect">
             <a:avLst/>
@@ -22735,7 +23346,11 @@
               <a:spcAft>
                 <a:spcPts val="0"/>
               </a:spcAft>
-              <a:buSzPts val="1800"/>
+              <a:buClr>
+                <a:schemeClr val="dk1"/>
+              </a:buClr>
+              <a:buSzPts val="4400"/>
+              <a:buFont typeface="Calibri"/>
               <a:buNone/>
             </a:pPr>
             <a:r>
@@ -22744,7 +23359,7 @@
             </a:r>
             <a:r>
               <a:rPr b="1" lang="pt-BR"/>
-              <a:t>Terceirizar Manutenção de Produtos </a:t>
+              <a:t>Comprar Produtos </a:t>
             </a:r>
             <a:endParaRPr b="1">
               <a:highlight>
@@ -22754,409 +23369,9 @@
           </a:p>
         </p:txBody>
       </p:sp>
-      <p:sp>
-        <p:nvSpPr>
-          <p:cNvPr id="219" name="Google Shape;219;gcce74347ab_0_29"/>
-          <p:cNvSpPr txBox="1"/>
-          <p:nvPr/>
-        </p:nvSpPr>
-        <p:spPr>
-          <a:xfrm>
-            <a:off x="8643575" y="1062300"/>
-            <a:ext cx="3500400" cy="4499700"/>
-          </a:xfrm>
-          <a:prstGeom prst="rect">
-            <a:avLst/>
-          </a:prstGeom>
-          <a:noFill/>
-          <a:ln>
-            <a:noFill/>
-          </a:ln>
-        </p:spPr>
-        <p:txBody>
-          <a:bodyPr anchorCtr="0" anchor="t" bIns="91425" lIns="91425" spcFirstLastPara="1" rIns="91425" wrap="square" tIns="91425">
-            <a:spAutoFit/>
-          </a:bodyPr>
-          <a:lstStyle/>
-          <a:p>
-            <a:pPr indent="0" lvl="0" marL="0" marR="0" rtl="0" algn="l">
-              <a:lnSpc>
-                <a:spcPct val="80000"/>
-              </a:lnSpc>
-              <a:spcBef>
-                <a:spcPts val="0"/>
-              </a:spcBef>
-              <a:spcAft>
-                <a:spcPts val="0"/>
-              </a:spcAft>
-              <a:buClr>
-                <a:srgbClr val="000000"/>
-              </a:buClr>
-              <a:buSzPts val="2000"/>
-              <a:buFont typeface="Arial"/>
-              <a:buNone/>
-            </a:pPr>
-            <a:r>
-              <a:rPr b="1" i="0" lang="pt-BR" sz="2000" u="none" cap="none" strike="noStrike">
-                <a:solidFill>
-                  <a:schemeClr val="dk1"/>
-                </a:solidFill>
-                <a:highlight>
-                  <a:schemeClr val="lt1"/>
-                </a:highlight>
-                <a:latin typeface="Calibri"/>
-                <a:ea typeface="Calibri"/>
-                <a:cs typeface="Calibri"/>
-                <a:sym typeface="Calibri"/>
-              </a:rPr>
-              <a:t>Processo</a:t>
-            </a:r>
-            <a:r>
-              <a:rPr b="0" i="0" lang="pt-BR" sz="2000" u="none" cap="none" strike="noStrike">
-                <a:solidFill>
-                  <a:schemeClr val="dk1"/>
-                </a:solidFill>
-                <a:highlight>
-                  <a:schemeClr val="lt1"/>
-                </a:highlight>
-                <a:latin typeface="Calibri"/>
-                <a:ea typeface="Calibri"/>
-                <a:cs typeface="Calibri"/>
-                <a:sym typeface="Calibri"/>
-              </a:rPr>
-              <a:t>: Solicitar serviço</a:t>
-            </a:r>
-            <a:endParaRPr/>
-          </a:p>
-          <a:p>
-            <a:pPr indent="0" lvl="0" marL="0" marR="0" rtl="0" algn="l">
-              <a:lnSpc>
-                <a:spcPct val="80000"/>
-              </a:lnSpc>
-              <a:spcBef>
-                <a:spcPts val="0"/>
-              </a:spcBef>
-              <a:spcAft>
-                <a:spcPts val="0"/>
-              </a:spcAft>
-              <a:buClr>
-                <a:srgbClr val="000000"/>
-              </a:buClr>
-              <a:buSzPts val="2000"/>
-              <a:buFont typeface="Arial"/>
-              <a:buNone/>
-            </a:pPr>
-            <a:r>
-              <a:rPr b="1" i="0" lang="pt-BR" sz="2000" u="none" cap="none" strike="noStrike">
-                <a:solidFill>
-                  <a:schemeClr val="dk1"/>
-                </a:solidFill>
-                <a:highlight>
-                  <a:schemeClr val="lt1"/>
-                </a:highlight>
-                <a:latin typeface="Calibri"/>
-                <a:ea typeface="Calibri"/>
-                <a:cs typeface="Calibri"/>
-                <a:sym typeface="Calibri"/>
-              </a:rPr>
-              <a:t>Evento</a:t>
-            </a:r>
-            <a:r>
-              <a:rPr b="0" i="0" lang="pt-BR" sz="2000" u="none" cap="none" strike="noStrike">
-                <a:solidFill>
-                  <a:schemeClr val="dk1"/>
-                </a:solidFill>
-                <a:highlight>
-                  <a:schemeClr val="lt1"/>
-                </a:highlight>
-                <a:latin typeface="Calibri"/>
-                <a:ea typeface="Calibri"/>
-                <a:cs typeface="Calibri"/>
-                <a:sym typeface="Calibri"/>
-              </a:rPr>
-              <a:t>: Gerente</a:t>
-            </a:r>
-            <a:r>
-              <a:rPr lang="pt-BR" sz="2000">
-                <a:solidFill>
-                  <a:schemeClr val="dk1"/>
-                </a:solidFill>
-                <a:highlight>
-                  <a:schemeClr val="lt1"/>
-                </a:highlight>
-                <a:latin typeface="Calibri"/>
-                <a:ea typeface="Calibri"/>
-                <a:cs typeface="Calibri"/>
-                <a:sym typeface="Calibri"/>
-              </a:rPr>
-              <a:t> </a:t>
-            </a:r>
-            <a:r>
-              <a:rPr b="0" i="0" lang="pt-BR" sz="2000" u="none" cap="none" strike="noStrike">
-                <a:solidFill>
-                  <a:schemeClr val="dk1"/>
-                </a:solidFill>
-                <a:highlight>
-                  <a:schemeClr val="lt1"/>
-                </a:highlight>
-                <a:latin typeface="Calibri"/>
-                <a:ea typeface="Calibri"/>
-                <a:cs typeface="Calibri"/>
-                <a:sym typeface="Calibri"/>
-              </a:rPr>
-              <a:t>solicita serviço de manutenção e envia p</a:t>
-            </a:r>
-            <a:r>
-              <a:rPr lang="pt-BR" sz="2000">
-                <a:solidFill>
-                  <a:schemeClr val="dk1"/>
-                </a:solidFill>
-                <a:highlight>
-                  <a:schemeClr val="lt1"/>
-                </a:highlight>
-                <a:latin typeface="Calibri"/>
-                <a:ea typeface="Calibri"/>
-                <a:cs typeface="Calibri"/>
-                <a:sym typeface="Calibri"/>
-              </a:rPr>
-              <a:t>roduto</a:t>
-            </a:r>
-            <a:endParaRPr/>
-          </a:p>
-          <a:p>
-            <a:pPr indent="0" lvl="0" marL="0" marR="0" rtl="0" algn="l">
-              <a:lnSpc>
-                <a:spcPct val="80000"/>
-              </a:lnSpc>
-              <a:spcBef>
-                <a:spcPts val="0"/>
-              </a:spcBef>
-              <a:spcAft>
-                <a:spcPts val="0"/>
-              </a:spcAft>
-              <a:buClr>
-                <a:srgbClr val="000000"/>
-              </a:buClr>
-              <a:buSzPts val="2000"/>
-              <a:buFont typeface="Arial"/>
-              <a:buNone/>
-            </a:pPr>
-            <a:r>
-              <a:rPr b="1" i="0" lang="pt-BR" sz="2000" u="none" cap="none" strike="noStrike">
-                <a:solidFill>
-                  <a:schemeClr val="dk1"/>
-                </a:solidFill>
-                <a:highlight>
-                  <a:schemeClr val="lt1"/>
-                </a:highlight>
-                <a:latin typeface="Calibri"/>
-                <a:ea typeface="Calibri"/>
-                <a:cs typeface="Calibri"/>
-                <a:sym typeface="Calibri"/>
-              </a:rPr>
-              <a:t>Objetivo: </a:t>
-            </a:r>
-            <a:r>
-              <a:rPr b="0" i="0" lang="pt-BR" sz="2000" u="none" cap="none" strike="noStrike">
-                <a:solidFill>
-                  <a:schemeClr val="dk1"/>
-                </a:solidFill>
-                <a:highlight>
-                  <a:schemeClr val="lt1"/>
-                </a:highlight>
-                <a:latin typeface="Calibri"/>
-                <a:ea typeface="Calibri"/>
-                <a:cs typeface="Calibri"/>
-                <a:sym typeface="Calibri"/>
-              </a:rPr>
-              <a:t>Terceirizar o suporte que não pode ser atendido pela GamaWare</a:t>
-            </a:r>
-            <a:endParaRPr/>
-          </a:p>
-          <a:p>
-            <a:pPr indent="0" lvl="0" marL="0" marR="0" rtl="0" algn="l">
-              <a:lnSpc>
-                <a:spcPct val="80000"/>
-              </a:lnSpc>
-              <a:spcBef>
-                <a:spcPts val="0"/>
-              </a:spcBef>
-              <a:spcAft>
-                <a:spcPts val="0"/>
-              </a:spcAft>
-              <a:buClr>
-                <a:srgbClr val="000000"/>
-              </a:buClr>
-              <a:buSzPts val="2000"/>
-              <a:buFont typeface="Arial"/>
-              <a:buNone/>
-            </a:pPr>
-            <a:r>
-              <a:rPr b="1" i="0" lang="pt-BR" sz="2000" u="none" cap="none" strike="noStrike">
-                <a:solidFill>
-                  <a:schemeClr val="dk1"/>
-                </a:solidFill>
-                <a:highlight>
-                  <a:schemeClr val="lt1"/>
-                </a:highlight>
-                <a:latin typeface="Calibri"/>
-                <a:ea typeface="Calibri"/>
-                <a:cs typeface="Calibri"/>
-                <a:sym typeface="Calibri"/>
-              </a:rPr>
-              <a:t>Trabalhador Envolvido</a:t>
-            </a:r>
-            <a:r>
-              <a:rPr b="0" i="0" lang="pt-BR" sz="2000" u="none" cap="none" strike="noStrike">
-                <a:solidFill>
-                  <a:schemeClr val="dk1"/>
-                </a:solidFill>
-                <a:highlight>
-                  <a:schemeClr val="lt1"/>
-                </a:highlight>
-                <a:latin typeface="Calibri"/>
-                <a:ea typeface="Calibri"/>
-                <a:cs typeface="Calibri"/>
-                <a:sym typeface="Calibri"/>
-              </a:rPr>
-              <a:t>: Gerente</a:t>
-            </a:r>
-            <a:endParaRPr/>
-          </a:p>
-          <a:p>
-            <a:pPr indent="-219075" lvl="0" marL="360000" marR="0" rtl="0" algn="just">
-              <a:lnSpc>
-                <a:spcPct val="80000"/>
-              </a:lnSpc>
-              <a:spcBef>
-                <a:spcPts val="1000"/>
-              </a:spcBef>
-              <a:spcAft>
-                <a:spcPts val="0"/>
-              </a:spcAft>
-              <a:buClr>
-                <a:schemeClr val="dk1"/>
-              </a:buClr>
-              <a:buSzPts val="1800"/>
-              <a:buFont typeface="Arial"/>
-              <a:buChar char="•"/>
-            </a:pPr>
-            <a:r>
-              <a:rPr b="0" i="0" lang="pt-BR" sz="2000" u="none" cap="none" strike="noStrike">
-                <a:solidFill>
-                  <a:schemeClr val="dk1"/>
-                </a:solidFill>
-                <a:highlight>
-                  <a:schemeClr val="lt1"/>
-                </a:highlight>
-                <a:latin typeface="Calibri"/>
-                <a:ea typeface="Calibri"/>
-                <a:cs typeface="Calibri"/>
-                <a:sym typeface="Calibri"/>
-              </a:rPr>
-              <a:t>Verifica se há fornecedores para realizar a manutenção.</a:t>
-            </a:r>
-            <a:endParaRPr b="0" i="0" sz="2000" u="none" cap="none" strike="noStrike">
-              <a:solidFill>
-                <a:schemeClr val="dk1"/>
-              </a:solidFill>
-              <a:highlight>
-                <a:schemeClr val="lt1"/>
-              </a:highlight>
-              <a:latin typeface="Calibri"/>
-              <a:ea typeface="Calibri"/>
-              <a:cs typeface="Calibri"/>
-              <a:sym typeface="Calibri"/>
-            </a:endParaRPr>
-          </a:p>
-          <a:p>
-            <a:pPr indent="-355600" lvl="1" marL="914400" marR="0" rtl="0" algn="just">
-              <a:lnSpc>
-                <a:spcPct val="80000"/>
-              </a:lnSpc>
-              <a:spcBef>
-                <a:spcPts val="0"/>
-              </a:spcBef>
-              <a:spcAft>
-                <a:spcPts val="0"/>
-              </a:spcAft>
-              <a:buClr>
-                <a:srgbClr val="000000"/>
-              </a:buClr>
-              <a:buSzPts val="2000"/>
-              <a:buFont typeface="Arial"/>
-              <a:buChar char="○"/>
-            </a:pPr>
-            <a:r>
-              <a:rPr b="0" i="0" lang="pt-BR" sz="2000" u="none" cap="none" strike="noStrike">
-                <a:solidFill>
-                  <a:srgbClr val="000000"/>
-                </a:solidFill>
-                <a:highlight>
-                  <a:srgbClr val="FFFFFF"/>
-                </a:highlight>
-                <a:latin typeface="Calibri"/>
-                <a:ea typeface="Calibri"/>
-                <a:cs typeface="Calibri"/>
-                <a:sym typeface="Calibri"/>
-              </a:rPr>
-              <a:t>Se não houver fornecedores cadastrados, a solicitação não será realizada.</a:t>
-            </a:r>
-            <a:endParaRPr b="0" i="0" sz="2000" u="none" cap="none" strike="noStrike">
-              <a:solidFill>
-                <a:srgbClr val="000000"/>
-              </a:solidFill>
-              <a:highlight>
-                <a:srgbClr val="FFFFFF"/>
-              </a:highlight>
-              <a:latin typeface="Calibri"/>
-              <a:ea typeface="Calibri"/>
-              <a:cs typeface="Calibri"/>
-              <a:sym typeface="Calibri"/>
-            </a:endParaRPr>
-          </a:p>
-          <a:p>
-            <a:pPr indent="-253150" lvl="0" marL="450000" marR="0" rtl="0" algn="just">
-              <a:lnSpc>
-                <a:spcPct val="80000"/>
-              </a:lnSpc>
-              <a:spcBef>
-                <a:spcPts val="0"/>
-              </a:spcBef>
-              <a:spcAft>
-                <a:spcPts val="0"/>
-              </a:spcAft>
-              <a:buSzPts val="1100"/>
-              <a:buFont typeface="Calibri"/>
-              <a:buChar char="●"/>
-            </a:pPr>
-            <a:r>
-              <a:rPr lang="pt-BR" sz="2000">
-                <a:highlight>
-                  <a:srgbClr val="FFFFFF"/>
-                </a:highlight>
-                <a:latin typeface="Calibri"/>
-                <a:ea typeface="Calibri"/>
-                <a:cs typeface="Calibri"/>
-                <a:sym typeface="Calibri"/>
-              </a:rPr>
-              <a:t>Envia o produto para o terceiro.</a:t>
-            </a:r>
-            <a:endParaRPr sz="2000">
-              <a:highlight>
-                <a:srgbClr val="FFFFFF"/>
-              </a:highlight>
-              <a:latin typeface="Calibri"/>
-              <a:ea typeface="Calibri"/>
-              <a:cs typeface="Calibri"/>
-              <a:sym typeface="Calibri"/>
-            </a:endParaRPr>
-          </a:p>
-        </p:txBody>
-      </p:sp>
       <p:pic>
         <p:nvPicPr>
-          <p:cNvPr id="220" name="Google Shape;220;gcce74347ab_0_29"/>
+          <p:cNvPr id="219" name="Google Shape;219;gd2b4982aba_0_85"/>
           <p:cNvPicPr preferRelativeResize="0"/>
           <p:nvPr/>
         </p:nvPicPr>
@@ -23170,8 +23385,8 @@
         </p:blipFill>
         <p:spPr>
           <a:xfrm>
-            <a:off x="152400" y="1843225"/>
-            <a:ext cx="8338774" cy="3534370"/>
+            <a:off x="304800" y="1690825"/>
+            <a:ext cx="6900250" cy="4272484"/>
           </a:xfrm>
           <a:prstGeom prst="rect">
             <a:avLst/>
@@ -23218,7 +23433,7 @@
         <p:spPr>
           <a:xfrm>
             <a:off x="7327675" y="1690825"/>
-            <a:ext cx="4334100" cy="2983200"/>
+            <a:ext cx="4334100" cy="4067100"/>
           </a:xfrm>
           <a:prstGeom prst="rect">
             <a:avLst/>
@@ -23307,7 +23522,7 @@
             </a:r>
             <a:r>
               <a:rPr lang="pt-BR" sz="2000"/>
-              <a:t>Cliente informa cartão e senha</a:t>
+              <a:t>Cliente informa detalhes de cadastro, cartão e senha</a:t>
             </a:r>
             <a:endParaRPr sz="2000"/>
           </a:p>
@@ -23399,12 +23614,38 @@
             </a:endParaRPr>
           </a:p>
           <a:p>
-            <a:pPr indent="-228600" lvl="0" marL="228600" rtl="0" algn="just">
+            <a:pPr indent="0" lvl="0" marL="0" rtl="0" algn="l">
               <a:lnSpc>
                 <a:spcPct val="70000"/>
               </a:lnSpc>
               <a:spcBef>
-                <a:spcPts val="1000"/>
+                <a:spcPts val="0"/>
+              </a:spcBef>
+              <a:spcAft>
+                <a:spcPts val="0"/>
+              </a:spcAft>
+              <a:buClr>
+                <a:schemeClr val="dk1"/>
+              </a:buClr>
+              <a:buSzPts val="2800"/>
+              <a:buNone/>
+            </a:pPr>
+            <a:r>
+              <a:t/>
+            </a:r>
+            <a:endParaRPr sz="2000">
+              <a:highlight>
+                <a:schemeClr val="lt1"/>
+              </a:highlight>
+            </a:endParaRPr>
+          </a:p>
+          <a:p>
+            <a:pPr indent="-228600" lvl="0" marL="228600" rtl="0" algn="l">
+              <a:lnSpc>
+                <a:spcPct val="70000"/>
+              </a:lnSpc>
+              <a:spcBef>
+                <a:spcPts val="0"/>
               </a:spcBef>
               <a:spcAft>
                 <a:spcPts val="0"/>
@@ -23418,7 +23659,95 @@
                   <a:schemeClr val="lt1"/>
                 </a:highlight>
               </a:rPr>
-              <a:t>Guarda o status do pedido do cliente em pedido.</a:t>
+              <a:t>Verifica os detalhes de cadastro do cliente.</a:t>
+            </a:r>
+            <a:endParaRPr sz="2000">
+              <a:highlight>
+                <a:schemeClr val="lt1"/>
+              </a:highlight>
+            </a:endParaRPr>
+          </a:p>
+          <a:p>
+            <a:pPr indent="-355600" lvl="1" marL="914400" rtl="0" algn="l">
+              <a:lnSpc>
+                <a:spcPct val="70000"/>
+              </a:lnSpc>
+              <a:spcBef>
+                <a:spcPts val="0"/>
+              </a:spcBef>
+              <a:spcAft>
+                <a:spcPts val="0"/>
+              </a:spcAft>
+              <a:buSzPts val="2000"/>
+              <a:buChar char="○"/>
+            </a:pPr>
+            <a:r>
+              <a:rPr lang="pt-BR" sz="2000"/>
+              <a:t>Se as informações do cliente não existirem, então elas são guardadas em Cliente, caso contrário atualiza as informações se necessário.</a:t>
+            </a:r>
+            <a:endParaRPr sz="2000">
+              <a:highlight>
+                <a:schemeClr val="lt1"/>
+              </a:highlight>
+            </a:endParaRPr>
+          </a:p>
+          <a:p>
+            <a:pPr indent="-228600" lvl="0" marL="228600" rtl="0" algn="l">
+              <a:lnSpc>
+                <a:spcPct val="70000"/>
+              </a:lnSpc>
+              <a:spcBef>
+                <a:spcPts val="0"/>
+              </a:spcBef>
+              <a:spcAft>
+                <a:spcPts val="0"/>
+              </a:spcAft>
+              <a:buSzPts val="2000"/>
+              <a:buChar char="•"/>
+            </a:pPr>
+            <a:r>
+              <a:rPr lang="pt-BR" sz="2000">
+                <a:highlight>
+                  <a:schemeClr val="lt1"/>
+                </a:highlight>
+              </a:rPr>
+              <a:t>Envia a solicitação de crédito ou débito ao provedor de cartões.</a:t>
+            </a:r>
+            <a:endParaRPr sz="2000">
+              <a:highlight>
+                <a:schemeClr val="lt1"/>
+              </a:highlight>
+            </a:endParaRPr>
+          </a:p>
+          <a:p>
+            <a:pPr indent="-228600" lvl="0" marL="228600" rtl="0" algn="l">
+              <a:lnSpc>
+                <a:spcPct val="70000"/>
+              </a:lnSpc>
+              <a:spcBef>
+                <a:spcPts val="0"/>
+              </a:spcBef>
+              <a:spcAft>
+                <a:spcPts val="0"/>
+              </a:spcAft>
+              <a:buSzPts val="2000"/>
+              <a:buChar char="•"/>
+            </a:pPr>
+            <a:r>
+              <a:rPr lang="pt-BR" sz="2000">
+                <a:highlight>
+                  <a:schemeClr val="lt1"/>
+                </a:highlight>
+              </a:rPr>
+              <a:t>Atualiza</a:t>
+            </a:r>
+            <a:r>
+              <a:rPr lang="pt-BR" sz="2000">
+                <a:highlight>
+                  <a:schemeClr val="lt1"/>
+                </a:highlight>
+              </a:rPr>
+              <a:t> o status do pedido do cliente em pedido.</a:t>
             </a:r>
             <a:endParaRPr sz="2000">
               <a:highlight>
@@ -23505,7 +23834,7 @@
         <p:spPr>
           <a:xfrm>
             <a:off x="304800" y="1690825"/>
-            <a:ext cx="7022876" cy="4096212"/>
+            <a:ext cx="7022876" cy="4145763"/>
           </a:xfrm>
           <a:prstGeom prst="rect">
             <a:avLst/>
@@ -23543,276 +23872,7 @@
       </p:grpSpPr>
       <p:sp>
         <p:nvSpPr>
-          <p:cNvPr id="225" name="Google Shape;225;gd2b4982aba_0_115"/>
-          <p:cNvSpPr txBox="1"/>
-          <p:nvPr>
-            <p:ph idx="1" type="body"/>
-          </p:nvPr>
-        </p:nvSpPr>
-        <p:spPr>
-          <a:xfrm>
-            <a:off x="8396925" y="1711525"/>
-            <a:ext cx="3663300" cy="4698153"/>
-          </a:xfrm>
-          <a:prstGeom prst="rect">
-            <a:avLst/>
-          </a:prstGeom>
-          <a:noFill/>
-          <a:ln>
-            <a:noFill/>
-          </a:ln>
-        </p:spPr>
-        <p:txBody>
-          <a:bodyPr anchorCtr="0" anchor="t" bIns="45700" lIns="91425" spcFirstLastPara="1" rIns="91425" wrap="square" tIns="45700">
-            <a:noAutofit/>
-          </a:bodyPr>
-          <a:lstStyle/>
-          <a:p>
-            <a:pPr indent="0" lvl="0" marL="0" rtl="0" algn="l">
-              <a:lnSpc>
-                <a:spcPct val="70000"/>
-              </a:lnSpc>
-              <a:spcBef>
-                <a:spcPts val="0"/>
-              </a:spcBef>
-              <a:spcAft>
-                <a:spcPts val="0"/>
-              </a:spcAft>
-              <a:buClr>
-                <a:schemeClr val="dk1"/>
-              </a:buClr>
-              <a:buSzPts val="2800"/>
-              <a:buNone/>
-            </a:pPr>
-            <a:r>
-              <a:rPr b="1" lang="pt-BR" sz="2000">
-                <a:highlight>
-                  <a:schemeClr val="lt1"/>
-                </a:highlight>
-              </a:rPr>
-              <a:t>Processo</a:t>
-            </a:r>
-            <a:r>
-              <a:rPr lang="pt-BR" sz="2000">
-                <a:highlight>
-                  <a:schemeClr val="lt1"/>
-                </a:highlight>
-              </a:rPr>
-              <a:t>: Analisar orçamento da manutenção</a:t>
-            </a:r>
-            <a:endParaRPr sz="2000">
-              <a:highlight>
-                <a:schemeClr val="lt1"/>
-              </a:highlight>
-            </a:endParaRPr>
-          </a:p>
-          <a:p>
-            <a:pPr indent="0" lvl="0" marL="0" rtl="0" algn="l">
-              <a:lnSpc>
-                <a:spcPct val="70000"/>
-              </a:lnSpc>
-              <a:spcBef>
-                <a:spcPts val="0"/>
-              </a:spcBef>
-              <a:spcAft>
-                <a:spcPts val="0"/>
-              </a:spcAft>
-              <a:buClr>
-                <a:schemeClr val="dk1"/>
-              </a:buClr>
-              <a:buSzPts val="2800"/>
-              <a:buNone/>
-            </a:pPr>
-            <a:r>
-              <a:rPr b="1" lang="pt-BR" sz="2000">
-                <a:highlight>
-                  <a:schemeClr val="lt1"/>
-                </a:highlight>
-              </a:rPr>
-              <a:t>Evento</a:t>
-            </a:r>
-            <a:r>
-              <a:rPr lang="pt-BR" sz="2000">
-                <a:highlight>
-                  <a:schemeClr val="lt1"/>
-                </a:highlight>
-              </a:rPr>
-              <a:t>: Terceiro envia orçamento e prazo</a:t>
-            </a:r>
-            <a:endParaRPr sz="2000">
-              <a:highlight>
-                <a:schemeClr val="lt1"/>
-              </a:highlight>
-            </a:endParaRPr>
-          </a:p>
-          <a:p>
-            <a:pPr indent="0" lvl="0" marL="0" rtl="0" algn="l">
-              <a:lnSpc>
-                <a:spcPct val="70000"/>
-              </a:lnSpc>
-              <a:spcBef>
-                <a:spcPts val="0"/>
-              </a:spcBef>
-              <a:spcAft>
-                <a:spcPts val="0"/>
-              </a:spcAft>
-              <a:buClr>
-                <a:schemeClr val="dk1"/>
-              </a:buClr>
-              <a:buSzPts val="2800"/>
-              <a:buNone/>
-            </a:pPr>
-            <a:r>
-              <a:rPr b="1" lang="pt-BR" sz="2000">
-                <a:highlight>
-                  <a:schemeClr val="lt1"/>
-                </a:highlight>
-              </a:rPr>
-              <a:t>Objetivo:</a:t>
-            </a:r>
-            <a:r>
-              <a:rPr lang="pt-BR" sz="2000">
-                <a:highlight>
-                  <a:schemeClr val="lt1"/>
-                </a:highlight>
-              </a:rPr>
-              <a:t> Verificar orçamento e prazo da manutenção.</a:t>
-            </a:r>
-            <a:endParaRPr sz="2000">
-              <a:highlight>
-                <a:schemeClr val="lt1"/>
-              </a:highlight>
-            </a:endParaRPr>
-          </a:p>
-          <a:p>
-            <a:pPr indent="0" lvl="0" marL="0" rtl="0" algn="l">
-              <a:lnSpc>
-                <a:spcPct val="70000"/>
-              </a:lnSpc>
-              <a:spcBef>
-                <a:spcPts val="0"/>
-              </a:spcBef>
-              <a:spcAft>
-                <a:spcPts val="0"/>
-              </a:spcAft>
-              <a:buClr>
-                <a:schemeClr val="dk1"/>
-              </a:buClr>
-              <a:buSzPts val="2800"/>
-              <a:buNone/>
-            </a:pPr>
-            <a:r>
-              <a:rPr b="1" lang="pt-BR" sz="2000">
-                <a:highlight>
-                  <a:schemeClr val="lt1"/>
-                </a:highlight>
-              </a:rPr>
-              <a:t>Trabalhador Envolvido</a:t>
-            </a:r>
-            <a:r>
-              <a:rPr lang="pt-BR" sz="2000">
-                <a:highlight>
-                  <a:schemeClr val="lt1"/>
-                </a:highlight>
-              </a:rPr>
-              <a:t>: Gerente</a:t>
-            </a:r>
-            <a:endParaRPr sz="2000">
-              <a:highlight>
-                <a:schemeClr val="lt1"/>
-              </a:highlight>
-            </a:endParaRPr>
-          </a:p>
-          <a:p>
-            <a:pPr indent="-355600" lvl="0" marL="457200" rtl="0" algn="just">
-              <a:lnSpc>
-                <a:spcPct val="80000"/>
-              </a:lnSpc>
-              <a:spcBef>
-                <a:spcPts val="1000"/>
-              </a:spcBef>
-              <a:spcAft>
-                <a:spcPts val="0"/>
-              </a:spcAft>
-              <a:buSzPts val="2000"/>
-              <a:buChar char="•"/>
-            </a:pPr>
-            <a:r>
-              <a:rPr lang="pt-BR" sz="2000">
-                <a:highlight>
-                  <a:schemeClr val="lt1"/>
-                </a:highlight>
-              </a:rPr>
-              <a:t>Verifica se há saldo em lançamento disponível para terceirizar a manutenção.</a:t>
-            </a:r>
-            <a:endParaRPr sz="2000">
-              <a:highlight>
-                <a:schemeClr val="lt1"/>
-              </a:highlight>
-            </a:endParaRPr>
-          </a:p>
-          <a:p>
-            <a:pPr indent="-355600" lvl="1" marL="914400" rtl="0" algn="just">
-              <a:lnSpc>
-                <a:spcPct val="80000"/>
-              </a:lnSpc>
-              <a:spcBef>
-                <a:spcPts val="0"/>
-              </a:spcBef>
-              <a:spcAft>
-                <a:spcPts val="0"/>
-              </a:spcAft>
-              <a:buSzPts val="2000"/>
-              <a:buChar char="○"/>
-            </a:pPr>
-            <a:r>
-              <a:rPr lang="pt-BR" sz="2000">
-                <a:highlight>
-                  <a:schemeClr val="lt1"/>
-                </a:highlight>
-              </a:rPr>
-              <a:t>Se não há saldo suficiente para manutenção de produtos, o orçamento será recusado.</a:t>
-            </a:r>
-            <a:endParaRPr sz="2000">
-              <a:highlight>
-                <a:schemeClr val="lt1"/>
-              </a:highlight>
-            </a:endParaRPr>
-          </a:p>
-          <a:p>
-            <a:pPr indent="-218440" lvl="0" marL="228600" rtl="0" algn="just">
-              <a:lnSpc>
-                <a:spcPct val="80000"/>
-              </a:lnSpc>
-              <a:spcBef>
-                <a:spcPts val="1000"/>
-              </a:spcBef>
-              <a:spcAft>
-                <a:spcPts val="0"/>
-              </a:spcAft>
-              <a:buSzPts val="1800"/>
-              <a:buFont typeface="Calibri"/>
-              <a:buChar char="•"/>
-            </a:pPr>
-            <a:r>
-              <a:rPr lang="pt-BR" sz="2000">
-                <a:highlight>
-                  <a:schemeClr val="lt1"/>
-                </a:highlight>
-              </a:rPr>
-              <a:t>Guarda as informações da manutenção solicitada em manutenção.</a:t>
-            </a:r>
-            <a:endParaRPr sz="2000">
-              <a:highlight>
-                <a:schemeClr val="lt1"/>
-              </a:highlight>
-            </a:endParaRPr>
-          </a:p>
-        </p:txBody>
-      </p:sp>
-      <p:sp>
-        <p:nvSpPr>
-          <p:cNvPr id="226" name="Google Shape;226;gd2b4982aba_0_115"/>
+          <p:cNvPr id="225" name="Google Shape;225;gcce74347ab_0_29"/>
           <p:cNvSpPr txBox="1"/>
           <p:nvPr>
             <p:ph type="title"/>
@@ -23821,7 +23881,7 @@
         <p:spPr>
           <a:xfrm>
             <a:off x="838200" y="365125"/>
-            <a:ext cx="10515600" cy="1325700"/>
+            <a:ext cx="10774200" cy="1325700"/>
           </a:xfrm>
           <a:prstGeom prst="rect">
             <a:avLst/>
@@ -23866,9 +23926,466 @@
           </a:p>
         </p:txBody>
       </p:sp>
+      <p:sp>
+        <p:nvSpPr>
+          <p:cNvPr id="226" name="Google Shape;226;gcce74347ab_0_29"/>
+          <p:cNvSpPr txBox="1"/>
+          <p:nvPr/>
+        </p:nvSpPr>
+        <p:spPr>
+          <a:xfrm>
+            <a:off x="8624525" y="1062300"/>
+            <a:ext cx="3500400" cy="4253400"/>
+          </a:xfrm>
+          <a:prstGeom prst="rect">
+            <a:avLst/>
+          </a:prstGeom>
+          <a:noFill/>
+          <a:ln>
+            <a:noFill/>
+          </a:ln>
+        </p:spPr>
+        <p:txBody>
+          <a:bodyPr anchorCtr="0" anchor="t" bIns="91425" lIns="91425" spcFirstLastPara="1" rIns="91425" wrap="square" tIns="91425">
+            <a:spAutoFit/>
+          </a:bodyPr>
+          <a:lstStyle/>
+          <a:p>
+            <a:pPr indent="0" lvl="0" marL="0" marR="0" rtl="0" algn="l">
+              <a:lnSpc>
+                <a:spcPct val="80000"/>
+              </a:lnSpc>
+              <a:spcBef>
+                <a:spcPts val="0"/>
+              </a:spcBef>
+              <a:spcAft>
+                <a:spcPts val="0"/>
+              </a:spcAft>
+              <a:buClr>
+                <a:srgbClr val="000000"/>
+              </a:buClr>
+              <a:buSzPts val="2000"/>
+              <a:buFont typeface="Arial"/>
+              <a:buNone/>
+            </a:pPr>
+            <a:r>
+              <a:rPr b="1" i="0" lang="pt-BR" sz="2000" u="none" cap="none" strike="noStrike">
+                <a:solidFill>
+                  <a:schemeClr val="dk1"/>
+                </a:solidFill>
+                <a:highlight>
+                  <a:schemeClr val="lt1"/>
+                </a:highlight>
+                <a:latin typeface="Calibri"/>
+                <a:ea typeface="Calibri"/>
+                <a:cs typeface="Calibri"/>
+                <a:sym typeface="Calibri"/>
+              </a:rPr>
+              <a:t>Processo</a:t>
+            </a:r>
+            <a:r>
+              <a:rPr b="0" i="0" lang="pt-BR" sz="2000" u="none" cap="none" strike="noStrike">
+                <a:solidFill>
+                  <a:schemeClr val="dk1"/>
+                </a:solidFill>
+                <a:highlight>
+                  <a:schemeClr val="lt1"/>
+                </a:highlight>
+                <a:latin typeface="Calibri"/>
+                <a:ea typeface="Calibri"/>
+                <a:cs typeface="Calibri"/>
+                <a:sym typeface="Calibri"/>
+              </a:rPr>
+              <a:t>: Solicitar serviço</a:t>
+            </a:r>
+            <a:endParaRPr/>
+          </a:p>
+          <a:p>
+            <a:pPr indent="0" lvl="0" marL="0" marR="0" rtl="0" algn="l">
+              <a:lnSpc>
+                <a:spcPct val="80000"/>
+              </a:lnSpc>
+              <a:spcBef>
+                <a:spcPts val="0"/>
+              </a:spcBef>
+              <a:spcAft>
+                <a:spcPts val="0"/>
+              </a:spcAft>
+              <a:buClr>
+                <a:srgbClr val="000000"/>
+              </a:buClr>
+              <a:buSzPts val="2000"/>
+              <a:buFont typeface="Arial"/>
+              <a:buNone/>
+            </a:pPr>
+            <a:r>
+              <a:rPr b="1" i="0" lang="pt-BR" sz="2000" u="none" cap="none" strike="noStrike">
+                <a:solidFill>
+                  <a:schemeClr val="dk1"/>
+                </a:solidFill>
+                <a:highlight>
+                  <a:schemeClr val="lt1"/>
+                </a:highlight>
+                <a:latin typeface="Calibri"/>
+                <a:ea typeface="Calibri"/>
+                <a:cs typeface="Calibri"/>
+                <a:sym typeface="Calibri"/>
+              </a:rPr>
+              <a:t>Evento</a:t>
+            </a:r>
+            <a:r>
+              <a:rPr b="0" i="0" lang="pt-BR" sz="2000" u="none" cap="none" strike="noStrike">
+                <a:solidFill>
+                  <a:schemeClr val="dk1"/>
+                </a:solidFill>
+                <a:highlight>
+                  <a:schemeClr val="lt1"/>
+                </a:highlight>
+                <a:latin typeface="Calibri"/>
+                <a:ea typeface="Calibri"/>
+                <a:cs typeface="Calibri"/>
+                <a:sym typeface="Calibri"/>
+              </a:rPr>
+              <a:t>: Gerente</a:t>
+            </a:r>
+            <a:r>
+              <a:rPr lang="pt-BR" sz="2000">
+                <a:solidFill>
+                  <a:schemeClr val="dk1"/>
+                </a:solidFill>
+                <a:highlight>
+                  <a:schemeClr val="lt1"/>
+                </a:highlight>
+                <a:latin typeface="Calibri"/>
+                <a:ea typeface="Calibri"/>
+                <a:cs typeface="Calibri"/>
+                <a:sym typeface="Calibri"/>
+              </a:rPr>
+              <a:t> </a:t>
+            </a:r>
+            <a:r>
+              <a:rPr b="0" i="0" lang="pt-BR" sz="2000" u="none" cap="none" strike="noStrike">
+                <a:solidFill>
+                  <a:schemeClr val="dk1"/>
+                </a:solidFill>
+                <a:highlight>
+                  <a:schemeClr val="lt1"/>
+                </a:highlight>
+                <a:latin typeface="Calibri"/>
+                <a:ea typeface="Calibri"/>
+                <a:cs typeface="Calibri"/>
+                <a:sym typeface="Calibri"/>
+              </a:rPr>
+              <a:t>solicita serviço de manutenção e envia p</a:t>
+            </a:r>
+            <a:r>
+              <a:rPr lang="pt-BR" sz="2000">
+                <a:solidFill>
+                  <a:schemeClr val="dk1"/>
+                </a:solidFill>
+                <a:highlight>
+                  <a:schemeClr val="lt1"/>
+                </a:highlight>
+                <a:latin typeface="Calibri"/>
+                <a:ea typeface="Calibri"/>
+                <a:cs typeface="Calibri"/>
+                <a:sym typeface="Calibri"/>
+              </a:rPr>
+              <a:t>roduto</a:t>
+            </a:r>
+            <a:endParaRPr/>
+          </a:p>
+          <a:p>
+            <a:pPr indent="0" lvl="0" marL="0" marR="0" rtl="0" algn="l">
+              <a:lnSpc>
+                <a:spcPct val="80000"/>
+              </a:lnSpc>
+              <a:spcBef>
+                <a:spcPts val="0"/>
+              </a:spcBef>
+              <a:spcAft>
+                <a:spcPts val="0"/>
+              </a:spcAft>
+              <a:buClr>
+                <a:srgbClr val="000000"/>
+              </a:buClr>
+              <a:buSzPts val="2000"/>
+              <a:buFont typeface="Arial"/>
+              <a:buNone/>
+            </a:pPr>
+            <a:r>
+              <a:rPr b="1" i="0" lang="pt-BR" sz="2000" u="none" cap="none" strike="noStrike">
+                <a:solidFill>
+                  <a:schemeClr val="dk1"/>
+                </a:solidFill>
+                <a:highlight>
+                  <a:schemeClr val="lt1"/>
+                </a:highlight>
+                <a:latin typeface="Calibri"/>
+                <a:ea typeface="Calibri"/>
+                <a:cs typeface="Calibri"/>
+                <a:sym typeface="Calibri"/>
+              </a:rPr>
+              <a:t>Objetivo: </a:t>
+            </a:r>
+            <a:r>
+              <a:rPr b="0" i="0" lang="pt-BR" sz="2000" u="none" cap="none" strike="noStrike">
+                <a:solidFill>
+                  <a:schemeClr val="dk1"/>
+                </a:solidFill>
+                <a:highlight>
+                  <a:schemeClr val="lt1"/>
+                </a:highlight>
+                <a:latin typeface="Calibri"/>
+                <a:ea typeface="Calibri"/>
+                <a:cs typeface="Calibri"/>
+                <a:sym typeface="Calibri"/>
+              </a:rPr>
+              <a:t>Terceirizar o suporte que não pode ser atendido pela GamaWare</a:t>
+            </a:r>
+            <a:endParaRPr/>
+          </a:p>
+          <a:p>
+            <a:pPr indent="0" lvl="0" marL="0" marR="0" rtl="0" algn="l">
+              <a:lnSpc>
+                <a:spcPct val="80000"/>
+              </a:lnSpc>
+              <a:spcBef>
+                <a:spcPts val="0"/>
+              </a:spcBef>
+              <a:spcAft>
+                <a:spcPts val="0"/>
+              </a:spcAft>
+              <a:buClr>
+                <a:srgbClr val="000000"/>
+              </a:buClr>
+              <a:buSzPts val="2000"/>
+              <a:buFont typeface="Arial"/>
+              <a:buNone/>
+            </a:pPr>
+            <a:r>
+              <a:rPr b="1" i="0" lang="pt-BR" sz="2000" u="none" cap="none" strike="noStrike">
+                <a:solidFill>
+                  <a:schemeClr val="dk1"/>
+                </a:solidFill>
+                <a:highlight>
+                  <a:schemeClr val="lt1"/>
+                </a:highlight>
+                <a:latin typeface="Calibri"/>
+                <a:ea typeface="Calibri"/>
+                <a:cs typeface="Calibri"/>
+                <a:sym typeface="Calibri"/>
+              </a:rPr>
+              <a:t>Trabalhador Envolvido</a:t>
+            </a:r>
+            <a:r>
+              <a:rPr b="0" i="0" lang="pt-BR" sz="2000" u="none" cap="none" strike="noStrike">
+                <a:solidFill>
+                  <a:schemeClr val="dk1"/>
+                </a:solidFill>
+                <a:highlight>
+                  <a:schemeClr val="lt1"/>
+                </a:highlight>
+                <a:latin typeface="Calibri"/>
+                <a:ea typeface="Calibri"/>
+                <a:cs typeface="Calibri"/>
+                <a:sym typeface="Calibri"/>
+              </a:rPr>
+              <a:t>: Gerente</a:t>
+            </a:r>
+            <a:endParaRPr/>
+          </a:p>
+          <a:p>
+            <a:pPr indent="-219075" lvl="0" marL="360000" marR="0" rtl="0" algn="l">
+              <a:lnSpc>
+                <a:spcPct val="80000"/>
+              </a:lnSpc>
+              <a:spcBef>
+                <a:spcPts val="1000"/>
+              </a:spcBef>
+              <a:spcAft>
+                <a:spcPts val="0"/>
+              </a:spcAft>
+              <a:buClr>
+                <a:schemeClr val="dk1"/>
+              </a:buClr>
+              <a:buSzPts val="1800"/>
+              <a:buFont typeface="Arial"/>
+              <a:buChar char="•"/>
+            </a:pPr>
+            <a:r>
+              <a:rPr b="0" i="0" lang="pt-BR" sz="2000" u="none" cap="none" strike="noStrike">
+                <a:solidFill>
+                  <a:schemeClr val="dk1"/>
+                </a:solidFill>
+                <a:highlight>
+                  <a:schemeClr val="lt1"/>
+                </a:highlight>
+                <a:latin typeface="Calibri"/>
+                <a:ea typeface="Calibri"/>
+                <a:cs typeface="Calibri"/>
+                <a:sym typeface="Calibri"/>
+              </a:rPr>
+              <a:t>Verifica se há </a:t>
+            </a:r>
+            <a:r>
+              <a:rPr lang="pt-BR" sz="2000">
+                <a:solidFill>
+                  <a:schemeClr val="dk1"/>
+                </a:solidFill>
+                <a:highlight>
+                  <a:schemeClr val="lt1"/>
+                </a:highlight>
+                <a:latin typeface="Calibri"/>
+                <a:ea typeface="Calibri"/>
+                <a:cs typeface="Calibri"/>
+                <a:sym typeface="Calibri"/>
+              </a:rPr>
+              <a:t>terceiros </a:t>
+            </a:r>
+            <a:r>
+              <a:rPr b="0" i="0" lang="pt-BR" sz="2000" u="none" cap="none" strike="noStrike">
+                <a:solidFill>
+                  <a:schemeClr val="dk1"/>
+                </a:solidFill>
+                <a:highlight>
+                  <a:schemeClr val="lt1"/>
+                </a:highlight>
+                <a:latin typeface="Calibri"/>
+                <a:ea typeface="Calibri"/>
+                <a:cs typeface="Calibri"/>
+                <a:sym typeface="Calibri"/>
+              </a:rPr>
+              <a:t>para realizar a manutenção.</a:t>
+            </a:r>
+            <a:endParaRPr b="0" i="0" sz="2000" u="none" cap="none" strike="noStrike">
+              <a:solidFill>
+                <a:schemeClr val="dk1"/>
+              </a:solidFill>
+              <a:highlight>
+                <a:schemeClr val="lt1"/>
+              </a:highlight>
+              <a:latin typeface="Calibri"/>
+              <a:ea typeface="Calibri"/>
+              <a:cs typeface="Calibri"/>
+              <a:sym typeface="Calibri"/>
+            </a:endParaRPr>
+          </a:p>
+          <a:p>
+            <a:pPr indent="-355600" lvl="1" marL="914400" marR="0" rtl="0" algn="l">
+              <a:lnSpc>
+                <a:spcPct val="80000"/>
+              </a:lnSpc>
+              <a:spcBef>
+                <a:spcPts val="0"/>
+              </a:spcBef>
+              <a:spcAft>
+                <a:spcPts val="0"/>
+              </a:spcAft>
+              <a:buClr>
+                <a:srgbClr val="000000"/>
+              </a:buClr>
+              <a:buSzPts val="2000"/>
+              <a:buFont typeface="Arial"/>
+              <a:buChar char="○"/>
+            </a:pPr>
+            <a:r>
+              <a:rPr b="0" i="0" lang="pt-BR" sz="2000" u="none" cap="none" strike="noStrike">
+                <a:solidFill>
+                  <a:srgbClr val="000000"/>
+                </a:solidFill>
+                <a:highlight>
+                  <a:schemeClr val="lt1"/>
+                </a:highlight>
+                <a:latin typeface="Calibri"/>
+                <a:ea typeface="Calibri"/>
+                <a:cs typeface="Calibri"/>
+                <a:sym typeface="Calibri"/>
+              </a:rPr>
+              <a:t>Se não houver </a:t>
+            </a:r>
+            <a:r>
+              <a:rPr lang="pt-BR" sz="2000">
+                <a:highlight>
+                  <a:schemeClr val="lt1"/>
+                </a:highlight>
+                <a:latin typeface="Calibri"/>
+                <a:ea typeface="Calibri"/>
+                <a:cs typeface="Calibri"/>
+                <a:sym typeface="Calibri"/>
+              </a:rPr>
+              <a:t>terceiros</a:t>
+            </a:r>
+            <a:r>
+              <a:rPr b="0" i="0" lang="pt-BR" sz="2000" u="none" cap="none" strike="noStrike">
+                <a:solidFill>
+                  <a:srgbClr val="000000"/>
+                </a:solidFill>
+                <a:highlight>
+                  <a:schemeClr val="lt1"/>
+                </a:highlight>
+                <a:latin typeface="Calibri"/>
+                <a:ea typeface="Calibri"/>
+                <a:cs typeface="Calibri"/>
+                <a:sym typeface="Calibri"/>
+              </a:rPr>
+              <a:t> cadastrados, a solicitação não será realizada.</a:t>
+            </a:r>
+            <a:endParaRPr b="0" i="0" sz="2000" u="none" cap="none" strike="noStrike">
+              <a:solidFill>
+                <a:srgbClr val="000000"/>
+              </a:solidFill>
+              <a:highlight>
+                <a:schemeClr val="lt1"/>
+              </a:highlight>
+              <a:latin typeface="Calibri"/>
+              <a:ea typeface="Calibri"/>
+              <a:cs typeface="Calibri"/>
+              <a:sym typeface="Calibri"/>
+            </a:endParaRPr>
+          </a:p>
+          <a:p>
+            <a:pPr indent="-253150" lvl="0" marL="450000" marR="0" rtl="0" algn="l">
+              <a:lnSpc>
+                <a:spcPct val="80000"/>
+              </a:lnSpc>
+              <a:spcBef>
+                <a:spcPts val="0"/>
+              </a:spcBef>
+              <a:spcAft>
+                <a:spcPts val="0"/>
+              </a:spcAft>
+              <a:buSzPts val="1100"/>
+              <a:buFont typeface="Calibri"/>
+              <a:buChar char="●"/>
+            </a:pPr>
+            <a:r>
+              <a:rPr lang="pt-BR" sz="2000">
+                <a:highlight>
+                  <a:srgbClr val="FFFFFF"/>
+                </a:highlight>
+                <a:latin typeface="Calibri"/>
+                <a:ea typeface="Calibri"/>
+                <a:cs typeface="Calibri"/>
+                <a:sym typeface="Calibri"/>
+              </a:rPr>
+              <a:t>Envia o produto para o terceiro.</a:t>
+            </a:r>
+            <a:endParaRPr sz="2000">
+              <a:highlight>
+                <a:srgbClr val="FFFFFF"/>
+              </a:highlight>
+              <a:latin typeface="Calibri"/>
+              <a:ea typeface="Calibri"/>
+              <a:cs typeface="Calibri"/>
+              <a:sym typeface="Calibri"/>
+            </a:endParaRPr>
+          </a:p>
+        </p:txBody>
+      </p:sp>
       <p:pic>
         <p:nvPicPr>
-          <p:cNvPr id="227" name="Google Shape;227;gd2b4982aba_0_115"/>
+          <p:cNvPr id="227" name="Google Shape;227;gcce74347ab_0_29"/>
           <p:cNvPicPr preferRelativeResize="0"/>
           <p:nvPr/>
         </p:nvPicPr>
@@ -23882,7 +24399,7 @@
         </p:blipFill>
         <p:spPr>
           <a:xfrm>
-            <a:off x="152400" y="1843225"/>
+            <a:off x="254375" y="1732750"/>
             <a:ext cx="8338774" cy="3534370"/>
           </a:xfrm>
           <a:prstGeom prst="rect">
@@ -23921,7 +24438,385 @@
       </p:grpSpPr>
       <p:sp>
         <p:nvSpPr>
-          <p:cNvPr id="232" name="Google Shape;232;gd2b4982aba_0_109"/>
+          <p:cNvPr id="232" name="Google Shape;232;gd2b4982aba_0_115"/>
+          <p:cNvSpPr txBox="1"/>
+          <p:nvPr>
+            <p:ph idx="1" type="body"/>
+          </p:nvPr>
+        </p:nvSpPr>
+        <p:spPr>
+          <a:xfrm>
+            <a:off x="8396925" y="1711525"/>
+            <a:ext cx="3663300" cy="4698153"/>
+          </a:xfrm>
+          <a:prstGeom prst="rect">
+            <a:avLst/>
+          </a:prstGeom>
+          <a:noFill/>
+          <a:ln>
+            <a:noFill/>
+          </a:ln>
+        </p:spPr>
+        <p:txBody>
+          <a:bodyPr anchorCtr="0" anchor="t" bIns="45700" lIns="91425" spcFirstLastPara="1" rIns="91425" wrap="square" tIns="45700">
+            <a:noAutofit/>
+          </a:bodyPr>
+          <a:lstStyle/>
+          <a:p>
+            <a:pPr indent="0" lvl="0" marL="0" rtl="0" algn="l">
+              <a:lnSpc>
+                <a:spcPct val="70000"/>
+              </a:lnSpc>
+              <a:spcBef>
+                <a:spcPts val="0"/>
+              </a:spcBef>
+              <a:spcAft>
+                <a:spcPts val="0"/>
+              </a:spcAft>
+              <a:buClr>
+                <a:schemeClr val="dk1"/>
+              </a:buClr>
+              <a:buSzPts val="2800"/>
+              <a:buNone/>
+            </a:pPr>
+            <a:r>
+              <a:rPr b="1" lang="pt-BR" sz="2000">
+                <a:highlight>
+                  <a:schemeClr val="lt1"/>
+                </a:highlight>
+              </a:rPr>
+              <a:t>Processo</a:t>
+            </a:r>
+            <a:r>
+              <a:rPr lang="pt-BR" sz="2000">
+                <a:highlight>
+                  <a:schemeClr val="lt1"/>
+                </a:highlight>
+              </a:rPr>
+              <a:t>: Analisar orçamento da manutenção</a:t>
+            </a:r>
+            <a:endParaRPr sz="2000">
+              <a:highlight>
+                <a:schemeClr val="lt1"/>
+              </a:highlight>
+            </a:endParaRPr>
+          </a:p>
+          <a:p>
+            <a:pPr indent="0" lvl="0" marL="0" rtl="0" algn="l">
+              <a:lnSpc>
+                <a:spcPct val="70000"/>
+              </a:lnSpc>
+              <a:spcBef>
+                <a:spcPts val="0"/>
+              </a:spcBef>
+              <a:spcAft>
+                <a:spcPts val="0"/>
+              </a:spcAft>
+              <a:buClr>
+                <a:schemeClr val="dk1"/>
+              </a:buClr>
+              <a:buSzPts val="2800"/>
+              <a:buNone/>
+            </a:pPr>
+            <a:r>
+              <a:rPr b="1" lang="pt-BR" sz="2000">
+                <a:highlight>
+                  <a:schemeClr val="lt1"/>
+                </a:highlight>
+              </a:rPr>
+              <a:t>Evento</a:t>
+            </a:r>
+            <a:r>
+              <a:rPr lang="pt-BR" sz="2000">
+                <a:highlight>
+                  <a:schemeClr val="lt1"/>
+                </a:highlight>
+              </a:rPr>
+              <a:t>: Terceiro envia orçamento e prazo</a:t>
+            </a:r>
+            <a:endParaRPr sz="2000">
+              <a:highlight>
+                <a:schemeClr val="lt1"/>
+              </a:highlight>
+            </a:endParaRPr>
+          </a:p>
+          <a:p>
+            <a:pPr indent="0" lvl="0" marL="0" rtl="0" algn="l">
+              <a:lnSpc>
+                <a:spcPct val="70000"/>
+              </a:lnSpc>
+              <a:spcBef>
+                <a:spcPts val="0"/>
+              </a:spcBef>
+              <a:spcAft>
+                <a:spcPts val="0"/>
+              </a:spcAft>
+              <a:buClr>
+                <a:schemeClr val="dk1"/>
+              </a:buClr>
+              <a:buSzPts val="2800"/>
+              <a:buNone/>
+            </a:pPr>
+            <a:r>
+              <a:rPr b="1" lang="pt-BR" sz="2000">
+                <a:highlight>
+                  <a:schemeClr val="lt1"/>
+                </a:highlight>
+              </a:rPr>
+              <a:t>Objetivo:</a:t>
+            </a:r>
+            <a:r>
+              <a:rPr lang="pt-BR" sz="2000">
+                <a:highlight>
+                  <a:schemeClr val="lt1"/>
+                </a:highlight>
+              </a:rPr>
+              <a:t> Verificar orçamento e prazo da manutenção.</a:t>
+            </a:r>
+            <a:endParaRPr sz="2000">
+              <a:highlight>
+                <a:schemeClr val="lt1"/>
+              </a:highlight>
+            </a:endParaRPr>
+          </a:p>
+          <a:p>
+            <a:pPr indent="0" lvl="0" marL="0" rtl="0" algn="l">
+              <a:lnSpc>
+                <a:spcPct val="70000"/>
+              </a:lnSpc>
+              <a:spcBef>
+                <a:spcPts val="0"/>
+              </a:spcBef>
+              <a:spcAft>
+                <a:spcPts val="0"/>
+              </a:spcAft>
+              <a:buClr>
+                <a:schemeClr val="dk1"/>
+              </a:buClr>
+              <a:buSzPts val="2800"/>
+              <a:buNone/>
+            </a:pPr>
+            <a:r>
+              <a:rPr b="1" lang="pt-BR" sz="2000">
+                <a:highlight>
+                  <a:schemeClr val="lt1"/>
+                </a:highlight>
+              </a:rPr>
+              <a:t>Trabalhador Envolvido</a:t>
+            </a:r>
+            <a:r>
+              <a:rPr lang="pt-BR" sz="2000">
+                <a:highlight>
+                  <a:schemeClr val="lt1"/>
+                </a:highlight>
+              </a:rPr>
+              <a:t>: Gerente</a:t>
+            </a:r>
+            <a:endParaRPr sz="2000">
+              <a:highlight>
+                <a:schemeClr val="lt1"/>
+              </a:highlight>
+            </a:endParaRPr>
+          </a:p>
+          <a:p>
+            <a:pPr indent="-355600" lvl="0" marL="457200" rtl="0" algn="l">
+              <a:lnSpc>
+                <a:spcPct val="80000"/>
+              </a:lnSpc>
+              <a:spcBef>
+                <a:spcPts val="1000"/>
+              </a:spcBef>
+              <a:spcAft>
+                <a:spcPts val="0"/>
+              </a:spcAft>
+              <a:buSzPts val="2000"/>
+              <a:buChar char="•"/>
+            </a:pPr>
+            <a:r>
+              <a:rPr lang="pt-BR" sz="2000">
+                <a:highlight>
+                  <a:schemeClr val="lt1"/>
+                </a:highlight>
+              </a:rPr>
+              <a:t>Verifica se há saldo em lançamento disponível para terceirizar a manutenção.</a:t>
+            </a:r>
+            <a:endParaRPr sz="2000">
+              <a:highlight>
+                <a:schemeClr val="lt1"/>
+              </a:highlight>
+            </a:endParaRPr>
+          </a:p>
+          <a:p>
+            <a:pPr indent="-355600" lvl="1" marL="914400" rtl="0" algn="l">
+              <a:lnSpc>
+                <a:spcPct val="80000"/>
+              </a:lnSpc>
+              <a:spcBef>
+                <a:spcPts val="0"/>
+              </a:spcBef>
+              <a:spcAft>
+                <a:spcPts val="0"/>
+              </a:spcAft>
+              <a:buSzPts val="2000"/>
+              <a:buChar char="○"/>
+            </a:pPr>
+            <a:r>
+              <a:rPr lang="pt-BR" sz="2000">
+                <a:highlight>
+                  <a:schemeClr val="lt1"/>
+                </a:highlight>
+              </a:rPr>
+              <a:t>Se não há saldo suficiente para manutenção de produtos, o orçamento será recusado.</a:t>
+            </a:r>
+            <a:endParaRPr sz="2000">
+              <a:highlight>
+                <a:schemeClr val="lt1"/>
+              </a:highlight>
+            </a:endParaRPr>
+          </a:p>
+          <a:p>
+            <a:pPr indent="-218440" lvl="0" marL="228600" rtl="0" algn="l">
+              <a:lnSpc>
+                <a:spcPct val="80000"/>
+              </a:lnSpc>
+              <a:spcBef>
+                <a:spcPts val="1000"/>
+              </a:spcBef>
+              <a:spcAft>
+                <a:spcPts val="0"/>
+              </a:spcAft>
+              <a:buSzPts val="1800"/>
+              <a:buFont typeface="Calibri"/>
+              <a:buChar char="•"/>
+            </a:pPr>
+            <a:r>
+              <a:rPr lang="pt-BR" sz="2000">
+                <a:highlight>
+                  <a:schemeClr val="lt1"/>
+                </a:highlight>
+              </a:rPr>
+              <a:t>Guarda as informações da manutenção solicitada em manutenção.</a:t>
+            </a:r>
+            <a:endParaRPr sz="2000">
+              <a:highlight>
+                <a:schemeClr val="lt1"/>
+              </a:highlight>
+            </a:endParaRPr>
+          </a:p>
+        </p:txBody>
+      </p:sp>
+      <p:sp>
+        <p:nvSpPr>
+          <p:cNvPr id="233" name="Google Shape;233;gd2b4982aba_0_115"/>
+          <p:cNvSpPr txBox="1"/>
+          <p:nvPr>
+            <p:ph type="title"/>
+          </p:nvPr>
+        </p:nvSpPr>
+        <p:spPr>
+          <a:xfrm>
+            <a:off x="838200" y="365125"/>
+            <a:ext cx="10515600" cy="1325700"/>
+          </a:xfrm>
+          <a:prstGeom prst="rect">
+            <a:avLst/>
+          </a:prstGeom>
+          <a:noFill/>
+          <a:ln>
+            <a:noFill/>
+          </a:ln>
+        </p:spPr>
+        <p:txBody>
+          <a:bodyPr anchorCtr="0" anchor="ctr" bIns="45700" lIns="91425" spcFirstLastPara="1" rIns="91425" wrap="square" tIns="45700">
+            <a:normAutofit/>
+          </a:bodyPr>
+          <a:lstStyle/>
+          <a:p>
+            <a:pPr indent="0" lvl="0" marL="0" rtl="0" algn="l">
+              <a:lnSpc>
+                <a:spcPct val="90000"/>
+              </a:lnSpc>
+              <a:spcBef>
+                <a:spcPts val="0"/>
+              </a:spcBef>
+              <a:spcAft>
+                <a:spcPts val="0"/>
+              </a:spcAft>
+              <a:buSzPts val="1800"/>
+              <a:buNone/>
+            </a:pPr>
+            <a:r>
+              <a:rPr lang="pt-BR"/>
+              <a:t>Capacidade: </a:t>
+            </a:r>
+            <a:r>
+              <a:rPr b="1" lang="pt-BR"/>
+              <a:t>Terceirizar Manutenção de Produtos </a:t>
+            </a:r>
+            <a:endParaRPr b="1">
+              <a:highlight>
+                <a:schemeClr val="lt1"/>
+              </a:highlight>
+            </a:endParaRPr>
+          </a:p>
+        </p:txBody>
+      </p:sp>
+      <p:pic>
+        <p:nvPicPr>
+          <p:cNvPr id="234" name="Google Shape;234;gd2b4982aba_0_115"/>
+          <p:cNvPicPr preferRelativeResize="0"/>
+          <p:nvPr/>
+        </p:nvPicPr>
+        <p:blipFill>
+          <a:blip r:embed="rId3">
+            <a:alphaModFix/>
+          </a:blip>
+          <a:stretch>
+            <a:fillRect/>
+          </a:stretch>
+        </p:blipFill>
+        <p:spPr>
+          <a:xfrm>
+            <a:off x="254375" y="1732750"/>
+            <a:ext cx="8338774" cy="3534370"/>
+          </a:xfrm>
+          <a:prstGeom prst="rect">
+            <a:avLst/>
+          </a:prstGeom>
+          <a:noFill/>
+          <a:ln>
+            <a:noFill/>
+          </a:ln>
+        </p:spPr>
+      </p:pic>
+    </p:spTree>
+  </p:cSld>
+  <p:clrMapOvr>
+    <a:masterClrMapping/>
+  </p:clrMapOvr>
+</p:sld>
+</file>
+
+<file path=ppt/slides/slide22.xml><?xml version="1.0" encoding="utf-8"?>
+<p:sld xmlns:a="http://schemas.openxmlformats.org/drawingml/2006/main" xmlns:r="http://schemas.openxmlformats.org/officeDocument/2006/relationships" xmlns:mc="http://schemas.openxmlformats.org/markup-compatibility/2006" xmlns:mv="urn:schemas-microsoft-com:mac:vml" xmlns:p="http://schemas.openxmlformats.org/presentationml/2006/main" xmlns:c="http://schemas.openxmlformats.org/drawingml/2006/chart" xmlns:dgm="http://schemas.openxmlformats.org/drawingml/2006/diagram" xmlns:o="urn:schemas-microsoft-com:office:office" xmlns:v="urn:schemas-microsoft-com:vml" xmlns:pvml="urn:schemas-microsoft-com:office:powerpoint" xmlns:com="http://schemas.openxmlformats.org/drawingml/2006/compatibility" xmlns:p14="http://schemas.microsoft.com/office/powerpoint/2010/main" xmlns:p15="http://schemas.microsoft.com/office/powerpoint/2012/main" xmlns:ahyp="http://schemas.microsoft.com/office/drawing/2018/hyperlinkcolor">
+  <p:cSld>
+    <p:spTree>
+      <p:nvGrpSpPr>
+        <p:cNvPr id="238" name="Shape 238"/>
+        <p:cNvGrpSpPr/>
+        <p:nvPr/>
+      </p:nvGrpSpPr>
+      <p:grpSpPr>
+        <a:xfrm>
+          <a:off x="0" y="0"/>
+          <a:ext cx="0" cy="0"/>
+          <a:chOff x="0" y="0"/>
+          <a:chExt cx="0" cy="0"/>
+        </a:xfrm>
+      </p:grpSpPr>
+      <p:sp>
+        <p:nvSpPr>
+          <p:cNvPr id="239" name="Google Shape;239;gd2b4982aba_0_109"/>
           <p:cNvSpPr txBox="1"/>
           <p:nvPr>
             <p:ph idx="1" type="body"/>
@@ -24054,7 +24949,15 @@
                   <a:schemeClr val="lt1"/>
                 </a:highlight>
               </a:rPr>
-              <a:t>  Analisar o produto recebido</a:t>
+              <a:t> </a:t>
+            </a:r>
+            <a:r>
+              <a:rPr lang="pt-BR" sz="2000">
+                <a:highlight>
+                  <a:schemeClr val="lt1"/>
+                </a:highlight>
+              </a:rPr>
+              <a:t>Analisar o produto recebido</a:t>
             </a:r>
             <a:endParaRPr sz="2000">
               <a:highlight>
@@ -24102,7 +25005,7 @@
             </a:endParaRPr>
           </a:p>
           <a:p>
-            <a:pPr indent="-355600" lvl="0" marL="457200" rtl="0" algn="just">
+            <a:pPr indent="-355600" lvl="0" marL="457200" rtl="0" algn="l">
               <a:lnSpc>
                 <a:spcPct val="70000"/>
               </a:lnSpc>
@@ -24130,7 +25033,7 @@
             </a:endParaRPr>
           </a:p>
           <a:p>
-            <a:pPr indent="-355600" lvl="0" marL="457200" rtl="0" algn="just">
+            <a:pPr indent="-355600" lvl="0" marL="457200" rtl="0" algn="l">
               <a:lnSpc>
                 <a:spcPct val="70000"/>
               </a:lnSpc>
@@ -24150,104 +25053,6 @@
                 </a:highlight>
               </a:rPr>
               <a:t>Atualiza o status da manutenção para “finalizado”.</a:t>
-            </a:r>
-            <a:endParaRPr sz="2000">
-              <a:highlight>
-                <a:schemeClr val="lt1"/>
-              </a:highlight>
-            </a:endParaRPr>
-          </a:p>
-          <a:p>
-            <a:pPr indent="0" lvl="0" marL="457200" rtl="0" algn="just">
-              <a:lnSpc>
-                <a:spcPct val="70000"/>
-              </a:lnSpc>
-              <a:spcBef>
-                <a:spcPts val="0"/>
-              </a:spcBef>
-              <a:spcAft>
-                <a:spcPts val="0"/>
-              </a:spcAft>
-              <a:buSzPts val="1800"/>
-              <a:buNone/>
-            </a:pPr>
-            <a:r>
-              <a:t/>
-            </a:r>
-            <a:endParaRPr sz="1800">
-              <a:highlight>
-                <a:schemeClr val="lt1"/>
-              </a:highlight>
-            </a:endParaRPr>
-          </a:p>
-          <a:p>
-            <a:pPr indent="0" lvl="0" marL="0" rtl="0" algn="just">
-              <a:lnSpc>
-                <a:spcPct val="70000"/>
-              </a:lnSpc>
-              <a:spcBef>
-                <a:spcPts val="0"/>
-              </a:spcBef>
-              <a:spcAft>
-                <a:spcPts val="0"/>
-              </a:spcAft>
-              <a:buClr>
-                <a:schemeClr val="dk1"/>
-              </a:buClr>
-              <a:buSzPts val="2800"/>
-              <a:buNone/>
-            </a:pPr>
-            <a:r>
-              <a:t/>
-            </a:r>
-            <a:endParaRPr sz="1800">
-              <a:highlight>
-                <a:schemeClr val="lt1"/>
-              </a:highlight>
-            </a:endParaRPr>
-          </a:p>
-          <a:p>
-            <a:pPr indent="0" lvl="0" marL="0" rtl="0" algn="just">
-              <a:lnSpc>
-                <a:spcPct val="70000"/>
-              </a:lnSpc>
-              <a:spcBef>
-                <a:spcPts val="0"/>
-              </a:spcBef>
-              <a:spcAft>
-                <a:spcPts val="0"/>
-              </a:spcAft>
-              <a:buClr>
-                <a:schemeClr val="dk1"/>
-              </a:buClr>
-              <a:buSzPts val="2800"/>
-              <a:buNone/>
-            </a:pPr>
-            <a:r>
-              <a:t/>
-            </a:r>
-            <a:endParaRPr sz="1800">
-              <a:highlight>
-                <a:schemeClr val="lt1"/>
-              </a:highlight>
-            </a:endParaRPr>
-          </a:p>
-          <a:p>
-            <a:pPr indent="0" lvl="0" marL="0" rtl="0" algn="just">
-              <a:lnSpc>
-                <a:spcPct val="70000"/>
-              </a:lnSpc>
-              <a:spcBef>
-                <a:spcPts val="1000"/>
-              </a:spcBef>
-              <a:spcAft>
-                <a:spcPts val="0"/>
-              </a:spcAft>
-              <a:buSzPts val="1800"/>
-              <a:buNone/>
-            </a:pPr>
-            <a:r>
-              <a:t/>
             </a:r>
             <a:endParaRPr sz="1800">
               <a:highlight>
@@ -24259,7 +25064,7 @@
       </p:sp>
       <p:sp>
         <p:nvSpPr>
-          <p:cNvPr id="233" name="Google Shape;233;gd2b4982aba_0_109"/>
+          <p:cNvPr id="240" name="Google Shape;240;gd2b4982aba_0_109"/>
           <p:cNvSpPr txBox="1"/>
           <p:nvPr>
             <p:ph type="title"/>
@@ -24315,7 +25120,7 @@
       </p:sp>
       <p:pic>
         <p:nvPicPr>
-          <p:cNvPr id="234" name="Google Shape;234;gd2b4982aba_0_109"/>
+          <p:cNvPr id="241" name="Google Shape;241;gd2b4982aba_0_109"/>
           <p:cNvPicPr preferRelativeResize="0"/>
           <p:nvPr/>
         </p:nvPicPr>
@@ -24329,7 +25134,7 @@
         </p:blipFill>
         <p:spPr>
           <a:xfrm>
-            <a:off x="152400" y="1843225"/>
+            <a:off x="254375" y="1732750"/>
             <a:ext cx="8338774" cy="3534370"/>
           </a:xfrm>
           <a:prstGeom prst="rect">
@@ -24349,12 +25154,12 @@
 </p:sld>
 </file>
 
-<file path=ppt/slides/slide22.xml><?xml version="1.0" encoding="utf-8"?>
+<file path=ppt/slides/slide23.xml><?xml version="1.0" encoding="utf-8"?>
 <p:sld xmlns:a="http://schemas.openxmlformats.org/drawingml/2006/main" xmlns:r="http://schemas.openxmlformats.org/officeDocument/2006/relationships" xmlns:mc="http://schemas.openxmlformats.org/markup-compatibility/2006" xmlns:mv="urn:schemas-microsoft-com:mac:vml" xmlns:p="http://schemas.openxmlformats.org/presentationml/2006/main" xmlns:c="http://schemas.openxmlformats.org/drawingml/2006/chart" xmlns:dgm="http://schemas.openxmlformats.org/drawingml/2006/diagram" xmlns:o="urn:schemas-microsoft-com:office:office" xmlns:v="urn:schemas-microsoft-com:vml" xmlns:pvml="urn:schemas-microsoft-com:office:powerpoint" xmlns:com="http://schemas.openxmlformats.org/drawingml/2006/compatibility" xmlns:p14="http://schemas.microsoft.com/office/powerpoint/2010/main" xmlns:p15="http://schemas.microsoft.com/office/powerpoint/2012/main" xmlns:ahyp="http://schemas.microsoft.com/office/drawing/2018/hyperlinkcolor">
   <p:cSld>
     <p:spTree>
       <p:nvGrpSpPr>
-        <p:cNvPr id="239" name="Shape 239"/>
+        <p:cNvPr id="246" name="Shape 246"/>
         <p:cNvGrpSpPr/>
         <p:nvPr/>
       </p:nvGrpSpPr>
@@ -24368,7 +25173,7 @@
       </p:grpSpPr>
       <p:sp>
         <p:nvSpPr>
-          <p:cNvPr id="240" name="Google Shape;240;gcce74347ab_0_17"/>
+          <p:cNvPr id="247" name="Google Shape;247;gcce74347ab_0_17"/>
           <p:cNvSpPr txBox="1"/>
           <p:nvPr>
             <p:ph type="title"/>
@@ -24420,7 +25225,7 @@
       </p:sp>
       <p:sp>
         <p:nvSpPr>
-          <p:cNvPr id="241" name="Google Shape;241;gcce74347ab_0_17"/>
+          <p:cNvPr id="248" name="Google Shape;248;gcce74347ab_0_17"/>
           <p:cNvSpPr txBox="1"/>
           <p:nvPr/>
         </p:nvSpPr>
@@ -24699,7 +25504,7 @@
             </a:endParaRPr>
           </a:p>
           <a:p>
-            <a:pPr indent="0" lvl="0" marL="0" marR="0" rtl="0" algn="just">
+            <a:pPr indent="0" lvl="0" marL="0" marR="0" rtl="0" algn="l">
               <a:lnSpc>
                 <a:spcPct val="70000"/>
               </a:lnSpc>
@@ -24733,7 +25538,7 @@
             </a:endParaRPr>
           </a:p>
           <a:p>
-            <a:pPr indent="-355600" lvl="0" marL="457200" marR="0" rtl="0" algn="just">
+            <a:pPr indent="-355600" lvl="0" marL="457200" marR="0" rtl="0" algn="l">
               <a:lnSpc>
                 <a:spcPct val="70000"/>
               </a:lnSpc>
@@ -24768,7 +25573,7 @@
             <a:endParaRPr/>
           </a:p>
           <a:p>
-            <a:pPr indent="-355600" lvl="1" marL="914400" marR="0" rtl="0" algn="just">
+            <a:pPr indent="-355600" lvl="1" marL="914400" marR="0" rtl="0" algn="l">
               <a:lnSpc>
                 <a:spcPct val="80000"/>
               </a:lnSpc>
@@ -24803,7 +25608,7 @@
             <a:endParaRPr/>
           </a:p>
           <a:p>
-            <a:pPr indent="-228600" lvl="0" marL="457200" marR="0" rtl="0" algn="just">
+            <a:pPr indent="-228600" lvl="0" marL="457200" marR="0" rtl="0" algn="l">
               <a:lnSpc>
                 <a:spcPct val="70000"/>
               </a:lnSpc>
@@ -24837,7 +25642,7 @@
             </a:endParaRPr>
           </a:p>
           <a:p>
-            <a:pPr indent="-355600" lvl="0" marL="457200" marR="0" rtl="0" algn="just">
+            <a:pPr indent="-355600" lvl="0" marL="457200" marR="0" rtl="0" algn="l">
               <a:lnSpc>
                 <a:spcPct val="70000"/>
               </a:lnSpc>
@@ -24916,7 +25721,7 @@
       </p:sp>
       <p:pic>
         <p:nvPicPr>
-          <p:cNvPr id="242" name="Google Shape;242;gcce74347ab_0_17"/>
+          <p:cNvPr id="249" name="Google Shape;249;gcce74347ab_0_17"/>
           <p:cNvPicPr preferRelativeResize="0"/>
           <p:nvPr/>
         </p:nvPicPr>
@@ -24930,7 +25735,7 @@
         </p:blipFill>
         <p:spPr>
           <a:xfrm>
-            <a:off x="152400" y="1843225"/>
+            <a:off x="254375" y="1732750"/>
             <a:ext cx="8338774" cy="3534370"/>
           </a:xfrm>
           <a:prstGeom prst="rect">
@@ -24950,12 +25755,12 @@
 </p:sld>
 </file>
 
-<file path=ppt/slides/slide23.xml><?xml version="1.0" encoding="utf-8"?>
+<file path=ppt/slides/slide24.xml><?xml version="1.0" encoding="utf-8"?>
 <p:sld xmlns:a="http://schemas.openxmlformats.org/drawingml/2006/main" xmlns:r="http://schemas.openxmlformats.org/officeDocument/2006/relationships" xmlns:mc="http://schemas.openxmlformats.org/markup-compatibility/2006" xmlns:mv="urn:schemas-microsoft-com:mac:vml" xmlns:p="http://schemas.openxmlformats.org/presentationml/2006/main" xmlns:c="http://schemas.openxmlformats.org/drawingml/2006/chart" xmlns:dgm="http://schemas.openxmlformats.org/drawingml/2006/diagram" xmlns:o="urn:schemas-microsoft-com:office:office" xmlns:v="urn:schemas-microsoft-com:vml" xmlns:pvml="urn:schemas-microsoft-com:office:powerpoint" xmlns:com="http://schemas.openxmlformats.org/drawingml/2006/compatibility" xmlns:p14="http://schemas.microsoft.com/office/powerpoint/2010/main" xmlns:p15="http://schemas.microsoft.com/office/powerpoint/2012/main" xmlns:ahyp="http://schemas.microsoft.com/office/drawing/2018/hyperlinkcolor">
   <p:cSld>
     <p:spTree>
       <p:nvGrpSpPr>
-        <p:cNvPr id="247" name="Shape 247"/>
+        <p:cNvPr id="254" name="Shape 254"/>
         <p:cNvGrpSpPr/>
         <p:nvPr/>
       </p:nvGrpSpPr>
@@ -24969,7 +25774,7 @@
       </p:grpSpPr>
       <p:sp>
         <p:nvSpPr>
-          <p:cNvPr id="248" name="Google Shape;248;gc63a4fde34_0_36"/>
+          <p:cNvPr id="255" name="Google Shape;255;gc63a4fde34_0_36"/>
           <p:cNvSpPr txBox="1"/>
           <p:nvPr>
             <p:ph type="title"/>
@@ -25021,7 +25826,7 @@
       </p:sp>
       <p:sp>
         <p:nvSpPr>
-          <p:cNvPr id="249" name="Google Shape;249;gc63a4fde34_0_36"/>
+          <p:cNvPr id="256" name="Google Shape;256;gc63a4fde34_0_36"/>
           <p:cNvSpPr txBox="1"/>
           <p:nvPr/>
         </p:nvSpPr>
@@ -25211,7 +26016,7 @@
               <a:t>Objetivo:</a:t>
             </a:r>
             <a:r>
-              <a:rPr b="0" i="0" lang="pt-BR" sz="2000" u="none" cap="none" strike="noStrike">
+              <a:rPr lang="pt-BR" sz="2000">
                 <a:solidFill>
                   <a:schemeClr val="dk1"/>
                 </a:solidFill>
@@ -25223,7 +26028,22 @@
                 <a:cs typeface="Calibri"/>
                 <a:sym typeface="Calibri"/>
               </a:rPr>
-              <a:t>  Receber comprovante de pagamento e nota fiscal dos produtos</a:t>
+              <a:t> </a:t>
+            </a:r>
+            <a:r>
+              <a:rPr b="0" i="0" lang="pt-BR" sz="2000" u="none" cap="none" strike="noStrike">
+                <a:solidFill>
+                  <a:schemeClr val="dk1"/>
+                </a:solidFill>
+                <a:highlight>
+                  <a:schemeClr val="lt1"/>
+                </a:highlight>
+                <a:latin typeface="Calibri"/>
+                <a:ea typeface="Calibri"/>
+                <a:cs typeface="Calibri"/>
+                <a:sym typeface="Calibri"/>
+              </a:rPr>
+              <a:t>Receber comprovante de pagamento e nota fiscal dos produtos</a:t>
             </a:r>
             <a:endParaRPr b="0" i="0" sz="2000" u="none" cap="none" strike="noStrike">
               <a:solidFill>
@@ -25300,7 +26120,7 @@
             </a:endParaRPr>
           </a:p>
           <a:p>
-            <a:pPr indent="0" lvl="0" marL="0" marR="0" rtl="0" algn="just">
+            <a:pPr indent="0" lvl="0" marL="0" marR="0" rtl="0" algn="l">
               <a:lnSpc>
                 <a:spcPct val="70000"/>
               </a:lnSpc>
@@ -25334,7 +26154,7 @@
             </a:endParaRPr>
           </a:p>
           <a:p>
-            <a:pPr indent="-355600" lvl="0" marL="457200" marR="0" rtl="0" algn="just">
+            <a:pPr indent="-355600" lvl="0" marL="457200" marR="0" rtl="0" algn="l">
               <a:lnSpc>
                 <a:spcPct val="70000"/>
               </a:lnSpc>
@@ -25398,7 +26218,7 @@
       </p:sp>
       <p:pic>
         <p:nvPicPr>
-          <p:cNvPr id="250" name="Google Shape;250;gc63a4fde34_0_36"/>
+          <p:cNvPr id="257" name="Google Shape;257;gc63a4fde34_0_36"/>
           <p:cNvPicPr preferRelativeResize="0"/>
           <p:nvPr/>
         </p:nvPicPr>
@@ -25412,7 +26232,7 @@
         </p:blipFill>
         <p:spPr>
           <a:xfrm>
-            <a:off x="152400" y="1843225"/>
+            <a:off x="254375" y="1732750"/>
             <a:ext cx="8338774" cy="3534370"/>
           </a:xfrm>
           <a:prstGeom prst="rect">
@@ -25632,7 +26452,7 @@
             </a:endParaRPr>
           </a:p>
           <a:p>
-            <a:pPr indent="-228600" lvl="0" marL="228600" rtl="0" algn="just">
+            <a:pPr indent="-228600" lvl="0" marL="228600" rtl="0" algn="l">
               <a:lnSpc>
                 <a:spcPct val="70000"/>
               </a:lnSpc>
@@ -25664,7 +26484,7 @@
             </a:endParaRPr>
           </a:p>
           <a:p>
-            <a:pPr indent="-355600" lvl="1" marL="914400" rtl="0" algn="just">
+            <a:pPr indent="-355600" lvl="1" marL="914400" rtl="0" algn="l">
               <a:lnSpc>
                 <a:spcPct val="70000"/>
               </a:lnSpc>
@@ -25692,7 +26512,7 @@
             </a:endParaRPr>
           </a:p>
           <a:p>
-            <a:pPr indent="-228600" lvl="0" marL="228600" rtl="0" algn="just">
+            <a:pPr indent="-228600" lvl="0" marL="228600" rtl="0" algn="l">
               <a:lnSpc>
                 <a:spcPct val="70000"/>
               </a:lnSpc>
@@ -25713,6 +26533,35 @@
                 </a:highlight>
               </a:rPr>
               <a:t>Atualiza o status do pedido do cliente para “pagamento confirmado”.</a:t>
+            </a:r>
+            <a:endParaRPr sz="2000">
+              <a:highlight>
+                <a:schemeClr val="lt1"/>
+              </a:highlight>
+            </a:endParaRPr>
+          </a:p>
+          <a:p>
+            <a:pPr indent="-228600" lvl="0" marL="228600" rtl="0" algn="l">
+              <a:lnSpc>
+                <a:spcPct val="70000"/>
+              </a:lnSpc>
+              <a:spcBef>
+                <a:spcPts val="1000"/>
+              </a:spcBef>
+              <a:spcAft>
+                <a:spcPts val="0"/>
+              </a:spcAft>
+              <a:buSzPts val="2000"/>
+              <a:buFont typeface="Calibri"/>
+              <a:buChar char="•"/>
+            </a:pPr>
+            <a:r>
+              <a:rPr lang="pt-BR" sz="2000">
+                <a:highlight>
+                  <a:schemeClr val="lt1"/>
+                </a:highlight>
+              </a:rPr>
+              <a:t>Guarda a via da operação em via operação.</a:t>
             </a:r>
             <a:endParaRPr sz="2000">
               <a:highlight>
@@ -25799,7 +26648,7 @@
         <p:spPr>
           <a:xfrm>
             <a:off x="304800" y="1690825"/>
-            <a:ext cx="7022876" cy="4096212"/>
+            <a:ext cx="7022876" cy="4145763"/>
           </a:xfrm>
           <a:prstGeom prst="rect">
             <a:avLst/>
@@ -25862,7 +26711,7 @@
           </a:bodyPr>
           <a:lstStyle/>
           <a:p>
-            <a:pPr indent="0" lvl="0" marL="0" rtl="0" algn="just">
+            <a:pPr indent="0" lvl="0" marL="0" rtl="0" algn="l">
               <a:lnSpc>
                 <a:spcPct val="70000"/>
               </a:lnSpc>
@@ -25905,7 +26754,7 @@
             </a:endParaRPr>
           </a:p>
           <a:p>
-            <a:pPr indent="0" lvl="0" marL="0" rtl="0" algn="just">
+            <a:pPr indent="0" lvl="0" marL="0" rtl="0" algn="l">
               <a:lnSpc>
                 <a:spcPct val="70000"/>
               </a:lnSpc>
@@ -25944,7 +26793,7 @@
             </a:endParaRPr>
           </a:p>
           <a:p>
-            <a:pPr indent="0" lvl="0" marL="0" rtl="0" algn="just">
+            <a:pPr indent="0" lvl="0" marL="0" rtl="0" algn="l">
               <a:lnSpc>
                 <a:spcPct val="70000"/>
               </a:lnSpc>
@@ -25974,7 +26823,7 @@
                   <a:schemeClr val="lt1"/>
                 </a:highlight>
               </a:rPr>
-              <a:t> Enviar o produto para  postagem</a:t>
+              <a:t> Enviar o produto para postagem</a:t>
             </a:r>
             <a:endParaRPr sz="2000">
               <a:highlight>
@@ -25983,7 +26832,7 @@
             </a:endParaRPr>
           </a:p>
           <a:p>
-            <a:pPr indent="0" lvl="0" marL="0" rtl="0" algn="just">
+            <a:pPr indent="0" lvl="0" marL="0" rtl="0" algn="l">
               <a:lnSpc>
                 <a:spcPct val="70000"/>
               </a:lnSpc>
@@ -26018,7 +26867,7 @@
             <a:endParaRPr/>
           </a:p>
           <a:p>
-            <a:pPr indent="0" lvl="0" marL="0" rtl="0" algn="just">
+            <a:pPr indent="0" lvl="0" marL="0" rtl="0" algn="l">
               <a:lnSpc>
                 <a:spcPct val="70000"/>
               </a:lnSpc>
@@ -26044,7 +26893,7 @@
             </a:endParaRPr>
           </a:p>
           <a:p>
-            <a:pPr indent="-355600" lvl="0" marL="457200" rtl="0" algn="just">
+            <a:pPr indent="-355600" lvl="0" marL="457200" rtl="0" algn="l">
               <a:lnSpc>
                 <a:spcPct val="70000"/>
               </a:lnSpc>
@@ -26068,7 +26917,7 @@
             <a:endParaRPr/>
           </a:p>
           <a:p>
-            <a:pPr indent="-355600" lvl="1" marL="914400" rtl="0" algn="just">
+            <a:pPr indent="-355600" lvl="1" marL="914400" rtl="0" algn="l">
               <a:lnSpc>
                 <a:spcPct val="70000"/>
               </a:lnSpc>
@@ -26217,7 +27066,7 @@
         <p:spPr>
           <a:xfrm>
             <a:off x="304800" y="1690825"/>
-            <a:ext cx="7022876" cy="4096212"/>
+            <a:ext cx="7022876" cy="4145763"/>
           </a:xfrm>
           <a:prstGeom prst="rect">
             <a:avLst/>
@@ -26462,7 +27311,7 @@
             </a:endParaRPr>
           </a:p>
           <a:p>
-            <a:pPr indent="-355600" lvl="0" marL="457200" rtl="0" algn="just">
+            <a:pPr indent="-355600" lvl="0" marL="457200" rtl="0" algn="l">
               <a:lnSpc>
                 <a:spcPct val="70000"/>
               </a:lnSpc>
@@ -26490,7 +27339,7 @@
             </a:endParaRPr>
           </a:p>
           <a:p>
-            <a:pPr indent="0" lvl="0" marL="0" rtl="0" algn="just">
+            <a:pPr indent="0" lvl="0" marL="0" rtl="0" algn="l">
               <a:lnSpc>
                 <a:spcPct val="70000"/>
               </a:lnSpc>
@@ -26513,7 +27362,7 @@
             </a:endParaRPr>
           </a:p>
           <a:p>
-            <a:pPr indent="-355600" lvl="0" marL="457200" rtl="0" algn="just">
+            <a:pPr indent="-355600" lvl="0" marL="457200" rtl="0" algn="l">
               <a:lnSpc>
                 <a:spcPct val="70000"/>
               </a:lnSpc>
@@ -26541,7 +27390,7 @@
             </a:endParaRPr>
           </a:p>
           <a:p>
-            <a:pPr indent="0" lvl="0" marL="0" rtl="0" algn="just">
+            <a:pPr indent="0" lvl="0" marL="0" rtl="0" algn="l">
               <a:lnSpc>
                 <a:spcPct val="70000"/>
               </a:lnSpc>
@@ -26564,7 +27413,7 @@
             </a:endParaRPr>
           </a:p>
           <a:p>
-            <a:pPr indent="-355600" lvl="0" marL="457200" rtl="0" algn="just">
+            <a:pPr indent="-355600" lvl="0" marL="457200" rtl="0" algn="l">
               <a:lnSpc>
                 <a:spcPct val="70000"/>
               </a:lnSpc>
@@ -26670,7 +27519,7 @@
         <p:spPr>
           <a:xfrm>
             <a:off x="304800" y="1690825"/>
-            <a:ext cx="7022876" cy="4096212"/>
+            <a:ext cx="7022876" cy="4145763"/>
           </a:xfrm>
           <a:prstGeom prst="rect">
             <a:avLst/>
@@ -26717,7 +27566,7 @@
         <p:spPr>
           <a:xfrm>
             <a:off x="7327675" y="1690825"/>
-            <a:ext cx="4334100" cy="3926400"/>
+            <a:ext cx="4334100" cy="4988700"/>
           </a:xfrm>
           <a:prstGeom prst="rect">
             <a:avLst/>
@@ -26733,7 +27582,7 @@
           </a:bodyPr>
           <a:lstStyle/>
           <a:p>
-            <a:pPr indent="0" lvl="0" marL="0" rtl="0" algn="just">
+            <a:pPr indent="0" lvl="0" marL="0" rtl="0" algn="l">
               <a:lnSpc>
                 <a:spcPct val="70000"/>
               </a:lnSpc>
@@ -26763,7 +27612,7 @@
                   <a:schemeClr val="lt1"/>
                 </a:highlight>
               </a:rPr>
-              <a:t>: Finalizar Pedido</a:t>
+              <a:t>: Acompanhar status da entrega</a:t>
             </a:r>
             <a:endParaRPr sz="2000">
               <a:highlight>
@@ -26772,7 +27621,7 @@
             </a:endParaRPr>
           </a:p>
           <a:p>
-            <a:pPr indent="0" lvl="0" marL="0" rtl="0" algn="just">
+            <a:pPr indent="0" lvl="0" marL="0" rtl="0" algn="l">
               <a:lnSpc>
                 <a:spcPct val="70000"/>
               </a:lnSpc>
@@ -26802,7 +27651,15 @@
                   <a:schemeClr val="lt1"/>
                 </a:highlight>
               </a:rPr>
-              <a:t>: Empresa de correspondências informa status da entrega do pedido</a:t>
+              <a:t>: </a:t>
+            </a:r>
+            <a:r>
+              <a:rPr lang="pt-BR" sz="2000">
+                <a:highlight>
+                  <a:schemeClr val="lt1"/>
+                </a:highlight>
+              </a:rPr>
+              <a:t>Vendedor solicita status sobre a entrega do pedido</a:t>
             </a:r>
             <a:endParaRPr sz="2000">
               <a:highlight>
@@ -26811,7 +27668,7 @@
             </a:endParaRPr>
           </a:p>
           <a:p>
-            <a:pPr indent="0" lvl="0" marL="0" rtl="0" algn="just">
+            <a:pPr indent="0" lvl="0" marL="0" rtl="0" algn="l">
               <a:lnSpc>
                 <a:spcPct val="70000"/>
               </a:lnSpc>
@@ -26841,7 +27698,7 @@
                   <a:schemeClr val="lt1"/>
                 </a:highlight>
               </a:rPr>
-              <a:t> Finalizar o pedido do cliente</a:t>
+              <a:t> Acompanhar status da entrega do pedido do cliente</a:t>
             </a:r>
             <a:endParaRPr sz="2000">
               <a:highlight>
@@ -26850,7 +27707,7 @@
             </a:endParaRPr>
           </a:p>
           <a:p>
-            <a:pPr indent="0" lvl="0" marL="0" rtl="0" algn="just">
+            <a:pPr indent="0" lvl="0" marL="0" rtl="0" algn="l">
               <a:lnSpc>
                 <a:spcPct val="70000"/>
               </a:lnSpc>
@@ -26889,7 +27746,7 @@
             </a:endParaRPr>
           </a:p>
           <a:p>
-            <a:pPr indent="0" lvl="0" marL="0" rtl="0" algn="just">
+            <a:pPr indent="0" lvl="0" marL="0" rtl="0" algn="l">
               <a:lnSpc>
                 <a:spcPct val="70000"/>
               </a:lnSpc>
@@ -26915,12 +27772,12 @@
             </a:endParaRPr>
           </a:p>
           <a:p>
-            <a:pPr indent="-355600" lvl="0" marL="457200" rtl="0" algn="just">
+            <a:pPr indent="-355600" lvl="0" marL="457200" rtl="0" algn="l">
               <a:lnSpc>
                 <a:spcPct val="70000"/>
               </a:lnSpc>
               <a:spcBef>
-                <a:spcPts val="0"/>
+                <a:spcPts val="1000"/>
               </a:spcBef>
               <a:spcAft>
                 <a:spcPts val="0"/>
@@ -26934,7 +27791,7 @@
                   <a:schemeClr val="lt1"/>
                 </a:highlight>
               </a:rPr>
-              <a:t>Verifica status do pedido do cliente.</a:t>
+              <a:t>Verifica os detalhes de cadastro do cliente.</a:t>
             </a:r>
             <a:endParaRPr sz="2000">
               <a:highlight>
@@ -26943,12 +27800,12 @@
             </a:endParaRPr>
           </a:p>
           <a:p>
-            <a:pPr indent="-355600" lvl="1" marL="914400" rtl="0" algn="just">
+            <a:pPr indent="-355600" lvl="1" marL="914400" rtl="0" algn="l">
               <a:lnSpc>
                 <a:spcPct val="70000"/>
               </a:lnSpc>
               <a:spcBef>
-                <a:spcPts val="1000"/>
+                <a:spcPts val="0"/>
               </a:spcBef>
               <a:spcAft>
                 <a:spcPts val="0"/>
@@ -26957,12 +27814,8 @@
               <a:buChar char="○"/>
             </a:pPr>
             <a:r>
-              <a:rPr lang="pt-BR" sz="2000">
-                <a:highlight>
-                  <a:schemeClr val="lt1"/>
-                </a:highlight>
-              </a:rPr>
-              <a:t>Se o status recebido da empresa de correspondências não for “entregue”, o status do pedido não é atualizado.</a:t>
+              <a:rPr lang="pt-BR" sz="2000"/>
+              <a:t>Se o cliente não realizou o pedido, a solicitação de status sobre a entrega do pedido não é enviada.</a:t>
             </a:r>
             <a:endParaRPr sz="2000">
               <a:highlight>
@@ -26971,7 +27824,7 @@
             </a:endParaRPr>
           </a:p>
           <a:p>
-            <a:pPr indent="-355600" lvl="0" marL="457200" rtl="0" algn="just">
+            <a:pPr indent="-355600" lvl="0" marL="457200" rtl="0" algn="l">
               <a:lnSpc>
                 <a:spcPct val="70000"/>
               </a:lnSpc>
@@ -26990,7 +27843,63 @@
                   <a:schemeClr val="lt1"/>
                 </a:highlight>
               </a:rPr>
-              <a:t>O status do pedido é atualizado para “entregue”.</a:t>
+              <a:t>Verifica status do pedido do cliente.</a:t>
+            </a:r>
+            <a:endParaRPr sz="2000">
+              <a:highlight>
+                <a:schemeClr val="lt1"/>
+              </a:highlight>
+            </a:endParaRPr>
+          </a:p>
+          <a:p>
+            <a:pPr indent="-355600" lvl="1" marL="914400" rtl="0" algn="l">
+              <a:lnSpc>
+                <a:spcPct val="70000"/>
+              </a:lnSpc>
+              <a:spcBef>
+                <a:spcPts val="1000"/>
+              </a:spcBef>
+              <a:spcAft>
+                <a:spcPts val="0"/>
+              </a:spcAft>
+              <a:buSzPts val="2000"/>
+              <a:buChar char="○"/>
+            </a:pPr>
+            <a:r>
+              <a:rPr lang="pt-BR" sz="2000">
+                <a:highlight>
+                  <a:schemeClr val="lt1"/>
+                </a:highlight>
+              </a:rPr>
+              <a:t>Se o status do pedido do cliente não for entregue, a solicitação é enviada.</a:t>
+            </a:r>
+            <a:endParaRPr sz="2000">
+              <a:highlight>
+                <a:schemeClr val="lt1"/>
+              </a:highlight>
+            </a:endParaRPr>
+          </a:p>
+          <a:p>
+            <a:pPr indent="-355600" lvl="0" marL="457200" rtl="0" algn="l">
+              <a:lnSpc>
+                <a:spcPct val="70000"/>
+              </a:lnSpc>
+              <a:spcBef>
+                <a:spcPts val="0"/>
+              </a:spcBef>
+              <a:spcAft>
+                <a:spcPts val="0"/>
+              </a:spcAft>
+              <a:buSzPts val="2000"/>
+              <a:buChar char="•"/>
+            </a:pPr>
+            <a:r>
+              <a:rPr lang="pt-BR" sz="2000">
+                <a:highlight>
+                  <a:schemeClr val="lt1"/>
+                </a:highlight>
+              </a:rPr>
+              <a:t>Envia a solicitação de status sobre a entrega do pedido do cliente à empresa de correspondências.</a:t>
             </a:r>
             <a:endParaRPr sz="2000">
               <a:highlight>
@@ -27077,7 +27986,7 @@
         <p:spPr>
           <a:xfrm>
             <a:off x="304800" y="1690825"/>
-            <a:ext cx="7022876" cy="4096212"/>
+            <a:ext cx="7022876" cy="4145763"/>
           </a:xfrm>
           <a:prstGeom prst="rect">
             <a:avLst/>
@@ -27115,7 +28024,253 @@
       </p:grpSpPr>
       <p:sp>
         <p:nvSpPr>
-          <p:cNvPr id="130" name="Google Shape;130;gc56d62285f_0_0"/>
+          <p:cNvPr id="130" name="Google Shape;130;gdd036a438b_0_0"/>
+          <p:cNvSpPr txBox="1"/>
+          <p:nvPr>
+            <p:ph idx="1" type="body"/>
+          </p:nvPr>
+        </p:nvSpPr>
+        <p:spPr>
+          <a:xfrm>
+            <a:off x="7327675" y="1690825"/>
+            <a:ext cx="4334100" cy="3926400"/>
+          </a:xfrm>
+          <a:prstGeom prst="rect">
+            <a:avLst/>
+          </a:prstGeom>
+          <a:noFill/>
+          <a:ln>
+            <a:noFill/>
+          </a:ln>
+        </p:spPr>
+        <p:txBody>
+          <a:bodyPr anchorCtr="0" anchor="t" bIns="45700" lIns="91425" spcFirstLastPara="1" rIns="91425" wrap="square" tIns="45700">
+            <a:noAutofit/>
+          </a:bodyPr>
+          <a:lstStyle/>
+          <a:p>
+            <a:pPr indent="0" lvl="0" marL="0" rtl="0" algn="l">
+              <a:lnSpc>
+                <a:spcPct val="70000"/>
+              </a:lnSpc>
+              <a:spcBef>
+                <a:spcPts val="0"/>
+              </a:spcBef>
+              <a:spcAft>
+                <a:spcPts val="0"/>
+              </a:spcAft>
+              <a:buClr>
+                <a:schemeClr val="dk1"/>
+              </a:buClr>
+              <a:buSzPts val="2800"/>
+              <a:buNone/>
+            </a:pPr>
+            <a:r>
+              <a:rPr b="1" lang="pt-BR" sz="2000">
+                <a:highlight>
+                  <a:schemeClr val="lt1"/>
+                </a:highlight>
+              </a:rPr>
+              <a:t>Processo</a:t>
+            </a:r>
+            <a:r>
+              <a:rPr lang="pt-BR" sz="2000">
+                <a:highlight>
+                  <a:schemeClr val="lt1"/>
+                </a:highlight>
+              </a:rPr>
+              <a:t>: Atualizar pedido</a:t>
+            </a:r>
+            <a:endParaRPr sz="2000">
+              <a:highlight>
+                <a:schemeClr val="lt1"/>
+              </a:highlight>
+            </a:endParaRPr>
+          </a:p>
+          <a:p>
+            <a:pPr indent="0" lvl="0" marL="0" rtl="0" algn="l">
+              <a:lnSpc>
+                <a:spcPct val="70000"/>
+              </a:lnSpc>
+              <a:spcBef>
+                <a:spcPts val="0"/>
+              </a:spcBef>
+              <a:spcAft>
+                <a:spcPts val="0"/>
+              </a:spcAft>
+              <a:buClr>
+                <a:schemeClr val="dk1"/>
+              </a:buClr>
+              <a:buSzPts val="2800"/>
+              <a:buNone/>
+            </a:pPr>
+            <a:r>
+              <a:rPr b="1" lang="pt-BR" sz="2000">
+                <a:highlight>
+                  <a:schemeClr val="lt1"/>
+                </a:highlight>
+              </a:rPr>
+              <a:t>Evento</a:t>
+            </a:r>
+            <a:r>
+              <a:rPr lang="pt-BR" sz="2000">
+                <a:highlight>
+                  <a:schemeClr val="lt1"/>
+                </a:highlight>
+              </a:rPr>
+              <a:t>: </a:t>
+            </a:r>
+            <a:r>
+              <a:rPr lang="pt-BR" sz="2000">
+                <a:highlight>
+                  <a:schemeClr val="lt1"/>
+                </a:highlight>
+              </a:rPr>
+              <a:t>Empresa de correspondências informa status da entrega do pedido</a:t>
+            </a:r>
+            <a:endParaRPr sz="2000">
+              <a:highlight>
+                <a:schemeClr val="lt1"/>
+              </a:highlight>
+            </a:endParaRPr>
+          </a:p>
+          <a:p>
+            <a:pPr indent="0" lvl="0" marL="0" rtl="0" algn="l">
+              <a:lnSpc>
+                <a:spcPct val="70000"/>
+              </a:lnSpc>
+              <a:spcBef>
+                <a:spcPts val="0"/>
+              </a:spcBef>
+              <a:spcAft>
+                <a:spcPts val="0"/>
+              </a:spcAft>
+              <a:buClr>
+                <a:schemeClr val="dk1"/>
+              </a:buClr>
+              <a:buSzPts val="2800"/>
+              <a:buNone/>
+            </a:pPr>
+            <a:r>
+              <a:rPr b="1" lang="pt-BR" sz="2000">
+                <a:highlight>
+                  <a:schemeClr val="lt1"/>
+                </a:highlight>
+              </a:rPr>
+              <a:t>Objetivo:</a:t>
+            </a:r>
+            <a:r>
+              <a:rPr lang="pt-BR" sz="2000">
+                <a:highlight>
+                  <a:schemeClr val="lt1"/>
+                </a:highlight>
+              </a:rPr>
+              <a:t> Atualizar o pedido do cliente</a:t>
+            </a:r>
+            <a:endParaRPr sz="2000">
+              <a:highlight>
+                <a:schemeClr val="lt1"/>
+              </a:highlight>
+            </a:endParaRPr>
+          </a:p>
+          <a:p>
+            <a:pPr indent="0" lvl="0" marL="0" rtl="0" algn="l">
+              <a:lnSpc>
+                <a:spcPct val="70000"/>
+              </a:lnSpc>
+              <a:spcBef>
+                <a:spcPts val="0"/>
+              </a:spcBef>
+              <a:spcAft>
+                <a:spcPts val="0"/>
+              </a:spcAft>
+              <a:buClr>
+                <a:schemeClr val="dk1"/>
+              </a:buClr>
+              <a:buSzPts val="2800"/>
+              <a:buNone/>
+            </a:pPr>
+            <a:r>
+              <a:rPr b="1" lang="pt-BR" sz="2000">
+                <a:highlight>
+                  <a:schemeClr val="lt1"/>
+                </a:highlight>
+              </a:rPr>
+              <a:t>Trabalhador Envolvido</a:t>
+            </a:r>
+            <a:r>
+              <a:rPr lang="pt-BR" sz="2000">
+                <a:highlight>
+                  <a:schemeClr val="lt1"/>
+                </a:highlight>
+              </a:rPr>
+              <a:t>: Vendedor</a:t>
+            </a:r>
+            <a:endParaRPr sz="2000">
+              <a:highlight>
+                <a:schemeClr val="lt1"/>
+              </a:highlight>
+            </a:endParaRPr>
+          </a:p>
+          <a:p>
+            <a:pPr indent="0" lvl="0" marL="0" rtl="0" algn="l">
+              <a:lnSpc>
+                <a:spcPct val="70000"/>
+              </a:lnSpc>
+              <a:spcBef>
+                <a:spcPts val="0"/>
+              </a:spcBef>
+              <a:spcAft>
+                <a:spcPts val="0"/>
+              </a:spcAft>
+              <a:buClr>
+                <a:schemeClr val="dk1"/>
+              </a:buClr>
+              <a:buSzPts val="2800"/>
+              <a:buNone/>
+            </a:pPr>
+            <a:r>
+              <a:t/>
+            </a:r>
+            <a:endParaRPr sz="2000">
+              <a:highlight>
+                <a:schemeClr val="lt1"/>
+              </a:highlight>
+            </a:endParaRPr>
+          </a:p>
+          <a:p>
+            <a:pPr indent="-355600" lvl="0" marL="457200" rtl="0" algn="l">
+              <a:lnSpc>
+                <a:spcPct val="70000"/>
+              </a:lnSpc>
+              <a:spcBef>
+                <a:spcPts val="0"/>
+              </a:spcBef>
+              <a:spcAft>
+                <a:spcPts val="0"/>
+              </a:spcAft>
+              <a:buSzPts val="2000"/>
+              <a:buChar char="•"/>
+            </a:pPr>
+            <a:r>
+              <a:rPr lang="pt-BR" sz="2000">
+                <a:highlight>
+                  <a:schemeClr val="lt1"/>
+                </a:highlight>
+              </a:rPr>
+              <a:t>O status do pedido do cliente é atualizado.</a:t>
+            </a:r>
+            <a:endParaRPr sz="2000">
+              <a:highlight>
+                <a:schemeClr val="lt1"/>
+              </a:highlight>
+            </a:endParaRPr>
+          </a:p>
+        </p:txBody>
+      </p:sp>
+      <p:sp>
+        <p:nvSpPr>
+          <p:cNvPr id="131" name="Google Shape;131;gdd036a438b_0_0"/>
           <p:cNvSpPr txBox="1"/>
           <p:nvPr>
             <p:ph type="title"/>
@@ -27158,38 +28313,12 @@
               <a:buNone/>
             </a:pPr>
             <a:r>
-              <a:rPr lang="pt-BR">
-                <a:highlight>
-                  <a:schemeClr val="lt1"/>
-                </a:highlight>
-                <a:extLst>
-                  <a:ext uri="http://customooxmlschemas.google.com/">
-                    <go:slidesCustomData xmlns:go="http://customooxmlschemas.google.com/" textRoundtripDataId="1"/>
-                  </a:ext>
-                </a:extLst>
-              </a:rPr>
+              <a:rPr lang="pt-BR"/>
               <a:t>Capacidade: </a:t>
             </a:r>
             <a:r>
-              <a:rPr b="1" lang="pt-BR">
-                <a:highlight>
-                  <a:schemeClr val="lt1"/>
-                </a:highlight>
-                <a:extLst>
-                  <a:ext uri="http://customooxmlschemas.google.com/">
-                    <go:slidesCustomData xmlns:go="http://customooxmlschemas.google.com/" textRoundtripDataId="2"/>
-                  </a:ext>
-                </a:extLst>
-              </a:rPr>
-              <a:t>Atender Solicitação de Suporte</a:t>
-            </a:r>
-            <a:r>
-              <a:rPr b="1" lang="pt-BR">
-                <a:highlight>
-                  <a:srgbClr val="FF0000"/>
-                </a:highlight>
-              </a:rPr>
-              <a:t> </a:t>
+              <a:rPr b="1" lang="pt-BR"/>
+              <a:t>Vender Produtos</a:t>
             </a:r>
             <a:endParaRPr>
               <a:highlight>
@@ -27199,285 +28328,9 @@
           </a:p>
         </p:txBody>
       </p:sp>
-      <p:sp>
-        <p:nvSpPr>
-          <p:cNvPr id="131" name="Google Shape;131;gc56d62285f_0_0"/>
-          <p:cNvSpPr txBox="1"/>
-          <p:nvPr>
-            <p:ph idx="1" type="body"/>
-          </p:nvPr>
-        </p:nvSpPr>
-        <p:spPr>
-          <a:xfrm>
-            <a:off x="7346650" y="1690825"/>
-            <a:ext cx="4334100" cy="4767900"/>
-          </a:xfrm>
-          <a:prstGeom prst="rect">
-            <a:avLst/>
-          </a:prstGeom>
-          <a:noFill/>
-          <a:ln>
-            <a:noFill/>
-          </a:ln>
-        </p:spPr>
-        <p:txBody>
-          <a:bodyPr anchorCtr="0" anchor="t" bIns="45700" lIns="91425" spcFirstLastPara="1" rIns="91425" wrap="square" tIns="45700">
-            <a:noAutofit/>
-          </a:bodyPr>
-          <a:lstStyle/>
-          <a:p>
-            <a:pPr indent="0" lvl="0" marL="0" rtl="0" algn="l">
-              <a:lnSpc>
-                <a:spcPct val="80000"/>
-              </a:lnSpc>
-              <a:spcBef>
-                <a:spcPts val="0"/>
-              </a:spcBef>
-              <a:spcAft>
-                <a:spcPts val="0"/>
-              </a:spcAft>
-              <a:buClr>
-                <a:schemeClr val="dk1"/>
-              </a:buClr>
-              <a:buSzPts val="2800"/>
-              <a:buNone/>
-            </a:pPr>
-            <a:r>
-              <a:rPr b="1" lang="pt-BR" sz="2000">
-                <a:highlight>
-                  <a:schemeClr val="lt1"/>
-                </a:highlight>
-              </a:rPr>
-              <a:t>Processo</a:t>
-            </a:r>
-            <a:r>
-              <a:rPr lang="pt-BR" sz="2000">
-                <a:highlight>
-                  <a:schemeClr val="lt1"/>
-                </a:highlight>
-              </a:rPr>
-              <a:t>: Receber solicitação de suporte</a:t>
-            </a:r>
-            <a:endParaRPr sz="2000">
-              <a:highlight>
-                <a:schemeClr val="lt1"/>
-              </a:highlight>
-            </a:endParaRPr>
-          </a:p>
-          <a:p>
-            <a:pPr indent="0" lvl="0" marL="0" rtl="0" algn="l">
-              <a:lnSpc>
-                <a:spcPct val="80000"/>
-              </a:lnSpc>
-              <a:spcBef>
-                <a:spcPts val="0"/>
-              </a:spcBef>
-              <a:spcAft>
-                <a:spcPts val="0"/>
-              </a:spcAft>
-              <a:buClr>
-                <a:schemeClr val="dk1"/>
-              </a:buClr>
-              <a:buSzPts val="2800"/>
-              <a:buNone/>
-            </a:pPr>
-            <a:r>
-              <a:rPr b="1" lang="pt-BR" sz="2000">
-                <a:highlight>
-                  <a:schemeClr val="lt1"/>
-                </a:highlight>
-              </a:rPr>
-              <a:t>Evento</a:t>
-            </a:r>
-            <a:r>
-              <a:rPr lang="pt-BR" sz="2000">
-                <a:highlight>
-                  <a:schemeClr val="lt1"/>
-                </a:highlight>
-              </a:rPr>
-              <a:t>: Cliente faz solicitação de suporte.</a:t>
-            </a:r>
-            <a:endParaRPr sz="2000">
-              <a:highlight>
-                <a:schemeClr val="lt1"/>
-              </a:highlight>
-            </a:endParaRPr>
-          </a:p>
-          <a:p>
-            <a:pPr indent="0" lvl="0" marL="0" rtl="0" algn="l">
-              <a:lnSpc>
-                <a:spcPct val="80000"/>
-              </a:lnSpc>
-              <a:spcBef>
-                <a:spcPts val="0"/>
-              </a:spcBef>
-              <a:spcAft>
-                <a:spcPts val="0"/>
-              </a:spcAft>
-              <a:buClr>
-                <a:schemeClr val="dk1"/>
-              </a:buClr>
-              <a:buSzPts val="2800"/>
-              <a:buNone/>
-            </a:pPr>
-            <a:r>
-              <a:rPr b="1" lang="pt-BR" sz="2000">
-                <a:highlight>
-                  <a:schemeClr val="lt1"/>
-                </a:highlight>
-              </a:rPr>
-              <a:t>Objetivo:</a:t>
-            </a:r>
-            <a:r>
-              <a:rPr lang="pt-BR" sz="2000">
-                <a:highlight>
-                  <a:schemeClr val="lt1"/>
-                </a:highlight>
-              </a:rPr>
-              <a:t>  Analisar solicitações de suporte</a:t>
-            </a:r>
-            <a:endParaRPr sz="2000">
-              <a:highlight>
-                <a:schemeClr val="lt1"/>
-              </a:highlight>
-            </a:endParaRPr>
-          </a:p>
-          <a:p>
-            <a:pPr indent="0" lvl="0" marL="0" rtl="0" algn="l">
-              <a:lnSpc>
-                <a:spcPct val="80000"/>
-              </a:lnSpc>
-              <a:spcBef>
-                <a:spcPts val="0"/>
-              </a:spcBef>
-              <a:spcAft>
-                <a:spcPts val="0"/>
-              </a:spcAft>
-              <a:buClr>
-                <a:schemeClr val="dk1"/>
-              </a:buClr>
-              <a:buSzPts val="2800"/>
-              <a:buNone/>
-            </a:pPr>
-            <a:r>
-              <a:rPr b="1" lang="pt-BR" sz="2000">
-                <a:highlight>
-                  <a:schemeClr val="lt1"/>
-                </a:highlight>
-              </a:rPr>
-              <a:t>Trabalhador Envolvido</a:t>
-            </a:r>
-            <a:r>
-              <a:rPr lang="pt-BR" sz="2000">
-                <a:highlight>
-                  <a:schemeClr val="lt1"/>
-                </a:highlight>
-              </a:rPr>
-              <a:t>: Atendente</a:t>
-            </a:r>
-            <a:endParaRPr sz="2000">
-              <a:highlight>
-                <a:schemeClr val="lt1"/>
-              </a:highlight>
-            </a:endParaRPr>
-          </a:p>
-          <a:p>
-            <a:pPr indent="-355600" lvl="0" marL="457200" rtl="0" algn="just">
-              <a:lnSpc>
-                <a:spcPct val="80000"/>
-              </a:lnSpc>
-              <a:spcBef>
-                <a:spcPts val="1000"/>
-              </a:spcBef>
-              <a:spcAft>
-                <a:spcPts val="0"/>
-              </a:spcAft>
-              <a:buSzPts val="2000"/>
-              <a:buChar char="•"/>
-            </a:pPr>
-            <a:r>
-              <a:rPr lang="pt-BR" sz="2000">
-                <a:highlight>
-                  <a:schemeClr val="lt1"/>
-                </a:highlight>
-              </a:rPr>
-              <a:t>Ao receber a solicitação de suporte, o atendente verifica o problema descrito e </a:t>
-            </a:r>
-            <a:r>
-              <a:rPr lang="pt-BR" sz="2000">
-                <a:highlight>
-                  <a:schemeClr val="lt1"/>
-                </a:highlight>
-              </a:rPr>
-              <a:t>armazena a solicitação em chamado.</a:t>
-            </a:r>
-            <a:endParaRPr sz="2000">
-              <a:highlight>
-                <a:schemeClr val="lt1"/>
-              </a:highlight>
-            </a:endParaRPr>
-          </a:p>
-          <a:p>
-            <a:pPr indent="-355600" lvl="1" marL="914400" rtl="0" algn="just">
-              <a:lnSpc>
-                <a:spcPct val="80000"/>
-              </a:lnSpc>
-              <a:spcBef>
-                <a:spcPts val="1000"/>
-              </a:spcBef>
-              <a:spcAft>
-                <a:spcPts val="0"/>
-              </a:spcAft>
-              <a:buSzPts val="2000"/>
-              <a:buChar char="○"/>
-            </a:pPr>
-            <a:r>
-              <a:rPr lang="pt-BR" sz="2000">
-                <a:highlight>
-                  <a:schemeClr val="lt1"/>
-                </a:highlight>
-              </a:rPr>
-              <a:t>Se o produto possuir mais do que noventa dias após o recebimento, o atendente informa a recusa do chamado.</a:t>
-            </a:r>
-            <a:endParaRPr sz="2000">
-              <a:highlight>
-                <a:schemeClr val="lt1"/>
-              </a:highlight>
-            </a:endParaRPr>
-          </a:p>
-          <a:p>
-            <a:pPr indent="-355600" lvl="0" marL="457200" rtl="0" algn="just">
-              <a:lnSpc>
-                <a:spcPct val="80000"/>
-              </a:lnSpc>
-              <a:spcBef>
-                <a:spcPts val="1000"/>
-              </a:spcBef>
-              <a:spcAft>
-                <a:spcPts val="0"/>
-              </a:spcAft>
-              <a:buSzPts val="2000"/>
-              <a:buChar char="•"/>
-            </a:pPr>
-            <a:r>
-              <a:rPr lang="pt-BR" sz="2000">
-                <a:highlight>
-                  <a:schemeClr val="lt1"/>
-                </a:highlight>
-              </a:rPr>
-              <a:t>Informa o número do chamado ao cliente.</a:t>
-            </a:r>
-            <a:endParaRPr sz="2000">
-              <a:highlight>
-                <a:schemeClr val="lt1"/>
-              </a:highlight>
-            </a:endParaRPr>
-          </a:p>
-        </p:txBody>
-      </p:sp>
       <p:pic>
         <p:nvPicPr>
-          <p:cNvPr id="132" name="Google Shape;132;gc56d62285f_0_0"/>
+          <p:cNvPr id="132" name="Google Shape;132;gdd036a438b_0_0"/>
           <p:cNvPicPr preferRelativeResize="0"/>
           <p:nvPr/>
         </p:nvPicPr>
@@ -27491,8 +28344,8 @@
         </p:blipFill>
         <p:spPr>
           <a:xfrm>
-            <a:off x="1433300" y="1690825"/>
-            <a:ext cx="4914900" cy="3829050"/>
+            <a:off x="304800" y="1690825"/>
+            <a:ext cx="7022876" cy="4145763"/>
           </a:xfrm>
           <a:prstGeom prst="rect">
             <a:avLst/>
@@ -27530,7 +28383,7 @@
       </p:grpSpPr>
       <p:sp>
         <p:nvSpPr>
-          <p:cNvPr id="137" name="Google Shape;137;gc925418432_0_12"/>
+          <p:cNvPr id="137" name="Google Shape;137;gc56d62285f_0_0"/>
           <p:cNvSpPr txBox="1"/>
           <p:nvPr>
             <p:ph type="title"/>
@@ -27577,6 +28430,11 @@
                 <a:highlight>
                   <a:schemeClr val="lt1"/>
                 </a:highlight>
+                <a:extLst>
+                  <a:ext uri="http://customooxmlschemas.google.com/">
+                    <go:slidesCustomData xmlns:go="http://customooxmlschemas.google.com/" textRoundtripDataId="1"/>
+                  </a:ext>
+                </a:extLst>
               </a:rPr>
               <a:t>Capacidade: </a:t>
             </a:r>
@@ -27585,12 +28443,25 @@
                 <a:highlight>
                   <a:schemeClr val="lt1"/>
                 </a:highlight>
-              </a:rPr>
-              <a:t>Atender Solicitação de Suporte </a:t>
+                <a:extLst>
+                  <a:ext uri="http://customooxmlschemas.google.com/">
+                    <go:slidesCustomData xmlns:go="http://customooxmlschemas.google.com/" textRoundtripDataId="2"/>
+                  </a:ext>
+                </a:extLst>
+              </a:rPr>
+              <a:t>Atender Solicitação de Suporte</a:t>
+            </a:r>
+            <a:r>
+              <a:rPr b="1" lang="pt-BR">
+                <a:highlight>
+                  <a:srgbClr val="FF0000"/>
+                </a:highlight>
+              </a:rPr>
+              <a:t> </a:t>
             </a:r>
             <a:endParaRPr>
               <a:highlight>
-                <a:schemeClr val="lt1"/>
+                <a:srgbClr val="FF0000"/>
               </a:highlight>
             </a:endParaRPr>
           </a:p>
@@ -27598,7 +28469,7 @@
       </p:sp>
       <p:sp>
         <p:nvSpPr>
-          <p:cNvPr id="138" name="Google Shape;138;gc925418432_0_12"/>
+          <p:cNvPr id="138" name="Google Shape;138;gc56d62285f_0_0"/>
           <p:cNvSpPr txBox="1"/>
           <p:nvPr>
             <p:ph idx="1" type="body"/>
@@ -27607,7 +28478,7 @@
         <p:spPr>
           <a:xfrm>
             <a:off x="7346650" y="1690825"/>
-            <a:ext cx="4433700" cy="4005000"/>
+            <a:ext cx="4334100" cy="4767900"/>
           </a:xfrm>
           <a:prstGeom prst="rect">
             <a:avLst/>
@@ -27623,9 +28494,9 @@
           </a:bodyPr>
           <a:lstStyle/>
           <a:p>
-            <a:pPr indent="0" lvl="0" marL="0" rtl="0" algn="just">
-              <a:lnSpc>
-                <a:spcPct val="70000"/>
+            <a:pPr indent="0" lvl="0" marL="0" rtl="0" algn="l">
+              <a:lnSpc>
+                <a:spcPct val="80000"/>
               </a:lnSpc>
               <a:spcBef>
                 <a:spcPts val="0"/>
@@ -27653,15 +28524,7 @@
                   <a:schemeClr val="lt1"/>
                 </a:highlight>
               </a:rPr>
-              <a:t>: </a:t>
-            </a:r>
-            <a:r>
-              <a:rPr lang="pt-BR" sz="2000">
-                <a:highlight>
-                  <a:schemeClr val="lt1"/>
-                </a:highlight>
-              </a:rPr>
-              <a:t>Analisar  o problema</a:t>
+              <a:t>: Receber solicitação de suporte</a:t>
             </a:r>
             <a:endParaRPr sz="2000">
               <a:highlight>
@@ -27670,9 +28533,9 @@
             </a:endParaRPr>
           </a:p>
           <a:p>
-            <a:pPr indent="0" lvl="0" marL="0" rtl="0" algn="just">
-              <a:lnSpc>
-                <a:spcPct val="70000"/>
+            <a:pPr indent="0" lvl="0" marL="0" rtl="0" algn="l">
+              <a:lnSpc>
+                <a:spcPct val="80000"/>
               </a:lnSpc>
               <a:spcBef>
                 <a:spcPts val="0"/>
@@ -27700,7 +28563,7 @@
                   <a:schemeClr val="lt1"/>
                 </a:highlight>
               </a:rPr>
-              <a:t>: Atendente informa prazo, testes e orçamento.</a:t>
+              <a:t>: Cliente faz solicitação de suporte.</a:t>
             </a:r>
             <a:endParaRPr sz="2000">
               <a:highlight>
@@ -27709,9 +28572,9 @@
             </a:endParaRPr>
           </a:p>
           <a:p>
-            <a:pPr indent="0" lvl="0" marL="0" rtl="0" algn="just">
-              <a:lnSpc>
-                <a:spcPct val="70000"/>
+            <a:pPr indent="0" lvl="0" marL="0" rtl="0" algn="l">
+              <a:lnSpc>
+                <a:spcPct val="80000"/>
               </a:lnSpc>
               <a:spcBef>
                 <a:spcPts val="0"/>
@@ -27731,7 +28594,7 @@
                   <a:schemeClr val="lt1"/>
                 </a:highlight>
               </a:rPr>
-              <a:t>Objetivo: </a:t>
+              <a:t>Objetivo:</a:t>
             </a:r>
             <a:r>
               <a:rPr lang="pt-BR" sz="2000">
@@ -27739,7 +28602,7 @@
                   <a:schemeClr val="lt1"/>
                 </a:highlight>
               </a:rPr>
-              <a:t>Verificar</a:t>
+              <a:t> </a:t>
             </a:r>
             <a:r>
               <a:rPr lang="pt-BR" sz="2000">
@@ -27747,7 +28610,7 @@
                   <a:schemeClr val="lt1"/>
                 </a:highlight>
               </a:rPr>
-              <a:t> chamado</a:t>
+              <a:t>Analisar solicitações de suporte</a:t>
             </a:r>
             <a:endParaRPr sz="2000">
               <a:highlight>
@@ -27756,9 +28619,9 @@
             </a:endParaRPr>
           </a:p>
           <a:p>
-            <a:pPr indent="0" lvl="0" marL="0" rtl="0" algn="just">
-              <a:lnSpc>
-                <a:spcPct val="70000"/>
+            <a:pPr indent="0" lvl="0" marL="0" rtl="0" algn="l">
+              <a:lnSpc>
+                <a:spcPct val="80000"/>
               </a:lnSpc>
               <a:spcBef>
                 <a:spcPts val="0"/>
@@ -27795,9 +28658,9 @@
             </a:endParaRPr>
           </a:p>
           <a:p>
-            <a:pPr indent="-355600" lvl="0" marL="457200" rtl="0" algn="just">
-              <a:lnSpc>
-                <a:spcPct val="70000"/>
+            <a:pPr indent="-355600" lvl="0" marL="457200" rtl="0" algn="l">
+              <a:lnSpc>
+                <a:spcPct val="80000"/>
               </a:lnSpc>
               <a:spcBef>
                 <a:spcPts val="1000"/>
@@ -27806,7 +28669,6 @@
                 <a:spcPts val="0"/>
               </a:spcAft>
               <a:buSzPts val="2000"/>
-              <a:buFont typeface="Calibri"/>
               <a:buChar char="•"/>
             </a:pPr>
             <a:r>
@@ -27815,7 +28677,15 @@
                   <a:schemeClr val="lt1"/>
                 </a:highlight>
               </a:rPr>
-              <a:t>Verifica o problema descrito no chamado.</a:t>
+              <a:t>Ao receber a solicitação de suporte, o atendente verifica o problema descrito e </a:t>
+            </a:r>
+            <a:r>
+              <a:rPr lang="pt-BR" sz="2000">
+                <a:highlight>
+                  <a:schemeClr val="lt1"/>
+                </a:highlight>
+              </a:rPr>
+              <a:t>armazena a solicitação em chamado.</a:t>
             </a:r>
             <a:endParaRPr sz="2000">
               <a:highlight>
@@ -27824,18 +28694,17 @@
             </a:endParaRPr>
           </a:p>
           <a:p>
-            <a:pPr indent="-355600" lvl="1" marL="914400" rtl="0" algn="just">
-              <a:lnSpc>
-                <a:spcPct val="70000"/>
-              </a:lnSpc>
-              <a:spcBef>
-                <a:spcPts val="0"/>
+            <a:pPr indent="-355600" lvl="1" marL="914400" rtl="0" algn="l">
+              <a:lnSpc>
+                <a:spcPct val="80000"/>
+              </a:lnSpc>
+              <a:spcBef>
+                <a:spcPts val="1000"/>
               </a:spcBef>
               <a:spcAft>
                 <a:spcPts val="0"/>
               </a:spcAft>
               <a:buSzPts val="2000"/>
-              <a:buFont typeface="Calibri"/>
               <a:buChar char="○"/>
             </a:pPr>
             <a:r>
@@ -27843,21 +28712,8 @@
                 <a:highlight>
                   <a:schemeClr val="lt1"/>
                 </a:highlight>
-                <a:extLst>
-                  <a:ext uri="http://customooxmlschemas.google.com/">
-                    <go:slidesCustomData xmlns:go="http://customooxmlschemas.google.com/" textRoundtripDataId="3"/>
-                  </a:ext>
-                </a:extLst>
-              </a:rPr>
-              <a:t>Se o defeito foi causado por mau uso</a:t>
-            </a:r>
-            <a:r>
-              <a:rPr lang="pt-BR" sz="2000">
-                <a:highlight>
-                  <a:schemeClr val="lt1"/>
-                </a:highlight>
-              </a:rPr>
-              <a:t> ou o cliente comprou um equipamento que não atende o seu uso e reportar como um defeito, a solicitação será recusada e o status do chamado encerrado.</a:t>
+              </a:rPr>
+              <a:t>Se o produto possuir mais do que noventa dias após o recebimento, o atendente informa a recusa do chamado.</a:t>
             </a:r>
             <a:endParaRPr sz="2000">
               <a:highlight>
@@ -27866,12 +28722,12 @@
             </a:endParaRPr>
           </a:p>
           <a:p>
-            <a:pPr indent="-355600" lvl="0" marL="457200" rtl="0" algn="just">
-              <a:lnSpc>
-                <a:spcPct val="70000"/>
-              </a:lnSpc>
-              <a:spcBef>
-                <a:spcPts val="0"/>
+            <a:pPr indent="-355600" lvl="0" marL="457200" rtl="0" algn="l">
+              <a:lnSpc>
+                <a:spcPct val="80000"/>
+              </a:lnSpc>
+              <a:spcBef>
+                <a:spcPts val="1000"/>
               </a:spcBef>
               <a:spcAft>
                 <a:spcPts val="0"/>
@@ -27885,63 +28741,7 @@
                   <a:schemeClr val="lt1"/>
                 </a:highlight>
               </a:rPr>
-              <a:t>Auxilia o cliente a realizar os testes diagnósticos e atualiza o chamado de acordo com o resultado dos testes.</a:t>
-            </a:r>
-            <a:endParaRPr sz="2000">
-              <a:highlight>
-                <a:schemeClr val="lt1"/>
-              </a:highlight>
-            </a:endParaRPr>
-          </a:p>
-          <a:p>
-            <a:pPr indent="-355600" lvl="0" marL="457200" rtl="0" algn="just">
-              <a:lnSpc>
-                <a:spcPct val="70000"/>
-              </a:lnSpc>
-              <a:spcBef>
-                <a:spcPts val="0"/>
-              </a:spcBef>
-              <a:spcAft>
-                <a:spcPts val="0"/>
-              </a:spcAft>
-              <a:buSzPts val="2000"/>
-              <a:buChar char="•"/>
-            </a:pPr>
-            <a:r>
-              <a:rPr lang="pt-BR" sz="2000">
-                <a:highlight>
-                  <a:schemeClr val="lt1"/>
-                </a:highlight>
-              </a:rPr>
-              <a:t>Informa o prazo ao cliente.</a:t>
-            </a:r>
-            <a:endParaRPr sz="2000">
-              <a:highlight>
-                <a:schemeClr val="lt1"/>
-              </a:highlight>
-            </a:endParaRPr>
-          </a:p>
-          <a:p>
-            <a:pPr indent="-355600" lvl="0" marL="457200" rtl="0" algn="just">
-              <a:lnSpc>
-                <a:spcPct val="70000"/>
-              </a:lnSpc>
-              <a:spcBef>
-                <a:spcPts val="0"/>
-              </a:spcBef>
-              <a:spcAft>
-                <a:spcPts val="0"/>
-              </a:spcAft>
-              <a:buSzPts val="2000"/>
-              <a:buChar char="•"/>
-            </a:pPr>
-            <a:r>
-              <a:rPr lang="pt-BR" sz="2000">
-                <a:highlight>
-                  <a:schemeClr val="lt1"/>
-                </a:highlight>
-              </a:rPr>
-              <a:t>Informa o orçamento.</a:t>
+              <a:t>Informa o número do chamado ao cliente.</a:t>
             </a:r>
             <a:endParaRPr sz="2000">
               <a:highlight>
@@ -27953,7 +28753,7 @@
       </p:sp>
       <p:pic>
         <p:nvPicPr>
-          <p:cNvPr id="139" name="Google Shape;139;gc925418432_0_12"/>
+          <p:cNvPr id="139" name="Google Shape;139;gc56d62285f_0_0"/>
           <p:cNvPicPr preferRelativeResize="0"/>
           <p:nvPr/>
         </p:nvPicPr>
@@ -27967,8 +28767,8 @@
         </p:blipFill>
         <p:spPr>
           <a:xfrm>
-            <a:off x="1433300" y="1690825"/>
-            <a:ext cx="4914900" cy="3829050"/>
+            <a:off x="1852025" y="1690825"/>
+            <a:ext cx="4581525" cy="3829050"/>
           </a:xfrm>
           <a:prstGeom prst="rect">
             <a:avLst/>
@@ -28006,7 +28806,7 @@
       </p:grpSpPr>
       <p:sp>
         <p:nvSpPr>
-          <p:cNvPr id="144" name="Google Shape;144;gce01f6a808_0_0"/>
+          <p:cNvPr id="144" name="Google Shape;144;gc925418432_0_12"/>
           <p:cNvSpPr txBox="1"/>
           <p:nvPr>
             <p:ph type="title"/>
@@ -28062,15 +28862,7 @@
                   <a:schemeClr val="lt1"/>
                 </a:highlight>
               </a:rPr>
-              <a:t>Realizar Manutenção</a:t>
-            </a:r>
-            <a:r>
-              <a:rPr b="1" lang="pt-BR">
-                <a:highlight>
-                  <a:schemeClr val="lt1"/>
-                </a:highlight>
-              </a:rPr>
-              <a:t> </a:t>
+              <a:t>Atender Solicitação de Suporte </a:t>
             </a:r>
             <a:endParaRPr>
               <a:highlight>
@@ -28082,7 +28874,7 @@
       </p:sp>
       <p:sp>
         <p:nvSpPr>
-          <p:cNvPr id="145" name="Google Shape;145;gce01f6a808_0_0"/>
+          <p:cNvPr id="145" name="Google Shape;145;gc925418432_0_12"/>
           <p:cNvSpPr txBox="1"/>
           <p:nvPr>
             <p:ph idx="1" type="body"/>
@@ -28090,8 +28882,8 @@
         </p:nvSpPr>
         <p:spPr>
           <a:xfrm>
-            <a:off x="7346925" y="1690825"/>
-            <a:ext cx="4334100" cy="3681300"/>
+            <a:off x="7346650" y="1690825"/>
+            <a:ext cx="4433700" cy="4538400"/>
           </a:xfrm>
           <a:prstGeom prst="rect">
             <a:avLst/>
@@ -28109,7 +28901,7 @@
           <a:p>
             <a:pPr indent="0" lvl="0" marL="0" rtl="0" algn="l">
               <a:lnSpc>
-                <a:spcPct val="80000"/>
+                <a:spcPct val="70000"/>
               </a:lnSpc>
               <a:spcBef>
                 <a:spcPts val="0"/>
@@ -28137,7 +28929,15 @@
                   <a:schemeClr val="lt1"/>
                 </a:highlight>
               </a:rPr>
-              <a:t>: Realizar Manutenção</a:t>
+              <a:t>: </a:t>
+            </a:r>
+            <a:r>
+              <a:rPr lang="pt-BR" sz="2000">
+                <a:highlight>
+                  <a:schemeClr val="lt1"/>
+                </a:highlight>
+              </a:rPr>
+              <a:t>Analisar o problema</a:t>
             </a:r>
             <a:endParaRPr sz="2000">
               <a:highlight>
@@ -28148,7 +28948,7 @@
           <a:p>
             <a:pPr indent="0" lvl="0" marL="0" rtl="0" algn="l">
               <a:lnSpc>
-                <a:spcPct val="80000"/>
+                <a:spcPct val="70000"/>
               </a:lnSpc>
               <a:spcBef>
                 <a:spcPts val="0"/>
@@ -28176,7 +28976,7 @@
                   <a:schemeClr val="lt1"/>
                 </a:highlight>
               </a:rPr>
-              <a:t>: Cliente envia confirmação da manutenção e o produto</a:t>
+              <a:t>: Atendente informa testes e prazo</a:t>
             </a:r>
             <a:endParaRPr sz="2000">
               <a:highlight>
@@ -28187,7 +28987,7 @@
           <a:p>
             <a:pPr indent="0" lvl="0" marL="0" rtl="0" algn="l">
               <a:lnSpc>
-                <a:spcPct val="80000"/>
+                <a:spcPct val="70000"/>
               </a:lnSpc>
               <a:spcBef>
                 <a:spcPts val="0"/>
@@ -28207,7 +29007,7 @@
                   <a:schemeClr val="lt1"/>
                 </a:highlight>
               </a:rPr>
-              <a:t>Objetivo:</a:t>
+              <a:t>Objetivo: </a:t>
             </a:r>
             <a:r>
               <a:rPr lang="pt-BR" sz="2000">
@@ -28215,7 +29015,7 @@
                   <a:schemeClr val="lt1"/>
                 </a:highlight>
               </a:rPr>
-              <a:t>  Realizar a manutenção no produto.</a:t>
+              <a:t>Informar testes e prazo ao cliente</a:t>
             </a:r>
             <a:endParaRPr sz="2000">
               <a:highlight>
@@ -28226,7 +29026,7 @@
           <a:p>
             <a:pPr indent="0" lvl="0" marL="0" rtl="0" algn="l">
               <a:lnSpc>
-                <a:spcPct val="80000"/>
+                <a:spcPct val="70000"/>
               </a:lnSpc>
               <a:spcBef>
                 <a:spcPts val="0"/>
@@ -28254,7 +29054,7 @@
                   <a:schemeClr val="lt1"/>
                 </a:highlight>
               </a:rPr>
-              <a:t>: Técnico</a:t>
+              <a:t>: Atendente</a:t>
             </a:r>
             <a:endParaRPr sz="2000">
               <a:highlight>
@@ -28263,17 +29063,18 @@
             </a:endParaRPr>
           </a:p>
           <a:p>
-            <a:pPr indent="-355600" lvl="0" marL="457200" rtl="0" algn="just">
-              <a:lnSpc>
-                <a:spcPct val="80000"/>
-              </a:lnSpc>
-              <a:spcBef>
-                <a:spcPts val="0"/>
+            <a:pPr indent="-355600" lvl="0" marL="457200" rtl="0" algn="l">
+              <a:lnSpc>
+                <a:spcPct val="70000"/>
+              </a:lnSpc>
+              <a:spcBef>
+                <a:spcPts val="1000"/>
               </a:spcBef>
               <a:spcAft>
                 <a:spcPts val="0"/>
               </a:spcAft>
               <a:buSzPts val="2000"/>
+              <a:buFont typeface="Calibri"/>
               <a:buChar char="•"/>
             </a:pPr>
             <a:r>
@@ -28282,15 +29083,7 @@
                   <a:schemeClr val="lt1"/>
                 </a:highlight>
               </a:rPr>
-              <a:t>Guarda </a:t>
-            </a:r>
-            <a:r>
-              <a:rPr lang="pt-BR" sz="2000">
-                <a:highlight>
-                  <a:schemeClr val="lt1"/>
-                </a:highlight>
-              </a:rPr>
-              <a:t>o produto do cliente em produto de manutenção.</a:t>
+              <a:t>Verifica o problema descrito no chamado.</a:t>
             </a:r>
             <a:endParaRPr sz="2000">
               <a:highlight>
@@ -28299,9 +29092,51 @@
             </a:endParaRPr>
           </a:p>
           <a:p>
-            <a:pPr indent="-355600" lvl="0" marL="457200" rtl="0" algn="just">
-              <a:lnSpc>
-                <a:spcPct val="80000"/>
+            <a:pPr indent="-355600" lvl="1" marL="914400" rtl="0" algn="l">
+              <a:lnSpc>
+                <a:spcPct val="70000"/>
+              </a:lnSpc>
+              <a:spcBef>
+                <a:spcPts val="0"/>
+              </a:spcBef>
+              <a:spcAft>
+                <a:spcPts val="0"/>
+              </a:spcAft>
+              <a:buSzPts val="2000"/>
+              <a:buFont typeface="Calibri"/>
+              <a:buChar char="○"/>
+            </a:pPr>
+            <a:r>
+              <a:rPr lang="pt-BR" sz="2000">
+                <a:highlight>
+                  <a:schemeClr val="lt1"/>
+                </a:highlight>
+                <a:extLst>
+                  <a:ext uri="http://customooxmlschemas.google.com/">
+                    <go:slidesCustomData xmlns:go="http://customooxmlschemas.google.com/" textRoundtripDataId="3"/>
+                  </a:ext>
+                </a:extLst>
+              </a:rPr>
+              <a:t>Se o defeito foi causado por mau uso</a:t>
+            </a:r>
+            <a:r>
+              <a:rPr lang="pt-BR" sz="2000">
+                <a:highlight>
+                  <a:schemeClr val="lt1"/>
+                </a:highlight>
+              </a:rPr>
+              <a:t> ou o cliente comprou um equipamento que não atende o seu uso e reportar como um defeito, a solicitação será recusada e o status do chamado encerrado.</a:t>
+            </a:r>
+            <a:endParaRPr sz="2000">
+              <a:highlight>
+                <a:schemeClr val="lt1"/>
+              </a:highlight>
+            </a:endParaRPr>
+          </a:p>
+          <a:p>
+            <a:pPr indent="-355600" lvl="0" marL="457200" rtl="0" algn="l">
+              <a:lnSpc>
+                <a:spcPct val="70000"/>
               </a:lnSpc>
               <a:spcBef>
                 <a:spcPts val="0"/>
@@ -28318,7 +29153,35 @@
                   <a:schemeClr val="lt1"/>
                 </a:highlight>
               </a:rPr>
-              <a:t>Inicia a manutenção e guarda o status da manutenção “iniciada”.</a:t>
+              <a:t>Auxilia o cliente a realizar os testes diagnósticos e atualiza o chamado de acordo com o resultado dos testes.</a:t>
+            </a:r>
+            <a:endParaRPr sz="2000">
+              <a:highlight>
+                <a:schemeClr val="lt1"/>
+              </a:highlight>
+            </a:endParaRPr>
+          </a:p>
+          <a:p>
+            <a:pPr indent="-355600" lvl="0" marL="457200" rtl="0" algn="l">
+              <a:lnSpc>
+                <a:spcPct val="70000"/>
+              </a:lnSpc>
+              <a:spcBef>
+                <a:spcPts val="0"/>
+              </a:spcBef>
+              <a:spcAft>
+                <a:spcPts val="0"/>
+              </a:spcAft>
+              <a:buSzPts val="2000"/>
+              <a:buChar char="•"/>
+            </a:pPr>
+            <a:r>
+              <a:rPr lang="pt-BR" sz="2000">
+                <a:highlight>
+                  <a:schemeClr val="lt1"/>
+                </a:highlight>
+              </a:rPr>
+              <a:t>Informa testes e prazo.</a:t>
             </a:r>
             <a:endParaRPr sz="2000">
               <a:highlight>
@@ -28329,21 +29192,20 @@
           <a:p>
             <a:pPr indent="0" lvl="0" marL="0" rtl="0" algn="l">
               <a:lnSpc>
-                <a:spcPct val="80000"/>
-              </a:lnSpc>
-              <a:spcBef>
-                <a:spcPts val="1000"/>
-              </a:spcBef>
-              <a:spcAft>
-                <a:spcPts val="0"/>
-              </a:spcAft>
-              <a:buSzPts val="1800"/>
+                <a:spcPct val="70000"/>
+              </a:lnSpc>
+              <a:spcBef>
+                <a:spcPts val="0"/>
+              </a:spcBef>
+              <a:spcAft>
+                <a:spcPts val="0"/>
+              </a:spcAft>
               <a:buNone/>
             </a:pPr>
             <a:r>
               <a:t/>
             </a:r>
-            <a:endParaRPr sz="1400">
+            <a:endParaRPr sz="2000">
               <a:highlight>
                 <a:schemeClr val="lt1"/>
               </a:highlight>
@@ -28353,7 +29215,7 @@
       </p:sp>
       <p:pic>
         <p:nvPicPr>
-          <p:cNvPr id="146" name="Google Shape;146;gce01f6a808_0_0"/>
+          <p:cNvPr id="146" name="Google Shape;146;gc925418432_0_12"/>
           <p:cNvPicPr preferRelativeResize="0"/>
           <p:nvPr/>
         </p:nvPicPr>
@@ -28367,8 +29229,8 @@
         </p:blipFill>
         <p:spPr>
           <a:xfrm>
-            <a:off x="721775" y="1690825"/>
-            <a:ext cx="6267450" cy="3924300"/>
+            <a:off x="1852025" y="1690825"/>
+            <a:ext cx="4581525" cy="3829050"/>
           </a:xfrm>
           <a:prstGeom prst="rect">
             <a:avLst/>
